--- a/MasterThesis_Presentation2_MarkusBimassl.pptx
+++ b/MasterThesis_Presentation2_MarkusBimassl.pptx
@@ -7643,15 +7643,15 @@
       </p:sp>
       <p:pic>
         <p:nvPicPr>
-          <p:cNvPr id="16386" name="Picture 2">
-            <a:extLst>
-              <a:ext uri="{FF2B5EF4-FFF2-40B4-BE49-F238E27FC236}">
-                <a16:creationId xmlns:a16="http://schemas.microsoft.com/office/drawing/2014/main" id="{1B4ADAE4-D83F-3CCD-42EB-FCA6C7151081}"/>
+          <p:cNvPr id="7" name="Picture 6" descr="A graph of a test&#10;&#10;Description automatically generated with medium confidence">
+            <a:extLst>
+              <a:ext uri="{FF2B5EF4-FFF2-40B4-BE49-F238E27FC236}">
+                <a16:creationId xmlns:a16="http://schemas.microsoft.com/office/drawing/2014/main" id="{2CFE027C-0A5B-E00F-DECB-AD16A577ACAD}"/>
               </a:ext>
             </a:extLst>
           </p:cNvPr>
           <p:cNvPicPr>
-            <a:picLocks noChangeAspect="1" noChangeArrowheads="1"/>
+            <a:picLocks noChangeAspect="1"/>
           </p:cNvPicPr>
           <p:nvPr/>
         </p:nvPicPr>
@@ -7663,80 +7663,32 @@
               </a:ext>
             </a:extLst>
           </a:blip>
-          <a:srcRect/>
           <a:stretch>
             <a:fillRect/>
           </a:stretch>
         </p:blipFill>
-        <p:spPr bwMode="auto">
+        <p:spPr>
           <a:xfrm>
-            <a:off x="3851275" y="2146300"/>
-            <a:ext cx="3155389" cy="4102100"/>
+            <a:off x="990888" y="1464199"/>
+            <a:ext cx="10210224" cy="4691401"/>
           </a:xfrm>
           <a:prstGeom prst="rect">
             <a:avLst/>
           </a:prstGeom>
-          <a:noFill/>
-          <a:extLst>
-            <a:ext uri="{909E8E84-426E-40DD-AFC4-6F175D3DCCD1}">
-              <a14:hiddenFill xmlns:a14="http://schemas.microsoft.com/office/drawing/2010/main">
-                <a:solidFill>
-                  <a:srgbClr val="FFFFFF"/>
-                </a:solidFill>
-              </a14:hiddenFill>
-            </a:ext>
-          </a:extLst>
+          <a:ln w="28575">
+            <a:solidFill>
+              <a:schemeClr val="tx2"/>
+            </a:solidFill>
+          </a:ln>
+          <a:effectLst>
+            <a:outerShdw blurRad="50800" dist="38100" dir="2700000" algn="tl" rotWithShape="0">
+              <a:prstClr val="black">
+                <a:alpha val="40000"/>
+              </a:prstClr>
+            </a:outerShdw>
+          </a:effectLst>
         </p:spPr>
       </p:pic>
-      <p:sp>
-        <p:nvSpPr>
-          <p:cNvPr id="3" name="Rectangle 2">
-            <a:extLst>
-              <a:ext uri="{FF2B5EF4-FFF2-40B4-BE49-F238E27FC236}">
-                <a16:creationId xmlns:a16="http://schemas.microsoft.com/office/drawing/2014/main" id="{1F8F6661-F627-2E9C-7390-9AFDF67FEB8D}"/>
-              </a:ext>
-            </a:extLst>
-          </p:cNvPr>
-          <p:cNvSpPr/>
-          <p:nvPr/>
-        </p:nvSpPr>
-        <p:spPr>
-          <a:xfrm>
-            <a:off x="-922866" y="313267"/>
-            <a:ext cx="9254066" cy="962080"/>
-          </a:xfrm>
-          <a:prstGeom prst="rect">
-            <a:avLst/>
-          </a:prstGeom>
-          <a:solidFill>
-            <a:srgbClr val="FF0000"/>
-          </a:solidFill>
-        </p:spPr>
-        <p:style>
-          <a:lnRef idx="2">
-            <a:schemeClr val="accent1">
-              <a:shade val="15000"/>
-            </a:schemeClr>
-          </a:lnRef>
-          <a:fillRef idx="1">
-            <a:schemeClr val="accent1"/>
-          </a:fillRef>
-          <a:effectRef idx="0">
-            <a:schemeClr val="accent1"/>
-          </a:effectRef>
-          <a:fontRef idx="minor">
-            <a:schemeClr val="lt1"/>
-          </a:fontRef>
-        </p:style>
-        <p:txBody>
-          <a:bodyPr rtlCol="0" anchor="ctr"/>
-          <a:lstStyle/>
-          <a:p>
-            <a:pPr algn="ctr"/>
-            <a:endParaRPr lang="en-US"/>
-          </a:p>
-        </p:txBody>
-      </p:sp>
     </p:spTree>
     <p:extLst>
       <p:ext uri="{BB962C8B-B14F-4D97-AF65-F5344CB8AC3E}">
@@ -7798,15 +7750,15 @@
       </p:sp>
       <p:pic>
         <p:nvPicPr>
-          <p:cNvPr id="18434" name="Picture 2">
-            <a:extLst>
-              <a:ext uri="{FF2B5EF4-FFF2-40B4-BE49-F238E27FC236}">
-                <a16:creationId xmlns:a16="http://schemas.microsoft.com/office/drawing/2014/main" id="{84151CF7-0EE4-F8B2-1061-45DCFF87BB2F}"/>
+          <p:cNvPr id="5" name="Picture 4" descr="A graph of a test&#10;&#10;Description automatically generated">
+            <a:extLst>
+              <a:ext uri="{FF2B5EF4-FFF2-40B4-BE49-F238E27FC236}">
+                <a16:creationId xmlns:a16="http://schemas.microsoft.com/office/drawing/2014/main" id="{ED511050-2EC8-40A8-7809-D858913C7377}"/>
               </a:ext>
             </a:extLst>
           </p:cNvPr>
           <p:cNvPicPr>
-            <a:picLocks noChangeAspect="1" noChangeArrowheads="1"/>
+            <a:picLocks noChangeAspect="1"/>
           </p:cNvPicPr>
           <p:nvPr/>
         </p:nvPicPr>
@@ -7818,80 +7770,32 @@
               </a:ext>
             </a:extLst>
           </a:blip>
-          <a:srcRect/>
           <a:stretch>
             <a:fillRect/>
           </a:stretch>
         </p:blipFill>
-        <p:spPr bwMode="auto">
+        <p:spPr>
           <a:xfrm>
-            <a:off x="3762375" y="1742013"/>
-            <a:ext cx="3654425" cy="4750862"/>
+            <a:off x="990888" y="1547282"/>
+            <a:ext cx="10216091" cy="4436268"/>
           </a:xfrm>
           <a:prstGeom prst="rect">
             <a:avLst/>
           </a:prstGeom>
-          <a:noFill/>
-          <a:extLst>
-            <a:ext uri="{909E8E84-426E-40DD-AFC4-6F175D3DCCD1}">
-              <a14:hiddenFill xmlns:a14="http://schemas.microsoft.com/office/drawing/2010/main">
-                <a:solidFill>
-                  <a:srgbClr val="FFFFFF"/>
-                </a:solidFill>
-              </a14:hiddenFill>
-            </a:ext>
-          </a:extLst>
+          <a:ln w="28575">
+            <a:solidFill>
+              <a:schemeClr val="tx2"/>
+            </a:solidFill>
+          </a:ln>
+          <a:effectLst>
+            <a:outerShdw blurRad="50800" dist="38100" dir="2700000" algn="tl" rotWithShape="0">
+              <a:prstClr val="black">
+                <a:alpha val="40000"/>
+              </a:prstClr>
+            </a:outerShdw>
+          </a:effectLst>
         </p:spPr>
       </p:pic>
-      <p:sp>
-        <p:nvSpPr>
-          <p:cNvPr id="3" name="Rectangle 2">
-            <a:extLst>
-              <a:ext uri="{FF2B5EF4-FFF2-40B4-BE49-F238E27FC236}">
-                <a16:creationId xmlns:a16="http://schemas.microsoft.com/office/drawing/2014/main" id="{8811F947-B7A9-E23B-E33B-F7898BA31AB5}"/>
-              </a:ext>
-            </a:extLst>
-          </p:cNvPr>
-          <p:cNvSpPr/>
-          <p:nvPr/>
-        </p:nvSpPr>
-        <p:spPr>
-          <a:xfrm>
-            <a:off x="-922866" y="313267"/>
-            <a:ext cx="9254066" cy="962080"/>
-          </a:xfrm>
-          <a:prstGeom prst="rect">
-            <a:avLst/>
-          </a:prstGeom>
-          <a:solidFill>
-            <a:srgbClr val="FF0000"/>
-          </a:solidFill>
-        </p:spPr>
-        <p:style>
-          <a:lnRef idx="2">
-            <a:schemeClr val="accent1">
-              <a:shade val="15000"/>
-            </a:schemeClr>
-          </a:lnRef>
-          <a:fillRef idx="1">
-            <a:schemeClr val="accent1"/>
-          </a:fillRef>
-          <a:effectRef idx="0">
-            <a:schemeClr val="accent1"/>
-          </a:effectRef>
-          <a:fontRef idx="minor">
-            <a:schemeClr val="lt1"/>
-          </a:fontRef>
-        </p:style>
-        <p:txBody>
-          <a:bodyPr rtlCol="0" anchor="ctr"/>
-          <a:lstStyle/>
-          <a:p>
-            <a:pPr algn="ctr"/>
-            <a:endParaRPr lang="en-US"/>
-          </a:p>
-        </p:txBody>
-      </p:sp>
     </p:spTree>
     <p:extLst>
       <p:ext uri="{BB962C8B-B14F-4D97-AF65-F5344CB8AC3E}">
@@ -12913,17 +12817,6 @@
 </file>
 
 <file path=customXml/item1.xml><?xml version="1.0" encoding="utf-8"?>
-<p:properties xmlns:p="http://schemas.microsoft.com/office/2006/metadata/properties" xmlns:xsi="http://www.w3.org/2001/XMLSchema-instance" xmlns:pc="http://schemas.microsoft.com/office/infopath/2007/PartnerControls">
-  <documentManagement>
-    <lcf76f155ced4ddcb4097134ff3c332f xmlns="b0641940-9653-45b2-89d8-3045b73e292f">
-      <Terms xmlns="http://schemas.microsoft.com/office/infopath/2007/PartnerControls"/>
-    </lcf76f155ced4ddcb4097134ff3c332f>
-    <TaxCatchAll xmlns="269ae7e7-5817-44a4-b0f1-a2146e3fa140" xsi:nil="true"/>
-  </documentManagement>
-</p:properties>
-</file>
-
-<file path=customXml/item2.xml><?xml version="1.0" encoding="utf-8"?>
 <?mso-contentType ?>
 <FormTemplates xmlns="http://schemas.microsoft.com/sharepoint/v3/contenttype/forms">
   <Display>DocumentLibraryForm</Display>
@@ -12932,7 +12825,7 @@
 </FormTemplates>
 </file>
 
-<file path=customXml/item3.xml><?xml version="1.0" encoding="utf-8"?>
+<file path=customXml/item2.xml><?xml version="1.0" encoding="utf-8"?>
 <ct:contentTypeSchema xmlns:ct="http://schemas.microsoft.com/office/2006/metadata/contentType" xmlns:ma="http://schemas.microsoft.com/office/2006/metadata/properties/metaAttributes" ct:_="" ma:_="" ma:contentTypeName="Document" ma:contentTypeID="0x0101003A5E0044283A984AA3183FE88FF25A0B" ma:contentTypeVersion="9" ma:contentTypeDescription="Create a new document." ma:contentTypeScope="" ma:versionID="ed9c539b4b08274a335eafb8b201f276">
   <xsd:schema xmlns:xsd="http://www.w3.org/2001/XMLSchema" xmlns:xs="http://www.w3.org/2001/XMLSchema" xmlns:p="http://schemas.microsoft.com/office/2006/metadata/properties" xmlns:ns2="b0641940-9653-45b2-89d8-3045b73e292f" xmlns:ns3="269ae7e7-5817-44a4-b0f1-a2146e3fa140" targetNamespace="http://schemas.microsoft.com/office/2006/metadata/properties" ma:root="true" ma:fieldsID="ebc72565b0ea93eef8c00cb7a1023876" ns2:_="" ns3:_="">
     <xsd:import namespace="b0641940-9653-45b2-89d8-3045b73e292f"/>
@@ -13115,24 +13008,18 @@
 </ct:contentTypeSchema>
 </file>
 
-<file path=customXml/itemProps1.xml><?xml version="1.0" encoding="utf-8"?>
-<ds:datastoreItem xmlns:ds="http://schemas.openxmlformats.org/officeDocument/2006/customXml" ds:itemID="{A6398018-3204-43D6-A353-7B6FCC26835E}">
-  <ds:schemaRefs>
-    <ds:schemaRef ds:uri="http://www.w3.org/XML/1998/namespace"/>
-    <ds:schemaRef ds:uri="http://schemas.microsoft.com/office/2006/metadata/properties"/>
-    <ds:schemaRef ds:uri="http://schemas.microsoft.com/office/2006/documentManagement/types"/>
-    <ds:schemaRef ds:uri="http://purl.org/dc/dcmitype/"/>
-    <ds:schemaRef ds:uri="http://purl.org/dc/elements/1.1/"/>
-    <ds:schemaRef ds:uri="http://purl.org/dc/terms/"/>
-    <ds:schemaRef ds:uri="269ae7e7-5817-44a4-b0f1-a2146e3fa140"/>
-    <ds:schemaRef ds:uri="http://schemas.microsoft.com/office/infopath/2007/PartnerControls"/>
-    <ds:schemaRef ds:uri="http://schemas.openxmlformats.org/package/2006/metadata/core-properties"/>
-    <ds:schemaRef ds:uri="b0641940-9653-45b2-89d8-3045b73e292f"/>
-  </ds:schemaRefs>
-</ds:datastoreItem>
+<file path=customXml/item3.xml><?xml version="1.0" encoding="utf-8"?>
+<p:properties xmlns:p="http://schemas.microsoft.com/office/2006/metadata/properties" xmlns:xsi="http://www.w3.org/2001/XMLSchema-instance" xmlns:pc="http://schemas.microsoft.com/office/infopath/2007/PartnerControls">
+  <documentManagement>
+    <lcf76f155ced4ddcb4097134ff3c332f xmlns="b0641940-9653-45b2-89d8-3045b73e292f">
+      <Terms xmlns="http://schemas.microsoft.com/office/infopath/2007/PartnerControls"/>
+    </lcf76f155ced4ddcb4097134ff3c332f>
+    <TaxCatchAll xmlns="269ae7e7-5817-44a4-b0f1-a2146e3fa140" xsi:nil="true"/>
+  </documentManagement>
+</p:properties>
 </file>
 
-<file path=customXml/itemProps2.xml><?xml version="1.0" encoding="utf-8"?>
+<file path=customXml/itemProps1.xml><?xml version="1.0" encoding="utf-8"?>
 <ds:datastoreItem xmlns:ds="http://schemas.openxmlformats.org/officeDocument/2006/customXml" ds:itemID="{EDC96BED-89A2-4AF3-A7DD-253537B6C8A3}">
   <ds:schemaRefs>
     <ds:schemaRef ds:uri="http://schemas.microsoft.com/sharepoint/v3/contenttype/forms"/>
@@ -13140,7 +13027,7 @@
 </ds:datastoreItem>
 </file>
 
-<file path=customXml/itemProps3.xml><?xml version="1.0" encoding="utf-8"?>
+<file path=customXml/itemProps2.xml><?xml version="1.0" encoding="utf-8"?>
 <ds:datastoreItem xmlns:ds="http://schemas.openxmlformats.org/officeDocument/2006/customXml" ds:itemID="{2A067BC8-A1DE-4BB9-993E-878541B27B54}">
   <ds:schemaRefs>
     <ds:schemaRef ds:uri="http://schemas.microsoft.com/office/2006/metadata/contentType"/>
@@ -13157,4 +13044,21 @@
     <ds:schemaRef ds:uri="http://schemas.microsoft.com/internal/obd"/>
   </ds:schemaRefs>
 </ds:datastoreItem>
+</file>
+
+<file path=customXml/itemProps3.xml><?xml version="1.0" encoding="utf-8"?>
+<ds:datastoreItem xmlns:ds="http://schemas.openxmlformats.org/officeDocument/2006/customXml" ds:itemID="{A6398018-3204-43D6-A353-7B6FCC26835E}">
+  <ds:schemaRefs>
+    <ds:schemaRef ds:uri="http://www.w3.org/XML/1998/namespace"/>
+    <ds:schemaRef ds:uri="http://schemas.microsoft.com/office/2006/metadata/properties"/>
+    <ds:schemaRef ds:uri="http://schemas.microsoft.com/office/2006/documentManagement/types"/>
+    <ds:schemaRef ds:uri="http://purl.org/dc/dcmitype/"/>
+    <ds:schemaRef ds:uri="http://purl.org/dc/elements/1.1/"/>
+    <ds:schemaRef ds:uri="http://purl.org/dc/terms/"/>
+    <ds:schemaRef ds:uri="269ae7e7-5817-44a4-b0f1-a2146e3fa140"/>
+    <ds:schemaRef ds:uri="http://schemas.microsoft.com/office/infopath/2007/PartnerControls"/>
+    <ds:schemaRef ds:uri="http://schemas.openxmlformats.org/package/2006/metadata/core-properties"/>
+    <ds:schemaRef ds:uri="b0641940-9653-45b2-89d8-3045b73e292f"/>
+  </ds:schemaRefs>
+</ds:datastoreItem>
 </file>
--- a/MasterThesis_Presentation2_MarkusBimassl.pptx
+++ b/MasterThesis_Presentation2_MarkusBimassl.pptx
@@ -4,6 +4,9 @@
   <p:sldMasterIdLst>
     <p:sldMasterId id="2147483660" r:id="rId4"/>
   </p:sldMasterIdLst>
+  <p:notesMasterIdLst>
+    <p:notesMasterId r:id="rId68"/>
+  </p:notesMasterIdLst>
   <p:sldIdLst>
     <p:sldId id="300" r:id="rId5"/>
     <p:sldId id="257" r:id="rId6"/>
@@ -16,43 +19,58 @@
     <p:sldId id="304" r:id="rId13"/>
     <p:sldId id="305" r:id="rId14"/>
     <p:sldId id="269" r:id="rId15"/>
-    <p:sldId id="299" r:id="rId16"/>
-    <p:sldId id="313" r:id="rId17"/>
-    <p:sldId id="314" r:id="rId18"/>
-    <p:sldId id="318" r:id="rId19"/>
-    <p:sldId id="316" r:id="rId20"/>
-    <p:sldId id="306" r:id="rId21"/>
-    <p:sldId id="281" r:id="rId22"/>
-    <p:sldId id="282" r:id="rId23"/>
-    <p:sldId id="283" r:id="rId24"/>
-    <p:sldId id="307" r:id="rId25"/>
-    <p:sldId id="285" r:id="rId26"/>
-    <p:sldId id="286" r:id="rId27"/>
-    <p:sldId id="288" r:id="rId28"/>
-    <p:sldId id="290" r:id="rId29"/>
-    <p:sldId id="291" r:id="rId30"/>
-    <p:sldId id="308" r:id="rId31"/>
-    <p:sldId id="292" r:id="rId32"/>
-    <p:sldId id="294" r:id="rId33"/>
-    <p:sldId id="309" r:id="rId34"/>
-    <p:sldId id="310" r:id="rId35"/>
-    <p:sldId id="261" r:id="rId36"/>
-    <p:sldId id="265" r:id="rId37"/>
-    <p:sldId id="266" r:id="rId38"/>
-    <p:sldId id="268" r:id="rId39"/>
-    <p:sldId id="270" r:id="rId40"/>
-    <p:sldId id="271" r:id="rId41"/>
-    <p:sldId id="272" r:id="rId42"/>
-    <p:sldId id="273" r:id="rId43"/>
-    <p:sldId id="274" r:id="rId44"/>
-    <p:sldId id="275" r:id="rId45"/>
-    <p:sldId id="276" r:id="rId46"/>
-    <p:sldId id="277" r:id="rId47"/>
-    <p:sldId id="278" r:id="rId48"/>
-    <p:sldId id="317" r:id="rId49"/>
-    <p:sldId id="287" r:id="rId50"/>
-    <p:sldId id="289" r:id="rId51"/>
-    <p:sldId id="295" r:id="rId52"/>
+    <p:sldId id="334" r:id="rId16"/>
+    <p:sldId id="335" r:id="rId17"/>
+    <p:sldId id="336" r:id="rId18"/>
+    <p:sldId id="299" r:id="rId19"/>
+    <p:sldId id="313" r:id="rId20"/>
+    <p:sldId id="314" r:id="rId21"/>
+    <p:sldId id="318" r:id="rId22"/>
+    <p:sldId id="316" r:id="rId23"/>
+    <p:sldId id="306" r:id="rId24"/>
+    <p:sldId id="281" r:id="rId25"/>
+    <p:sldId id="324" r:id="rId26"/>
+    <p:sldId id="325" r:id="rId27"/>
+    <p:sldId id="326" r:id="rId28"/>
+    <p:sldId id="327" r:id="rId29"/>
+    <p:sldId id="320" r:id="rId30"/>
+    <p:sldId id="321" r:id="rId31"/>
+    <p:sldId id="322" r:id="rId32"/>
+    <p:sldId id="323" r:id="rId33"/>
+    <p:sldId id="329" r:id="rId34"/>
+    <p:sldId id="331" r:id="rId35"/>
+    <p:sldId id="330" r:id="rId36"/>
+    <p:sldId id="332" r:id="rId37"/>
+    <p:sldId id="338" r:id="rId38"/>
+    <p:sldId id="337" r:id="rId39"/>
+    <p:sldId id="307" r:id="rId40"/>
+    <p:sldId id="285" r:id="rId41"/>
+    <p:sldId id="286" r:id="rId42"/>
+    <p:sldId id="288" r:id="rId43"/>
+    <p:sldId id="290" r:id="rId44"/>
+    <p:sldId id="291" r:id="rId45"/>
+    <p:sldId id="308" r:id="rId46"/>
+    <p:sldId id="292" r:id="rId47"/>
+    <p:sldId id="294" r:id="rId48"/>
+    <p:sldId id="309" r:id="rId49"/>
+    <p:sldId id="310" r:id="rId50"/>
+    <p:sldId id="261" r:id="rId51"/>
+    <p:sldId id="265" r:id="rId52"/>
+    <p:sldId id="266" r:id="rId53"/>
+    <p:sldId id="268" r:id="rId54"/>
+    <p:sldId id="270" r:id="rId55"/>
+    <p:sldId id="271" r:id="rId56"/>
+    <p:sldId id="272" r:id="rId57"/>
+    <p:sldId id="273" r:id="rId58"/>
+    <p:sldId id="274" r:id="rId59"/>
+    <p:sldId id="275" r:id="rId60"/>
+    <p:sldId id="276" r:id="rId61"/>
+    <p:sldId id="277" r:id="rId62"/>
+    <p:sldId id="278" r:id="rId63"/>
+    <p:sldId id="317" r:id="rId64"/>
+    <p:sldId id="287" r:id="rId65"/>
+    <p:sldId id="289" r:id="rId66"/>
+    <p:sldId id="295" r:id="rId67"/>
   </p:sldIdLst>
   <p:sldSz cx="12192000" cy="6858000"/>
   <p:notesSz cx="6858000" cy="9144000"/>
@@ -157,6 +175,439 @@
     </p:ext>
   </p:extLst>
 </p:presentation>
+</file>
+
+<file path=ppt/notesMasters/notesMaster1.xml><?xml version="1.0" encoding="utf-8"?>
+<p:notesMaster xmlns:a="http://schemas.openxmlformats.org/drawingml/2006/main" xmlns:r="http://schemas.openxmlformats.org/officeDocument/2006/relationships" xmlns:p="http://schemas.openxmlformats.org/presentationml/2006/main">
+  <p:cSld>
+    <p:bg>
+      <p:bgRef idx="1001">
+        <a:schemeClr val="bg1"/>
+      </p:bgRef>
+    </p:bg>
+    <p:spTree>
+      <p:nvGrpSpPr>
+        <p:cNvPr id="1" name=""/>
+        <p:cNvGrpSpPr/>
+        <p:nvPr/>
+      </p:nvGrpSpPr>
+      <p:grpSpPr>
+        <a:xfrm>
+          <a:off x="0" y="0"/>
+          <a:ext cx="0" cy="0"/>
+          <a:chOff x="0" y="0"/>
+          <a:chExt cx="0" cy="0"/>
+        </a:xfrm>
+      </p:grpSpPr>
+      <p:sp>
+        <p:nvSpPr>
+          <p:cNvPr id="2" name="Header Placeholder 1"/>
+          <p:cNvSpPr>
+            <a:spLocks noGrp="1"/>
+          </p:cNvSpPr>
+          <p:nvPr>
+            <p:ph type="hdr" sz="quarter"/>
+          </p:nvPr>
+        </p:nvSpPr>
+        <p:spPr>
+          <a:xfrm>
+            <a:off x="0" y="0"/>
+            <a:ext cx="2971800" cy="458788"/>
+          </a:xfrm>
+          <a:prstGeom prst="rect">
+            <a:avLst/>
+          </a:prstGeom>
+        </p:spPr>
+        <p:txBody>
+          <a:bodyPr vert="horz" lIns="91440" tIns="45720" rIns="91440" bIns="45720" rtlCol="0"/>
+          <a:lstStyle>
+            <a:lvl1pPr algn="l">
+              <a:defRPr sz="1200"/>
+            </a:lvl1pPr>
+          </a:lstStyle>
+          <a:p>
+            <a:endParaRPr lang="en-US"/>
+          </a:p>
+        </p:txBody>
+      </p:sp>
+      <p:sp>
+        <p:nvSpPr>
+          <p:cNvPr id="3" name="Date Placeholder 2"/>
+          <p:cNvSpPr>
+            <a:spLocks noGrp="1"/>
+          </p:cNvSpPr>
+          <p:nvPr>
+            <p:ph type="dt" idx="1"/>
+          </p:nvPr>
+        </p:nvSpPr>
+        <p:spPr>
+          <a:xfrm>
+            <a:off x="3884613" y="0"/>
+            <a:ext cx="2971800" cy="458788"/>
+          </a:xfrm>
+          <a:prstGeom prst="rect">
+            <a:avLst/>
+          </a:prstGeom>
+        </p:spPr>
+        <p:txBody>
+          <a:bodyPr vert="horz" lIns="91440" tIns="45720" rIns="91440" bIns="45720" rtlCol="0"/>
+          <a:lstStyle>
+            <a:lvl1pPr algn="r">
+              <a:defRPr sz="1200"/>
+            </a:lvl1pPr>
+          </a:lstStyle>
+          <a:p>
+            <a:fld id="{89927670-F997-4F95-BDFF-78B623CDD924}" type="datetimeFigureOut">
+              <a:rPr lang="en-US" smtClean="0"/>
+              <a:t>9/13/2023</a:t>
+            </a:fld>
+            <a:endParaRPr lang="en-US"/>
+          </a:p>
+        </p:txBody>
+      </p:sp>
+      <p:sp>
+        <p:nvSpPr>
+          <p:cNvPr id="4" name="Slide Image Placeholder 3"/>
+          <p:cNvSpPr>
+            <a:spLocks noGrp="1" noRot="1" noChangeAspect="1"/>
+          </p:cNvSpPr>
+          <p:nvPr>
+            <p:ph type="sldImg" idx="2"/>
+          </p:nvPr>
+        </p:nvSpPr>
+        <p:spPr>
+          <a:xfrm>
+            <a:off x="685800" y="1143000"/>
+            <a:ext cx="5486400" cy="3086100"/>
+          </a:xfrm>
+          <a:prstGeom prst="rect">
+            <a:avLst/>
+          </a:prstGeom>
+          <a:noFill/>
+          <a:ln w="12700">
+            <a:solidFill>
+              <a:prstClr val="black"/>
+            </a:solidFill>
+          </a:ln>
+        </p:spPr>
+        <p:txBody>
+          <a:bodyPr vert="horz" lIns="91440" tIns="45720" rIns="91440" bIns="45720" rtlCol="0" anchor="ctr"/>
+          <a:lstStyle/>
+          <a:p>
+            <a:endParaRPr lang="en-US"/>
+          </a:p>
+        </p:txBody>
+      </p:sp>
+      <p:sp>
+        <p:nvSpPr>
+          <p:cNvPr id="5" name="Notes Placeholder 4"/>
+          <p:cNvSpPr>
+            <a:spLocks noGrp="1"/>
+          </p:cNvSpPr>
+          <p:nvPr>
+            <p:ph type="body" sz="quarter" idx="3"/>
+          </p:nvPr>
+        </p:nvSpPr>
+        <p:spPr>
+          <a:xfrm>
+            <a:off x="685800" y="4400550"/>
+            <a:ext cx="5486400" cy="3600450"/>
+          </a:xfrm>
+          <a:prstGeom prst="rect">
+            <a:avLst/>
+          </a:prstGeom>
+        </p:spPr>
+        <p:txBody>
+          <a:bodyPr vert="horz" lIns="91440" tIns="45720" rIns="91440" bIns="45720" rtlCol="0"/>
+          <a:lstStyle/>
+          <a:p>
+            <a:pPr lvl="0"/>
+            <a:r>
+              <a:rPr lang="en-US"/>
+              <a:t>Click to edit Master text styles</a:t>
+            </a:r>
+          </a:p>
+          <a:p>
+            <a:pPr lvl="1"/>
+            <a:r>
+              <a:rPr lang="en-US"/>
+              <a:t>Second level</a:t>
+            </a:r>
+          </a:p>
+          <a:p>
+            <a:pPr lvl="2"/>
+            <a:r>
+              <a:rPr lang="en-US"/>
+              <a:t>Third level</a:t>
+            </a:r>
+          </a:p>
+          <a:p>
+            <a:pPr lvl="3"/>
+            <a:r>
+              <a:rPr lang="en-US"/>
+              <a:t>Fourth level</a:t>
+            </a:r>
+          </a:p>
+          <a:p>
+            <a:pPr lvl="4"/>
+            <a:r>
+              <a:rPr lang="en-US"/>
+              <a:t>Fifth level</a:t>
+            </a:r>
+          </a:p>
+        </p:txBody>
+      </p:sp>
+      <p:sp>
+        <p:nvSpPr>
+          <p:cNvPr id="6" name="Footer Placeholder 5"/>
+          <p:cNvSpPr>
+            <a:spLocks noGrp="1"/>
+          </p:cNvSpPr>
+          <p:nvPr>
+            <p:ph type="ftr" sz="quarter" idx="4"/>
+          </p:nvPr>
+        </p:nvSpPr>
+        <p:spPr>
+          <a:xfrm>
+            <a:off x="0" y="8685213"/>
+            <a:ext cx="2971800" cy="458787"/>
+          </a:xfrm>
+          <a:prstGeom prst="rect">
+            <a:avLst/>
+          </a:prstGeom>
+        </p:spPr>
+        <p:txBody>
+          <a:bodyPr vert="horz" lIns="91440" tIns="45720" rIns="91440" bIns="45720" rtlCol="0" anchor="b"/>
+          <a:lstStyle>
+            <a:lvl1pPr algn="l">
+              <a:defRPr sz="1200"/>
+            </a:lvl1pPr>
+          </a:lstStyle>
+          <a:p>
+            <a:endParaRPr lang="en-US"/>
+          </a:p>
+        </p:txBody>
+      </p:sp>
+      <p:sp>
+        <p:nvSpPr>
+          <p:cNvPr id="7" name="Slide Number Placeholder 6"/>
+          <p:cNvSpPr>
+            <a:spLocks noGrp="1"/>
+          </p:cNvSpPr>
+          <p:nvPr>
+            <p:ph type="sldNum" sz="quarter" idx="5"/>
+          </p:nvPr>
+        </p:nvSpPr>
+        <p:spPr>
+          <a:xfrm>
+            <a:off x="3884613" y="8685213"/>
+            <a:ext cx="2971800" cy="458787"/>
+          </a:xfrm>
+          <a:prstGeom prst="rect">
+            <a:avLst/>
+          </a:prstGeom>
+        </p:spPr>
+        <p:txBody>
+          <a:bodyPr vert="horz" lIns="91440" tIns="45720" rIns="91440" bIns="45720" rtlCol="0" anchor="b"/>
+          <a:lstStyle>
+            <a:lvl1pPr algn="r">
+              <a:defRPr sz="1200"/>
+            </a:lvl1pPr>
+          </a:lstStyle>
+          <a:p>
+            <a:fld id="{6AB25622-DE31-485C-B224-65E13BF89E97}" type="slidenum">
+              <a:rPr lang="en-US" smtClean="0"/>
+              <a:t>‹#›</a:t>
+            </a:fld>
+            <a:endParaRPr lang="en-US"/>
+          </a:p>
+        </p:txBody>
+      </p:sp>
+    </p:spTree>
+    <p:extLst>
+      <p:ext uri="{BB962C8B-B14F-4D97-AF65-F5344CB8AC3E}">
+        <p14:creationId xmlns:p14="http://schemas.microsoft.com/office/powerpoint/2010/main" val="1490637213"/>
+      </p:ext>
+    </p:extLst>
+  </p:cSld>
+  <p:clrMap bg1="lt1" tx1="dk1" bg2="lt2" tx2="dk2" accent1="accent1" accent2="accent2" accent3="accent3" accent4="accent4" accent5="accent5" accent6="accent6" hlink="hlink" folHlink="folHlink"/>
+  <p:notesStyle>
+    <a:lvl1pPr marL="0" algn="l" defTabSz="914400" rtl="0" eaLnBrk="1" latinLnBrk="0" hangingPunct="1">
+      <a:defRPr sz="1200" kern="1200">
+        <a:solidFill>
+          <a:schemeClr val="tx1"/>
+        </a:solidFill>
+        <a:latin typeface="+mn-lt"/>
+        <a:ea typeface="+mn-ea"/>
+        <a:cs typeface="+mn-cs"/>
+      </a:defRPr>
+    </a:lvl1pPr>
+    <a:lvl2pPr marL="457200" algn="l" defTabSz="914400" rtl="0" eaLnBrk="1" latinLnBrk="0" hangingPunct="1">
+      <a:defRPr sz="1200" kern="1200">
+        <a:solidFill>
+          <a:schemeClr val="tx1"/>
+        </a:solidFill>
+        <a:latin typeface="+mn-lt"/>
+        <a:ea typeface="+mn-ea"/>
+        <a:cs typeface="+mn-cs"/>
+      </a:defRPr>
+    </a:lvl2pPr>
+    <a:lvl3pPr marL="914400" algn="l" defTabSz="914400" rtl="0" eaLnBrk="1" latinLnBrk="0" hangingPunct="1">
+      <a:defRPr sz="1200" kern="1200">
+        <a:solidFill>
+          <a:schemeClr val="tx1"/>
+        </a:solidFill>
+        <a:latin typeface="+mn-lt"/>
+        <a:ea typeface="+mn-ea"/>
+        <a:cs typeface="+mn-cs"/>
+      </a:defRPr>
+    </a:lvl3pPr>
+    <a:lvl4pPr marL="1371600" algn="l" defTabSz="914400" rtl="0" eaLnBrk="1" latinLnBrk="0" hangingPunct="1">
+      <a:defRPr sz="1200" kern="1200">
+        <a:solidFill>
+          <a:schemeClr val="tx1"/>
+        </a:solidFill>
+        <a:latin typeface="+mn-lt"/>
+        <a:ea typeface="+mn-ea"/>
+        <a:cs typeface="+mn-cs"/>
+      </a:defRPr>
+    </a:lvl4pPr>
+    <a:lvl5pPr marL="1828800" algn="l" defTabSz="914400" rtl="0" eaLnBrk="1" latinLnBrk="0" hangingPunct="1">
+      <a:defRPr sz="1200" kern="1200">
+        <a:solidFill>
+          <a:schemeClr val="tx1"/>
+        </a:solidFill>
+        <a:latin typeface="+mn-lt"/>
+        <a:ea typeface="+mn-ea"/>
+        <a:cs typeface="+mn-cs"/>
+      </a:defRPr>
+    </a:lvl5pPr>
+    <a:lvl6pPr marL="2286000" algn="l" defTabSz="914400" rtl="0" eaLnBrk="1" latinLnBrk="0" hangingPunct="1">
+      <a:defRPr sz="1200" kern="1200">
+        <a:solidFill>
+          <a:schemeClr val="tx1"/>
+        </a:solidFill>
+        <a:latin typeface="+mn-lt"/>
+        <a:ea typeface="+mn-ea"/>
+        <a:cs typeface="+mn-cs"/>
+      </a:defRPr>
+    </a:lvl6pPr>
+    <a:lvl7pPr marL="2743200" algn="l" defTabSz="914400" rtl="0" eaLnBrk="1" latinLnBrk="0" hangingPunct="1">
+      <a:defRPr sz="1200" kern="1200">
+        <a:solidFill>
+          <a:schemeClr val="tx1"/>
+        </a:solidFill>
+        <a:latin typeface="+mn-lt"/>
+        <a:ea typeface="+mn-ea"/>
+        <a:cs typeface="+mn-cs"/>
+      </a:defRPr>
+    </a:lvl7pPr>
+    <a:lvl8pPr marL="3200400" algn="l" defTabSz="914400" rtl="0" eaLnBrk="1" latinLnBrk="0" hangingPunct="1">
+      <a:defRPr sz="1200" kern="1200">
+        <a:solidFill>
+          <a:schemeClr val="tx1"/>
+        </a:solidFill>
+        <a:latin typeface="+mn-lt"/>
+        <a:ea typeface="+mn-ea"/>
+        <a:cs typeface="+mn-cs"/>
+      </a:defRPr>
+    </a:lvl8pPr>
+    <a:lvl9pPr marL="3657600" algn="l" defTabSz="914400" rtl="0" eaLnBrk="1" latinLnBrk="0" hangingPunct="1">
+      <a:defRPr sz="1200" kern="1200">
+        <a:solidFill>
+          <a:schemeClr val="tx1"/>
+        </a:solidFill>
+        <a:latin typeface="+mn-lt"/>
+        <a:ea typeface="+mn-ea"/>
+        <a:cs typeface="+mn-cs"/>
+      </a:defRPr>
+    </a:lvl9pPr>
+  </p:notesStyle>
+</p:notesMaster>
+</file>
+
+<file path=ppt/notesSlides/notesSlide1.xml><?xml version="1.0" encoding="utf-8"?>
+<p:notes xmlns:a="http://schemas.openxmlformats.org/drawingml/2006/main" xmlns:r="http://schemas.openxmlformats.org/officeDocument/2006/relationships" xmlns:p="http://schemas.openxmlformats.org/presentationml/2006/main">
+  <p:cSld>
+    <p:spTree>
+      <p:nvGrpSpPr>
+        <p:cNvPr id="1" name=""/>
+        <p:cNvGrpSpPr/>
+        <p:nvPr/>
+      </p:nvGrpSpPr>
+      <p:grpSpPr>
+        <a:xfrm>
+          <a:off x="0" y="0"/>
+          <a:ext cx="0" cy="0"/>
+          <a:chOff x="0" y="0"/>
+          <a:chExt cx="0" cy="0"/>
+        </a:xfrm>
+      </p:grpSpPr>
+      <p:sp>
+        <p:nvSpPr>
+          <p:cNvPr id="2" name="Slide Image Placeholder 1"/>
+          <p:cNvSpPr>
+            <a:spLocks noGrp="1" noRot="1" noChangeAspect="1"/>
+          </p:cNvSpPr>
+          <p:nvPr>
+            <p:ph type="sldImg"/>
+          </p:nvPr>
+        </p:nvSpPr>
+        <p:spPr/>
+      </p:sp>
+      <p:sp>
+        <p:nvSpPr>
+          <p:cNvPr id="3" name="Notes Placeholder 2"/>
+          <p:cNvSpPr>
+            <a:spLocks noGrp="1"/>
+          </p:cNvSpPr>
+          <p:nvPr>
+            <p:ph type="body" idx="1"/>
+          </p:nvPr>
+        </p:nvSpPr>
+        <p:spPr/>
+        <p:txBody>
+          <a:bodyPr/>
+          <a:lstStyle/>
+          <a:p>
+            <a:endParaRPr lang="en-US" dirty="0"/>
+          </a:p>
+        </p:txBody>
+      </p:sp>
+      <p:sp>
+        <p:nvSpPr>
+          <p:cNvPr id="4" name="Slide Number Placeholder 3"/>
+          <p:cNvSpPr>
+            <a:spLocks noGrp="1"/>
+          </p:cNvSpPr>
+          <p:nvPr>
+            <p:ph type="sldNum" sz="quarter" idx="5"/>
+          </p:nvPr>
+        </p:nvSpPr>
+        <p:spPr/>
+        <p:txBody>
+          <a:bodyPr/>
+          <a:lstStyle/>
+          <a:p>
+            <a:fld id="{6AB25622-DE31-485C-B224-65E13BF89E97}" type="slidenum">
+              <a:rPr lang="en-US" smtClean="0"/>
+              <a:t>27</a:t>
+            </a:fld>
+            <a:endParaRPr lang="en-US"/>
+          </a:p>
+        </p:txBody>
+      </p:sp>
+    </p:spTree>
+    <p:extLst>
+      <p:ext uri="{BB962C8B-B14F-4D97-AF65-F5344CB8AC3E}">
+        <p14:creationId xmlns:p14="http://schemas.microsoft.com/office/powerpoint/2010/main" val="2421003851"/>
+      </p:ext>
+    </p:extLst>
+  </p:cSld>
+  <p:clrMapOvr>
+    <a:masterClrMapping/>
+  </p:clrMapOvr>
+</p:notes>
 </file>
 
 <file path=ppt/slideLayouts/slideLayout1.xml><?xml version="1.0" encoding="utf-8"?>
@@ -506,9 +957,6 @@
   <p:clrMapOvr>
     <a:masterClrMapping/>
   </p:clrMapOvr>
-  <p:transition>
-    <p:fade/>
-  </p:transition>
 </p:sldLayout>
 </file>
 
@@ -886,9 +1334,6 @@
   <p:clrMapOvr>
     <a:masterClrMapping/>
   </p:clrMapOvr>
-  <p:transition>
-    <p:fade/>
-  </p:transition>
 </p:sldLayout>
 </file>
 
@@ -1109,9 +1554,6 @@
   <p:clrMapOvr>
     <a:masterClrMapping/>
   </p:clrMapOvr>
-  <p:transition>
-    <p:fade/>
-  </p:transition>
 </p:sldLayout>
 </file>
 
@@ -1303,9 +1745,6 @@
   <p:clrMapOvr>
     <a:masterClrMapping/>
   </p:clrMapOvr>
-  <p:transition>
-    <p:fade/>
-  </p:transition>
 </p:sldLayout>
 </file>
 
@@ -1614,9 +2053,6 @@
   <p:clrMapOvr>
     <a:masterClrMapping/>
   </p:clrMapOvr>
-  <p:transition>
-    <p:fade/>
-  </p:transition>
 </p:sldLayout>
 </file>
 
@@ -2093,9 +2529,6 @@
   <p:clrMapOvr>
     <a:masterClrMapping/>
   </p:clrMapOvr>
-  <p:transition>
-    <p:fade/>
-  </p:transition>
 </p:sldLayout>
 </file>
 
@@ -2410,9 +2843,6 @@
   <p:clrMapOvr>
     <a:masterClrMapping/>
   </p:clrMapOvr>
-  <p:transition>
-    <p:fade/>
-  </p:transition>
 </p:sldLayout>
 </file>
 
@@ -3379,9 +3809,6 @@
     <p:sldLayoutId id="2147483669" r:id="rId8"/>
     <p:sldLayoutId id="2147483671" r:id="rId9"/>
   </p:sldLayoutIdLst>
-  <p:transition>
-    <p:fade/>
-  </p:transition>
   <p:txStyles>
     <p:titleStyle>
       <a:lvl1pPr algn="l" defTabSz="1097167" rtl="0" eaLnBrk="1" latinLnBrk="0" hangingPunct="1">
@@ -3823,9 +4250,6 @@
   <p:clrMapOvr>
     <a:masterClrMapping/>
   </p:clrMapOvr>
-  <p:transition>
-    <p:fade/>
-  </p:transition>
 </p:sld>
 </file>
 
@@ -3935,9 +4359,6 @@
   <p:clrMapOvr>
     <a:masterClrMapping/>
   </p:clrMapOvr>
-  <p:transition>
-    <p:fade/>
-  </p:transition>
 </p:sld>
 </file>
 
@@ -4034,53 +4455,12 @@
           </a:extLst>
         </p:spPr>
       </p:pic>
-      <p:cxnSp>
-        <p:nvCxnSpPr>
-          <p:cNvPr id="6" name="Straight Connector 5">
-            <a:extLst>
-              <a:ext uri="{FF2B5EF4-FFF2-40B4-BE49-F238E27FC236}">
-                <a16:creationId xmlns:a16="http://schemas.microsoft.com/office/drawing/2014/main" id="{2DFDEBD1-98AC-7252-7A7B-22D35B51745C}"/>
-              </a:ext>
-            </a:extLst>
-          </p:cNvPr>
-          <p:cNvCxnSpPr/>
-          <p:nvPr/>
-        </p:nvCxnSpPr>
-        <p:spPr>
-          <a:xfrm>
-            <a:off x="5065295" y="2009274"/>
-            <a:ext cx="0" cy="4126581"/>
-          </a:xfrm>
-          <a:prstGeom prst="line">
-            <a:avLst/>
-          </a:prstGeom>
-          <a:ln w="76200">
-            <a:solidFill>
-              <a:srgbClr val="FF0000"/>
-            </a:solidFill>
-          </a:ln>
-        </p:spPr>
-        <p:style>
-          <a:lnRef idx="1">
-            <a:schemeClr val="accent1"/>
-          </a:lnRef>
-          <a:fillRef idx="0">
-            <a:schemeClr val="accent1"/>
-          </a:fillRef>
-          <a:effectRef idx="0">
-            <a:schemeClr val="accent1"/>
-          </a:effectRef>
-          <a:fontRef idx="minor">
-            <a:schemeClr val="tx1"/>
-          </a:fontRef>
-        </p:style>
-      </p:cxnSp>
       <p:sp>
         <p:nvSpPr>
-          <p:cNvPr id="7" name="Rectangle 6">
-            <a:extLst>
-              <a:ext uri="{FF2B5EF4-FFF2-40B4-BE49-F238E27FC236}">
-                <a16:creationId xmlns:a16="http://schemas.microsoft.com/office/drawing/2014/main" id="{3E63A38B-135B-24AA-C7A4-FD947A491F75}"/>
+          <p:cNvPr id="5" name="Rectangle 4">
+            <a:extLst>
+              <a:ext uri="{FF2B5EF4-FFF2-40B4-BE49-F238E27FC236}">
+                <a16:creationId xmlns:a16="http://schemas.microsoft.com/office/drawing/2014/main" id="{B60FCED5-1DC5-A303-51D6-0A98C8E0B48E}"/>
               </a:ext>
             </a:extLst>
           </p:cNvPr>
@@ -4089,8 +4469,8 @@
         </p:nvSpPr>
         <p:spPr>
           <a:xfrm>
-            <a:off x="3525252" y="5113421"/>
-            <a:ext cx="1383632" cy="469232"/>
+            <a:off x="393700" y="357370"/>
+            <a:ext cx="2362200" cy="1151466"/>
           </a:xfrm>
           <a:prstGeom prst="rect">
             <a:avLst/>
@@ -4121,112 +4501,14 @@
           <a:p>
             <a:pPr algn="ctr"/>
             <a:r>
+              <a:rPr lang="en-AT" dirty="0" err="1"/>
+              <a:t>Einleitung</a:t>
+            </a:r>
+            <a:r>
               <a:rPr lang="en-AT" dirty="0"/>
-              <a:t>X-to-DB</a:t>
+              <a:t>?</a:t>
             </a:r>
             <a:endParaRPr lang="en-US" dirty="0"/>
-          </a:p>
-        </p:txBody>
-      </p:sp>
-      <p:sp>
-        <p:nvSpPr>
-          <p:cNvPr id="8" name="Rectangle 7">
-            <a:extLst>
-              <a:ext uri="{FF2B5EF4-FFF2-40B4-BE49-F238E27FC236}">
-                <a16:creationId xmlns:a16="http://schemas.microsoft.com/office/drawing/2014/main" id="{2F17E22A-A701-EB77-0ACF-190333BE7B46}"/>
-              </a:ext>
-            </a:extLst>
-          </p:cNvPr>
-          <p:cNvSpPr/>
-          <p:nvPr/>
-        </p:nvSpPr>
-        <p:spPr>
-          <a:xfrm>
-            <a:off x="5221707" y="5113421"/>
-            <a:ext cx="1383632" cy="469232"/>
-          </a:xfrm>
-          <a:prstGeom prst="rect">
-            <a:avLst/>
-          </a:prstGeom>
-          <a:solidFill>
-            <a:srgbClr val="FF0000"/>
-          </a:solidFill>
-        </p:spPr>
-        <p:style>
-          <a:lnRef idx="2">
-            <a:schemeClr val="accent1">
-              <a:shade val="15000"/>
-            </a:schemeClr>
-          </a:lnRef>
-          <a:fillRef idx="1">
-            <a:schemeClr val="accent1"/>
-          </a:fillRef>
-          <a:effectRef idx="0">
-            <a:schemeClr val="accent1"/>
-          </a:effectRef>
-          <a:fontRef idx="minor">
-            <a:schemeClr val="lt1"/>
-          </a:fontRef>
-        </p:style>
-        <p:txBody>
-          <a:bodyPr rtlCol="0" anchor="ctr"/>
-          <a:lstStyle/>
-          <a:p>
-            <a:pPr algn="ctr"/>
-            <a:r>
-              <a:rPr lang="en-AT" dirty="0"/>
-              <a:t>DB-to-X</a:t>
-            </a:r>
-            <a:endParaRPr lang="en-US" dirty="0"/>
-          </a:p>
-        </p:txBody>
-      </p:sp>
-      <p:sp>
-        <p:nvSpPr>
-          <p:cNvPr id="3" name="Rectangle 2">
-            <a:extLst>
-              <a:ext uri="{FF2B5EF4-FFF2-40B4-BE49-F238E27FC236}">
-                <a16:creationId xmlns:a16="http://schemas.microsoft.com/office/drawing/2014/main" id="{6D547654-C313-D9AE-9A31-26BDF976FA2B}"/>
-              </a:ext>
-            </a:extLst>
-          </p:cNvPr>
-          <p:cNvSpPr/>
-          <p:nvPr/>
-        </p:nvSpPr>
-        <p:spPr>
-          <a:xfrm>
-            <a:off x="-922866" y="313267"/>
-            <a:ext cx="9254066" cy="962080"/>
-          </a:xfrm>
-          <a:prstGeom prst="rect">
-            <a:avLst/>
-          </a:prstGeom>
-          <a:solidFill>
-            <a:srgbClr val="FF0000"/>
-          </a:solidFill>
-        </p:spPr>
-        <p:style>
-          <a:lnRef idx="2">
-            <a:schemeClr val="accent1">
-              <a:shade val="15000"/>
-            </a:schemeClr>
-          </a:lnRef>
-          <a:fillRef idx="1">
-            <a:schemeClr val="accent1"/>
-          </a:fillRef>
-          <a:effectRef idx="0">
-            <a:schemeClr val="accent1"/>
-          </a:effectRef>
-          <a:fontRef idx="minor">
-            <a:schemeClr val="lt1"/>
-          </a:fontRef>
-        </p:style>
-        <p:txBody>
-          <a:bodyPr rtlCol="0" anchor="ctr"/>
-          <a:lstStyle/>
-          <a:p>
-            <a:pPr algn="ctr"/>
-            <a:endParaRPr lang="en-US"/>
           </a:p>
         </p:txBody>
       </p:sp>
@@ -4265,6 +4547,908 @@
           <p:cNvPr id="2" name="Title 1">
             <a:extLst>
               <a:ext uri="{FF2B5EF4-FFF2-40B4-BE49-F238E27FC236}">
+                <a16:creationId xmlns:a16="http://schemas.microsoft.com/office/drawing/2014/main" id="{2A596CDE-D089-45C8-BFD5-8A04F883C06D}"/>
+              </a:ext>
+            </a:extLst>
+          </p:cNvPr>
+          <p:cNvSpPr>
+            <a:spLocks noGrp="1"/>
+          </p:cNvSpPr>
+          <p:nvPr>
+            <p:ph type="title"/>
+          </p:nvPr>
+        </p:nvSpPr>
+        <p:spPr/>
+        <p:txBody>
+          <a:bodyPr/>
+          <a:lstStyle/>
+          <a:p>
+            <a:r>
+              <a:rPr lang="en-AT" dirty="0"/>
+              <a:t>PROTOTYPE DESIGN: TRANSFORMATION APPROACH</a:t>
+            </a:r>
+            <a:endParaRPr lang="en-US" dirty="0"/>
+          </a:p>
+        </p:txBody>
+      </p:sp>
+      <p:pic>
+        <p:nvPicPr>
+          <p:cNvPr id="2050" name="Picture 2">
+            <a:extLst>
+              <a:ext uri="{FF2B5EF4-FFF2-40B4-BE49-F238E27FC236}">
+                <a16:creationId xmlns:a16="http://schemas.microsoft.com/office/drawing/2014/main" id="{20A46DBA-D18E-C299-2D9B-7D0242DD4D2D}"/>
+              </a:ext>
+            </a:extLst>
+          </p:cNvPr>
+          <p:cNvPicPr>
+            <a:picLocks noChangeAspect="1" noChangeArrowheads="1"/>
+          </p:cNvPicPr>
+          <p:nvPr/>
+        </p:nvPicPr>
+        <p:blipFill>
+          <a:blip r:embed="rId2">
+            <a:alphaModFix amt="50000"/>
+            <a:extLst>
+              <a:ext uri="{BEBA8EAE-BF5A-486C-A8C5-ECC9F3942E4B}">
+                <a14:imgProps xmlns:a14="http://schemas.microsoft.com/office/drawing/2010/main">
+                  <a14:imgLayer r:embed="rId3">
+                    <a14:imgEffect>
+                      <a14:saturation sat="0"/>
+                    </a14:imgEffect>
+                  </a14:imgLayer>
+                </a14:imgProps>
+              </a:ext>
+              <a:ext uri="{28A0092B-C50C-407E-A947-70E740481C1C}">
+                <a14:useLocalDpi xmlns:a14="http://schemas.microsoft.com/office/drawing/2010/main" val="0"/>
+              </a:ext>
+            </a:extLst>
+          </a:blip>
+          <a:srcRect/>
+          <a:stretch>
+            <a:fillRect/>
+          </a:stretch>
+        </p:blipFill>
+        <p:spPr bwMode="auto">
+          <a:xfrm>
+            <a:off x="995362" y="2316330"/>
+            <a:ext cx="10201275" cy="3819525"/>
+          </a:xfrm>
+          <a:prstGeom prst="rect">
+            <a:avLst/>
+          </a:prstGeom>
+          <a:noFill/>
+          <a:extLst>
+            <a:ext uri="{909E8E84-426E-40DD-AFC4-6F175D3DCCD1}">
+              <a14:hiddenFill xmlns:a14="http://schemas.microsoft.com/office/drawing/2010/main">
+                <a:solidFill>
+                  <a:srgbClr val="FFFFFF"/>
+                </a:solidFill>
+              </a14:hiddenFill>
+            </a:ext>
+          </a:extLst>
+        </p:spPr>
+      </p:pic>
+      <p:pic>
+        <p:nvPicPr>
+          <p:cNvPr id="3" name="Picture 2">
+            <a:extLst>
+              <a:ext uri="{FF2B5EF4-FFF2-40B4-BE49-F238E27FC236}">
+                <a16:creationId xmlns:a16="http://schemas.microsoft.com/office/drawing/2014/main" id="{787D5379-3158-436F-A34C-EB099CD67D8C}"/>
+              </a:ext>
+            </a:extLst>
+          </p:cNvPr>
+          <p:cNvPicPr>
+            <a:picLocks noChangeAspect="1" noChangeArrowheads="1"/>
+          </p:cNvPicPr>
+          <p:nvPr/>
+        </p:nvPicPr>
+        <p:blipFill rotWithShape="1">
+          <a:blip r:embed="rId4">
+            <a:extLst>
+              <a:ext uri="{28A0092B-C50C-407E-A947-70E740481C1C}">
+                <a14:useLocalDpi xmlns:a14="http://schemas.microsoft.com/office/drawing/2010/main" val="0"/>
+              </a:ext>
+            </a:extLst>
+          </a:blip>
+          <a:srcRect r="59711"/>
+          <a:stretch/>
+        </p:blipFill>
+        <p:spPr bwMode="auto">
+          <a:xfrm>
+            <a:off x="995363" y="2316330"/>
+            <a:ext cx="4110038" cy="3819525"/>
+          </a:xfrm>
+          <a:prstGeom prst="rect">
+            <a:avLst/>
+          </a:prstGeom>
+          <a:noFill/>
+          <a:extLst>
+            <a:ext uri="{909E8E84-426E-40DD-AFC4-6F175D3DCCD1}">
+              <a14:hiddenFill xmlns:a14="http://schemas.microsoft.com/office/drawing/2010/main">
+                <a:solidFill>
+                  <a:srgbClr val="FFFFFF"/>
+                </a:solidFill>
+              </a14:hiddenFill>
+            </a:ext>
+          </a:extLst>
+        </p:spPr>
+      </p:pic>
+      <p:grpSp>
+        <p:nvGrpSpPr>
+          <p:cNvPr id="4" name="Group 3">
+            <a:extLst>
+              <a:ext uri="{FF2B5EF4-FFF2-40B4-BE49-F238E27FC236}">
+                <a16:creationId xmlns:a16="http://schemas.microsoft.com/office/drawing/2014/main" id="{EB891737-B14E-31DC-D364-2AEC244A2CBA}"/>
+              </a:ext>
+            </a:extLst>
+          </p:cNvPr>
+          <p:cNvGrpSpPr/>
+          <p:nvPr/>
+        </p:nvGrpSpPr>
+        <p:grpSpPr>
+          <a:xfrm>
+            <a:off x="728133" y="2074334"/>
+            <a:ext cx="4377268" cy="3920066"/>
+            <a:chOff x="2650066" y="2446867"/>
+            <a:chExt cx="4377268" cy="3920066"/>
+          </a:xfrm>
+          <a:effectLst>
+            <a:outerShdw blurRad="50800" dist="38100" dir="2700000" algn="tl" rotWithShape="0">
+              <a:prstClr val="black">
+                <a:alpha val="40000"/>
+              </a:prstClr>
+            </a:outerShdw>
+          </a:effectLst>
+        </p:grpSpPr>
+        <p:sp>
+          <p:nvSpPr>
+            <p:cNvPr id="5" name="Rectangle 4">
+              <a:extLst>
+                <a:ext uri="{FF2B5EF4-FFF2-40B4-BE49-F238E27FC236}">
+                  <a16:creationId xmlns:a16="http://schemas.microsoft.com/office/drawing/2014/main" id="{A7A861E6-A09D-04F2-4481-3A0F97603EF8}"/>
+                </a:ext>
+              </a:extLst>
+            </p:cNvPr>
+            <p:cNvSpPr/>
+            <p:nvPr/>
+          </p:nvSpPr>
+          <p:spPr>
+            <a:xfrm>
+              <a:off x="2650067" y="2446867"/>
+              <a:ext cx="4377267" cy="3920066"/>
+            </a:xfrm>
+            <a:prstGeom prst="rect">
+              <a:avLst/>
+            </a:prstGeom>
+            <a:noFill/>
+            <a:ln w="38100">
+              <a:solidFill>
+                <a:schemeClr val="tx2"/>
+              </a:solidFill>
+            </a:ln>
+            <a:effectLst/>
+          </p:spPr>
+          <p:style>
+            <a:lnRef idx="2">
+              <a:schemeClr val="accent1">
+                <a:shade val="15000"/>
+              </a:schemeClr>
+            </a:lnRef>
+            <a:fillRef idx="1">
+              <a:schemeClr val="accent1"/>
+            </a:fillRef>
+            <a:effectRef idx="0">
+              <a:schemeClr val="accent1"/>
+            </a:effectRef>
+            <a:fontRef idx="minor">
+              <a:schemeClr val="lt1"/>
+            </a:fontRef>
+          </p:style>
+          <p:txBody>
+            <a:bodyPr rtlCol="0" anchor="ctr"/>
+            <a:lstStyle/>
+            <a:p>
+              <a:pPr algn="ctr"/>
+              <a:endParaRPr lang="en-US"/>
+            </a:p>
+          </p:txBody>
+        </p:sp>
+        <p:sp>
+          <p:nvSpPr>
+            <p:cNvPr id="6" name="Rectangle 5">
+              <a:extLst>
+                <a:ext uri="{FF2B5EF4-FFF2-40B4-BE49-F238E27FC236}">
+                  <a16:creationId xmlns:a16="http://schemas.microsoft.com/office/drawing/2014/main" id="{415E38DF-4B57-619A-6599-C2D60ED8639B}"/>
+                </a:ext>
+              </a:extLst>
+            </p:cNvPr>
+            <p:cNvSpPr/>
+            <p:nvPr/>
+          </p:nvSpPr>
+          <p:spPr>
+            <a:xfrm>
+              <a:off x="2650066" y="6011333"/>
+              <a:ext cx="2633134" cy="355600"/>
+            </a:xfrm>
+            <a:prstGeom prst="rect">
+              <a:avLst/>
+            </a:prstGeom>
+            <a:solidFill>
+              <a:schemeClr val="tx2"/>
+            </a:solidFill>
+            <a:ln>
+              <a:noFill/>
+            </a:ln>
+          </p:spPr>
+          <p:style>
+            <a:lnRef idx="2">
+              <a:schemeClr val="accent1">
+                <a:shade val="15000"/>
+              </a:schemeClr>
+            </a:lnRef>
+            <a:fillRef idx="1">
+              <a:schemeClr val="accent1"/>
+            </a:fillRef>
+            <a:effectRef idx="0">
+              <a:schemeClr val="accent1"/>
+            </a:effectRef>
+            <a:fontRef idx="minor">
+              <a:schemeClr val="lt1"/>
+            </a:fontRef>
+          </p:style>
+          <p:txBody>
+            <a:bodyPr rtlCol="0" anchor="ctr"/>
+            <a:lstStyle/>
+            <a:p>
+              <a:pPr algn="ctr"/>
+              <a:r>
+                <a:rPr lang="en-AT" dirty="0"/>
+                <a:t>Text-to-Intermediate</a:t>
+              </a:r>
+              <a:endParaRPr lang="en-US" dirty="0"/>
+            </a:p>
+          </p:txBody>
+        </p:sp>
+      </p:grpSp>
+    </p:spTree>
+    <p:extLst>
+      <p:ext uri="{BB962C8B-B14F-4D97-AF65-F5344CB8AC3E}">
+        <p14:creationId xmlns:p14="http://schemas.microsoft.com/office/powerpoint/2010/main" val="2581159636"/>
+      </p:ext>
+    </p:extLst>
+  </p:cSld>
+  <p:clrMapOvr>
+    <a:masterClrMapping/>
+  </p:clrMapOvr>
+</p:sld>
+</file>
+
+<file path=ppt/slides/slide13.xml><?xml version="1.0" encoding="utf-8"?>
+<p:sld xmlns:a="http://schemas.openxmlformats.org/drawingml/2006/main" xmlns:r="http://schemas.openxmlformats.org/officeDocument/2006/relationships" xmlns:p="http://schemas.openxmlformats.org/presentationml/2006/main">
+  <p:cSld>
+    <p:spTree>
+      <p:nvGrpSpPr>
+        <p:cNvPr id="1" name=""/>
+        <p:cNvGrpSpPr/>
+        <p:nvPr/>
+      </p:nvGrpSpPr>
+      <p:grpSpPr>
+        <a:xfrm>
+          <a:off x="0" y="0"/>
+          <a:ext cx="0" cy="0"/>
+          <a:chOff x="0" y="0"/>
+          <a:chExt cx="0" cy="0"/>
+        </a:xfrm>
+      </p:grpSpPr>
+      <p:sp>
+        <p:nvSpPr>
+          <p:cNvPr id="2" name="Title 1">
+            <a:extLst>
+              <a:ext uri="{FF2B5EF4-FFF2-40B4-BE49-F238E27FC236}">
+                <a16:creationId xmlns:a16="http://schemas.microsoft.com/office/drawing/2014/main" id="{2A596CDE-D089-45C8-BFD5-8A04F883C06D}"/>
+              </a:ext>
+            </a:extLst>
+          </p:cNvPr>
+          <p:cNvSpPr>
+            <a:spLocks noGrp="1"/>
+          </p:cNvSpPr>
+          <p:nvPr>
+            <p:ph type="title"/>
+          </p:nvPr>
+        </p:nvSpPr>
+        <p:spPr/>
+        <p:txBody>
+          <a:bodyPr/>
+          <a:lstStyle/>
+          <a:p>
+            <a:r>
+              <a:rPr lang="en-AT" dirty="0"/>
+              <a:t>PROTOTYPE DESIGN: TRANSFORMATION APPROACH</a:t>
+            </a:r>
+            <a:endParaRPr lang="en-US" dirty="0"/>
+          </a:p>
+        </p:txBody>
+      </p:sp>
+      <p:pic>
+        <p:nvPicPr>
+          <p:cNvPr id="2050" name="Picture 2">
+            <a:extLst>
+              <a:ext uri="{FF2B5EF4-FFF2-40B4-BE49-F238E27FC236}">
+                <a16:creationId xmlns:a16="http://schemas.microsoft.com/office/drawing/2014/main" id="{20A46DBA-D18E-C299-2D9B-7D0242DD4D2D}"/>
+              </a:ext>
+            </a:extLst>
+          </p:cNvPr>
+          <p:cNvPicPr>
+            <a:picLocks noChangeAspect="1" noChangeArrowheads="1"/>
+          </p:cNvPicPr>
+          <p:nvPr/>
+        </p:nvPicPr>
+        <p:blipFill>
+          <a:blip r:embed="rId2">
+            <a:alphaModFix amt="50000"/>
+            <a:extLst>
+              <a:ext uri="{BEBA8EAE-BF5A-486C-A8C5-ECC9F3942E4B}">
+                <a14:imgProps xmlns:a14="http://schemas.microsoft.com/office/drawing/2010/main">
+                  <a14:imgLayer r:embed="rId3">
+                    <a14:imgEffect>
+                      <a14:saturation sat="0"/>
+                    </a14:imgEffect>
+                  </a14:imgLayer>
+                </a14:imgProps>
+              </a:ext>
+              <a:ext uri="{28A0092B-C50C-407E-A947-70E740481C1C}">
+                <a14:useLocalDpi xmlns:a14="http://schemas.microsoft.com/office/drawing/2010/main" val="0"/>
+              </a:ext>
+            </a:extLst>
+          </a:blip>
+          <a:srcRect/>
+          <a:stretch>
+            <a:fillRect/>
+          </a:stretch>
+        </p:blipFill>
+        <p:spPr bwMode="auto">
+          <a:xfrm>
+            <a:off x="995362" y="2316330"/>
+            <a:ext cx="10201275" cy="3819525"/>
+          </a:xfrm>
+          <a:prstGeom prst="rect">
+            <a:avLst/>
+          </a:prstGeom>
+          <a:noFill/>
+          <a:extLst>
+            <a:ext uri="{909E8E84-426E-40DD-AFC4-6F175D3DCCD1}">
+              <a14:hiddenFill xmlns:a14="http://schemas.microsoft.com/office/drawing/2010/main">
+                <a:solidFill>
+                  <a:srgbClr val="FFFFFF"/>
+                </a:solidFill>
+              </a14:hiddenFill>
+            </a:ext>
+          </a:extLst>
+        </p:spPr>
+      </p:pic>
+      <p:pic>
+        <p:nvPicPr>
+          <p:cNvPr id="3" name="Picture 2">
+            <a:extLst>
+              <a:ext uri="{FF2B5EF4-FFF2-40B4-BE49-F238E27FC236}">
+                <a16:creationId xmlns:a16="http://schemas.microsoft.com/office/drawing/2014/main" id="{787D5379-3158-436F-A34C-EB099CD67D8C}"/>
+              </a:ext>
+            </a:extLst>
+          </p:cNvPr>
+          <p:cNvPicPr>
+            <a:picLocks noChangeAspect="1" noChangeArrowheads="1"/>
+          </p:cNvPicPr>
+          <p:nvPr/>
+        </p:nvPicPr>
+        <p:blipFill rotWithShape="1">
+          <a:blip r:embed="rId4">
+            <a:extLst>
+              <a:ext uri="{28A0092B-C50C-407E-A947-70E740481C1C}">
+                <a14:useLocalDpi xmlns:a14="http://schemas.microsoft.com/office/drawing/2010/main" val="0"/>
+              </a:ext>
+            </a:extLst>
+          </a:blip>
+          <a:srcRect l="40289"/>
+          <a:stretch/>
+        </p:blipFill>
+        <p:spPr bwMode="auto">
+          <a:xfrm>
+            <a:off x="5105401" y="2316330"/>
+            <a:ext cx="6091236" cy="3819525"/>
+          </a:xfrm>
+          <a:prstGeom prst="rect">
+            <a:avLst/>
+          </a:prstGeom>
+          <a:noFill/>
+          <a:extLst>
+            <a:ext uri="{909E8E84-426E-40DD-AFC4-6F175D3DCCD1}">
+              <a14:hiddenFill xmlns:a14="http://schemas.microsoft.com/office/drawing/2010/main">
+                <a:solidFill>
+                  <a:srgbClr val="FFFFFF"/>
+                </a:solidFill>
+              </a14:hiddenFill>
+            </a:ext>
+          </a:extLst>
+        </p:spPr>
+      </p:pic>
+      <p:grpSp>
+        <p:nvGrpSpPr>
+          <p:cNvPr id="4" name="Group 3">
+            <a:extLst>
+              <a:ext uri="{FF2B5EF4-FFF2-40B4-BE49-F238E27FC236}">
+                <a16:creationId xmlns:a16="http://schemas.microsoft.com/office/drawing/2014/main" id="{EB891737-B14E-31DC-D364-2AEC244A2CBA}"/>
+              </a:ext>
+            </a:extLst>
+          </p:cNvPr>
+          <p:cNvGrpSpPr/>
+          <p:nvPr/>
+        </p:nvGrpSpPr>
+        <p:grpSpPr>
+          <a:xfrm>
+            <a:off x="5105399" y="2215789"/>
+            <a:ext cx="6493934" cy="3998744"/>
+            <a:chOff x="2650064" y="2446867"/>
+            <a:chExt cx="6493934" cy="3998744"/>
+          </a:xfrm>
+          <a:effectLst>
+            <a:outerShdw blurRad="50800" dist="38100" dir="2700000" algn="tl" rotWithShape="0">
+              <a:prstClr val="black">
+                <a:alpha val="40000"/>
+              </a:prstClr>
+            </a:outerShdw>
+          </a:effectLst>
+        </p:grpSpPr>
+        <p:sp>
+          <p:nvSpPr>
+            <p:cNvPr id="5" name="Rectangle 4">
+              <a:extLst>
+                <a:ext uri="{FF2B5EF4-FFF2-40B4-BE49-F238E27FC236}">
+                  <a16:creationId xmlns:a16="http://schemas.microsoft.com/office/drawing/2014/main" id="{A7A861E6-A09D-04F2-4481-3A0F97603EF8}"/>
+                </a:ext>
+              </a:extLst>
+            </p:cNvPr>
+            <p:cNvSpPr/>
+            <p:nvPr/>
+          </p:nvSpPr>
+          <p:spPr>
+            <a:xfrm>
+              <a:off x="2650067" y="2446867"/>
+              <a:ext cx="6493931" cy="3998744"/>
+            </a:xfrm>
+            <a:prstGeom prst="rect">
+              <a:avLst/>
+            </a:prstGeom>
+            <a:noFill/>
+            <a:ln w="38100">
+              <a:solidFill>
+                <a:schemeClr val="tx2"/>
+              </a:solidFill>
+            </a:ln>
+            <a:effectLst/>
+          </p:spPr>
+          <p:style>
+            <a:lnRef idx="2">
+              <a:schemeClr val="accent1">
+                <a:shade val="15000"/>
+              </a:schemeClr>
+            </a:lnRef>
+            <a:fillRef idx="1">
+              <a:schemeClr val="accent1"/>
+            </a:fillRef>
+            <a:effectRef idx="0">
+              <a:schemeClr val="accent1"/>
+            </a:effectRef>
+            <a:fontRef idx="minor">
+              <a:schemeClr val="lt1"/>
+            </a:fontRef>
+          </p:style>
+          <p:txBody>
+            <a:bodyPr rtlCol="0" anchor="ctr"/>
+            <a:lstStyle/>
+            <a:p>
+              <a:pPr algn="ctr"/>
+              <a:endParaRPr lang="en-US"/>
+            </a:p>
+          </p:txBody>
+        </p:sp>
+        <p:sp>
+          <p:nvSpPr>
+            <p:cNvPr id="6" name="Rectangle 5">
+              <a:extLst>
+                <a:ext uri="{FF2B5EF4-FFF2-40B4-BE49-F238E27FC236}">
+                  <a16:creationId xmlns:a16="http://schemas.microsoft.com/office/drawing/2014/main" id="{415E38DF-4B57-619A-6599-C2D60ED8639B}"/>
+                </a:ext>
+              </a:extLst>
+            </p:cNvPr>
+            <p:cNvSpPr/>
+            <p:nvPr/>
+          </p:nvSpPr>
+          <p:spPr>
+            <a:xfrm>
+              <a:off x="2650064" y="6090011"/>
+              <a:ext cx="2810933" cy="355600"/>
+            </a:xfrm>
+            <a:prstGeom prst="rect">
+              <a:avLst/>
+            </a:prstGeom>
+            <a:solidFill>
+              <a:schemeClr val="tx2"/>
+            </a:solidFill>
+            <a:ln>
+              <a:noFill/>
+            </a:ln>
+          </p:spPr>
+          <p:style>
+            <a:lnRef idx="2">
+              <a:schemeClr val="accent1">
+                <a:shade val="15000"/>
+              </a:schemeClr>
+            </a:lnRef>
+            <a:fillRef idx="1">
+              <a:schemeClr val="accent1"/>
+            </a:fillRef>
+            <a:effectRef idx="0">
+              <a:schemeClr val="accent1"/>
+            </a:effectRef>
+            <a:fontRef idx="minor">
+              <a:schemeClr val="lt1"/>
+            </a:fontRef>
+          </p:style>
+          <p:txBody>
+            <a:bodyPr rtlCol="0" anchor="ctr"/>
+            <a:lstStyle/>
+            <a:p>
+              <a:pPr algn="ctr"/>
+              <a:r>
+                <a:rPr lang="en-AT" dirty="0"/>
+                <a:t>Intermediate-to-Model</a:t>
+              </a:r>
+              <a:endParaRPr lang="en-US" dirty="0"/>
+            </a:p>
+          </p:txBody>
+        </p:sp>
+      </p:grpSp>
+    </p:spTree>
+    <p:extLst>
+      <p:ext uri="{BB962C8B-B14F-4D97-AF65-F5344CB8AC3E}">
+        <p14:creationId xmlns:p14="http://schemas.microsoft.com/office/powerpoint/2010/main" val="2449982160"/>
+      </p:ext>
+    </p:extLst>
+  </p:cSld>
+  <p:clrMapOvr>
+    <a:masterClrMapping/>
+  </p:clrMapOvr>
+</p:sld>
+</file>
+
+<file path=ppt/slides/slide14.xml><?xml version="1.0" encoding="utf-8"?>
+<p:sld xmlns:a="http://schemas.openxmlformats.org/drawingml/2006/main" xmlns:r="http://schemas.openxmlformats.org/officeDocument/2006/relationships" xmlns:p="http://schemas.openxmlformats.org/presentationml/2006/main">
+  <p:cSld>
+    <p:spTree>
+      <p:nvGrpSpPr>
+        <p:cNvPr id="1" name=""/>
+        <p:cNvGrpSpPr/>
+        <p:nvPr/>
+      </p:nvGrpSpPr>
+      <p:grpSpPr>
+        <a:xfrm>
+          <a:off x="0" y="0"/>
+          <a:ext cx="0" cy="0"/>
+          <a:chOff x="0" y="0"/>
+          <a:chExt cx="0" cy="0"/>
+        </a:xfrm>
+      </p:grpSpPr>
+      <p:sp>
+        <p:nvSpPr>
+          <p:cNvPr id="2" name="Title 1">
+            <a:extLst>
+              <a:ext uri="{FF2B5EF4-FFF2-40B4-BE49-F238E27FC236}">
+                <a16:creationId xmlns:a16="http://schemas.microsoft.com/office/drawing/2014/main" id="{2A596CDE-D089-45C8-BFD5-8A04F883C06D}"/>
+              </a:ext>
+            </a:extLst>
+          </p:cNvPr>
+          <p:cNvSpPr>
+            <a:spLocks noGrp="1"/>
+          </p:cNvSpPr>
+          <p:nvPr>
+            <p:ph type="title"/>
+          </p:nvPr>
+        </p:nvSpPr>
+        <p:spPr/>
+        <p:txBody>
+          <a:bodyPr/>
+          <a:lstStyle/>
+          <a:p>
+            <a:r>
+              <a:rPr lang="en-AT" dirty="0"/>
+              <a:t>PROTOTYPE DESIGN: TRANSFORMATION APPROACH</a:t>
+            </a:r>
+            <a:endParaRPr lang="en-US" dirty="0"/>
+          </a:p>
+        </p:txBody>
+      </p:sp>
+      <p:pic>
+        <p:nvPicPr>
+          <p:cNvPr id="2050" name="Picture 2">
+            <a:extLst>
+              <a:ext uri="{FF2B5EF4-FFF2-40B4-BE49-F238E27FC236}">
+                <a16:creationId xmlns:a16="http://schemas.microsoft.com/office/drawing/2014/main" id="{20A46DBA-D18E-C299-2D9B-7D0242DD4D2D}"/>
+              </a:ext>
+            </a:extLst>
+          </p:cNvPr>
+          <p:cNvPicPr>
+            <a:picLocks noChangeAspect="1" noChangeArrowheads="1"/>
+          </p:cNvPicPr>
+          <p:nvPr/>
+        </p:nvPicPr>
+        <p:blipFill>
+          <a:blip r:embed="rId2">
+            <a:alphaModFix amt="50000"/>
+            <a:extLst>
+              <a:ext uri="{BEBA8EAE-BF5A-486C-A8C5-ECC9F3942E4B}">
+                <a14:imgProps xmlns:a14="http://schemas.microsoft.com/office/drawing/2010/main">
+                  <a14:imgLayer r:embed="rId3">
+                    <a14:imgEffect>
+                      <a14:saturation sat="0"/>
+                    </a14:imgEffect>
+                  </a14:imgLayer>
+                </a14:imgProps>
+              </a:ext>
+              <a:ext uri="{28A0092B-C50C-407E-A947-70E740481C1C}">
+                <a14:useLocalDpi xmlns:a14="http://schemas.microsoft.com/office/drawing/2010/main" val="0"/>
+              </a:ext>
+            </a:extLst>
+          </a:blip>
+          <a:srcRect/>
+          <a:stretch>
+            <a:fillRect/>
+          </a:stretch>
+        </p:blipFill>
+        <p:spPr bwMode="auto">
+          <a:xfrm>
+            <a:off x="995362" y="2316330"/>
+            <a:ext cx="10201275" cy="3819525"/>
+          </a:xfrm>
+          <a:prstGeom prst="rect">
+            <a:avLst/>
+          </a:prstGeom>
+          <a:noFill/>
+          <a:extLst>
+            <a:ext uri="{909E8E84-426E-40DD-AFC4-6F175D3DCCD1}">
+              <a14:hiddenFill xmlns:a14="http://schemas.microsoft.com/office/drawing/2010/main">
+                <a:solidFill>
+                  <a:srgbClr val="FFFFFF"/>
+                </a:solidFill>
+              </a14:hiddenFill>
+            </a:ext>
+          </a:extLst>
+        </p:spPr>
+      </p:pic>
+      <p:pic>
+        <p:nvPicPr>
+          <p:cNvPr id="3" name="Picture 2">
+            <a:extLst>
+              <a:ext uri="{FF2B5EF4-FFF2-40B4-BE49-F238E27FC236}">
+                <a16:creationId xmlns:a16="http://schemas.microsoft.com/office/drawing/2014/main" id="{787D5379-3158-436F-A34C-EB099CD67D8C}"/>
+              </a:ext>
+            </a:extLst>
+          </p:cNvPr>
+          <p:cNvPicPr>
+            <a:picLocks noChangeAspect="1" noChangeArrowheads="1"/>
+          </p:cNvPicPr>
+          <p:nvPr/>
+        </p:nvPicPr>
+        <p:blipFill rotWithShape="1">
+          <a:blip r:embed="rId4">
+            <a:extLst>
+              <a:ext uri="{28A0092B-C50C-407E-A947-70E740481C1C}">
+                <a14:useLocalDpi xmlns:a14="http://schemas.microsoft.com/office/drawing/2010/main" val="0"/>
+              </a:ext>
+            </a:extLst>
+          </a:blip>
+          <a:srcRect l="22778" r="41782"/>
+          <a:stretch/>
+        </p:blipFill>
+        <p:spPr bwMode="auto">
+          <a:xfrm>
+            <a:off x="3318933" y="2316330"/>
+            <a:ext cx="3615267" cy="3819525"/>
+          </a:xfrm>
+          <a:prstGeom prst="rect">
+            <a:avLst/>
+          </a:prstGeom>
+          <a:noFill/>
+          <a:extLst>
+            <a:ext uri="{909E8E84-426E-40DD-AFC4-6F175D3DCCD1}">
+              <a14:hiddenFill xmlns:a14="http://schemas.microsoft.com/office/drawing/2010/main">
+                <a:solidFill>
+                  <a:srgbClr val="FFFFFF"/>
+                </a:solidFill>
+              </a14:hiddenFill>
+            </a:ext>
+          </a:extLst>
+        </p:spPr>
+      </p:pic>
+      <p:grpSp>
+        <p:nvGrpSpPr>
+          <p:cNvPr id="7" name="Group 6">
+            <a:extLst>
+              <a:ext uri="{FF2B5EF4-FFF2-40B4-BE49-F238E27FC236}">
+                <a16:creationId xmlns:a16="http://schemas.microsoft.com/office/drawing/2014/main" id="{C19A7B98-322A-4ED5-C982-352D6F904A0B}"/>
+              </a:ext>
+            </a:extLst>
+          </p:cNvPr>
+          <p:cNvGrpSpPr/>
+          <p:nvPr/>
+        </p:nvGrpSpPr>
+        <p:grpSpPr>
+          <a:xfrm>
+            <a:off x="3318933" y="2065868"/>
+            <a:ext cx="3615267" cy="4069986"/>
+            <a:chOff x="3361266" y="3301998"/>
+            <a:chExt cx="3591419" cy="2362466"/>
+          </a:xfrm>
+          <a:effectLst>
+            <a:outerShdw blurRad="50800" dist="38100" dir="2700000" algn="tl" rotWithShape="0">
+              <a:prstClr val="black">
+                <a:alpha val="40000"/>
+              </a:prstClr>
+            </a:outerShdw>
+          </a:effectLst>
+        </p:grpSpPr>
+        <p:sp>
+          <p:nvSpPr>
+            <p:cNvPr id="8" name="Rectangle 7">
+              <a:extLst>
+                <a:ext uri="{FF2B5EF4-FFF2-40B4-BE49-F238E27FC236}">
+                  <a16:creationId xmlns:a16="http://schemas.microsoft.com/office/drawing/2014/main" id="{7DC25165-EA0E-DAF8-AE50-6BB6F7BCA4F4}"/>
+                </a:ext>
+              </a:extLst>
+            </p:cNvPr>
+            <p:cNvSpPr/>
+            <p:nvPr/>
+          </p:nvSpPr>
+          <p:spPr>
+            <a:xfrm>
+              <a:off x="3361266" y="3301998"/>
+              <a:ext cx="3591419" cy="2362466"/>
+            </a:xfrm>
+            <a:prstGeom prst="rect">
+              <a:avLst/>
+            </a:prstGeom>
+            <a:noFill/>
+            <a:ln w="38100">
+              <a:solidFill>
+                <a:schemeClr val="accent3"/>
+              </a:solidFill>
+            </a:ln>
+            <a:effectLst/>
+          </p:spPr>
+          <p:style>
+            <a:lnRef idx="2">
+              <a:schemeClr val="accent1">
+                <a:shade val="15000"/>
+              </a:schemeClr>
+            </a:lnRef>
+            <a:fillRef idx="1">
+              <a:schemeClr val="accent1"/>
+            </a:fillRef>
+            <a:effectRef idx="0">
+              <a:schemeClr val="accent1"/>
+            </a:effectRef>
+            <a:fontRef idx="minor">
+              <a:schemeClr val="lt1"/>
+            </a:fontRef>
+          </p:style>
+          <p:txBody>
+            <a:bodyPr rtlCol="0" anchor="ctr"/>
+            <a:lstStyle/>
+            <a:p>
+              <a:pPr algn="ctr"/>
+              <a:endParaRPr lang="en-US" dirty="0"/>
+            </a:p>
+          </p:txBody>
+        </p:sp>
+        <p:sp>
+          <p:nvSpPr>
+            <p:cNvPr id="9" name="Rectangle 8">
+              <a:extLst>
+                <a:ext uri="{FF2B5EF4-FFF2-40B4-BE49-F238E27FC236}">
+                  <a16:creationId xmlns:a16="http://schemas.microsoft.com/office/drawing/2014/main" id="{8F6C3DEF-2410-3536-4745-1335C954A130}"/>
+                </a:ext>
+              </a:extLst>
+            </p:cNvPr>
+            <p:cNvSpPr/>
+            <p:nvPr/>
+          </p:nvSpPr>
+          <p:spPr>
+            <a:xfrm>
+              <a:off x="3361266" y="5443310"/>
+              <a:ext cx="2810811" cy="216241"/>
+            </a:xfrm>
+            <a:prstGeom prst="rect">
+              <a:avLst/>
+            </a:prstGeom>
+            <a:solidFill>
+              <a:schemeClr val="accent3"/>
+            </a:solidFill>
+            <a:ln>
+              <a:noFill/>
+            </a:ln>
+          </p:spPr>
+          <p:style>
+            <a:lnRef idx="2">
+              <a:schemeClr val="accent1">
+                <a:shade val="15000"/>
+              </a:schemeClr>
+            </a:lnRef>
+            <a:fillRef idx="1">
+              <a:schemeClr val="accent1"/>
+            </a:fillRef>
+            <a:effectRef idx="0">
+              <a:schemeClr val="accent1"/>
+            </a:effectRef>
+            <a:fontRef idx="minor">
+              <a:schemeClr val="lt1"/>
+            </a:fontRef>
+          </p:style>
+          <p:txBody>
+            <a:bodyPr rtlCol="0" anchor="ctr"/>
+            <a:lstStyle/>
+            <a:p>
+              <a:pPr algn="ctr"/>
+              <a:r>
+                <a:rPr lang="en-US" dirty="0"/>
+                <a:t>I</a:t>
+              </a:r>
+              <a:r>
+                <a:rPr lang="en-AT" dirty="0" err="1"/>
+                <a:t>ntermediate</a:t>
+              </a:r>
+              <a:r>
+                <a:rPr lang="en-AT" dirty="0"/>
+                <a:t> structure</a:t>
+              </a:r>
+              <a:endParaRPr lang="en-US" dirty="0"/>
+            </a:p>
+          </p:txBody>
+        </p:sp>
+      </p:grpSp>
+    </p:spTree>
+    <p:extLst>
+      <p:ext uri="{BB962C8B-B14F-4D97-AF65-F5344CB8AC3E}">
+        <p14:creationId xmlns:p14="http://schemas.microsoft.com/office/powerpoint/2010/main" val="406817078"/>
+      </p:ext>
+    </p:extLst>
+  </p:cSld>
+  <p:clrMapOvr>
+    <a:masterClrMapping/>
+  </p:clrMapOvr>
+</p:sld>
+</file>
+
+<file path=ppt/slides/slide15.xml><?xml version="1.0" encoding="utf-8"?>
+<p:sld xmlns:a="http://schemas.openxmlformats.org/drawingml/2006/main" xmlns:r="http://schemas.openxmlformats.org/officeDocument/2006/relationships" xmlns:p="http://schemas.openxmlformats.org/presentationml/2006/main">
+  <p:cSld>
+    <p:spTree>
+      <p:nvGrpSpPr>
+        <p:cNvPr id="1" name=""/>
+        <p:cNvGrpSpPr/>
+        <p:nvPr/>
+      </p:nvGrpSpPr>
+      <p:grpSpPr>
+        <a:xfrm>
+          <a:off x="0" y="0"/>
+          <a:ext cx="0" cy="0"/>
+          <a:chOff x="0" y="0"/>
+          <a:chExt cx="0" cy="0"/>
+        </a:xfrm>
+      </p:grpSpPr>
+      <p:sp>
+        <p:nvSpPr>
+          <p:cNvPr id="2" name="Title 1">
+            <a:extLst>
+              <a:ext uri="{FF2B5EF4-FFF2-40B4-BE49-F238E27FC236}">
                 <a16:creationId xmlns:a16="http://schemas.microsoft.com/office/drawing/2014/main" id="{42BA3DAF-3BF4-AB51-5D0B-80C6870AD555}"/>
               </a:ext>
             </a:extLst>
@@ -4471,7 +5655,7 @@
 </p:sld>
 </file>
 
-<file path=ppt/slides/slide13.xml><?xml version="1.0" encoding="utf-8"?>
+<file path=ppt/slides/slide16.xml><?xml version="1.0" encoding="utf-8"?>
 <p:sld xmlns:a="http://schemas.openxmlformats.org/drawingml/2006/main" xmlns:r="http://schemas.openxmlformats.org/officeDocument/2006/relationships" xmlns:p="http://schemas.openxmlformats.org/presentationml/2006/main">
   <p:cSld>
     <p:spTree>
@@ -4882,7 +6066,7 @@
 </p:sld>
 </file>
 
-<file path=ppt/slides/slide14.xml><?xml version="1.0" encoding="utf-8"?>
+<file path=ppt/slides/slide17.xml><?xml version="1.0" encoding="utf-8"?>
 <p:sld xmlns:a="http://schemas.openxmlformats.org/drawingml/2006/main" xmlns:r="http://schemas.openxmlformats.org/officeDocument/2006/relationships" xmlns:p="http://schemas.openxmlformats.org/presentationml/2006/main">
   <p:cSld>
     <p:spTree>
@@ -5147,7 +6331,7 @@
 </p:sld>
 </file>
 
-<file path=ppt/slides/slide15.xml><?xml version="1.0" encoding="utf-8"?>
+<file path=ppt/slides/slide18.xml><?xml version="1.0" encoding="utf-8"?>
 <p:sld xmlns:a="http://schemas.openxmlformats.org/drawingml/2006/main" xmlns:r="http://schemas.openxmlformats.org/officeDocument/2006/relationships" xmlns:p="http://schemas.openxmlformats.org/presentationml/2006/main">
   <p:cSld>
     <p:spTree>
@@ -5342,7 +6526,7 @@
 </p:sld>
 </file>
 
-<file path=ppt/slides/slide16.xml><?xml version="1.0" encoding="utf-8"?>
+<file path=ppt/slides/slide19.xml><?xml version="1.0" encoding="utf-8"?>
 <p:sld xmlns:a="http://schemas.openxmlformats.org/drawingml/2006/main" xmlns:r="http://schemas.openxmlformats.org/officeDocument/2006/relationships" xmlns:p="http://schemas.openxmlformats.org/presentationml/2006/main">
   <p:cSld>
     <p:spTree>
@@ -5681,7 +6865,169 @@
 </p:sld>
 </file>
 
-<file path=ppt/slides/slide17.xml><?xml version="1.0" encoding="utf-8"?>
+<file path=ppt/slides/slide2.xml><?xml version="1.0" encoding="utf-8"?>
+<p:sld xmlns:a="http://schemas.openxmlformats.org/drawingml/2006/main" xmlns:r="http://schemas.openxmlformats.org/officeDocument/2006/relationships" xmlns:p="http://schemas.openxmlformats.org/presentationml/2006/main">
+  <p:cSld>
+    <p:spTree>
+      <p:nvGrpSpPr>
+        <p:cNvPr id="1" name=""/>
+        <p:cNvGrpSpPr/>
+        <p:nvPr/>
+      </p:nvGrpSpPr>
+      <p:grpSpPr>
+        <a:xfrm>
+          <a:off x="0" y="0"/>
+          <a:ext cx="0" cy="0"/>
+          <a:chOff x="0" y="0"/>
+          <a:chExt cx="0" cy="0"/>
+        </a:xfrm>
+      </p:grpSpPr>
+      <p:sp>
+        <p:nvSpPr>
+          <p:cNvPr id="2" name="Title 1">
+            <a:extLst>
+              <a:ext uri="{FF2B5EF4-FFF2-40B4-BE49-F238E27FC236}">
+                <a16:creationId xmlns:a16="http://schemas.microsoft.com/office/drawing/2014/main" id="{0DB87F22-1361-496A-0424-9E7D5B5067B3}"/>
+              </a:ext>
+            </a:extLst>
+          </p:cNvPr>
+          <p:cNvSpPr>
+            <a:spLocks noGrp="1"/>
+          </p:cNvSpPr>
+          <p:nvPr>
+            <p:ph type="title"/>
+          </p:nvPr>
+        </p:nvSpPr>
+        <p:spPr>
+          <a:xfrm>
+            <a:off x="831322" y="1500717"/>
+            <a:ext cx="3932237" cy="4436533"/>
+          </a:xfrm>
+          <a:solidFill>
+            <a:srgbClr val="0096D3"/>
+          </a:solidFill>
+          <a:effectLst>
+            <a:outerShdw blurRad="50800" dist="38100" dir="2700000" algn="tl" rotWithShape="0">
+              <a:prstClr val="black">
+                <a:alpha val="40000"/>
+              </a:prstClr>
+            </a:outerShdw>
+          </a:effectLst>
+        </p:spPr>
+        <p:txBody>
+          <a:bodyPr anchor="ctr"/>
+          <a:lstStyle/>
+          <a:p>
+            <a:pPr algn="ctr"/>
+            <a:r>
+              <a:rPr lang="en-AT" dirty="0">
+                <a:solidFill>
+                  <a:schemeClr val="bg1"/>
+                </a:solidFill>
+              </a:rPr>
+              <a:t>CONTENT</a:t>
+            </a:r>
+            <a:endParaRPr lang="en-US" dirty="0">
+              <a:solidFill>
+                <a:schemeClr val="bg1"/>
+              </a:solidFill>
+            </a:endParaRPr>
+          </a:p>
+        </p:txBody>
+      </p:sp>
+      <p:sp>
+        <p:nvSpPr>
+          <p:cNvPr id="3" name="Content Placeholder 2">
+            <a:extLst>
+              <a:ext uri="{FF2B5EF4-FFF2-40B4-BE49-F238E27FC236}">
+                <a16:creationId xmlns:a16="http://schemas.microsoft.com/office/drawing/2014/main" id="{4FCC342D-9BA1-E43C-8E0D-CFB054558FD8}"/>
+              </a:ext>
+            </a:extLst>
+          </p:cNvPr>
+          <p:cNvSpPr>
+            <a:spLocks noGrp="1"/>
+          </p:cNvSpPr>
+          <p:nvPr>
+            <p:ph idx="1"/>
+          </p:nvPr>
+        </p:nvSpPr>
+        <p:spPr>
+          <a:xfrm>
+            <a:off x="5171546" y="1500717"/>
+            <a:ext cx="6172200" cy="4436533"/>
+          </a:xfrm>
+        </p:spPr>
+        <p:txBody>
+          <a:bodyPr anchor="ctr"/>
+          <a:lstStyle/>
+          <a:p>
+            <a:r>
+              <a:rPr lang="en-AT" dirty="0"/>
+              <a:t>Quick Overview</a:t>
+            </a:r>
+          </a:p>
+          <a:p>
+            <a:r>
+              <a:rPr lang="en-AT" dirty="0"/>
+              <a:t>SLR - Findings</a:t>
+            </a:r>
+          </a:p>
+          <a:p>
+            <a:r>
+              <a:rPr lang="en-AT" dirty="0"/>
+              <a:t>Prototype</a:t>
+            </a:r>
+          </a:p>
+          <a:p>
+            <a:pPr lvl="1"/>
+            <a:r>
+              <a:rPr lang="en-AT" dirty="0"/>
+              <a:t>Goals</a:t>
+            </a:r>
+          </a:p>
+          <a:p>
+            <a:pPr lvl="1"/>
+            <a:r>
+              <a:rPr lang="en-AT" dirty="0"/>
+              <a:t>Design</a:t>
+            </a:r>
+          </a:p>
+          <a:p>
+            <a:pPr lvl="1"/>
+            <a:r>
+              <a:rPr lang="en-AT" dirty="0"/>
+              <a:t>Implementation</a:t>
+            </a:r>
+          </a:p>
+          <a:p>
+            <a:pPr lvl="1"/>
+            <a:r>
+              <a:rPr lang="en-AT" dirty="0"/>
+              <a:t>Validation</a:t>
+            </a:r>
+          </a:p>
+          <a:p>
+            <a:r>
+              <a:rPr lang="en-AT" dirty="0"/>
+              <a:t>Lessons Learnt</a:t>
+            </a:r>
+          </a:p>
+        </p:txBody>
+      </p:sp>
+    </p:spTree>
+    <p:extLst>
+      <p:ext uri="{BB962C8B-B14F-4D97-AF65-F5344CB8AC3E}">
+        <p14:creationId xmlns:p14="http://schemas.microsoft.com/office/powerpoint/2010/main" val="656098938"/>
+      </p:ext>
+    </p:extLst>
+  </p:cSld>
+  <p:clrMapOvr>
+    <a:masterClrMapping/>
+  </p:clrMapOvr>
+</p:sld>
+</file>
+
+<file path=ppt/slides/slide20.xml><?xml version="1.0" encoding="utf-8"?>
 <p:sld xmlns:a="http://schemas.openxmlformats.org/drawingml/2006/main" xmlns:r="http://schemas.openxmlformats.org/officeDocument/2006/relationships" xmlns:p="http://schemas.openxmlformats.org/presentationml/2006/main">
   <p:cSld>
     <p:spTree>
@@ -5787,13 +7133,126 @@
   <p:clrMapOvr>
     <a:masterClrMapping/>
   </p:clrMapOvr>
-  <p:transition>
-    <p:fade/>
-  </p:transition>
 </p:sld>
 </file>
 
-<file path=ppt/slides/slide18.xml><?xml version="1.0" encoding="utf-8"?>
+<file path=ppt/slides/slide21.xml><?xml version="1.0" encoding="utf-8"?>
+<p:sld xmlns:a="http://schemas.openxmlformats.org/drawingml/2006/main" xmlns:r="http://schemas.openxmlformats.org/officeDocument/2006/relationships" xmlns:p="http://schemas.openxmlformats.org/presentationml/2006/main">
+  <p:cSld>
+    <p:spTree>
+      <p:nvGrpSpPr>
+        <p:cNvPr id="1" name=""/>
+        <p:cNvGrpSpPr/>
+        <p:nvPr/>
+      </p:nvGrpSpPr>
+      <p:grpSpPr>
+        <a:xfrm>
+          <a:off x="0" y="0"/>
+          <a:ext cx="0" cy="0"/>
+          <a:chOff x="0" y="0"/>
+          <a:chExt cx="0" cy="0"/>
+        </a:xfrm>
+      </p:grpSpPr>
+      <p:pic>
+        <p:nvPicPr>
+          <p:cNvPr id="12290" name="Picture 2">
+            <a:extLst>
+              <a:ext uri="{FF2B5EF4-FFF2-40B4-BE49-F238E27FC236}">
+                <a16:creationId xmlns:a16="http://schemas.microsoft.com/office/drawing/2014/main" id="{89B623F2-DCA4-23B8-5409-45648375311A}"/>
+              </a:ext>
+            </a:extLst>
+          </p:cNvPr>
+          <p:cNvPicPr>
+            <a:picLocks noChangeAspect="1" noChangeArrowheads="1"/>
+          </p:cNvPicPr>
+          <p:nvPr/>
+        </p:nvPicPr>
+        <p:blipFill>
+          <a:blip r:embed="rId2">
+            <a:extLst>
+              <a:ext uri="{28A0092B-C50C-407E-A947-70E740481C1C}">
+                <a14:useLocalDpi xmlns:a14="http://schemas.microsoft.com/office/drawing/2010/main" val="0"/>
+              </a:ext>
+            </a:extLst>
+          </a:blip>
+          <a:srcRect/>
+          <a:stretch>
+            <a:fillRect/>
+          </a:stretch>
+        </p:blipFill>
+        <p:spPr bwMode="auto">
+          <a:xfrm>
+            <a:off x="2342375" y="1572156"/>
+            <a:ext cx="7422580" cy="4458488"/>
+          </a:xfrm>
+          <a:prstGeom prst="rect">
+            <a:avLst/>
+          </a:prstGeom>
+          <a:noFill/>
+          <a:ln w="28575">
+            <a:noFill/>
+          </a:ln>
+          <a:effectLst>
+            <a:outerShdw blurRad="50800" dist="38100" dir="2700000" algn="tl" rotWithShape="0">
+              <a:prstClr val="black">
+                <a:alpha val="40000"/>
+              </a:prstClr>
+            </a:outerShdw>
+          </a:effectLst>
+          <a:extLst>
+            <a:ext uri="{909E8E84-426E-40DD-AFC4-6F175D3DCCD1}">
+              <a14:hiddenFill xmlns:a14="http://schemas.microsoft.com/office/drawing/2010/main">
+                <a:solidFill>
+                  <a:srgbClr val="FFFFFF"/>
+                </a:solidFill>
+              </a14:hiddenFill>
+            </a:ext>
+          </a:extLst>
+        </p:spPr>
+      </p:pic>
+      <p:sp>
+        <p:nvSpPr>
+          <p:cNvPr id="2" name="Title 1">
+            <a:extLst>
+              <a:ext uri="{FF2B5EF4-FFF2-40B4-BE49-F238E27FC236}">
+                <a16:creationId xmlns:a16="http://schemas.microsoft.com/office/drawing/2014/main" id="{8D5EB32F-FC2E-C9C0-05E1-8ADFA1BFCD03}"/>
+              </a:ext>
+            </a:extLst>
+          </p:cNvPr>
+          <p:cNvSpPr>
+            <a:spLocks noGrp="1"/>
+          </p:cNvSpPr>
+          <p:nvPr>
+            <p:ph type="title"/>
+          </p:nvPr>
+        </p:nvSpPr>
+        <p:spPr/>
+        <p:txBody>
+          <a:bodyPr/>
+          <a:lstStyle/>
+          <a:p>
+            <a:r>
+              <a:rPr lang="en-AT" dirty="0"/>
+              <a:t>PROTOTYPE IMPLEMENTATION: STRUCTURE</a:t>
+            </a:r>
+            <a:endParaRPr lang="en-US" dirty="0"/>
+          </a:p>
+        </p:txBody>
+      </p:sp>
+    </p:spTree>
+    <p:extLst>
+      <p:ext uri="{BB962C8B-B14F-4D97-AF65-F5344CB8AC3E}">
+        <p14:creationId xmlns:p14="http://schemas.microsoft.com/office/powerpoint/2010/main" val="1280054237"/>
+      </p:ext>
+    </p:extLst>
+  </p:cSld>
+  <p:clrMapOvr>
+    <a:masterClrMapping/>
+  </p:clrMapOvr>
+</p:sld>
+</file>
+
+<file path=ppt/slides/slide22.xml><?xml version="1.0" encoding="utf-8"?>
 <p:sld xmlns:a="http://schemas.openxmlformats.org/drawingml/2006/main" xmlns:r="http://schemas.openxmlformats.org/officeDocument/2006/relationships" xmlns:p="http://schemas.openxmlformats.org/presentationml/2006/main">
   <p:cSld>
     <p:spTree>
@@ -5839,69 +7298,360 @@
           </a:p>
         </p:txBody>
       </p:sp>
-      <p:pic>
-        <p:nvPicPr>
-          <p:cNvPr id="12290" name="Picture 2">
-            <a:extLst>
-              <a:ext uri="{FF2B5EF4-FFF2-40B4-BE49-F238E27FC236}">
-                <a16:creationId xmlns:a16="http://schemas.microsoft.com/office/drawing/2014/main" id="{89B623F2-DCA4-23B8-5409-45648375311A}"/>
-              </a:ext>
-            </a:extLst>
-          </p:cNvPr>
-          <p:cNvPicPr>
-            <a:picLocks noChangeAspect="1" noChangeArrowheads="1"/>
-          </p:cNvPicPr>
+      <p:grpSp>
+        <p:nvGrpSpPr>
+          <p:cNvPr id="7" name="Group 6">
+            <a:extLst>
+              <a:ext uri="{FF2B5EF4-FFF2-40B4-BE49-F238E27FC236}">
+                <a16:creationId xmlns:a16="http://schemas.microsoft.com/office/drawing/2014/main" id="{C2D688C5-BFB5-9287-2B3E-9E2C9C7B2225}"/>
+              </a:ext>
+            </a:extLst>
+          </p:cNvPr>
+          <p:cNvGrpSpPr/>
           <p:nvPr/>
-        </p:nvPicPr>
-        <p:blipFill>
-          <a:blip r:embed="rId2">
-            <a:extLst>
-              <a:ext uri="{28A0092B-C50C-407E-A947-70E740481C1C}">
-                <a14:useLocalDpi xmlns:a14="http://schemas.microsoft.com/office/drawing/2010/main" val="0"/>
-              </a:ext>
-            </a:extLst>
-          </a:blip>
-          <a:srcRect/>
-          <a:stretch>
-            <a:fillRect/>
-          </a:stretch>
-        </p:blipFill>
-        <p:spPr bwMode="auto">
+        </p:nvGrpSpPr>
+        <p:grpSpPr>
           <a:xfrm>
-            <a:off x="2249243" y="1572156"/>
-            <a:ext cx="7422580" cy="4458488"/>
+            <a:off x="2023534" y="1473200"/>
+            <a:ext cx="8144933" cy="4682067"/>
+            <a:chOff x="1938867" y="1473200"/>
+            <a:chExt cx="8144933" cy="4682067"/>
           </a:xfrm>
-          <a:prstGeom prst="rect">
-            <a:avLst/>
-          </a:prstGeom>
-          <a:noFill/>
-          <a:ln w="28575">
+        </p:grpSpPr>
+        <p:pic>
+          <p:nvPicPr>
+            <p:cNvPr id="12290" name="Picture 2">
+              <a:extLst>
+                <a:ext uri="{FF2B5EF4-FFF2-40B4-BE49-F238E27FC236}">
+                  <a16:creationId xmlns:a16="http://schemas.microsoft.com/office/drawing/2014/main" id="{89B623F2-DCA4-23B8-5409-45648375311A}"/>
+                </a:ext>
+              </a:extLst>
+            </p:cNvPr>
+            <p:cNvPicPr>
+              <a:picLocks noChangeAspect="1" noChangeArrowheads="1"/>
+            </p:cNvPicPr>
+            <p:nvPr/>
+          </p:nvPicPr>
+          <p:blipFill>
+            <a:blip r:embed="rId2">
+              <a:extLst>
+                <a:ext uri="{BEBA8EAE-BF5A-486C-A8C5-ECC9F3942E4B}">
+                  <a14:imgProps xmlns:a14="http://schemas.microsoft.com/office/drawing/2010/main">
+                    <a14:imgLayer r:embed="rId3">
+                      <a14:imgEffect>
+                        <a14:saturation sat="0"/>
+                      </a14:imgEffect>
+                    </a14:imgLayer>
+                  </a14:imgProps>
+                </a:ext>
+                <a:ext uri="{28A0092B-C50C-407E-A947-70E740481C1C}">
+                  <a14:useLocalDpi xmlns:a14="http://schemas.microsoft.com/office/drawing/2010/main" val="0"/>
+                </a:ext>
+              </a:extLst>
+            </a:blip>
+            <a:srcRect/>
+            <a:stretch>
+              <a:fillRect/>
+            </a:stretch>
+          </p:blipFill>
+          <p:spPr bwMode="auto">
+            <a:xfrm>
+              <a:off x="2249243" y="1572156"/>
+              <a:ext cx="7422580" cy="4458488"/>
+            </a:xfrm>
+            <a:prstGeom prst="rect">
+              <a:avLst/>
+            </a:prstGeom>
+            <a:noFill/>
+            <a:ln w="28575">
+              <a:noFill/>
+            </a:ln>
+            <a:effectLst>
+              <a:outerShdw blurRad="50800" dist="38100" dir="2700000" algn="tl" rotWithShape="0">
+                <a:prstClr val="black">
+                  <a:alpha val="40000"/>
+                </a:prstClr>
+              </a:outerShdw>
+            </a:effectLst>
+            <a:extLst>
+              <a:ext uri="{909E8E84-426E-40DD-AFC4-6F175D3DCCD1}">
+                <a14:hiddenFill xmlns:a14="http://schemas.microsoft.com/office/drawing/2010/main">
+                  <a:solidFill>
+                    <a:srgbClr val="FFFFFF"/>
+                  </a:solidFill>
+                </a14:hiddenFill>
+              </a:ext>
+            </a:extLst>
+          </p:spPr>
+        </p:pic>
+        <p:sp>
+          <p:nvSpPr>
+            <p:cNvPr id="6" name="Rectangle 5">
+              <a:extLst>
+                <a:ext uri="{FF2B5EF4-FFF2-40B4-BE49-F238E27FC236}">
+                  <a16:creationId xmlns:a16="http://schemas.microsoft.com/office/drawing/2014/main" id="{E673A6D3-6DC2-1D2D-68DA-58BFDDE1CE6C}"/>
+                </a:ext>
+              </a:extLst>
+            </p:cNvPr>
+            <p:cNvSpPr/>
+            <p:nvPr/>
+          </p:nvSpPr>
+          <p:spPr>
+            <a:xfrm>
+              <a:off x="1938867" y="1473200"/>
+              <a:ext cx="8144933" cy="4682067"/>
+            </a:xfrm>
+            <a:prstGeom prst="rect">
+              <a:avLst/>
+            </a:prstGeom>
+            <a:solidFill>
+              <a:srgbClr val="FFFFFF">
+                <a:alpha val="40000"/>
+              </a:srgbClr>
+            </a:solidFill>
+            <a:ln>
+              <a:noFill/>
+            </a:ln>
+            <a:effectLst/>
+          </p:spPr>
+          <p:style>
+            <a:lnRef idx="2">
+              <a:schemeClr val="accent1">
+                <a:shade val="15000"/>
+              </a:schemeClr>
+            </a:lnRef>
+            <a:fillRef idx="1">
+              <a:schemeClr val="accent1"/>
+            </a:fillRef>
+            <a:effectRef idx="0">
+              <a:schemeClr val="accent1"/>
+            </a:effectRef>
+            <a:fontRef idx="minor">
+              <a:schemeClr val="lt1"/>
+            </a:fontRef>
+          </p:style>
+          <p:txBody>
+            <a:bodyPr rtlCol="0" anchor="ctr"/>
+            <a:lstStyle/>
+            <a:p>
+              <a:pPr algn="ctr"/>
+              <a:endParaRPr lang="en-US"/>
+            </a:p>
+          </p:txBody>
+        </p:sp>
+        <p:pic>
+          <p:nvPicPr>
+            <p:cNvPr id="3" name="Picture 2">
+              <a:extLst>
+                <a:ext uri="{FF2B5EF4-FFF2-40B4-BE49-F238E27FC236}">
+                  <a16:creationId xmlns:a16="http://schemas.microsoft.com/office/drawing/2014/main" id="{2390A793-88F5-015A-80F6-5E5C1D0866DA}"/>
+                </a:ext>
+              </a:extLst>
+            </p:cNvPr>
+            <p:cNvPicPr>
+              <a:picLocks noChangeAspect="1" noChangeArrowheads="1"/>
+            </p:cNvPicPr>
+            <p:nvPr/>
+          </p:nvPicPr>
+          <p:blipFill rotWithShape="1">
+            <a:blip r:embed="rId4">
+              <a:extLst>
+                <a:ext uri="{28A0092B-C50C-407E-A947-70E740481C1C}">
+                  <a14:useLocalDpi xmlns:a14="http://schemas.microsoft.com/office/drawing/2010/main" val="0"/>
+                </a:ext>
+              </a:extLst>
+            </a:blip>
+            <a:srcRect l="1179" t="6707" r="71330" b="20184"/>
+            <a:stretch/>
+          </p:blipFill>
+          <p:spPr bwMode="auto">
+            <a:xfrm>
+              <a:off x="2336801" y="1871134"/>
+              <a:ext cx="2040466" cy="3259666"/>
+            </a:xfrm>
+            <a:prstGeom prst="rect">
+              <a:avLst/>
+            </a:prstGeom>
+            <a:noFill/>
+            <a:ln w="28575">
+              <a:noFill/>
+            </a:ln>
+            <a:effectLst/>
+            <a:extLst>
+              <a:ext uri="{909E8E84-426E-40DD-AFC4-6F175D3DCCD1}">
+                <a14:hiddenFill xmlns:a14="http://schemas.microsoft.com/office/drawing/2010/main">
+                  <a:solidFill>
+                    <a:srgbClr val="FFFFFF"/>
+                  </a:solidFill>
+                </a14:hiddenFill>
+              </a:ext>
+            </a:extLst>
+          </p:spPr>
+        </p:pic>
+        <p:sp>
+          <p:nvSpPr>
+            <p:cNvPr id="4" name="Rectangle 3">
+              <a:extLst>
+                <a:ext uri="{FF2B5EF4-FFF2-40B4-BE49-F238E27FC236}">
+                  <a16:creationId xmlns:a16="http://schemas.microsoft.com/office/drawing/2014/main" id="{2E7E131D-96F9-EEAF-7904-15BBC8295DC8}"/>
+                </a:ext>
+              </a:extLst>
+            </p:cNvPr>
+            <p:cNvSpPr/>
+            <p:nvPr/>
+          </p:nvSpPr>
+          <p:spPr>
+            <a:xfrm>
+              <a:off x="2249243" y="1871133"/>
+              <a:ext cx="2128024" cy="3149599"/>
+            </a:xfrm>
+            <a:prstGeom prst="rect">
+              <a:avLst/>
+            </a:prstGeom>
+            <a:noFill/>
+            <a:ln w="38100">
+              <a:solidFill>
+                <a:schemeClr val="tx2"/>
+              </a:solidFill>
+            </a:ln>
+            <a:effectLst>
+              <a:outerShdw blurRad="50800" dist="38100" dir="2700000" algn="tl" rotWithShape="0">
+                <a:prstClr val="black">
+                  <a:alpha val="40000"/>
+                </a:prstClr>
+              </a:outerShdw>
+            </a:effectLst>
+          </p:spPr>
+          <p:style>
+            <a:lnRef idx="2">
+              <a:schemeClr val="accent1">
+                <a:shade val="15000"/>
+              </a:schemeClr>
+            </a:lnRef>
+            <a:fillRef idx="1">
+              <a:schemeClr val="accent1"/>
+            </a:fillRef>
+            <a:effectRef idx="0">
+              <a:schemeClr val="accent1"/>
+            </a:effectRef>
+            <a:fontRef idx="minor">
+              <a:schemeClr val="lt1"/>
+            </a:fontRef>
+          </p:style>
+          <p:txBody>
+            <a:bodyPr rtlCol="0" anchor="ctr"/>
+            <a:lstStyle/>
+            <a:p>
+              <a:pPr algn="ctr"/>
+              <a:endParaRPr lang="en-US"/>
+            </a:p>
+          </p:txBody>
+        </p:sp>
+        <p:sp>
+          <p:nvSpPr>
+            <p:cNvPr id="5" name="Rectangle 4">
+              <a:extLst>
+                <a:ext uri="{FF2B5EF4-FFF2-40B4-BE49-F238E27FC236}">
+                  <a16:creationId xmlns:a16="http://schemas.microsoft.com/office/drawing/2014/main" id="{B10902BE-5680-0B94-BAF4-152037728745}"/>
+                </a:ext>
+              </a:extLst>
+            </p:cNvPr>
+            <p:cNvSpPr/>
+            <p:nvPr/>
+          </p:nvSpPr>
+          <p:spPr>
+            <a:xfrm>
+              <a:off x="4464825" y="2573868"/>
+              <a:ext cx="4256047" cy="1574800"/>
+            </a:xfrm>
+            <a:prstGeom prst="rect">
+              <a:avLst/>
+            </a:prstGeom>
             <a:solidFill>
               <a:schemeClr val="tx2"/>
             </a:solidFill>
-          </a:ln>
-          <a:effectLst>
-            <a:outerShdw blurRad="50800" dist="38100" dir="2700000" algn="tl" rotWithShape="0">
-              <a:prstClr val="black">
-                <a:alpha val="40000"/>
-              </a:prstClr>
-            </a:outerShdw>
-          </a:effectLst>
-          <a:extLst>
-            <a:ext uri="{909E8E84-426E-40DD-AFC4-6F175D3DCCD1}">
-              <a14:hiddenFill xmlns:a14="http://schemas.microsoft.com/office/drawing/2010/main">
-                <a:solidFill>
-                  <a:srgbClr val="FFFFFF"/>
-                </a:solidFill>
-              </a14:hiddenFill>
-            </a:ext>
-          </a:extLst>
-        </p:spPr>
-      </p:pic>
+            <a:ln w="38100">
+              <a:noFill/>
+            </a:ln>
+            <a:effectLst>
+              <a:outerShdw blurRad="50800" dist="38100" dir="2700000" algn="tl" rotWithShape="0">
+                <a:prstClr val="black">
+                  <a:alpha val="40000"/>
+                </a:prstClr>
+              </a:outerShdw>
+            </a:effectLst>
+          </p:spPr>
+          <p:style>
+            <a:lnRef idx="2">
+              <a:schemeClr val="accent1">
+                <a:shade val="15000"/>
+              </a:schemeClr>
+            </a:lnRef>
+            <a:fillRef idx="1">
+              <a:schemeClr val="accent1"/>
+            </a:fillRef>
+            <a:effectRef idx="0">
+              <a:schemeClr val="accent1"/>
+            </a:effectRef>
+            <a:fontRef idx="minor">
+              <a:schemeClr val="lt1"/>
+            </a:fontRef>
+          </p:style>
+          <p:txBody>
+            <a:bodyPr rtlCol="0" anchor="ctr"/>
+            <a:lstStyle/>
+            <a:p>
+              <a:r>
+                <a:rPr lang="en-AT" b="1" dirty="0"/>
+                <a:t>NL-Module</a:t>
+              </a:r>
+            </a:p>
+            <a:p>
+              <a:pPr marL="285750" indent="-285750">
+                <a:buFont typeface="Wingdings" panose="05000000000000000000" pitchFamily="2" charset="2"/>
+                <a:buChar char="§"/>
+              </a:pPr>
+              <a:r>
+                <a:rPr lang="en-AT" dirty="0"/>
+                <a:t>Sort NL into sentence templates</a:t>
+              </a:r>
+            </a:p>
+            <a:p>
+              <a:pPr marL="285750" indent="-285750">
+                <a:buFont typeface="Wingdings" panose="05000000000000000000" pitchFamily="2" charset="2"/>
+                <a:buChar char="§"/>
+              </a:pPr>
+              <a:r>
+                <a:rPr lang="en-US" dirty="0"/>
+                <a:t>T</a:t>
+              </a:r>
+              <a:r>
+                <a:rPr lang="en-AT" dirty="0" err="1"/>
+                <a:t>ransform</a:t>
+              </a:r>
+              <a:r>
+                <a:rPr lang="en-AT" dirty="0"/>
+                <a:t> from NL into SQL</a:t>
+              </a:r>
+            </a:p>
+            <a:p>
+              <a:pPr marL="285750" indent="-285750">
+                <a:buFont typeface="Wingdings" panose="05000000000000000000" pitchFamily="2" charset="2"/>
+                <a:buChar char="§"/>
+              </a:pPr>
+              <a:r>
+                <a:rPr lang="en-AT" dirty="0"/>
+                <a:t>Transform from DB into NL</a:t>
+              </a:r>
+              <a:endParaRPr lang="en-US" dirty="0"/>
+            </a:p>
+          </p:txBody>
+        </p:sp>
+      </p:grpSp>
     </p:spTree>
     <p:extLst>
       <p:ext uri="{BB962C8B-B14F-4D97-AF65-F5344CB8AC3E}">
-        <p14:creationId xmlns:p14="http://schemas.microsoft.com/office/powerpoint/2010/main" val="1280054237"/>
+        <p14:creationId xmlns:p14="http://schemas.microsoft.com/office/powerpoint/2010/main" val="3135586988"/>
       </p:ext>
     </p:extLst>
   </p:cSld>
@@ -5911,7 +7661,7 @@
 </p:sld>
 </file>
 
-<file path=ppt/slides/slide19.xml><?xml version="1.0" encoding="utf-8"?>
+<file path=ppt/slides/slide23.xml><?xml version="1.0" encoding="utf-8"?>
 <p:sld xmlns:a="http://schemas.openxmlformats.org/drawingml/2006/main" xmlns:r="http://schemas.openxmlformats.org/officeDocument/2006/relationships" xmlns:p="http://schemas.openxmlformats.org/presentationml/2006/main">
   <p:cSld>
     <p:spTree>
@@ -5951,6 +7701,1250 @@
           <a:p>
             <a:r>
               <a:rPr lang="en-AT" dirty="0"/>
+              <a:t>PROTOTYPE IMPLEMENTATION: STRUCTURE</a:t>
+            </a:r>
+            <a:endParaRPr lang="en-US" dirty="0"/>
+          </a:p>
+        </p:txBody>
+      </p:sp>
+      <p:grpSp>
+        <p:nvGrpSpPr>
+          <p:cNvPr id="7" name="Group 6">
+            <a:extLst>
+              <a:ext uri="{FF2B5EF4-FFF2-40B4-BE49-F238E27FC236}">
+                <a16:creationId xmlns:a16="http://schemas.microsoft.com/office/drawing/2014/main" id="{99EE2FC2-1DFF-A916-6E27-32CAC30349FC}"/>
+              </a:ext>
+            </a:extLst>
+          </p:cNvPr>
+          <p:cNvGrpSpPr/>
+          <p:nvPr/>
+        </p:nvGrpSpPr>
+        <p:grpSpPr>
+          <a:xfrm>
+            <a:off x="2023534" y="1473200"/>
+            <a:ext cx="8144933" cy="4682067"/>
+            <a:chOff x="1938867" y="1473200"/>
+            <a:chExt cx="8144933" cy="4682067"/>
+          </a:xfrm>
+        </p:grpSpPr>
+        <p:pic>
+          <p:nvPicPr>
+            <p:cNvPr id="12290" name="Picture 2">
+              <a:extLst>
+                <a:ext uri="{FF2B5EF4-FFF2-40B4-BE49-F238E27FC236}">
+                  <a16:creationId xmlns:a16="http://schemas.microsoft.com/office/drawing/2014/main" id="{89B623F2-DCA4-23B8-5409-45648375311A}"/>
+                </a:ext>
+              </a:extLst>
+            </p:cNvPr>
+            <p:cNvPicPr>
+              <a:picLocks noChangeAspect="1" noChangeArrowheads="1"/>
+            </p:cNvPicPr>
+            <p:nvPr/>
+          </p:nvPicPr>
+          <p:blipFill>
+            <a:blip r:embed="rId2">
+              <a:extLst>
+                <a:ext uri="{BEBA8EAE-BF5A-486C-A8C5-ECC9F3942E4B}">
+                  <a14:imgProps xmlns:a14="http://schemas.microsoft.com/office/drawing/2010/main">
+                    <a14:imgLayer r:embed="rId3">
+                      <a14:imgEffect>
+                        <a14:saturation sat="0"/>
+                      </a14:imgEffect>
+                    </a14:imgLayer>
+                  </a14:imgProps>
+                </a:ext>
+                <a:ext uri="{28A0092B-C50C-407E-A947-70E740481C1C}">
+                  <a14:useLocalDpi xmlns:a14="http://schemas.microsoft.com/office/drawing/2010/main" val="0"/>
+                </a:ext>
+              </a:extLst>
+            </a:blip>
+            <a:srcRect/>
+            <a:stretch>
+              <a:fillRect/>
+            </a:stretch>
+          </p:blipFill>
+          <p:spPr bwMode="auto">
+            <a:xfrm>
+              <a:off x="2249243" y="1572156"/>
+              <a:ext cx="7422580" cy="4458488"/>
+            </a:xfrm>
+            <a:prstGeom prst="rect">
+              <a:avLst/>
+            </a:prstGeom>
+            <a:noFill/>
+            <a:ln w="28575">
+              <a:noFill/>
+            </a:ln>
+            <a:effectLst>
+              <a:outerShdw blurRad="50800" dist="38100" dir="2700000" algn="tl" rotWithShape="0">
+                <a:prstClr val="black">
+                  <a:alpha val="40000"/>
+                </a:prstClr>
+              </a:outerShdw>
+            </a:effectLst>
+            <a:extLst>
+              <a:ext uri="{909E8E84-426E-40DD-AFC4-6F175D3DCCD1}">
+                <a14:hiddenFill xmlns:a14="http://schemas.microsoft.com/office/drawing/2010/main">
+                  <a:solidFill>
+                    <a:srgbClr val="FFFFFF"/>
+                  </a:solidFill>
+                </a14:hiddenFill>
+              </a:ext>
+            </a:extLst>
+          </p:spPr>
+        </p:pic>
+        <p:sp>
+          <p:nvSpPr>
+            <p:cNvPr id="5" name="Rectangle 4">
+              <a:extLst>
+                <a:ext uri="{FF2B5EF4-FFF2-40B4-BE49-F238E27FC236}">
+                  <a16:creationId xmlns:a16="http://schemas.microsoft.com/office/drawing/2014/main" id="{3414868F-DBEA-FE6E-8D15-38034D15D1DB}"/>
+                </a:ext>
+              </a:extLst>
+            </p:cNvPr>
+            <p:cNvSpPr/>
+            <p:nvPr/>
+          </p:nvSpPr>
+          <p:spPr>
+            <a:xfrm>
+              <a:off x="1938867" y="1473200"/>
+              <a:ext cx="8144933" cy="4682067"/>
+            </a:xfrm>
+            <a:prstGeom prst="rect">
+              <a:avLst/>
+            </a:prstGeom>
+            <a:solidFill>
+              <a:srgbClr val="FFFFFF">
+                <a:alpha val="40000"/>
+              </a:srgbClr>
+            </a:solidFill>
+            <a:ln>
+              <a:noFill/>
+            </a:ln>
+            <a:effectLst/>
+          </p:spPr>
+          <p:style>
+            <a:lnRef idx="2">
+              <a:schemeClr val="accent1">
+                <a:shade val="15000"/>
+              </a:schemeClr>
+            </a:lnRef>
+            <a:fillRef idx="1">
+              <a:schemeClr val="accent1"/>
+            </a:fillRef>
+            <a:effectRef idx="0">
+              <a:schemeClr val="accent1"/>
+            </a:effectRef>
+            <a:fontRef idx="minor">
+              <a:schemeClr val="lt1"/>
+            </a:fontRef>
+          </p:style>
+          <p:txBody>
+            <a:bodyPr rtlCol="0" anchor="ctr"/>
+            <a:lstStyle/>
+            <a:p>
+              <a:pPr algn="ctr"/>
+              <a:endParaRPr lang="en-US"/>
+            </a:p>
+          </p:txBody>
+        </p:sp>
+        <p:pic>
+          <p:nvPicPr>
+            <p:cNvPr id="3" name="Picture 2">
+              <a:extLst>
+                <a:ext uri="{FF2B5EF4-FFF2-40B4-BE49-F238E27FC236}">
+                  <a16:creationId xmlns:a16="http://schemas.microsoft.com/office/drawing/2014/main" id="{2390A793-88F5-015A-80F6-5E5C1D0866DA}"/>
+                </a:ext>
+              </a:extLst>
+            </p:cNvPr>
+            <p:cNvPicPr>
+              <a:picLocks noChangeAspect="1" noChangeArrowheads="1"/>
+            </p:cNvPicPr>
+            <p:nvPr/>
+          </p:nvPicPr>
+          <p:blipFill rotWithShape="1">
+            <a:blip r:embed="rId4">
+              <a:extLst>
+                <a:ext uri="{28A0092B-C50C-407E-A947-70E740481C1C}">
+                  <a14:useLocalDpi xmlns:a14="http://schemas.microsoft.com/office/drawing/2010/main" val="0"/>
+                </a:ext>
+              </a:extLst>
+            </a:blip>
+            <a:srcRect l="72131" t="6707" r="1176" b="20184"/>
+            <a:stretch/>
+          </p:blipFill>
+          <p:spPr bwMode="auto">
+            <a:xfrm>
+              <a:off x="7603067" y="1871134"/>
+              <a:ext cx="1981200" cy="3259666"/>
+            </a:xfrm>
+            <a:prstGeom prst="rect">
+              <a:avLst/>
+            </a:prstGeom>
+            <a:noFill/>
+            <a:ln w="28575">
+              <a:noFill/>
+            </a:ln>
+            <a:effectLst/>
+            <a:extLst>
+              <a:ext uri="{909E8E84-426E-40DD-AFC4-6F175D3DCCD1}">
+                <a14:hiddenFill xmlns:a14="http://schemas.microsoft.com/office/drawing/2010/main">
+                  <a:solidFill>
+                    <a:srgbClr val="FFFFFF"/>
+                  </a:solidFill>
+                </a14:hiddenFill>
+              </a:ext>
+            </a:extLst>
+          </p:spPr>
+        </p:pic>
+        <p:sp>
+          <p:nvSpPr>
+            <p:cNvPr id="4" name="Rectangle 3">
+              <a:extLst>
+                <a:ext uri="{FF2B5EF4-FFF2-40B4-BE49-F238E27FC236}">
+                  <a16:creationId xmlns:a16="http://schemas.microsoft.com/office/drawing/2014/main" id="{160BDDF5-557D-A7F7-6181-6D1CA785AE6D}"/>
+                </a:ext>
+              </a:extLst>
+            </p:cNvPr>
+            <p:cNvSpPr/>
+            <p:nvPr/>
+          </p:nvSpPr>
+          <p:spPr>
+            <a:xfrm>
+              <a:off x="7603067" y="2324101"/>
+              <a:ext cx="2209800" cy="2332566"/>
+            </a:xfrm>
+            <a:prstGeom prst="rect">
+              <a:avLst/>
+            </a:prstGeom>
+            <a:noFill/>
+            <a:ln w="38100">
+              <a:solidFill>
+                <a:schemeClr val="tx2"/>
+              </a:solidFill>
+            </a:ln>
+            <a:effectLst>
+              <a:outerShdw blurRad="50800" dist="38100" dir="2700000" algn="tl" rotWithShape="0">
+                <a:prstClr val="black">
+                  <a:alpha val="40000"/>
+                </a:prstClr>
+              </a:outerShdw>
+            </a:effectLst>
+          </p:spPr>
+          <p:style>
+            <a:lnRef idx="2">
+              <a:schemeClr val="accent1">
+                <a:shade val="15000"/>
+              </a:schemeClr>
+            </a:lnRef>
+            <a:fillRef idx="1">
+              <a:schemeClr val="accent1"/>
+            </a:fillRef>
+            <a:effectRef idx="0">
+              <a:schemeClr val="accent1"/>
+            </a:effectRef>
+            <a:fontRef idx="minor">
+              <a:schemeClr val="lt1"/>
+            </a:fontRef>
+          </p:style>
+          <p:txBody>
+            <a:bodyPr rtlCol="0" anchor="ctr"/>
+            <a:lstStyle/>
+            <a:p>
+              <a:pPr algn="ctr"/>
+              <a:endParaRPr lang="en-US"/>
+            </a:p>
+          </p:txBody>
+        </p:sp>
+        <p:sp>
+          <p:nvSpPr>
+            <p:cNvPr id="6" name="Rectangle 5">
+              <a:extLst>
+                <a:ext uri="{FF2B5EF4-FFF2-40B4-BE49-F238E27FC236}">
+                  <a16:creationId xmlns:a16="http://schemas.microsoft.com/office/drawing/2014/main" id="{3E04F002-A6C7-125A-20A8-94B6D38D5877}"/>
+                </a:ext>
+              </a:extLst>
+            </p:cNvPr>
+            <p:cNvSpPr/>
+            <p:nvPr/>
+          </p:nvSpPr>
+          <p:spPr>
+            <a:xfrm>
+              <a:off x="3270719" y="2641600"/>
+              <a:ext cx="4256047" cy="1574800"/>
+            </a:xfrm>
+            <a:prstGeom prst="rect">
+              <a:avLst/>
+            </a:prstGeom>
+            <a:solidFill>
+              <a:schemeClr val="tx2"/>
+            </a:solidFill>
+            <a:ln w="38100">
+              <a:noFill/>
+            </a:ln>
+            <a:effectLst>
+              <a:outerShdw blurRad="50800" dist="38100" dir="2700000" algn="tl" rotWithShape="0">
+                <a:prstClr val="black">
+                  <a:alpha val="40000"/>
+                </a:prstClr>
+              </a:outerShdw>
+            </a:effectLst>
+          </p:spPr>
+          <p:style>
+            <a:lnRef idx="2">
+              <a:schemeClr val="accent1">
+                <a:shade val="15000"/>
+              </a:schemeClr>
+            </a:lnRef>
+            <a:fillRef idx="1">
+              <a:schemeClr val="accent1"/>
+            </a:fillRef>
+            <a:effectRef idx="0">
+              <a:schemeClr val="accent1"/>
+            </a:effectRef>
+            <a:fontRef idx="minor">
+              <a:schemeClr val="lt1"/>
+            </a:fontRef>
+          </p:style>
+          <p:txBody>
+            <a:bodyPr rtlCol="0" anchor="ctr"/>
+            <a:lstStyle/>
+            <a:p>
+              <a:r>
+                <a:rPr lang="en-AT" b="1" dirty="0"/>
+                <a:t>UML-Module</a:t>
+              </a:r>
+            </a:p>
+            <a:p>
+              <a:pPr marL="285750" indent="-285750">
+                <a:buFont typeface="Wingdings" panose="05000000000000000000" pitchFamily="2" charset="2"/>
+                <a:buChar char="§"/>
+              </a:pPr>
+              <a:r>
+                <a:rPr lang="en-AT" dirty="0"/>
+                <a:t>Transform UML into SQL</a:t>
+              </a:r>
+            </a:p>
+            <a:p>
+              <a:pPr marL="285750" indent="-285750">
+                <a:buFont typeface="Wingdings" panose="05000000000000000000" pitchFamily="2" charset="2"/>
+                <a:buChar char="§"/>
+              </a:pPr>
+              <a:r>
+                <a:rPr lang="en-AT" dirty="0"/>
+                <a:t>Transform from DB into UML</a:t>
+              </a:r>
+              <a:endParaRPr lang="en-US" dirty="0"/>
+            </a:p>
+          </p:txBody>
+        </p:sp>
+      </p:grpSp>
+    </p:spTree>
+    <p:extLst>
+      <p:ext uri="{BB962C8B-B14F-4D97-AF65-F5344CB8AC3E}">
+        <p14:creationId xmlns:p14="http://schemas.microsoft.com/office/powerpoint/2010/main" val="2787051237"/>
+      </p:ext>
+    </p:extLst>
+  </p:cSld>
+  <p:clrMapOvr>
+    <a:masterClrMapping/>
+  </p:clrMapOvr>
+</p:sld>
+</file>
+
+<file path=ppt/slides/slide24.xml><?xml version="1.0" encoding="utf-8"?>
+<p:sld xmlns:a="http://schemas.openxmlformats.org/drawingml/2006/main" xmlns:r="http://schemas.openxmlformats.org/officeDocument/2006/relationships" xmlns:p="http://schemas.openxmlformats.org/presentationml/2006/main">
+  <p:cSld>
+    <p:spTree>
+      <p:nvGrpSpPr>
+        <p:cNvPr id="1" name=""/>
+        <p:cNvGrpSpPr/>
+        <p:nvPr/>
+      </p:nvGrpSpPr>
+      <p:grpSpPr>
+        <a:xfrm>
+          <a:off x="0" y="0"/>
+          <a:ext cx="0" cy="0"/>
+          <a:chOff x="0" y="0"/>
+          <a:chExt cx="0" cy="0"/>
+        </a:xfrm>
+      </p:grpSpPr>
+      <p:sp>
+        <p:nvSpPr>
+          <p:cNvPr id="2" name="Title 1">
+            <a:extLst>
+              <a:ext uri="{FF2B5EF4-FFF2-40B4-BE49-F238E27FC236}">
+                <a16:creationId xmlns:a16="http://schemas.microsoft.com/office/drawing/2014/main" id="{8D5EB32F-FC2E-C9C0-05E1-8ADFA1BFCD03}"/>
+              </a:ext>
+            </a:extLst>
+          </p:cNvPr>
+          <p:cNvSpPr>
+            <a:spLocks noGrp="1"/>
+          </p:cNvSpPr>
+          <p:nvPr>
+            <p:ph type="title"/>
+          </p:nvPr>
+        </p:nvSpPr>
+        <p:spPr/>
+        <p:txBody>
+          <a:bodyPr/>
+          <a:lstStyle/>
+          <a:p>
+            <a:r>
+              <a:rPr lang="en-AT" dirty="0"/>
+              <a:t>PROTOTYPE IMPLEMENTATION: STRUCTURE</a:t>
+            </a:r>
+            <a:endParaRPr lang="en-US" dirty="0"/>
+          </a:p>
+        </p:txBody>
+      </p:sp>
+      <p:grpSp>
+        <p:nvGrpSpPr>
+          <p:cNvPr id="7" name="Group 6">
+            <a:extLst>
+              <a:ext uri="{FF2B5EF4-FFF2-40B4-BE49-F238E27FC236}">
+                <a16:creationId xmlns:a16="http://schemas.microsoft.com/office/drawing/2014/main" id="{5FB869BF-278D-25C0-63C7-9F523CDB1438}"/>
+              </a:ext>
+            </a:extLst>
+          </p:cNvPr>
+          <p:cNvGrpSpPr/>
+          <p:nvPr/>
+        </p:nvGrpSpPr>
+        <p:grpSpPr>
+          <a:xfrm>
+            <a:off x="2023534" y="1473200"/>
+            <a:ext cx="8144933" cy="4690533"/>
+            <a:chOff x="1938867" y="1473200"/>
+            <a:chExt cx="8144933" cy="4690533"/>
+          </a:xfrm>
+        </p:grpSpPr>
+        <p:pic>
+          <p:nvPicPr>
+            <p:cNvPr id="12290" name="Picture 2">
+              <a:extLst>
+                <a:ext uri="{FF2B5EF4-FFF2-40B4-BE49-F238E27FC236}">
+                  <a16:creationId xmlns:a16="http://schemas.microsoft.com/office/drawing/2014/main" id="{89B623F2-DCA4-23B8-5409-45648375311A}"/>
+                </a:ext>
+              </a:extLst>
+            </p:cNvPr>
+            <p:cNvPicPr>
+              <a:picLocks noChangeAspect="1" noChangeArrowheads="1"/>
+            </p:cNvPicPr>
+            <p:nvPr/>
+          </p:nvPicPr>
+          <p:blipFill>
+            <a:blip r:embed="rId2">
+              <a:extLst>
+                <a:ext uri="{BEBA8EAE-BF5A-486C-A8C5-ECC9F3942E4B}">
+                  <a14:imgProps xmlns:a14="http://schemas.microsoft.com/office/drawing/2010/main">
+                    <a14:imgLayer r:embed="rId3">
+                      <a14:imgEffect>
+                        <a14:saturation sat="0"/>
+                      </a14:imgEffect>
+                    </a14:imgLayer>
+                  </a14:imgProps>
+                </a:ext>
+                <a:ext uri="{28A0092B-C50C-407E-A947-70E740481C1C}">
+                  <a14:useLocalDpi xmlns:a14="http://schemas.microsoft.com/office/drawing/2010/main" val="0"/>
+                </a:ext>
+              </a:extLst>
+            </a:blip>
+            <a:srcRect/>
+            <a:stretch>
+              <a:fillRect/>
+            </a:stretch>
+          </p:blipFill>
+          <p:spPr bwMode="auto">
+            <a:xfrm>
+              <a:off x="2249243" y="1572156"/>
+              <a:ext cx="7422580" cy="4458488"/>
+            </a:xfrm>
+            <a:prstGeom prst="rect">
+              <a:avLst/>
+            </a:prstGeom>
+            <a:noFill/>
+            <a:ln w="28575">
+              <a:noFill/>
+            </a:ln>
+            <a:effectLst>
+              <a:outerShdw blurRad="50800" dist="38100" dir="2700000" algn="tl" rotWithShape="0">
+                <a:prstClr val="black">
+                  <a:alpha val="40000"/>
+                </a:prstClr>
+              </a:outerShdw>
+            </a:effectLst>
+            <a:extLst>
+              <a:ext uri="{909E8E84-426E-40DD-AFC4-6F175D3DCCD1}">
+                <a14:hiddenFill xmlns:a14="http://schemas.microsoft.com/office/drawing/2010/main">
+                  <a:solidFill>
+                    <a:srgbClr val="FFFFFF"/>
+                  </a:solidFill>
+                </a14:hiddenFill>
+              </a:ext>
+            </a:extLst>
+          </p:spPr>
+        </p:pic>
+        <p:sp>
+          <p:nvSpPr>
+            <p:cNvPr id="5" name="Rectangle 4">
+              <a:extLst>
+                <a:ext uri="{FF2B5EF4-FFF2-40B4-BE49-F238E27FC236}">
+                  <a16:creationId xmlns:a16="http://schemas.microsoft.com/office/drawing/2014/main" id="{3715F041-ACEE-003C-2715-E39CF2408834}"/>
+                </a:ext>
+              </a:extLst>
+            </p:cNvPr>
+            <p:cNvSpPr/>
+            <p:nvPr/>
+          </p:nvSpPr>
+          <p:spPr>
+            <a:xfrm>
+              <a:off x="1938867" y="1473200"/>
+              <a:ext cx="8144933" cy="4682067"/>
+            </a:xfrm>
+            <a:prstGeom prst="rect">
+              <a:avLst/>
+            </a:prstGeom>
+            <a:solidFill>
+              <a:srgbClr val="FFFFFF">
+                <a:alpha val="40000"/>
+              </a:srgbClr>
+            </a:solidFill>
+            <a:ln>
+              <a:noFill/>
+            </a:ln>
+            <a:effectLst/>
+          </p:spPr>
+          <p:style>
+            <a:lnRef idx="2">
+              <a:schemeClr val="accent1">
+                <a:shade val="15000"/>
+              </a:schemeClr>
+            </a:lnRef>
+            <a:fillRef idx="1">
+              <a:schemeClr val="accent1"/>
+            </a:fillRef>
+            <a:effectRef idx="0">
+              <a:schemeClr val="accent1"/>
+            </a:effectRef>
+            <a:fontRef idx="minor">
+              <a:schemeClr val="lt1"/>
+            </a:fontRef>
+          </p:style>
+          <p:txBody>
+            <a:bodyPr rtlCol="0" anchor="ctr"/>
+            <a:lstStyle/>
+            <a:p>
+              <a:pPr algn="ctr"/>
+              <a:endParaRPr lang="en-US"/>
+            </a:p>
+          </p:txBody>
+        </p:sp>
+        <p:pic>
+          <p:nvPicPr>
+            <p:cNvPr id="3" name="Picture 2">
+              <a:extLst>
+                <a:ext uri="{FF2B5EF4-FFF2-40B4-BE49-F238E27FC236}">
+                  <a16:creationId xmlns:a16="http://schemas.microsoft.com/office/drawing/2014/main" id="{2390A793-88F5-015A-80F6-5E5C1D0866DA}"/>
+                </a:ext>
+              </a:extLst>
+            </p:cNvPr>
+            <p:cNvPicPr>
+              <a:picLocks noChangeAspect="1" noChangeArrowheads="1"/>
+            </p:cNvPicPr>
+            <p:nvPr/>
+          </p:nvPicPr>
+          <p:blipFill rotWithShape="1">
+            <a:blip r:embed="rId4">
+              <a:extLst>
+                <a:ext uri="{28A0092B-C50C-407E-A947-70E740481C1C}">
+                  <a14:useLocalDpi xmlns:a14="http://schemas.microsoft.com/office/drawing/2010/main" val="0"/>
+                </a:ext>
+              </a:extLst>
+            </a:blip>
+            <a:srcRect l="35971" t="75259" r="35625" b="1384"/>
+            <a:stretch/>
+          </p:blipFill>
+          <p:spPr bwMode="auto">
+            <a:xfrm>
+              <a:off x="4919133" y="4927600"/>
+              <a:ext cx="2108200" cy="1041400"/>
+            </a:xfrm>
+            <a:prstGeom prst="rect">
+              <a:avLst/>
+            </a:prstGeom>
+            <a:noFill/>
+            <a:ln w="28575">
+              <a:noFill/>
+            </a:ln>
+            <a:effectLst/>
+            <a:extLst>
+              <a:ext uri="{909E8E84-426E-40DD-AFC4-6F175D3DCCD1}">
+                <a14:hiddenFill xmlns:a14="http://schemas.microsoft.com/office/drawing/2010/main">
+                  <a:solidFill>
+                    <a:srgbClr val="FFFFFF"/>
+                  </a:solidFill>
+                </a14:hiddenFill>
+              </a:ext>
+            </a:extLst>
+          </p:spPr>
+        </p:pic>
+        <p:sp>
+          <p:nvSpPr>
+            <p:cNvPr id="4" name="Rectangle 3">
+              <a:extLst>
+                <a:ext uri="{FF2B5EF4-FFF2-40B4-BE49-F238E27FC236}">
+                  <a16:creationId xmlns:a16="http://schemas.microsoft.com/office/drawing/2014/main" id="{1516EE65-7046-8B43-25E7-84ACC76C19A6}"/>
+                </a:ext>
+              </a:extLst>
+            </p:cNvPr>
+            <p:cNvSpPr/>
+            <p:nvPr/>
+          </p:nvSpPr>
+          <p:spPr>
+            <a:xfrm>
+              <a:off x="4826000" y="4986867"/>
+              <a:ext cx="2362200" cy="1176866"/>
+            </a:xfrm>
+            <a:prstGeom prst="rect">
+              <a:avLst/>
+            </a:prstGeom>
+            <a:noFill/>
+            <a:ln w="38100">
+              <a:solidFill>
+                <a:schemeClr val="tx2"/>
+              </a:solidFill>
+            </a:ln>
+            <a:effectLst>
+              <a:outerShdw blurRad="50800" dist="38100" dir="2700000" algn="tl" rotWithShape="0">
+                <a:prstClr val="black">
+                  <a:alpha val="40000"/>
+                </a:prstClr>
+              </a:outerShdw>
+            </a:effectLst>
+          </p:spPr>
+          <p:style>
+            <a:lnRef idx="2">
+              <a:schemeClr val="accent1">
+                <a:shade val="15000"/>
+              </a:schemeClr>
+            </a:lnRef>
+            <a:fillRef idx="1">
+              <a:schemeClr val="accent1"/>
+            </a:fillRef>
+            <a:effectRef idx="0">
+              <a:schemeClr val="accent1"/>
+            </a:effectRef>
+            <a:fontRef idx="minor">
+              <a:schemeClr val="lt1"/>
+            </a:fontRef>
+          </p:style>
+          <p:txBody>
+            <a:bodyPr rtlCol="0" anchor="ctr"/>
+            <a:lstStyle/>
+            <a:p>
+              <a:pPr algn="ctr"/>
+              <a:endParaRPr lang="en-US"/>
+            </a:p>
+          </p:txBody>
+        </p:sp>
+        <p:sp>
+          <p:nvSpPr>
+            <p:cNvPr id="6" name="Rectangle 5">
+              <a:extLst>
+                <a:ext uri="{FF2B5EF4-FFF2-40B4-BE49-F238E27FC236}">
+                  <a16:creationId xmlns:a16="http://schemas.microsoft.com/office/drawing/2014/main" id="{E8510255-4299-A236-FD10-C4651F6F6D14}"/>
+                </a:ext>
+              </a:extLst>
+            </p:cNvPr>
+            <p:cNvSpPr/>
+            <p:nvPr/>
+          </p:nvSpPr>
+          <p:spPr>
+            <a:xfrm>
+              <a:off x="3548826" y="3685378"/>
+              <a:ext cx="4823414" cy="1176866"/>
+            </a:xfrm>
+            <a:prstGeom prst="rect">
+              <a:avLst/>
+            </a:prstGeom>
+            <a:solidFill>
+              <a:schemeClr val="tx2"/>
+            </a:solidFill>
+            <a:ln w="38100">
+              <a:noFill/>
+            </a:ln>
+            <a:effectLst>
+              <a:outerShdw blurRad="50800" dist="38100" dir="2700000" algn="tl" rotWithShape="0">
+                <a:prstClr val="black">
+                  <a:alpha val="40000"/>
+                </a:prstClr>
+              </a:outerShdw>
+            </a:effectLst>
+          </p:spPr>
+          <p:style>
+            <a:lnRef idx="2">
+              <a:schemeClr val="accent1">
+                <a:shade val="15000"/>
+              </a:schemeClr>
+            </a:lnRef>
+            <a:fillRef idx="1">
+              <a:schemeClr val="accent1"/>
+            </a:fillRef>
+            <a:effectRef idx="0">
+              <a:schemeClr val="accent1"/>
+            </a:effectRef>
+            <a:fontRef idx="minor">
+              <a:schemeClr val="lt1"/>
+            </a:fontRef>
+          </p:style>
+          <p:txBody>
+            <a:bodyPr rtlCol="0" anchor="ctr"/>
+            <a:lstStyle/>
+            <a:p>
+              <a:r>
+                <a:rPr lang="en-AT" b="1" dirty="0"/>
+                <a:t>DB-Module</a:t>
+              </a:r>
+            </a:p>
+            <a:p>
+              <a:pPr marL="285750" indent="-285750">
+                <a:buFont typeface="Wingdings" panose="05000000000000000000" pitchFamily="2" charset="2"/>
+                <a:buChar char="§"/>
+              </a:pPr>
+              <a:r>
+                <a:rPr lang="en-AT" dirty="0"/>
+                <a:t>Manages all interactions with DB</a:t>
+              </a:r>
+            </a:p>
+            <a:p>
+              <a:pPr marL="285750" indent="-285750">
+                <a:buFont typeface="Wingdings" panose="05000000000000000000" pitchFamily="2" charset="2"/>
+                <a:buChar char="§"/>
+              </a:pPr>
+              <a:r>
+                <a:rPr lang="en-AT" dirty="0"/>
+                <a:t>No transformations do happen here</a:t>
+              </a:r>
+              <a:endParaRPr lang="en-US" dirty="0"/>
+            </a:p>
+          </p:txBody>
+        </p:sp>
+      </p:grpSp>
+    </p:spTree>
+    <p:extLst>
+      <p:ext uri="{BB962C8B-B14F-4D97-AF65-F5344CB8AC3E}">
+        <p14:creationId xmlns:p14="http://schemas.microsoft.com/office/powerpoint/2010/main" val="4094077124"/>
+      </p:ext>
+    </p:extLst>
+  </p:cSld>
+  <p:clrMapOvr>
+    <a:masterClrMapping/>
+  </p:clrMapOvr>
+</p:sld>
+</file>
+
+<file path=ppt/slides/slide25.xml><?xml version="1.0" encoding="utf-8"?>
+<p:sld xmlns:a="http://schemas.openxmlformats.org/drawingml/2006/main" xmlns:r="http://schemas.openxmlformats.org/officeDocument/2006/relationships" xmlns:p="http://schemas.openxmlformats.org/presentationml/2006/main">
+  <p:cSld>
+    <p:spTree>
+      <p:nvGrpSpPr>
+        <p:cNvPr id="1" name=""/>
+        <p:cNvGrpSpPr/>
+        <p:nvPr/>
+      </p:nvGrpSpPr>
+      <p:grpSpPr>
+        <a:xfrm>
+          <a:off x="0" y="0"/>
+          <a:ext cx="0" cy="0"/>
+          <a:chOff x="0" y="0"/>
+          <a:chExt cx="0" cy="0"/>
+        </a:xfrm>
+      </p:grpSpPr>
+      <p:sp>
+        <p:nvSpPr>
+          <p:cNvPr id="2" name="Title 1">
+            <a:extLst>
+              <a:ext uri="{FF2B5EF4-FFF2-40B4-BE49-F238E27FC236}">
+                <a16:creationId xmlns:a16="http://schemas.microsoft.com/office/drawing/2014/main" id="{8D5EB32F-FC2E-C9C0-05E1-8ADFA1BFCD03}"/>
+              </a:ext>
+            </a:extLst>
+          </p:cNvPr>
+          <p:cNvSpPr>
+            <a:spLocks noGrp="1"/>
+          </p:cNvSpPr>
+          <p:nvPr>
+            <p:ph type="title"/>
+          </p:nvPr>
+        </p:nvSpPr>
+        <p:spPr/>
+        <p:txBody>
+          <a:bodyPr/>
+          <a:lstStyle/>
+          <a:p>
+            <a:r>
+              <a:rPr lang="en-AT" dirty="0"/>
+              <a:t>PROTOTYPE IMPLEMENTATION: STRUCTURE</a:t>
+            </a:r>
+            <a:endParaRPr lang="en-US" dirty="0"/>
+          </a:p>
+        </p:txBody>
+      </p:sp>
+      <p:grpSp>
+        <p:nvGrpSpPr>
+          <p:cNvPr id="7" name="Group 6">
+            <a:extLst>
+              <a:ext uri="{FF2B5EF4-FFF2-40B4-BE49-F238E27FC236}">
+                <a16:creationId xmlns:a16="http://schemas.microsoft.com/office/drawing/2014/main" id="{D3102117-B7C2-F657-E4BA-146082BE2FD3}"/>
+              </a:ext>
+            </a:extLst>
+          </p:cNvPr>
+          <p:cNvGrpSpPr/>
+          <p:nvPr/>
+        </p:nvGrpSpPr>
+        <p:grpSpPr>
+          <a:xfrm>
+            <a:off x="2023534" y="1473200"/>
+            <a:ext cx="8144933" cy="4682067"/>
+            <a:chOff x="1938867" y="1473200"/>
+            <a:chExt cx="8144933" cy="4682067"/>
+          </a:xfrm>
+        </p:grpSpPr>
+        <p:pic>
+          <p:nvPicPr>
+            <p:cNvPr id="12290" name="Picture 2">
+              <a:extLst>
+                <a:ext uri="{FF2B5EF4-FFF2-40B4-BE49-F238E27FC236}">
+                  <a16:creationId xmlns:a16="http://schemas.microsoft.com/office/drawing/2014/main" id="{89B623F2-DCA4-23B8-5409-45648375311A}"/>
+                </a:ext>
+              </a:extLst>
+            </p:cNvPr>
+            <p:cNvPicPr>
+              <a:picLocks noChangeAspect="1" noChangeArrowheads="1"/>
+            </p:cNvPicPr>
+            <p:nvPr/>
+          </p:nvPicPr>
+          <p:blipFill>
+            <a:blip r:embed="rId2">
+              <a:extLst>
+                <a:ext uri="{BEBA8EAE-BF5A-486C-A8C5-ECC9F3942E4B}">
+                  <a14:imgProps xmlns:a14="http://schemas.microsoft.com/office/drawing/2010/main">
+                    <a14:imgLayer r:embed="rId3">
+                      <a14:imgEffect>
+                        <a14:saturation sat="0"/>
+                      </a14:imgEffect>
+                    </a14:imgLayer>
+                  </a14:imgProps>
+                </a:ext>
+                <a:ext uri="{28A0092B-C50C-407E-A947-70E740481C1C}">
+                  <a14:useLocalDpi xmlns:a14="http://schemas.microsoft.com/office/drawing/2010/main" val="0"/>
+                </a:ext>
+              </a:extLst>
+            </a:blip>
+            <a:srcRect/>
+            <a:stretch>
+              <a:fillRect/>
+            </a:stretch>
+          </p:blipFill>
+          <p:spPr bwMode="auto">
+            <a:xfrm>
+              <a:off x="2249243" y="1572156"/>
+              <a:ext cx="7422580" cy="4458488"/>
+            </a:xfrm>
+            <a:prstGeom prst="rect">
+              <a:avLst/>
+            </a:prstGeom>
+            <a:noFill/>
+            <a:ln w="28575">
+              <a:noFill/>
+            </a:ln>
+            <a:effectLst>
+              <a:outerShdw blurRad="50800" dist="38100" dir="2700000" algn="tl" rotWithShape="0">
+                <a:prstClr val="black">
+                  <a:alpha val="40000"/>
+                </a:prstClr>
+              </a:outerShdw>
+            </a:effectLst>
+            <a:extLst>
+              <a:ext uri="{909E8E84-426E-40DD-AFC4-6F175D3DCCD1}">
+                <a14:hiddenFill xmlns:a14="http://schemas.microsoft.com/office/drawing/2010/main">
+                  <a:solidFill>
+                    <a:srgbClr val="FFFFFF"/>
+                  </a:solidFill>
+                </a14:hiddenFill>
+              </a:ext>
+            </a:extLst>
+          </p:spPr>
+        </p:pic>
+        <p:sp>
+          <p:nvSpPr>
+            <p:cNvPr id="6" name="Rectangle 5">
+              <a:extLst>
+                <a:ext uri="{FF2B5EF4-FFF2-40B4-BE49-F238E27FC236}">
+                  <a16:creationId xmlns:a16="http://schemas.microsoft.com/office/drawing/2014/main" id="{B3A9FC7E-D387-99F6-0F48-5F19F973BC45}"/>
+                </a:ext>
+              </a:extLst>
+            </p:cNvPr>
+            <p:cNvSpPr/>
+            <p:nvPr/>
+          </p:nvSpPr>
+          <p:spPr>
+            <a:xfrm>
+              <a:off x="1938867" y="1473200"/>
+              <a:ext cx="8144933" cy="4682067"/>
+            </a:xfrm>
+            <a:prstGeom prst="rect">
+              <a:avLst/>
+            </a:prstGeom>
+            <a:solidFill>
+              <a:srgbClr val="FFFFFF">
+                <a:alpha val="40000"/>
+              </a:srgbClr>
+            </a:solidFill>
+            <a:ln>
+              <a:noFill/>
+            </a:ln>
+            <a:effectLst/>
+          </p:spPr>
+          <p:style>
+            <a:lnRef idx="2">
+              <a:schemeClr val="accent1">
+                <a:shade val="15000"/>
+              </a:schemeClr>
+            </a:lnRef>
+            <a:fillRef idx="1">
+              <a:schemeClr val="accent1"/>
+            </a:fillRef>
+            <a:effectRef idx="0">
+              <a:schemeClr val="accent1"/>
+            </a:effectRef>
+            <a:fontRef idx="minor">
+              <a:schemeClr val="lt1"/>
+            </a:fontRef>
+          </p:style>
+          <p:txBody>
+            <a:bodyPr rtlCol="0" anchor="ctr"/>
+            <a:lstStyle/>
+            <a:p>
+              <a:pPr algn="ctr"/>
+              <a:endParaRPr lang="en-US"/>
+            </a:p>
+          </p:txBody>
+        </p:sp>
+        <p:pic>
+          <p:nvPicPr>
+            <p:cNvPr id="3" name="Picture 2">
+              <a:extLst>
+                <a:ext uri="{FF2B5EF4-FFF2-40B4-BE49-F238E27FC236}">
+                  <a16:creationId xmlns:a16="http://schemas.microsoft.com/office/drawing/2014/main" id="{2390A793-88F5-015A-80F6-5E5C1D0866DA}"/>
+                </a:ext>
+              </a:extLst>
+            </p:cNvPr>
+            <p:cNvPicPr>
+              <a:picLocks noChangeAspect="1" noChangeArrowheads="1"/>
+            </p:cNvPicPr>
+            <p:nvPr/>
+          </p:nvPicPr>
+          <p:blipFill rotWithShape="1">
+            <a:blip r:embed="rId4">
+              <a:extLst>
+                <a:ext uri="{28A0092B-C50C-407E-A947-70E740481C1C}">
+                  <a14:useLocalDpi xmlns:a14="http://schemas.microsoft.com/office/drawing/2010/main" val="0"/>
+                </a:ext>
+              </a:extLst>
+            </a:blip>
+            <a:srcRect l="34487" t="25696" r="33460" b="44300"/>
+            <a:stretch/>
+          </p:blipFill>
+          <p:spPr bwMode="auto">
+            <a:xfrm>
+              <a:off x="4809067" y="2717800"/>
+              <a:ext cx="2379133" cy="1337733"/>
+            </a:xfrm>
+            <a:prstGeom prst="rect">
+              <a:avLst/>
+            </a:prstGeom>
+            <a:noFill/>
+            <a:ln w="28575">
+              <a:noFill/>
+            </a:ln>
+            <a:effectLst/>
+            <a:extLst>
+              <a:ext uri="{909E8E84-426E-40DD-AFC4-6F175D3DCCD1}">
+                <a14:hiddenFill xmlns:a14="http://schemas.microsoft.com/office/drawing/2010/main">
+                  <a:solidFill>
+                    <a:srgbClr val="FFFFFF"/>
+                  </a:solidFill>
+                </a14:hiddenFill>
+              </a:ext>
+            </a:extLst>
+          </p:spPr>
+        </p:pic>
+        <p:sp>
+          <p:nvSpPr>
+            <p:cNvPr id="4" name="Rectangle 3">
+              <a:extLst>
+                <a:ext uri="{FF2B5EF4-FFF2-40B4-BE49-F238E27FC236}">
+                  <a16:creationId xmlns:a16="http://schemas.microsoft.com/office/drawing/2014/main" id="{8559544E-89D9-AC23-9B81-C4D1853D7F97}"/>
+                </a:ext>
+              </a:extLst>
+            </p:cNvPr>
+            <p:cNvSpPr/>
+            <p:nvPr/>
+          </p:nvSpPr>
+          <p:spPr>
+            <a:xfrm>
+              <a:off x="4893733" y="2785533"/>
+              <a:ext cx="2209800" cy="1270000"/>
+            </a:xfrm>
+            <a:prstGeom prst="rect">
+              <a:avLst/>
+            </a:prstGeom>
+            <a:noFill/>
+            <a:ln w="38100">
+              <a:solidFill>
+                <a:schemeClr val="tx2"/>
+              </a:solidFill>
+            </a:ln>
+            <a:effectLst>
+              <a:outerShdw blurRad="50800" dist="38100" dir="2700000" algn="tl" rotWithShape="0">
+                <a:prstClr val="black">
+                  <a:alpha val="40000"/>
+                </a:prstClr>
+              </a:outerShdw>
+            </a:effectLst>
+          </p:spPr>
+          <p:style>
+            <a:lnRef idx="2">
+              <a:schemeClr val="accent1">
+                <a:shade val="15000"/>
+              </a:schemeClr>
+            </a:lnRef>
+            <a:fillRef idx="1">
+              <a:schemeClr val="accent1"/>
+            </a:fillRef>
+            <a:effectRef idx="0">
+              <a:schemeClr val="accent1"/>
+            </a:effectRef>
+            <a:fontRef idx="minor">
+              <a:schemeClr val="lt1"/>
+            </a:fontRef>
+          </p:style>
+          <p:txBody>
+            <a:bodyPr rtlCol="0" anchor="ctr"/>
+            <a:lstStyle/>
+            <a:p>
+              <a:pPr algn="ctr"/>
+              <a:endParaRPr lang="en-US"/>
+            </a:p>
+          </p:txBody>
+        </p:sp>
+        <p:sp>
+          <p:nvSpPr>
+            <p:cNvPr id="5" name="Rectangle 4">
+              <a:extLst>
+                <a:ext uri="{FF2B5EF4-FFF2-40B4-BE49-F238E27FC236}">
+                  <a16:creationId xmlns:a16="http://schemas.microsoft.com/office/drawing/2014/main" id="{44A3BC80-DE7B-CE44-9145-D028A75D654A}"/>
+                </a:ext>
+              </a:extLst>
+            </p:cNvPr>
+            <p:cNvSpPr/>
+            <p:nvPr/>
+          </p:nvSpPr>
+          <p:spPr>
+            <a:xfrm>
+              <a:off x="2044699" y="4123266"/>
+              <a:ext cx="7933267" cy="1896535"/>
+            </a:xfrm>
+            <a:prstGeom prst="rect">
+              <a:avLst/>
+            </a:prstGeom>
+            <a:solidFill>
+              <a:schemeClr val="tx2"/>
+            </a:solidFill>
+            <a:ln w="38100">
+              <a:solidFill>
+                <a:schemeClr val="tx2"/>
+              </a:solidFill>
+            </a:ln>
+            <a:effectLst>
+              <a:outerShdw blurRad="50800" dist="38100" dir="2700000" algn="tl" rotWithShape="0">
+                <a:prstClr val="black">
+                  <a:alpha val="40000"/>
+                </a:prstClr>
+              </a:outerShdw>
+            </a:effectLst>
+          </p:spPr>
+          <p:style>
+            <a:lnRef idx="2">
+              <a:schemeClr val="accent1">
+                <a:shade val="15000"/>
+              </a:schemeClr>
+            </a:lnRef>
+            <a:fillRef idx="1">
+              <a:schemeClr val="accent1"/>
+            </a:fillRef>
+            <a:effectRef idx="0">
+              <a:schemeClr val="accent1"/>
+            </a:effectRef>
+            <a:fontRef idx="minor">
+              <a:schemeClr val="lt1"/>
+            </a:fontRef>
+          </p:style>
+          <p:txBody>
+            <a:bodyPr rtlCol="0" anchor="ctr"/>
+            <a:lstStyle/>
+            <a:p>
+              <a:r>
+                <a:rPr lang="en-AT" b="1" dirty="0">
+                  <a:solidFill>
+                    <a:schemeClr val="bg1"/>
+                  </a:solidFill>
+                </a:rPr>
+                <a:t>Main Interface </a:t>
+              </a:r>
+              <a:r>
+                <a:rPr lang="en-AT" dirty="0">
+                  <a:solidFill>
+                    <a:schemeClr val="bg1"/>
+                  </a:solidFill>
+                </a:rPr>
+                <a:t>to access the two main functions:</a:t>
+              </a:r>
+            </a:p>
+            <a:p>
+              <a:pPr marL="285750" indent="-285750">
+                <a:buFont typeface="Wingdings" panose="05000000000000000000" pitchFamily="2" charset="2"/>
+                <a:buChar char="§"/>
+              </a:pPr>
+              <a:r>
+                <a:rPr lang="en-AT" dirty="0">
+                  <a:solidFill>
+                    <a:schemeClr val="bg1"/>
+                  </a:solidFill>
+                </a:rPr>
+                <a:t>Transformation from NL into UML</a:t>
+              </a:r>
+            </a:p>
+            <a:p>
+              <a:pPr marL="285750" indent="-285750">
+                <a:buFont typeface="Wingdings" panose="05000000000000000000" pitchFamily="2" charset="2"/>
+                <a:buChar char="§"/>
+              </a:pPr>
+              <a:r>
+                <a:rPr lang="en-AT" dirty="0">
+                  <a:solidFill>
+                    <a:schemeClr val="bg1"/>
+                  </a:solidFill>
+                </a:rPr>
+                <a:t>Transformation from UML into NL</a:t>
+              </a:r>
+            </a:p>
+            <a:p>
+              <a:pPr marL="285750" indent="-285750">
+                <a:buFont typeface="Wingdings" panose="05000000000000000000" pitchFamily="2" charset="2"/>
+                <a:buChar char="§"/>
+              </a:pPr>
+              <a:endParaRPr lang="en-AT" dirty="0">
+                <a:solidFill>
+                  <a:schemeClr val="bg1"/>
+                </a:solidFill>
+              </a:endParaRPr>
+            </a:p>
+            <a:p>
+              <a:r>
+                <a:rPr lang="en-AT" dirty="0">
+                  <a:solidFill>
+                    <a:schemeClr val="bg1"/>
+                  </a:solidFill>
+                </a:rPr>
+                <a:t>Can also be used to access more specific fun</a:t>
+              </a:r>
+              <a:r>
+                <a:rPr lang="en-US" dirty="0">
+                  <a:solidFill>
+                    <a:schemeClr val="bg1"/>
+                  </a:solidFill>
+                </a:rPr>
+                <a:t>c</a:t>
+              </a:r>
+              <a:r>
+                <a:rPr lang="en-AT" dirty="0" err="1">
+                  <a:solidFill>
+                    <a:schemeClr val="bg1"/>
+                  </a:solidFill>
+                </a:rPr>
+                <a:t>tions</a:t>
+              </a:r>
+              <a:r>
+                <a:rPr lang="en-AT" dirty="0">
+                  <a:solidFill>
+                    <a:schemeClr val="bg1"/>
+                  </a:solidFill>
+                </a:rPr>
+                <a:t> of the modules</a:t>
+              </a:r>
+              <a:endParaRPr lang="en-US" dirty="0">
+                <a:solidFill>
+                  <a:schemeClr val="bg1"/>
+                </a:solidFill>
+              </a:endParaRPr>
+            </a:p>
+          </p:txBody>
+        </p:sp>
+      </p:grpSp>
+    </p:spTree>
+    <p:extLst>
+      <p:ext uri="{BB962C8B-B14F-4D97-AF65-F5344CB8AC3E}">
+        <p14:creationId xmlns:p14="http://schemas.microsoft.com/office/powerpoint/2010/main" val="787304900"/>
+      </p:ext>
+    </p:extLst>
+  </p:cSld>
+  <p:clrMapOvr>
+    <a:masterClrMapping/>
+  </p:clrMapOvr>
+</p:sld>
+</file>
+
+<file path=ppt/slides/slide26.xml><?xml version="1.0" encoding="utf-8"?>
+<p:sld xmlns:a="http://schemas.openxmlformats.org/drawingml/2006/main" xmlns:r="http://schemas.openxmlformats.org/officeDocument/2006/relationships" xmlns:p="http://schemas.openxmlformats.org/presentationml/2006/main">
+  <p:cSld>
+    <p:spTree>
+      <p:nvGrpSpPr>
+        <p:cNvPr id="1" name=""/>
+        <p:cNvGrpSpPr/>
+        <p:nvPr/>
+      </p:nvGrpSpPr>
+      <p:grpSpPr>
+        <a:xfrm>
+          <a:off x="0" y="0"/>
+          <a:ext cx="0" cy="0"/>
+          <a:chOff x="0" y="0"/>
+          <a:chExt cx="0" cy="0"/>
+        </a:xfrm>
+      </p:grpSpPr>
+      <p:sp>
+        <p:nvSpPr>
+          <p:cNvPr id="2" name="Title 1">
+            <a:extLst>
+              <a:ext uri="{FF2B5EF4-FFF2-40B4-BE49-F238E27FC236}">
+                <a16:creationId xmlns:a16="http://schemas.microsoft.com/office/drawing/2014/main" id="{8D5EB32F-FC2E-C9C0-05E1-8ADFA1BFCD03}"/>
+              </a:ext>
+            </a:extLst>
+          </p:cNvPr>
+          <p:cNvSpPr>
+            <a:spLocks noGrp="1"/>
+          </p:cNvSpPr>
+          <p:nvPr>
+            <p:ph type="title"/>
+          </p:nvPr>
+        </p:nvSpPr>
+        <p:spPr/>
+        <p:txBody>
+          <a:bodyPr/>
+          <a:lstStyle/>
+          <a:p>
+            <a:r>
+              <a:rPr lang="en-AT" dirty="0"/>
               <a:t>PROTOTYPE IMPLEMENTATION: M2T - Sequence</a:t>
             </a:r>
             <a:endParaRPr lang="en-US" dirty="0"/>
@@ -5973,7 +8967,17 @@
         </p:nvPicPr>
         <p:blipFill>
           <a:blip r:embed="rId2">
-            <a:extLst>
+            <a:alphaModFix/>
+            <a:extLst>
+              <a:ext uri="{BEBA8EAE-BF5A-486C-A8C5-ECC9F3942E4B}">
+                <a14:imgProps xmlns:a14="http://schemas.microsoft.com/office/drawing/2010/main">
+                  <a14:imgLayer r:embed="rId3">
+                    <a14:imgEffect>
+                      <a14:saturation sat="400000"/>
+                    </a14:imgEffect>
+                  </a14:imgLayer>
+                </a14:imgProps>
+              </a:ext>
               <a:ext uri="{28A0092B-C50C-407E-A947-70E740481C1C}">
                 <a14:useLocalDpi xmlns:a14="http://schemas.microsoft.com/office/drawing/2010/main" val="0"/>
               </a:ext>
@@ -5986,8 +8990,1239 @@
         </p:blipFill>
         <p:spPr bwMode="auto">
           <a:xfrm>
-            <a:off x="2908634" y="1690688"/>
-            <a:ext cx="6374732" cy="4873436"/>
+            <a:off x="3093822" y="1453620"/>
+            <a:ext cx="6328500" cy="4838092"/>
+          </a:xfrm>
+          <a:prstGeom prst="rect">
+            <a:avLst/>
+          </a:prstGeom>
+          <a:noFill/>
+          <a:ln w="28575">
+            <a:noFill/>
+          </a:ln>
+          <a:effectLst/>
+        </p:spPr>
+      </p:pic>
+    </p:spTree>
+    <p:extLst>
+      <p:ext uri="{BB962C8B-B14F-4D97-AF65-F5344CB8AC3E}">
+        <p14:creationId xmlns:p14="http://schemas.microsoft.com/office/powerpoint/2010/main" val="2347974619"/>
+      </p:ext>
+    </p:extLst>
+  </p:cSld>
+  <p:clrMapOvr>
+    <a:masterClrMapping/>
+  </p:clrMapOvr>
+</p:sld>
+</file>
+
+<file path=ppt/slides/slide27.xml><?xml version="1.0" encoding="utf-8"?>
+<p:sld xmlns:a="http://schemas.openxmlformats.org/drawingml/2006/main" xmlns:r="http://schemas.openxmlformats.org/officeDocument/2006/relationships" xmlns:p="http://schemas.openxmlformats.org/presentationml/2006/main">
+  <p:cSld>
+    <p:spTree>
+      <p:nvGrpSpPr>
+        <p:cNvPr id="1" name=""/>
+        <p:cNvGrpSpPr/>
+        <p:nvPr/>
+      </p:nvGrpSpPr>
+      <p:grpSpPr>
+        <a:xfrm>
+          <a:off x="0" y="0"/>
+          <a:ext cx="0" cy="0"/>
+          <a:chOff x="0" y="0"/>
+          <a:chExt cx="0" cy="0"/>
+        </a:xfrm>
+      </p:grpSpPr>
+      <p:sp>
+        <p:nvSpPr>
+          <p:cNvPr id="2" name="Title 1">
+            <a:extLst>
+              <a:ext uri="{FF2B5EF4-FFF2-40B4-BE49-F238E27FC236}">
+                <a16:creationId xmlns:a16="http://schemas.microsoft.com/office/drawing/2014/main" id="{8D5EB32F-FC2E-C9C0-05E1-8ADFA1BFCD03}"/>
+              </a:ext>
+            </a:extLst>
+          </p:cNvPr>
+          <p:cNvSpPr>
+            <a:spLocks noGrp="1"/>
+          </p:cNvSpPr>
+          <p:nvPr>
+            <p:ph type="title"/>
+          </p:nvPr>
+        </p:nvSpPr>
+        <p:spPr/>
+        <p:txBody>
+          <a:bodyPr/>
+          <a:lstStyle/>
+          <a:p>
+            <a:r>
+              <a:rPr lang="en-AT" dirty="0"/>
+              <a:t>PROTOTYPE IMPLEMENTATION: M2T - Sequence</a:t>
+            </a:r>
+            <a:endParaRPr lang="en-US" dirty="0"/>
+          </a:p>
+        </p:txBody>
+      </p:sp>
+      <p:grpSp>
+        <p:nvGrpSpPr>
+          <p:cNvPr id="9" name="Group 8">
+            <a:extLst>
+              <a:ext uri="{FF2B5EF4-FFF2-40B4-BE49-F238E27FC236}">
+                <a16:creationId xmlns:a16="http://schemas.microsoft.com/office/drawing/2014/main" id="{F545BC4C-0F41-CF8C-DFF6-08AD49B58B5A}"/>
+              </a:ext>
+            </a:extLst>
+          </p:cNvPr>
+          <p:cNvGrpSpPr/>
+          <p:nvPr/>
+        </p:nvGrpSpPr>
+        <p:grpSpPr>
+          <a:xfrm>
+            <a:off x="2290295" y="1371598"/>
+            <a:ext cx="7501467" cy="4920113"/>
+            <a:chOff x="2125133" y="1371600"/>
+            <a:chExt cx="7501467" cy="4920113"/>
+          </a:xfrm>
+        </p:grpSpPr>
+        <p:pic>
+          <p:nvPicPr>
+            <p:cNvPr id="13314" name="Picture 2">
+              <a:extLst>
+                <a:ext uri="{FF2B5EF4-FFF2-40B4-BE49-F238E27FC236}">
+                  <a16:creationId xmlns:a16="http://schemas.microsoft.com/office/drawing/2014/main" id="{F5DD4567-6A2C-521D-A56F-E006709B8F84}"/>
+                </a:ext>
+              </a:extLst>
+            </p:cNvPr>
+            <p:cNvPicPr>
+              <a:picLocks noChangeAspect="1" noChangeArrowheads="1"/>
+            </p:cNvPicPr>
+            <p:nvPr/>
+          </p:nvPicPr>
+          <p:blipFill>
+            <a:blip r:embed="rId3">
+              <a:grayscl/>
+              <a:alphaModFix/>
+              <a:extLst>
+                <a:ext uri="{BEBA8EAE-BF5A-486C-A8C5-ECC9F3942E4B}">
+                  <a14:imgProps xmlns:a14="http://schemas.microsoft.com/office/drawing/2010/main">
+                    <a14:imgLayer r:embed="rId4">
+                      <a14:imgEffect>
+                        <a14:saturation sat="0"/>
+                      </a14:imgEffect>
+                    </a14:imgLayer>
+                  </a14:imgProps>
+                </a:ext>
+                <a:ext uri="{28A0092B-C50C-407E-A947-70E740481C1C}">
+                  <a14:useLocalDpi xmlns:a14="http://schemas.microsoft.com/office/drawing/2010/main" val="0"/>
+                </a:ext>
+              </a:extLst>
+            </a:blip>
+            <a:srcRect/>
+            <a:stretch>
+              <a:fillRect/>
+            </a:stretch>
+          </p:blipFill>
+          <p:spPr bwMode="auto">
+            <a:xfrm>
+              <a:off x="2931750" y="1453621"/>
+              <a:ext cx="6328500" cy="4838092"/>
+            </a:xfrm>
+            <a:prstGeom prst="rect">
+              <a:avLst/>
+            </a:prstGeom>
+            <a:noFill/>
+            <a:ln w="28575">
+              <a:noFill/>
+            </a:ln>
+            <a:effectLst/>
+          </p:spPr>
+        </p:pic>
+        <p:sp>
+          <p:nvSpPr>
+            <p:cNvPr id="5" name="Rectangle 4">
+              <a:extLst>
+                <a:ext uri="{FF2B5EF4-FFF2-40B4-BE49-F238E27FC236}">
+                  <a16:creationId xmlns:a16="http://schemas.microsoft.com/office/drawing/2014/main" id="{2D50D02B-92E2-630A-0B3B-4D10930BBDBE}"/>
+                </a:ext>
+              </a:extLst>
+            </p:cNvPr>
+            <p:cNvSpPr/>
+            <p:nvPr/>
+          </p:nvSpPr>
+          <p:spPr>
+            <a:xfrm>
+              <a:off x="2125133" y="1371600"/>
+              <a:ext cx="7501467" cy="4920113"/>
+            </a:xfrm>
+            <a:prstGeom prst="rect">
+              <a:avLst/>
+            </a:prstGeom>
+            <a:solidFill>
+              <a:srgbClr val="FFFFFF">
+                <a:alpha val="32157"/>
+              </a:srgbClr>
+            </a:solidFill>
+            <a:ln>
+              <a:noFill/>
+            </a:ln>
+          </p:spPr>
+          <p:style>
+            <a:lnRef idx="2">
+              <a:schemeClr val="accent1">
+                <a:shade val="15000"/>
+              </a:schemeClr>
+            </a:lnRef>
+            <a:fillRef idx="1">
+              <a:schemeClr val="accent1"/>
+            </a:fillRef>
+            <a:effectRef idx="0">
+              <a:schemeClr val="accent1"/>
+            </a:effectRef>
+            <a:fontRef idx="minor">
+              <a:schemeClr val="lt1"/>
+            </a:fontRef>
+          </p:style>
+          <p:txBody>
+            <a:bodyPr rtlCol="0" anchor="ctr"/>
+            <a:lstStyle/>
+            <a:p>
+              <a:pPr algn="ctr"/>
+              <a:endParaRPr lang="en-US"/>
+            </a:p>
+          </p:txBody>
+        </p:sp>
+        <p:pic>
+          <p:nvPicPr>
+            <p:cNvPr id="3" name="Picture 2">
+              <a:extLst>
+                <a:ext uri="{FF2B5EF4-FFF2-40B4-BE49-F238E27FC236}">
+                  <a16:creationId xmlns:a16="http://schemas.microsoft.com/office/drawing/2014/main" id="{C1E42170-D2E5-6868-DA33-F00062B2DA9A}"/>
+                </a:ext>
+              </a:extLst>
+            </p:cNvPr>
+            <p:cNvPicPr>
+              <a:picLocks noChangeAspect="1" noChangeArrowheads="1"/>
+            </p:cNvPicPr>
+            <p:nvPr/>
+          </p:nvPicPr>
+          <p:blipFill rotWithShape="1">
+            <a:blip r:embed="rId5">
+              <a:extLst>
+                <a:ext uri="{28A0092B-C50C-407E-A947-70E740481C1C}">
+                  <a14:useLocalDpi xmlns:a14="http://schemas.microsoft.com/office/drawing/2010/main" val="0"/>
+                </a:ext>
+              </a:extLst>
+            </a:blip>
+            <a:srcRect l="2504" t="20530" r="30736" b="44120"/>
+            <a:stretch/>
+          </p:blipFill>
+          <p:spPr bwMode="auto">
+            <a:xfrm>
+              <a:off x="3090333" y="2446867"/>
+              <a:ext cx="4224867" cy="1710266"/>
+            </a:xfrm>
+            <a:prstGeom prst="rect">
+              <a:avLst/>
+            </a:prstGeom>
+            <a:noFill/>
+            <a:ln w="28575">
+              <a:noFill/>
+            </a:ln>
+            <a:effectLst/>
+          </p:spPr>
+        </p:pic>
+        <p:grpSp>
+          <p:nvGrpSpPr>
+            <p:cNvPr id="7" name="Group 6">
+              <a:extLst>
+                <a:ext uri="{FF2B5EF4-FFF2-40B4-BE49-F238E27FC236}">
+                  <a16:creationId xmlns:a16="http://schemas.microsoft.com/office/drawing/2014/main" id="{DC5FDD97-CADD-9E49-10AD-086890A62323}"/>
+                </a:ext>
+              </a:extLst>
+            </p:cNvPr>
+            <p:cNvGrpSpPr/>
+            <p:nvPr/>
+          </p:nvGrpSpPr>
+          <p:grpSpPr>
+            <a:xfrm>
+              <a:off x="2650067" y="2446867"/>
+              <a:ext cx="4512733" cy="1710266"/>
+              <a:chOff x="2650067" y="2446867"/>
+              <a:chExt cx="4512733" cy="1710266"/>
+            </a:xfrm>
+            <a:effectLst>
+              <a:outerShdw blurRad="50800" dist="38100" dir="2700000" algn="tl" rotWithShape="0">
+                <a:prstClr val="black">
+                  <a:alpha val="40000"/>
+                </a:prstClr>
+              </a:outerShdw>
+            </a:effectLst>
+          </p:grpSpPr>
+          <p:sp>
+            <p:nvSpPr>
+              <p:cNvPr id="4" name="Rectangle 3">
+                <a:extLst>
+                  <a:ext uri="{FF2B5EF4-FFF2-40B4-BE49-F238E27FC236}">
+                    <a16:creationId xmlns:a16="http://schemas.microsoft.com/office/drawing/2014/main" id="{F1244B9B-8E73-2232-6AAE-BD5E69B1D424}"/>
+                  </a:ext>
+                </a:extLst>
+              </p:cNvPr>
+              <p:cNvSpPr/>
+              <p:nvPr/>
+            </p:nvSpPr>
+            <p:spPr>
+              <a:xfrm>
+                <a:off x="2650067" y="2446867"/>
+                <a:ext cx="4504266" cy="1710266"/>
+              </a:xfrm>
+              <a:prstGeom prst="rect">
+                <a:avLst/>
+              </a:prstGeom>
+              <a:noFill/>
+              <a:ln w="38100">
+                <a:solidFill>
+                  <a:schemeClr val="tx2"/>
+                </a:solidFill>
+              </a:ln>
+              <a:effectLst/>
+            </p:spPr>
+            <p:style>
+              <a:lnRef idx="2">
+                <a:schemeClr val="accent1">
+                  <a:shade val="15000"/>
+                </a:schemeClr>
+              </a:lnRef>
+              <a:fillRef idx="1">
+                <a:schemeClr val="accent1"/>
+              </a:fillRef>
+              <a:effectRef idx="0">
+                <a:schemeClr val="accent1"/>
+              </a:effectRef>
+              <a:fontRef idx="minor">
+                <a:schemeClr val="lt1"/>
+              </a:fontRef>
+            </p:style>
+            <p:txBody>
+              <a:bodyPr rtlCol="0" anchor="ctr"/>
+              <a:lstStyle/>
+              <a:p>
+                <a:pPr algn="ctr"/>
+                <a:endParaRPr lang="en-US"/>
+              </a:p>
+            </p:txBody>
+          </p:sp>
+          <p:sp>
+            <p:nvSpPr>
+              <p:cNvPr id="6" name="Rectangle 5">
+                <a:extLst>
+                  <a:ext uri="{FF2B5EF4-FFF2-40B4-BE49-F238E27FC236}">
+                    <a16:creationId xmlns:a16="http://schemas.microsoft.com/office/drawing/2014/main" id="{80796046-560A-181E-BADA-0DA7D9647FEA}"/>
+                  </a:ext>
+                </a:extLst>
+              </p:cNvPr>
+              <p:cNvSpPr/>
+              <p:nvPr/>
+            </p:nvSpPr>
+            <p:spPr>
+              <a:xfrm>
+                <a:off x="5731933" y="2446868"/>
+                <a:ext cx="1430867" cy="355600"/>
+              </a:xfrm>
+              <a:prstGeom prst="rect">
+                <a:avLst/>
+              </a:prstGeom>
+              <a:solidFill>
+                <a:schemeClr val="tx2"/>
+              </a:solidFill>
+              <a:ln>
+                <a:noFill/>
+              </a:ln>
+            </p:spPr>
+            <p:style>
+              <a:lnRef idx="2">
+                <a:schemeClr val="accent1">
+                  <a:shade val="15000"/>
+                </a:schemeClr>
+              </a:lnRef>
+              <a:fillRef idx="1">
+                <a:schemeClr val="accent1"/>
+              </a:fillRef>
+              <a:effectRef idx="0">
+                <a:schemeClr val="accent1"/>
+              </a:effectRef>
+              <a:fontRef idx="minor">
+                <a:schemeClr val="lt1"/>
+              </a:fontRef>
+            </p:style>
+            <p:txBody>
+              <a:bodyPr rtlCol="0" anchor="ctr"/>
+              <a:lstStyle/>
+              <a:p>
+                <a:pPr algn="ctr"/>
+                <a:r>
+                  <a:rPr lang="en-AT" dirty="0"/>
+                  <a:t>UML-to-DB</a:t>
+                </a:r>
+                <a:endParaRPr lang="en-US" dirty="0"/>
+              </a:p>
+            </p:txBody>
+          </p:sp>
+        </p:grpSp>
+      </p:grpSp>
+    </p:spTree>
+    <p:extLst>
+      <p:ext uri="{BB962C8B-B14F-4D97-AF65-F5344CB8AC3E}">
+        <p14:creationId xmlns:p14="http://schemas.microsoft.com/office/powerpoint/2010/main" val="557298410"/>
+      </p:ext>
+    </p:extLst>
+  </p:cSld>
+  <p:clrMapOvr>
+    <a:masterClrMapping/>
+  </p:clrMapOvr>
+</p:sld>
+</file>
+
+<file path=ppt/slides/slide28.xml><?xml version="1.0" encoding="utf-8"?>
+<p:sld xmlns:a="http://schemas.openxmlformats.org/drawingml/2006/main" xmlns:r="http://schemas.openxmlformats.org/officeDocument/2006/relationships" xmlns:p="http://schemas.openxmlformats.org/presentationml/2006/main">
+  <p:cSld>
+    <p:spTree>
+      <p:nvGrpSpPr>
+        <p:cNvPr id="1" name=""/>
+        <p:cNvGrpSpPr/>
+        <p:nvPr/>
+      </p:nvGrpSpPr>
+      <p:grpSpPr>
+        <a:xfrm>
+          <a:off x="0" y="0"/>
+          <a:ext cx="0" cy="0"/>
+          <a:chOff x="0" y="0"/>
+          <a:chExt cx="0" cy="0"/>
+        </a:xfrm>
+      </p:grpSpPr>
+      <p:grpSp>
+        <p:nvGrpSpPr>
+          <p:cNvPr id="8" name="Group 7">
+            <a:extLst>
+              <a:ext uri="{FF2B5EF4-FFF2-40B4-BE49-F238E27FC236}">
+                <a16:creationId xmlns:a16="http://schemas.microsoft.com/office/drawing/2014/main" id="{116EFF35-7D27-3C9E-84D3-CC7C77C78AD5}"/>
+              </a:ext>
+            </a:extLst>
+          </p:cNvPr>
+          <p:cNvGrpSpPr/>
+          <p:nvPr/>
+        </p:nvGrpSpPr>
+        <p:grpSpPr>
+          <a:xfrm>
+            <a:off x="2290295" y="1371599"/>
+            <a:ext cx="7501467" cy="4920113"/>
+            <a:chOff x="2125133" y="1371600"/>
+            <a:chExt cx="7501467" cy="4920113"/>
+          </a:xfrm>
+        </p:grpSpPr>
+        <p:pic>
+          <p:nvPicPr>
+            <p:cNvPr id="13314" name="Picture 2">
+              <a:extLst>
+                <a:ext uri="{FF2B5EF4-FFF2-40B4-BE49-F238E27FC236}">
+                  <a16:creationId xmlns:a16="http://schemas.microsoft.com/office/drawing/2014/main" id="{F5DD4567-6A2C-521D-A56F-E006709B8F84}"/>
+                </a:ext>
+              </a:extLst>
+            </p:cNvPr>
+            <p:cNvPicPr>
+              <a:picLocks noChangeAspect="1" noChangeArrowheads="1"/>
+            </p:cNvPicPr>
+            <p:nvPr/>
+          </p:nvPicPr>
+          <p:blipFill>
+            <a:blip r:embed="rId2">
+              <a:grayscl/>
+              <a:alphaModFix/>
+              <a:extLst>
+                <a:ext uri="{BEBA8EAE-BF5A-486C-A8C5-ECC9F3942E4B}">
+                  <a14:imgProps xmlns:a14="http://schemas.microsoft.com/office/drawing/2010/main">
+                    <a14:imgLayer r:embed="rId3">
+                      <a14:imgEffect>
+                        <a14:saturation sat="0"/>
+                      </a14:imgEffect>
+                    </a14:imgLayer>
+                  </a14:imgProps>
+                </a:ext>
+                <a:ext uri="{28A0092B-C50C-407E-A947-70E740481C1C}">
+                  <a14:useLocalDpi xmlns:a14="http://schemas.microsoft.com/office/drawing/2010/main" val="0"/>
+                </a:ext>
+              </a:extLst>
+            </a:blip>
+            <a:srcRect/>
+            <a:stretch>
+              <a:fillRect/>
+            </a:stretch>
+          </p:blipFill>
+          <p:spPr bwMode="auto">
+            <a:xfrm>
+              <a:off x="2931750" y="1453621"/>
+              <a:ext cx="6328500" cy="4838092"/>
+            </a:xfrm>
+            <a:prstGeom prst="rect">
+              <a:avLst/>
+            </a:prstGeom>
+            <a:noFill/>
+            <a:ln w="28575">
+              <a:noFill/>
+            </a:ln>
+            <a:effectLst/>
+          </p:spPr>
+        </p:pic>
+        <p:sp>
+          <p:nvSpPr>
+            <p:cNvPr id="5" name="Rectangle 4">
+              <a:extLst>
+                <a:ext uri="{FF2B5EF4-FFF2-40B4-BE49-F238E27FC236}">
+                  <a16:creationId xmlns:a16="http://schemas.microsoft.com/office/drawing/2014/main" id="{2D50D02B-92E2-630A-0B3B-4D10930BBDBE}"/>
+                </a:ext>
+              </a:extLst>
+            </p:cNvPr>
+            <p:cNvSpPr/>
+            <p:nvPr/>
+          </p:nvSpPr>
+          <p:spPr>
+            <a:xfrm>
+              <a:off x="2125133" y="1371600"/>
+              <a:ext cx="7501467" cy="4920113"/>
+            </a:xfrm>
+            <a:prstGeom prst="rect">
+              <a:avLst/>
+            </a:prstGeom>
+            <a:solidFill>
+              <a:srgbClr val="FFFFFF">
+                <a:alpha val="32157"/>
+              </a:srgbClr>
+            </a:solidFill>
+            <a:ln>
+              <a:noFill/>
+            </a:ln>
+          </p:spPr>
+          <p:style>
+            <a:lnRef idx="2">
+              <a:schemeClr val="accent1">
+                <a:shade val="15000"/>
+              </a:schemeClr>
+            </a:lnRef>
+            <a:fillRef idx="1">
+              <a:schemeClr val="accent1"/>
+            </a:fillRef>
+            <a:effectRef idx="0">
+              <a:schemeClr val="accent1"/>
+            </a:effectRef>
+            <a:fontRef idx="minor">
+              <a:schemeClr val="lt1"/>
+            </a:fontRef>
+          </p:style>
+          <p:txBody>
+            <a:bodyPr rtlCol="0" anchor="ctr"/>
+            <a:lstStyle/>
+            <a:p>
+              <a:pPr algn="ctr"/>
+              <a:endParaRPr lang="en-US"/>
+            </a:p>
+          </p:txBody>
+        </p:sp>
+        <p:pic>
+          <p:nvPicPr>
+            <p:cNvPr id="3" name="Picture 2">
+              <a:extLst>
+                <a:ext uri="{FF2B5EF4-FFF2-40B4-BE49-F238E27FC236}">
+                  <a16:creationId xmlns:a16="http://schemas.microsoft.com/office/drawing/2014/main" id="{C1E42170-D2E5-6868-DA33-F00062B2DA9A}"/>
+                </a:ext>
+              </a:extLst>
+            </p:cNvPr>
+            <p:cNvPicPr>
+              <a:picLocks noChangeAspect="1" noChangeArrowheads="1"/>
+            </p:cNvPicPr>
+            <p:nvPr/>
+          </p:nvPicPr>
+          <p:blipFill rotWithShape="1">
+            <a:blip r:embed="rId4">
+              <a:extLst>
+                <a:ext uri="{28A0092B-C50C-407E-A947-70E740481C1C}">
+                  <a14:useLocalDpi xmlns:a14="http://schemas.microsoft.com/office/drawing/2010/main" val="0"/>
+                </a:ext>
+              </a:extLst>
+            </a:blip>
+            <a:srcRect l="2504" t="55880" r="3443" b="8770"/>
+            <a:stretch/>
+          </p:blipFill>
+          <p:spPr bwMode="auto">
+            <a:xfrm>
+              <a:off x="3090333" y="4157131"/>
+              <a:ext cx="5952067" cy="1710267"/>
+            </a:xfrm>
+            <a:prstGeom prst="rect">
+              <a:avLst/>
+            </a:prstGeom>
+            <a:noFill/>
+            <a:ln w="28575">
+              <a:noFill/>
+            </a:ln>
+            <a:effectLst/>
+          </p:spPr>
+        </p:pic>
+        <p:grpSp>
+          <p:nvGrpSpPr>
+            <p:cNvPr id="7" name="Group 6">
+              <a:extLst>
+                <a:ext uri="{FF2B5EF4-FFF2-40B4-BE49-F238E27FC236}">
+                  <a16:creationId xmlns:a16="http://schemas.microsoft.com/office/drawing/2014/main" id="{DF8108BB-677C-1B0E-8BDD-52F4AC68D6A7}"/>
+                </a:ext>
+              </a:extLst>
+            </p:cNvPr>
+            <p:cNvGrpSpPr/>
+            <p:nvPr/>
+          </p:nvGrpSpPr>
+          <p:grpSpPr>
+            <a:xfrm>
+              <a:off x="2687025" y="4157130"/>
+              <a:ext cx="6821041" cy="1710269"/>
+              <a:chOff x="2687025" y="4157130"/>
+              <a:chExt cx="6821041" cy="1710269"/>
+            </a:xfrm>
+            <a:effectLst>
+              <a:outerShdw blurRad="50800" dist="38100" dir="2700000" algn="tl" rotWithShape="0">
+                <a:prstClr val="black">
+                  <a:alpha val="40000"/>
+                </a:prstClr>
+              </a:outerShdw>
+            </a:effectLst>
+          </p:grpSpPr>
+          <p:sp>
+            <p:nvSpPr>
+              <p:cNvPr id="4" name="Rectangle 3">
+                <a:extLst>
+                  <a:ext uri="{FF2B5EF4-FFF2-40B4-BE49-F238E27FC236}">
+                    <a16:creationId xmlns:a16="http://schemas.microsoft.com/office/drawing/2014/main" id="{F1244B9B-8E73-2232-6AAE-BD5E69B1D424}"/>
+                  </a:ext>
+                </a:extLst>
+              </p:cNvPr>
+              <p:cNvSpPr/>
+              <p:nvPr/>
+            </p:nvSpPr>
+            <p:spPr>
+              <a:xfrm>
+                <a:off x="2687025" y="4157133"/>
+                <a:ext cx="6821041" cy="1710266"/>
+              </a:xfrm>
+              <a:prstGeom prst="rect">
+                <a:avLst/>
+              </a:prstGeom>
+              <a:noFill/>
+              <a:ln w="38100">
+                <a:solidFill>
+                  <a:schemeClr val="tx2"/>
+                </a:solidFill>
+              </a:ln>
+              <a:effectLst/>
+            </p:spPr>
+            <p:style>
+              <a:lnRef idx="2">
+                <a:schemeClr val="accent1">
+                  <a:shade val="15000"/>
+                </a:schemeClr>
+              </a:lnRef>
+              <a:fillRef idx="1">
+                <a:schemeClr val="accent1"/>
+              </a:fillRef>
+              <a:effectRef idx="0">
+                <a:schemeClr val="accent1"/>
+              </a:effectRef>
+              <a:fontRef idx="minor">
+                <a:schemeClr val="lt1"/>
+              </a:fontRef>
+            </p:style>
+            <p:txBody>
+              <a:bodyPr rtlCol="0" anchor="ctr"/>
+              <a:lstStyle/>
+              <a:p>
+                <a:pPr algn="ctr"/>
+                <a:endParaRPr lang="en-US"/>
+              </a:p>
+            </p:txBody>
+          </p:sp>
+          <p:sp>
+            <p:nvSpPr>
+              <p:cNvPr id="6" name="Rectangle 5">
+                <a:extLst>
+                  <a:ext uri="{FF2B5EF4-FFF2-40B4-BE49-F238E27FC236}">
+                    <a16:creationId xmlns:a16="http://schemas.microsoft.com/office/drawing/2014/main" id="{10F483DB-63D9-921C-9D9D-2095989BC62A}"/>
+                  </a:ext>
+                </a:extLst>
+              </p:cNvPr>
+              <p:cNvSpPr/>
+              <p:nvPr/>
+            </p:nvSpPr>
+            <p:spPr>
+              <a:xfrm>
+                <a:off x="8221134" y="4157130"/>
+                <a:ext cx="1283842" cy="355600"/>
+              </a:xfrm>
+              <a:prstGeom prst="rect">
+                <a:avLst/>
+              </a:prstGeom>
+              <a:solidFill>
+                <a:schemeClr val="tx2"/>
+              </a:solidFill>
+              <a:ln>
+                <a:noFill/>
+              </a:ln>
+            </p:spPr>
+            <p:style>
+              <a:lnRef idx="2">
+                <a:schemeClr val="accent1">
+                  <a:shade val="15000"/>
+                </a:schemeClr>
+              </a:lnRef>
+              <a:fillRef idx="1">
+                <a:schemeClr val="accent1"/>
+              </a:fillRef>
+              <a:effectRef idx="0">
+                <a:schemeClr val="accent1"/>
+              </a:effectRef>
+              <a:fontRef idx="minor">
+                <a:schemeClr val="lt1"/>
+              </a:fontRef>
+            </p:style>
+            <p:txBody>
+              <a:bodyPr rtlCol="0" anchor="ctr"/>
+              <a:lstStyle/>
+              <a:p>
+                <a:pPr algn="ctr"/>
+                <a:r>
+                  <a:rPr lang="en-AT" dirty="0"/>
+                  <a:t>DB-to-NL</a:t>
+                </a:r>
+                <a:endParaRPr lang="en-US" dirty="0"/>
+              </a:p>
+            </p:txBody>
+          </p:sp>
+        </p:grpSp>
+      </p:grpSp>
+      <p:sp>
+        <p:nvSpPr>
+          <p:cNvPr id="2" name="Title 1">
+            <a:extLst>
+              <a:ext uri="{FF2B5EF4-FFF2-40B4-BE49-F238E27FC236}">
+                <a16:creationId xmlns:a16="http://schemas.microsoft.com/office/drawing/2014/main" id="{8D5EB32F-FC2E-C9C0-05E1-8ADFA1BFCD03}"/>
+              </a:ext>
+            </a:extLst>
+          </p:cNvPr>
+          <p:cNvSpPr>
+            <a:spLocks noGrp="1"/>
+          </p:cNvSpPr>
+          <p:nvPr>
+            <p:ph type="title"/>
+          </p:nvPr>
+        </p:nvSpPr>
+        <p:spPr/>
+        <p:txBody>
+          <a:bodyPr/>
+          <a:lstStyle/>
+          <a:p>
+            <a:r>
+              <a:rPr lang="en-AT" dirty="0"/>
+              <a:t>PROTOTYPE IMPLEMENTATION: M2T - Sequence</a:t>
+            </a:r>
+            <a:endParaRPr lang="en-US" dirty="0"/>
+          </a:p>
+        </p:txBody>
+      </p:sp>
+    </p:spTree>
+    <p:extLst>
+      <p:ext uri="{BB962C8B-B14F-4D97-AF65-F5344CB8AC3E}">
+        <p14:creationId xmlns:p14="http://schemas.microsoft.com/office/powerpoint/2010/main" val="3589070979"/>
+      </p:ext>
+    </p:extLst>
+  </p:cSld>
+  <p:clrMapOvr>
+    <a:masterClrMapping/>
+  </p:clrMapOvr>
+</p:sld>
+</file>
+
+<file path=ppt/slides/slide29.xml><?xml version="1.0" encoding="utf-8"?>
+<p:sld xmlns:a="http://schemas.openxmlformats.org/drawingml/2006/main" xmlns:r="http://schemas.openxmlformats.org/officeDocument/2006/relationships" xmlns:p="http://schemas.openxmlformats.org/presentationml/2006/main">
+  <p:cSld>
+    <p:spTree>
+      <p:nvGrpSpPr>
+        <p:cNvPr id="1" name=""/>
+        <p:cNvGrpSpPr/>
+        <p:nvPr/>
+      </p:nvGrpSpPr>
+      <p:grpSpPr>
+        <a:xfrm>
+          <a:off x="0" y="0"/>
+          <a:ext cx="0" cy="0"/>
+          <a:chOff x="0" y="0"/>
+          <a:chExt cx="0" cy="0"/>
+        </a:xfrm>
+      </p:grpSpPr>
+      <p:sp>
+        <p:nvSpPr>
+          <p:cNvPr id="2" name="Title 1">
+            <a:extLst>
+              <a:ext uri="{FF2B5EF4-FFF2-40B4-BE49-F238E27FC236}">
+                <a16:creationId xmlns:a16="http://schemas.microsoft.com/office/drawing/2014/main" id="{8D5EB32F-FC2E-C9C0-05E1-8ADFA1BFCD03}"/>
+              </a:ext>
+            </a:extLst>
+          </p:cNvPr>
+          <p:cNvSpPr>
+            <a:spLocks noGrp="1"/>
+          </p:cNvSpPr>
+          <p:nvPr>
+            <p:ph type="title"/>
+          </p:nvPr>
+        </p:nvSpPr>
+        <p:spPr/>
+        <p:txBody>
+          <a:bodyPr/>
+          <a:lstStyle/>
+          <a:p>
+            <a:r>
+              <a:rPr lang="en-AT" dirty="0"/>
+              <a:t>PROTOTYPE IMPLEMENTATION: M2T - Sequence</a:t>
+            </a:r>
+            <a:endParaRPr lang="en-US" dirty="0"/>
+          </a:p>
+        </p:txBody>
+      </p:sp>
+      <p:grpSp>
+        <p:nvGrpSpPr>
+          <p:cNvPr id="8" name="Group 7">
+            <a:extLst>
+              <a:ext uri="{FF2B5EF4-FFF2-40B4-BE49-F238E27FC236}">
+                <a16:creationId xmlns:a16="http://schemas.microsoft.com/office/drawing/2014/main" id="{5200FE2A-A164-7221-4CB8-082B360F95B9}"/>
+              </a:ext>
+            </a:extLst>
+          </p:cNvPr>
+          <p:cNvGrpSpPr/>
+          <p:nvPr/>
+        </p:nvGrpSpPr>
+        <p:grpSpPr>
+          <a:xfrm>
+            <a:off x="2290295" y="1371600"/>
+            <a:ext cx="7611411" cy="4920113"/>
+            <a:chOff x="2125133" y="1371600"/>
+            <a:chExt cx="7611411" cy="4920113"/>
+          </a:xfrm>
+        </p:grpSpPr>
+        <p:pic>
+          <p:nvPicPr>
+            <p:cNvPr id="13314" name="Picture 2">
+              <a:extLst>
+                <a:ext uri="{FF2B5EF4-FFF2-40B4-BE49-F238E27FC236}">
+                  <a16:creationId xmlns:a16="http://schemas.microsoft.com/office/drawing/2014/main" id="{F5DD4567-6A2C-521D-A56F-E006709B8F84}"/>
+                </a:ext>
+              </a:extLst>
+            </p:cNvPr>
+            <p:cNvPicPr>
+              <a:picLocks noChangeAspect="1" noChangeArrowheads="1"/>
+            </p:cNvPicPr>
+            <p:nvPr/>
+          </p:nvPicPr>
+          <p:blipFill>
+            <a:blip r:embed="rId2">
+              <a:grayscl/>
+              <a:alphaModFix/>
+              <a:extLst>
+                <a:ext uri="{BEBA8EAE-BF5A-486C-A8C5-ECC9F3942E4B}">
+                  <a14:imgProps xmlns:a14="http://schemas.microsoft.com/office/drawing/2010/main">
+                    <a14:imgLayer r:embed="rId3">
+                      <a14:imgEffect>
+                        <a14:saturation sat="0"/>
+                      </a14:imgEffect>
+                    </a14:imgLayer>
+                  </a14:imgProps>
+                </a:ext>
+                <a:ext uri="{28A0092B-C50C-407E-A947-70E740481C1C}">
+                  <a14:useLocalDpi xmlns:a14="http://schemas.microsoft.com/office/drawing/2010/main" val="0"/>
+                </a:ext>
+              </a:extLst>
+            </a:blip>
+            <a:srcRect/>
+            <a:stretch>
+              <a:fillRect/>
+            </a:stretch>
+          </p:blipFill>
+          <p:spPr bwMode="auto">
+            <a:xfrm>
+              <a:off x="2931750" y="1453621"/>
+              <a:ext cx="6328500" cy="4838092"/>
+            </a:xfrm>
+            <a:prstGeom prst="rect">
+              <a:avLst/>
+            </a:prstGeom>
+            <a:noFill/>
+            <a:ln w="28575">
+              <a:noFill/>
+            </a:ln>
+            <a:effectLst/>
+          </p:spPr>
+        </p:pic>
+        <p:sp>
+          <p:nvSpPr>
+            <p:cNvPr id="5" name="Rectangle 4">
+              <a:extLst>
+                <a:ext uri="{FF2B5EF4-FFF2-40B4-BE49-F238E27FC236}">
+                  <a16:creationId xmlns:a16="http://schemas.microsoft.com/office/drawing/2014/main" id="{2D50D02B-92E2-630A-0B3B-4D10930BBDBE}"/>
+                </a:ext>
+              </a:extLst>
+            </p:cNvPr>
+            <p:cNvSpPr/>
+            <p:nvPr/>
+          </p:nvSpPr>
+          <p:spPr>
+            <a:xfrm>
+              <a:off x="2125133" y="1371600"/>
+              <a:ext cx="7501467" cy="4920113"/>
+            </a:xfrm>
+            <a:prstGeom prst="rect">
+              <a:avLst/>
+            </a:prstGeom>
+            <a:solidFill>
+              <a:srgbClr val="FFFFFF">
+                <a:alpha val="32157"/>
+              </a:srgbClr>
+            </a:solidFill>
+            <a:ln>
+              <a:noFill/>
+            </a:ln>
+          </p:spPr>
+          <p:style>
+            <a:lnRef idx="2">
+              <a:schemeClr val="accent1">
+                <a:shade val="15000"/>
+              </a:schemeClr>
+            </a:lnRef>
+            <a:fillRef idx="1">
+              <a:schemeClr val="accent1"/>
+            </a:fillRef>
+            <a:effectRef idx="0">
+              <a:schemeClr val="accent1"/>
+            </a:effectRef>
+            <a:fontRef idx="minor">
+              <a:schemeClr val="lt1"/>
+            </a:fontRef>
+          </p:style>
+          <p:txBody>
+            <a:bodyPr rtlCol="0" anchor="ctr"/>
+            <a:lstStyle/>
+            <a:p>
+              <a:pPr algn="ctr"/>
+              <a:endParaRPr lang="en-US"/>
+            </a:p>
+          </p:txBody>
+        </p:sp>
+        <p:pic>
+          <p:nvPicPr>
+            <p:cNvPr id="3" name="Picture 2">
+              <a:extLst>
+                <a:ext uri="{FF2B5EF4-FFF2-40B4-BE49-F238E27FC236}">
+                  <a16:creationId xmlns:a16="http://schemas.microsoft.com/office/drawing/2014/main" id="{C1E42170-D2E5-6868-DA33-F00062B2DA9A}"/>
+                </a:ext>
+              </a:extLst>
+            </p:cNvPr>
+            <p:cNvPicPr>
+              <a:picLocks noChangeAspect="1" noChangeArrowheads="1"/>
+            </p:cNvPicPr>
+            <p:nvPr/>
+          </p:nvPicPr>
+          <p:blipFill rotWithShape="1">
+            <a:blip r:embed="rId4">
+              <a:extLst>
+                <a:ext uri="{28A0092B-C50C-407E-A947-70E740481C1C}">
+                  <a14:useLocalDpi xmlns:a14="http://schemas.microsoft.com/office/drawing/2010/main" val="0"/>
+                </a:ext>
+              </a:extLst>
+            </a:blip>
+            <a:srcRect l="2504" t="38206" r="3443" b="26444"/>
+            <a:stretch/>
+          </p:blipFill>
+          <p:spPr bwMode="auto">
+            <a:xfrm>
+              <a:off x="3090333" y="3301997"/>
+              <a:ext cx="5952067" cy="1710267"/>
+            </a:xfrm>
+            <a:prstGeom prst="rect">
+              <a:avLst/>
+            </a:prstGeom>
+            <a:noFill/>
+            <a:ln w="28575">
+              <a:noFill/>
+            </a:ln>
+            <a:effectLst/>
+          </p:spPr>
+        </p:pic>
+        <p:grpSp>
+          <p:nvGrpSpPr>
+            <p:cNvPr id="7" name="Group 6">
+              <a:extLst>
+                <a:ext uri="{FF2B5EF4-FFF2-40B4-BE49-F238E27FC236}">
+                  <a16:creationId xmlns:a16="http://schemas.microsoft.com/office/drawing/2014/main" id="{2059391C-713B-C31F-9F28-0CF596B164A1}"/>
+                </a:ext>
+              </a:extLst>
+            </p:cNvPr>
+            <p:cNvGrpSpPr/>
+            <p:nvPr/>
+          </p:nvGrpSpPr>
+          <p:grpSpPr>
+            <a:xfrm>
+              <a:off x="3361266" y="3301997"/>
+              <a:ext cx="6375278" cy="1710267"/>
+              <a:chOff x="3361266" y="3301997"/>
+              <a:chExt cx="6375278" cy="1710267"/>
+            </a:xfrm>
+            <a:effectLst>
+              <a:outerShdw blurRad="50800" dist="38100" dir="2700000" algn="tl" rotWithShape="0">
+                <a:prstClr val="black">
+                  <a:alpha val="40000"/>
+                </a:prstClr>
+              </a:outerShdw>
+            </a:effectLst>
+          </p:grpSpPr>
+          <p:sp>
+            <p:nvSpPr>
+              <p:cNvPr id="4" name="Rectangle 3">
+                <a:extLst>
+                  <a:ext uri="{FF2B5EF4-FFF2-40B4-BE49-F238E27FC236}">
+                    <a16:creationId xmlns:a16="http://schemas.microsoft.com/office/drawing/2014/main" id="{F1244B9B-8E73-2232-6AAE-BD5E69B1D424}"/>
+                  </a:ext>
+                </a:extLst>
+              </p:cNvPr>
+              <p:cNvSpPr/>
+              <p:nvPr/>
+            </p:nvSpPr>
+            <p:spPr>
+              <a:xfrm>
+                <a:off x="3361266" y="3301998"/>
+                <a:ext cx="6375278" cy="1710266"/>
+              </a:xfrm>
+              <a:prstGeom prst="rect">
+                <a:avLst/>
+              </a:prstGeom>
+              <a:noFill/>
+              <a:ln w="38100">
+                <a:solidFill>
+                  <a:schemeClr val="accent3"/>
+                </a:solidFill>
+              </a:ln>
+              <a:effectLst/>
+            </p:spPr>
+            <p:style>
+              <a:lnRef idx="2">
+                <a:schemeClr val="accent1">
+                  <a:shade val="15000"/>
+                </a:schemeClr>
+              </a:lnRef>
+              <a:fillRef idx="1">
+                <a:schemeClr val="accent1"/>
+              </a:fillRef>
+              <a:effectRef idx="0">
+                <a:schemeClr val="accent1"/>
+              </a:effectRef>
+              <a:fontRef idx="minor">
+                <a:schemeClr val="lt1"/>
+              </a:fontRef>
+            </p:style>
+            <p:txBody>
+              <a:bodyPr rtlCol="0" anchor="ctr"/>
+              <a:lstStyle/>
+              <a:p>
+                <a:pPr algn="ctr"/>
+                <a:endParaRPr lang="en-US"/>
+              </a:p>
+            </p:txBody>
+          </p:sp>
+          <p:sp>
+            <p:nvSpPr>
+              <p:cNvPr id="6" name="Rectangle 5">
+                <a:extLst>
+                  <a:ext uri="{FF2B5EF4-FFF2-40B4-BE49-F238E27FC236}">
+                    <a16:creationId xmlns:a16="http://schemas.microsoft.com/office/drawing/2014/main" id="{10F483DB-63D9-921C-9D9D-2095989BC62A}"/>
+                  </a:ext>
+                </a:extLst>
+              </p:cNvPr>
+              <p:cNvSpPr/>
+              <p:nvPr/>
+            </p:nvSpPr>
+            <p:spPr>
+              <a:xfrm>
+                <a:off x="6925733" y="3301997"/>
+                <a:ext cx="2810811" cy="355600"/>
+              </a:xfrm>
+              <a:prstGeom prst="rect">
+                <a:avLst/>
+              </a:prstGeom>
+              <a:solidFill>
+                <a:schemeClr val="accent3"/>
+              </a:solidFill>
+              <a:ln>
+                <a:noFill/>
+              </a:ln>
+            </p:spPr>
+            <p:style>
+              <a:lnRef idx="2">
+                <a:schemeClr val="accent1">
+                  <a:shade val="15000"/>
+                </a:schemeClr>
+              </a:lnRef>
+              <a:fillRef idx="1">
+                <a:schemeClr val="accent1"/>
+              </a:fillRef>
+              <a:effectRef idx="0">
+                <a:schemeClr val="accent1"/>
+              </a:effectRef>
+              <a:fontRef idx="minor">
+                <a:schemeClr val="lt1"/>
+              </a:fontRef>
+            </p:style>
+            <p:txBody>
+              <a:bodyPr rtlCol="0" anchor="ctr"/>
+              <a:lstStyle/>
+              <a:p>
+                <a:pPr algn="ctr"/>
+                <a:r>
+                  <a:rPr lang="en-US" dirty="0"/>
+                  <a:t>I</a:t>
+                </a:r>
+                <a:r>
+                  <a:rPr lang="en-AT" dirty="0" err="1"/>
+                  <a:t>ntermediate</a:t>
+                </a:r>
+                <a:r>
+                  <a:rPr lang="en-AT" dirty="0"/>
+                  <a:t> structure</a:t>
+                </a:r>
+                <a:endParaRPr lang="en-US" dirty="0"/>
+              </a:p>
+            </p:txBody>
+          </p:sp>
+        </p:grpSp>
+      </p:grpSp>
+    </p:spTree>
+    <p:extLst>
+      <p:ext uri="{BB962C8B-B14F-4D97-AF65-F5344CB8AC3E}">
+        <p14:creationId xmlns:p14="http://schemas.microsoft.com/office/powerpoint/2010/main" val="2960599343"/>
+      </p:ext>
+    </p:extLst>
+  </p:cSld>
+  <p:clrMapOvr>
+    <a:masterClrMapping/>
+  </p:clrMapOvr>
+</p:sld>
+</file>
+
+<file path=ppt/slides/slide3.xml><?xml version="1.0" encoding="utf-8"?>
+<p:sld xmlns:a="http://schemas.openxmlformats.org/drawingml/2006/main" xmlns:r="http://schemas.openxmlformats.org/officeDocument/2006/relationships" xmlns:p="http://schemas.openxmlformats.org/presentationml/2006/main">
+  <p:cSld>
+    <p:spTree>
+      <p:nvGrpSpPr>
+        <p:cNvPr id="1" name=""/>
+        <p:cNvGrpSpPr/>
+        <p:nvPr/>
+      </p:nvGrpSpPr>
+      <p:grpSpPr>
+        <a:xfrm>
+          <a:off x="0" y="0"/>
+          <a:ext cx="0" cy="0"/>
+          <a:chOff x="0" y="0"/>
+          <a:chExt cx="0" cy="0"/>
+        </a:xfrm>
+      </p:grpSpPr>
+      <p:sp>
+        <p:nvSpPr>
+          <p:cNvPr id="3" name="Title 2">
+            <a:extLst>
+              <a:ext uri="{FF2B5EF4-FFF2-40B4-BE49-F238E27FC236}">
+                <a16:creationId xmlns:a16="http://schemas.microsoft.com/office/drawing/2014/main" id="{ABCF1295-4A3C-0912-3611-07A8D0F443BE}"/>
+              </a:ext>
+            </a:extLst>
+          </p:cNvPr>
+          <p:cNvSpPr>
+            <a:spLocks noGrp="1"/>
+          </p:cNvSpPr>
+          <p:nvPr>
+            <p:ph type="ctrTitle"/>
+          </p:nvPr>
+        </p:nvSpPr>
+        <p:spPr/>
+        <p:txBody>
+          <a:bodyPr/>
+          <a:lstStyle/>
+          <a:p>
+            <a:r>
+              <a:rPr lang="en-AT" dirty="0"/>
+              <a:t>QUICK OVERVIEW</a:t>
+            </a:r>
+            <a:endParaRPr lang="en-US" dirty="0"/>
+          </a:p>
+        </p:txBody>
+      </p:sp>
+    </p:spTree>
+    <p:extLst>
+      <p:ext uri="{BB962C8B-B14F-4D97-AF65-F5344CB8AC3E}">
+        <p14:creationId xmlns:p14="http://schemas.microsoft.com/office/powerpoint/2010/main" val="2825074964"/>
+      </p:ext>
+    </p:extLst>
+  </p:cSld>
+  <p:clrMapOvr>
+    <a:masterClrMapping/>
+  </p:clrMapOvr>
+</p:sld>
+</file>
+
+<file path=ppt/slides/slide30.xml><?xml version="1.0" encoding="utf-8"?>
+<p:sld xmlns:a="http://schemas.openxmlformats.org/drawingml/2006/main" xmlns:r="http://schemas.openxmlformats.org/officeDocument/2006/relationships" xmlns:p="http://schemas.openxmlformats.org/presentationml/2006/main">
+  <p:cSld>
+    <p:spTree>
+      <p:nvGrpSpPr>
+        <p:cNvPr id="1" name=""/>
+        <p:cNvGrpSpPr/>
+        <p:nvPr/>
+      </p:nvGrpSpPr>
+      <p:grpSpPr>
+        <a:xfrm>
+          <a:off x="0" y="0"/>
+          <a:ext cx="0" cy="0"/>
+          <a:chOff x="0" y="0"/>
+          <a:chExt cx="0" cy="0"/>
+        </a:xfrm>
+      </p:grpSpPr>
+      <p:pic>
+        <p:nvPicPr>
+          <p:cNvPr id="14338" name="Picture 2">
+            <a:extLst>
+              <a:ext uri="{FF2B5EF4-FFF2-40B4-BE49-F238E27FC236}">
+                <a16:creationId xmlns:a16="http://schemas.microsoft.com/office/drawing/2014/main" id="{7F57F1D2-B1FD-AA4B-FC95-652F774EB7A2}"/>
+              </a:ext>
+            </a:extLst>
+          </p:cNvPr>
+          <p:cNvPicPr>
+            <a:picLocks noChangeAspect="1" noChangeArrowheads="1"/>
+          </p:cNvPicPr>
+          <p:nvPr/>
+        </p:nvPicPr>
+        <p:blipFill>
+          <a:blip r:embed="rId2">
+            <a:extLst>
+              <a:ext uri="{28A0092B-C50C-407E-A947-70E740481C1C}">
+                <a14:useLocalDpi xmlns:a14="http://schemas.microsoft.com/office/drawing/2010/main" val="0"/>
+              </a:ext>
+            </a:extLst>
+          </a:blip>
+          <a:srcRect/>
+          <a:stretch>
+            <a:fillRect/>
+          </a:stretch>
+        </p:blipFill>
+        <p:spPr bwMode="auto">
+          <a:xfrm>
+            <a:off x="2871787" y="1465175"/>
+            <a:ext cx="6448425" cy="4686300"/>
           </a:xfrm>
           <a:prstGeom prst="rect">
             <a:avLst/>
@@ -6006,10 +10241,146 @@
       </p:pic>
       <p:sp>
         <p:nvSpPr>
-          <p:cNvPr id="3" name="Rectangle 2">
-            <a:extLst>
-              <a:ext uri="{FF2B5EF4-FFF2-40B4-BE49-F238E27FC236}">
-                <a16:creationId xmlns:a16="http://schemas.microsoft.com/office/drawing/2014/main" id="{D1971B53-24F5-30C7-2F68-3036F9087D81}"/>
+          <p:cNvPr id="2" name="Title 1">
+            <a:extLst>
+              <a:ext uri="{FF2B5EF4-FFF2-40B4-BE49-F238E27FC236}">
+                <a16:creationId xmlns:a16="http://schemas.microsoft.com/office/drawing/2014/main" id="{8D5EB32F-FC2E-C9C0-05E1-8ADFA1BFCD03}"/>
+              </a:ext>
+            </a:extLst>
+          </p:cNvPr>
+          <p:cNvSpPr>
+            <a:spLocks noGrp="1"/>
+          </p:cNvSpPr>
+          <p:nvPr>
+            <p:ph type="title"/>
+          </p:nvPr>
+        </p:nvSpPr>
+        <p:spPr/>
+        <p:txBody>
+          <a:bodyPr/>
+          <a:lstStyle/>
+          <a:p>
+            <a:r>
+              <a:rPr lang="en-AT" dirty="0"/>
+              <a:t>PROTOTYPE IMPLEMENTATION: T2M - Sequence</a:t>
+            </a:r>
+            <a:endParaRPr lang="en-US" dirty="0"/>
+          </a:p>
+        </p:txBody>
+      </p:sp>
+    </p:spTree>
+    <p:extLst>
+      <p:ext uri="{BB962C8B-B14F-4D97-AF65-F5344CB8AC3E}">
+        <p14:creationId xmlns:p14="http://schemas.microsoft.com/office/powerpoint/2010/main" val="2574643463"/>
+      </p:ext>
+    </p:extLst>
+  </p:cSld>
+  <p:clrMapOvr>
+    <a:masterClrMapping/>
+  </p:clrMapOvr>
+</p:sld>
+</file>
+
+<file path=ppt/slides/slide31.xml><?xml version="1.0" encoding="utf-8"?>
+<p:sld xmlns:a="http://schemas.openxmlformats.org/drawingml/2006/main" xmlns:r="http://schemas.openxmlformats.org/officeDocument/2006/relationships" xmlns:p="http://schemas.openxmlformats.org/presentationml/2006/main">
+  <p:cSld>
+    <p:spTree>
+      <p:nvGrpSpPr>
+        <p:cNvPr id="1" name=""/>
+        <p:cNvGrpSpPr/>
+        <p:nvPr/>
+      </p:nvGrpSpPr>
+      <p:grpSpPr>
+        <a:xfrm>
+          <a:off x="0" y="0"/>
+          <a:ext cx="0" cy="0"/>
+          <a:chOff x="0" y="0"/>
+          <a:chExt cx="0" cy="0"/>
+        </a:xfrm>
+      </p:grpSpPr>
+      <p:pic>
+        <p:nvPicPr>
+          <p:cNvPr id="14338" name="Picture 2">
+            <a:extLst>
+              <a:ext uri="{FF2B5EF4-FFF2-40B4-BE49-F238E27FC236}">
+                <a16:creationId xmlns:a16="http://schemas.microsoft.com/office/drawing/2014/main" id="{7F57F1D2-B1FD-AA4B-FC95-652F774EB7A2}"/>
+              </a:ext>
+            </a:extLst>
+          </p:cNvPr>
+          <p:cNvPicPr>
+            <a:picLocks noChangeAspect="1" noChangeArrowheads="1"/>
+          </p:cNvPicPr>
+          <p:nvPr/>
+        </p:nvPicPr>
+        <p:blipFill>
+          <a:blip r:embed="rId2">
+            <a:grayscl/>
+            <a:extLst>
+              <a:ext uri="{28A0092B-C50C-407E-A947-70E740481C1C}">
+                <a14:useLocalDpi xmlns:a14="http://schemas.microsoft.com/office/drawing/2010/main" val="0"/>
+              </a:ext>
+            </a:extLst>
+          </a:blip>
+          <a:srcRect/>
+          <a:stretch>
+            <a:fillRect/>
+          </a:stretch>
+        </p:blipFill>
+        <p:spPr bwMode="auto">
+          <a:xfrm>
+            <a:off x="2871787" y="1465175"/>
+            <a:ext cx="6448425" cy="4686300"/>
+          </a:xfrm>
+          <a:prstGeom prst="rect">
+            <a:avLst/>
+          </a:prstGeom>
+          <a:noFill/>
+          <a:extLst>
+            <a:ext uri="{909E8E84-426E-40DD-AFC4-6F175D3DCCD1}">
+              <a14:hiddenFill xmlns:a14="http://schemas.microsoft.com/office/drawing/2010/main">
+                <a:solidFill>
+                  <a:srgbClr val="FFFFFF"/>
+                </a:solidFill>
+              </a14:hiddenFill>
+            </a:ext>
+          </a:extLst>
+        </p:spPr>
+      </p:pic>
+      <p:sp>
+        <p:nvSpPr>
+          <p:cNvPr id="2" name="Title 1">
+            <a:extLst>
+              <a:ext uri="{FF2B5EF4-FFF2-40B4-BE49-F238E27FC236}">
+                <a16:creationId xmlns:a16="http://schemas.microsoft.com/office/drawing/2014/main" id="{8D5EB32F-FC2E-C9C0-05E1-8ADFA1BFCD03}"/>
+              </a:ext>
+            </a:extLst>
+          </p:cNvPr>
+          <p:cNvSpPr>
+            <a:spLocks noGrp="1"/>
+          </p:cNvSpPr>
+          <p:nvPr>
+            <p:ph type="title"/>
+          </p:nvPr>
+        </p:nvSpPr>
+        <p:spPr/>
+        <p:txBody>
+          <a:bodyPr/>
+          <a:lstStyle/>
+          <a:p>
+            <a:r>
+              <a:rPr lang="en-AT" dirty="0"/>
+              <a:t>PROTOTYPE IMPLEMENTATION: T2M - Sequence</a:t>
+            </a:r>
+            <a:endParaRPr lang="en-US" dirty="0"/>
+          </a:p>
+        </p:txBody>
+      </p:sp>
+      <p:sp>
+        <p:nvSpPr>
+          <p:cNvPr id="4" name="Rectangle 3">
+            <a:extLst>
+              <a:ext uri="{FF2B5EF4-FFF2-40B4-BE49-F238E27FC236}">
+                <a16:creationId xmlns:a16="http://schemas.microsoft.com/office/drawing/2014/main" id="{C4886746-0C79-C219-34E1-8EBA36FB500B}"/>
               </a:ext>
             </a:extLst>
           </p:cNvPr>
@@ -6018,17 +10389,19 @@
         </p:nvSpPr>
         <p:spPr>
           <a:xfrm>
-            <a:off x="2478505" y="2767263"/>
-            <a:ext cx="5450306" cy="1672390"/>
+            <a:off x="2431520" y="1348268"/>
+            <a:ext cx="7501467" cy="4887069"/>
           </a:xfrm>
           <a:prstGeom prst="rect">
             <a:avLst/>
           </a:prstGeom>
-          <a:noFill/>
-          <a:ln w="57150">
-            <a:solidFill>
-              <a:srgbClr val="FF0000"/>
-            </a:solidFill>
+          <a:solidFill>
+            <a:srgbClr val="FFFFFF">
+              <a:alpha val="32157"/>
+            </a:srgbClr>
+          </a:solidFill>
+          <a:ln>
+            <a:noFill/>
           </a:ln>
         </p:spPr>
         <p:style>
@@ -6056,12 +10429,301 @@
           </a:p>
         </p:txBody>
       </p:sp>
+      <p:pic>
+        <p:nvPicPr>
+          <p:cNvPr id="5" name="Picture 2">
+            <a:extLst>
+              <a:ext uri="{FF2B5EF4-FFF2-40B4-BE49-F238E27FC236}">
+                <a16:creationId xmlns:a16="http://schemas.microsoft.com/office/drawing/2014/main" id="{33B8F5AE-DED6-2D69-CDC0-20CB24DCD6F3}"/>
+              </a:ext>
+            </a:extLst>
+          </p:cNvPr>
+          <p:cNvPicPr>
+            <a:picLocks noChangeAspect="1" noChangeArrowheads="1"/>
+          </p:cNvPicPr>
+          <p:nvPr/>
+        </p:nvPicPr>
+        <p:blipFill rotWithShape="1">
+          <a:blip r:embed="rId2">
+            <a:extLst>
+              <a:ext uri="{28A0092B-C50C-407E-A947-70E740481C1C}">
+                <a14:useLocalDpi xmlns:a14="http://schemas.microsoft.com/office/drawing/2010/main" val="0"/>
+              </a:ext>
+            </a:extLst>
+          </a:blip>
+          <a:srcRect l="2602" t="19684" r="28336" b="34065"/>
+          <a:stretch/>
+        </p:blipFill>
+        <p:spPr bwMode="auto">
+          <a:xfrm>
+            <a:off x="3039533" y="2387600"/>
+            <a:ext cx="4453468" cy="2167468"/>
+          </a:xfrm>
+          <a:prstGeom prst="rect">
+            <a:avLst/>
+          </a:prstGeom>
+          <a:noFill/>
+          <a:extLst>
+            <a:ext uri="{909E8E84-426E-40DD-AFC4-6F175D3DCCD1}">
+              <a14:hiddenFill xmlns:a14="http://schemas.microsoft.com/office/drawing/2010/main">
+                <a:solidFill>
+                  <a:srgbClr val="FFFFFF"/>
+                </a:solidFill>
+              </a14:hiddenFill>
+            </a:ext>
+          </a:extLst>
+        </p:spPr>
+      </p:pic>
+      <p:grpSp>
+        <p:nvGrpSpPr>
+          <p:cNvPr id="7" name="Group 6">
+            <a:extLst>
+              <a:ext uri="{FF2B5EF4-FFF2-40B4-BE49-F238E27FC236}">
+                <a16:creationId xmlns:a16="http://schemas.microsoft.com/office/drawing/2014/main" id="{1B56F1FA-9CB2-D79B-8C47-73E423EE08C5}"/>
+              </a:ext>
+            </a:extLst>
+          </p:cNvPr>
+          <p:cNvGrpSpPr/>
+          <p:nvPr/>
+        </p:nvGrpSpPr>
+        <p:grpSpPr>
+          <a:xfrm>
+            <a:off x="3039533" y="2387600"/>
+            <a:ext cx="5181600" cy="2167468"/>
+            <a:chOff x="3039533" y="2387600"/>
+            <a:chExt cx="5181600" cy="2167468"/>
+          </a:xfrm>
+          <a:effectLst>
+            <a:outerShdw blurRad="50800" dist="38100" dir="2700000" algn="tl" rotWithShape="0">
+              <a:prstClr val="black">
+                <a:alpha val="40000"/>
+              </a:prstClr>
+            </a:outerShdw>
+          </a:effectLst>
+        </p:grpSpPr>
+        <p:sp>
+          <p:nvSpPr>
+            <p:cNvPr id="3" name="Rectangle 2">
+              <a:extLst>
+                <a:ext uri="{FF2B5EF4-FFF2-40B4-BE49-F238E27FC236}">
+                  <a16:creationId xmlns:a16="http://schemas.microsoft.com/office/drawing/2014/main" id="{0A8AB673-CC66-E8AA-36C6-7340AEFB4379}"/>
+                </a:ext>
+              </a:extLst>
+            </p:cNvPr>
+            <p:cNvSpPr/>
+            <p:nvPr/>
+          </p:nvSpPr>
+          <p:spPr>
+            <a:xfrm>
+              <a:off x="3039533" y="2387600"/>
+              <a:ext cx="5181600" cy="2167468"/>
+            </a:xfrm>
+            <a:prstGeom prst="rect">
+              <a:avLst/>
+            </a:prstGeom>
+            <a:noFill/>
+            <a:ln w="38100">
+              <a:solidFill>
+                <a:schemeClr val="tx2"/>
+              </a:solidFill>
+            </a:ln>
+            <a:effectLst/>
+          </p:spPr>
+          <p:style>
+            <a:lnRef idx="2">
+              <a:schemeClr val="accent1">
+                <a:shade val="15000"/>
+              </a:schemeClr>
+            </a:lnRef>
+            <a:fillRef idx="1">
+              <a:schemeClr val="accent1"/>
+            </a:fillRef>
+            <a:effectRef idx="0">
+              <a:schemeClr val="accent1"/>
+            </a:effectRef>
+            <a:fontRef idx="minor">
+              <a:schemeClr val="lt1"/>
+            </a:fontRef>
+          </p:style>
+          <p:txBody>
+            <a:bodyPr rtlCol="0" anchor="ctr"/>
+            <a:lstStyle/>
+            <a:p>
+              <a:pPr algn="ctr"/>
+              <a:endParaRPr lang="en-US"/>
+            </a:p>
+          </p:txBody>
+        </p:sp>
+        <p:sp>
+          <p:nvSpPr>
+            <p:cNvPr id="6" name="Rectangle 5">
+              <a:extLst>
+                <a:ext uri="{FF2B5EF4-FFF2-40B4-BE49-F238E27FC236}">
+                  <a16:creationId xmlns:a16="http://schemas.microsoft.com/office/drawing/2014/main" id="{1FDB366E-84B4-43EC-65E1-8223B7152BAE}"/>
+                </a:ext>
+              </a:extLst>
+            </p:cNvPr>
+            <p:cNvSpPr/>
+            <p:nvPr/>
+          </p:nvSpPr>
+          <p:spPr>
+            <a:xfrm>
+              <a:off x="6968067" y="2387600"/>
+              <a:ext cx="1253066" cy="355600"/>
+            </a:xfrm>
+            <a:prstGeom prst="rect">
+              <a:avLst/>
+            </a:prstGeom>
+            <a:solidFill>
+              <a:schemeClr val="tx2"/>
+            </a:solidFill>
+            <a:ln>
+              <a:noFill/>
+            </a:ln>
+          </p:spPr>
+          <p:style>
+            <a:lnRef idx="2">
+              <a:schemeClr val="accent1">
+                <a:shade val="15000"/>
+              </a:schemeClr>
+            </a:lnRef>
+            <a:fillRef idx="1">
+              <a:schemeClr val="accent1"/>
+            </a:fillRef>
+            <a:effectRef idx="0">
+              <a:schemeClr val="accent1"/>
+            </a:effectRef>
+            <a:fontRef idx="minor">
+              <a:schemeClr val="lt1"/>
+            </a:fontRef>
+          </p:style>
+          <p:txBody>
+            <a:bodyPr rtlCol="0" anchor="ctr"/>
+            <a:lstStyle/>
+            <a:p>
+              <a:pPr algn="ctr"/>
+              <a:r>
+                <a:rPr lang="en-AT" dirty="0"/>
+                <a:t>NL-to-DB</a:t>
+              </a:r>
+              <a:endParaRPr lang="en-US" dirty="0"/>
+            </a:p>
+          </p:txBody>
+        </p:sp>
+      </p:grpSp>
+    </p:spTree>
+    <p:extLst>
+      <p:ext uri="{BB962C8B-B14F-4D97-AF65-F5344CB8AC3E}">
+        <p14:creationId xmlns:p14="http://schemas.microsoft.com/office/powerpoint/2010/main" val="970912880"/>
+      </p:ext>
+    </p:extLst>
+  </p:cSld>
+  <p:clrMapOvr>
+    <a:masterClrMapping/>
+  </p:clrMapOvr>
+</p:sld>
+</file>
+
+<file path=ppt/slides/slide32.xml><?xml version="1.0" encoding="utf-8"?>
+<p:sld xmlns:a="http://schemas.openxmlformats.org/drawingml/2006/main" xmlns:r="http://schemas.openxmlformats.org/officeDocument/2006/relationships" xmlns:p="http://schemas.openxmlformats.org/presentationml/2006/main">
+  <p:cSld>
+    <p:spTree>
+      <p:nvGrpSpPr>
+        <p:cNvPr id="1" name=""/>
+        <p:cNvGrpSpPr/>
+        <p:nvPr/>
+      </p:nvGrpSpPr>
+      <p:grpSpPr>
+        <a:xfrm>
+          <a:off x="0" y="0"/>
+          <a:ext cx="0" cy="0"/>
+          <a:chOff x="0" y="0"/>
+          <a:chExt cx="0" cy="0"/>
+        </a:xfrm>
+      </p:grpSpPr>
+      <p:pic>
+        <p:nvPicPr>
+          <p:cNvPr id="14338" name="Picture 2">
+            <a:extLst>
+              <a:ext uri="{FF2B5EF4-FFF2-40B4-BE49-F238E27FC236}">
+                <a16:creationId xmlns:a16="http://schemas.microsoft.com/office/drawing/2014/main" id="{7F57F1D2-B1FD-AA4B-FC95-652F774EB7A2}"/>
+              </a:ext>
+            </a:extLst>
+          </p:cNvPr>
+          <p:cNvPicPr>
+            <a:picLocks noChangeAspect="1" noChangeArrowheads="1"/>
+          </p:cNvPicPr>
+          <p:nvPr/>
+        </p:nvPicPr>
+        <p:blipFill>
+          <a:blip r:embed="rId2">
+            <a:grayscl/>
+            <a:extLst>
+              <a:ext uri="{28A0092B-C50C-407E-A947-70E740481C1C}">
+                <a14:useLocalDpi xmlns:a14="http://schemas.microsoft.com/office/drawing/2010/main" val="0"/>
+              </a:ext>
+            </a:extLst>
+          </a:blip>
+          <a:srcRect/>
+          <a:stretch>
+            <a:fillRect/>
+          </a:stretch>
+        </p:blipFill>
+        <p:spPr bwMode="auto">
+          <a:xfrm>
+            <a:off x="2871787" y="1465175"/>
+            <a:ext cx="6448425" cy="4686300"/>
+          </a:xfrm>
+          <a:prstGeom prst="rect">
+            <a:avLst/>
+          </a:prstGeom>
+          <a:noFill/>
+          <a:extLst>
+            <a:ext uri="{909E8E84-426E-40DD-AFC4-6F175D3DCCD1}">
+              <a14:hiddenFill xmlns:a14="http://schemas.microsoft.com/office/drawing/2010/main">
+                <a:solidFill>
+                  <a:srgbClr val="FFFFFF"/>
+                </a:solidFill>
+              </a14:hiddenFill>
+            </a:ext>
+          </a:extLst>
+        </p:spPr>
+      </p:pic>
+      <p:sp>
+        <p:nvSpPr>
+          <p:cNvPr id="2" name="Title 1">
+            <a:extLst>
+              <a:ext uri="{FF2B5EF4-FFF2-40B4-BE49-F238E27FC236}">
+                <a16:creationId xmlns:a16="http://schemas.microsoft.com/office/drawing/2014/main" id="{8D5EB32F-FC2E-C9C0-05E1-8ADFA1BFCD03}"/>
+              </a:ext>
+            </a:extLst>
+          </p:cNvPr>
+          <p:cNvSpPr>
+            <a:spLocks noGrp="1"/>
+          </p:cNvSpPr>
+          <p:nvPr>
+            <p:ph type="title"/>
+          </p:nvPr>
+        </p:nvSpPr>
+        <p:spPr/>
+        <p:txBody>
+          <a:bodyPr/>
+          <a:lstStyle/>
+          <a:p>
+            <a:r>
+              <a:rPr lang="en-AT" dirty="0"/>
+              <a:t>PROTOTYPE IMPLEMENTATION: T2M - Sequence</a:t>
+            </a:r>
+            <a:endParaRPr lang="en-US" dirty="0"/>
+          </a:p>
+        </p:txBody>
+      </p:sp>
       <p:sp>
         <p:nvSpPr>
           <p:cNvPr id="4" name="Rectangle 3">
             <a:extLst>
               <a:ext uri="{FF2B5EF4-FFF2-40B4-BE49-F238E27FC236}">
-                <a16:creationId xmlns:a16="http://schemas.microsoft.com/office/drawing/2014/main" id="{06B40B3F-2725-5512-97EC-E580610D39C4}"/>
+                <a16:creationId xmlns:a16="http://schemas.microsoft.com/office/drawing/2014/main" id="{C4886746-0C79-C219-34E1-8EBA36FB500B}"/>
               </a:ext>
             </a:extLst>
           </p:cNvPr>
@@ -6070,17 +10732,19 @@
         </p:nvSpPr>
         <p:spPr>
           <a:xfrm>
-            <a:off x="2478505" y="4439653"/>
-            <a:ext cx="6374732" cy="1768642"/>
+            <a:off x="2431520" y="1348268"/>
+            <a:ext cx="7501467" cy="4887069"/>
           </a:xfrm>
           <a:prstGeom prst="rect">
             <a:avLst/>
           </a:prstGeom>
-          <a:noFill/>
-          <a:ln w="57150">
-            <a:solidFill>
-              <a:srgbClr val="FF0000"/>
-            </a:solidFill>
+          <a:solidFill>
+            <a:srgbClr val="FFFFFF">
+              <a:alpha val="32157"/>
+            </a:srgbClr>
+          </a:solidFill>
+          <a:ln>
+            <a:noFill/>
           </a:ln>
         </p:spPr>
         <p:style>
@@ -6108,12 +10772,301 @@
           </a:p>
         </p:txBody>
       </p:sp>
+      <p:pic>
+        <p:nvPicPr>
+          <p:cNvPr id="5" name="Picture 2">
+            <a:extLst>
+              <a:ext uri="{FF2B5EF4-FFF2-40B4-BE49-F238E27FC236}">
+                <a16:creationId xmlns:a16="http://schemas.microsoft.com/office/drawing/2014/main" id="{33B8F5AE-DED6-2D69-CDC0-20CB24DCD6F3}"/>
+              </a:ext>
+            </a:extLst>
+          </p:cNvPr>
+          <p:cNvPicPr>
+            <a:picLocks noChangeAspect="1" noChangeArrowheads="1"/>
+          </p:cNvPicPr>
+          <p:nvPr/>
+        </p:nvPicPr>
+        <p:blipFill rotWithShape="1">
+          <a:blip r:embed="rId2">
+            <a:extLst>
+              <a:ext uri="{28A0092B-C50C-407E-A947-70E740481C1C}">
+                <a14:useLocalDpi xmlns:a14="http://schemas.microsoft.com/office/drawing/2010/main" val="0"/>
+              </a:ext>
+            </a:extLst>
+          </a:blip>
+          <a:srcRect l="2602" t="65031" r="6146" b="4797"/>
+          <a:stretch/>
+        </p:blipFill>
+        <p:spPr bwMode="auto">
+          <a:xfrm>
+            <a:off x="3039533" y="4512734"/>
+            <a:ext cx="5884334" cy="1413932"/>
+          </a:xfrm>
+          <a:prstGeom prst="rect">
+            <a:avLst/>
+          </a:prstGeom>
+          <a:noFill/>
+          <a:extLst>
+            <a:ext uri="{909E8E84-426E-40DD-AFC4-6F175D3DCCD1}">
+              <a14:hiddenFill xmlns:a14="http://schemas.microsoft.com/office/drawing/2010/main">
+                <a:solidFill>
+                  <a:srgbClr val="FFFFFF"/>
+                </a:solidFill>
+              </a14:hiddenFill>
+            </a:ext>
+          </a:extLst>
+        </p:spPr>
+      </p:pic>
+      <p:grpSp>
+        <p:nvGrpSpPr>
+          <p:cNvPr id="9" name="Group 8">
+            <a:extLst>
+              <a:ext uri="{FF2B5EF4-FFF2-40B4-BE49-F238E27FC236}">
+                <a16:creationId xmlns:a16="http://schemas.microsoft.com/office/drawing/2014/main" id="{A5FBC042-600D-AC18-7432-E960DA991A9A}"/>
+              </a:ext>
+            </a:extLst>
+          </p:cNvPr>
+          <p:cNvGrpSpPr/>
+          <p:nvPr/>
+        </p:nvGrpSpPr>
+        <p:grpSpPr>
+          <a:xfrm>
+            <a:off x="3210453" y="4509820"/>
+            <a:ext cx="5789614" cy="1415389"/>
+            <a:chOff x="3210453" y="4509820"/>
+            <a:chExt cx="5789614" cy="1415389"/>
+          </a:xfrm>
+          <a:effectLst>
+            <a:outerShdw blurRad="50800" dist="38100" dir="2700000" algn="tl" rotWithShape="0">
+              <a:prstClr val="black">
+                <a:alpha val="40000"/>
+              </a:prstClr>
+            </a:outerShdw>
+          </a:effectLst>
+        </p:grpSpPr>
+        <p:sp>
+          <p:nvSpPr>
+            <p:cNvPr id="3" name="Rectangle 2">
+              <a:extLst>
+                <a:ext uri="{FF2B5EF4-FFF2-40B4-BE49-F238E27FC236}">
+                  <a16:creationId xmlns:a16="http://schemas.microsoft.com/office/drawing/2014/main" id="{0A8AB673-CC66-E8AA-36C6-7340AEFB4379}"/>
+                </a:ext>
+              </a:extLst>
+            </p:cNvPr>
+            <p:cNvSpPr/>
+            <p:nvPr/>
+          </p:nvSpPr>
+          <p:spPr>
+            <a:xfrm>
+              <a:off x="3210453" y="4511277"/>
+              <a:ext cx="5789614" cy="1413932"/>
+            </a:xfrm>
+            <a:prstGeom prst="rect">
+              <a:avLst/>
+            </a:prstGeom>
+            <a:noFill/>
+            <a:ln w="38100">
+              <a:solidFill>
+                <a:schemeClr val="tx2"/>
+              </a:solidFill>
+            </a:ln>
+            <a:effectLst/>
+          </p:spPr>
+          <p:style>
+            <a:lnRef idx="2">
+              <a:schemeClr val="accent1">
+                <a:shade val="15000"/>
+              </a:schemeClr>
+            </a:lnRef>
+            <a:fillRef idx="1">
+              <a:schemeClr val="accent1"/>
+            </a:fillRef>
+            <a:effectRef idx="0">
+              <a:schemeClr val="accent1"/>
+            </a:effectRef>
+            <a:fontRef idx="minor">
+              <a:schemeClr val="lt1"/>
+            </a:fontRef>
+          </p:style>
+          <p:txBody>
+            <a:bodyPr rtlCol="0" anchor="ctr"/>
+            <a:lstStyle/>
+            <a:p>
+              <a:pPr algn="ctr"/>
+              <a:endParaRPr lang="en-US"/>
+            </a:p>
+          </p:txBody>
+        </p:sp>
+        <p:sp>
+          <p:nvSpPr>
+            <p:cNvPr id="8" name="Rectangle 7">
+              <a:extLst>
+                <a:ext uri="{FF2B5EF4-FFF2-40B4-BE49-F238E27FC236}">
+                  <a16:creationId xmlns:a16="http://schemas.microsoft.com/office/drawing/2014/main" id="{EF45BF34-7F16-4683-CA24-B4B2D6135D19}"/>
+                </a:ext>
+              </a:extLst>
+            </p:cNvPr>
+            <p:cNvSpPr/>
+            <p:nvPr/>
+          </p:nvSpPr>
+          <p:spPr>
+            <a:xfrm>
+              <a:off x="7546891" y="4509820"/>
+              <a:ext cx="1453176" cy="355600"/>
+            </a:xfrm>
+            <a:prstGeom prst="rect">
+              <a:avLst/>
+            </a:prstGeom>
+            <a:solidFill>
+              <a:schemeClr val="tx2"/>
+            </a:solidFill>
+            <a:ln>
+              <a:noFill/>
+            </a:ln>
+          </p:spPr>
+          <p:style>
+            <a:lnRef idx="2">
+              <a:schemeClr val="accent1">
+                <a:shade val="15000"/>
+              </a:schemeClr>
+            </a:lnRef>
+            <a:fillRef idx="1">
+              <a:schemeClr val="accent1"/>
+            </a:fillRef>
+            <a:effectRef idx="0">
+              <a:schemeClr val="accent1"/>
+            </a:effectRef>
+            <a:fontRef idx="minor">
+              <a:schemeClr val="lt1"/>
+            </a:fontRef>
+          </p:style>
+          <p:txBody>
+            <a:bodyPr rtlCol="0" anchor="ctr"/>
+            <a:lstStyle/>
+            <a:p>
+              <a:pPr algn="ctr"/>
+              <a:r>
+                <a:rPr lang="en-AT" dirty="0"/>
+                <a:t>DB-to-UML</a:t>
+              </a:r>
+              <a:endParaRPr lang="en-US" dirty="0"/>
+            </a:p>
+          </p:txBody>
+        </p:sp>
+      </p:grpSp>
+    </p:spTree>
+    <p:extLst>
+      <p:ext uri="{BB962C8B-B14F-4D97-AF65-F5344CB8AC3E}">
+        <p14:creationId xmlns:p14="http://schemas.microsoft.com/office/powerpoint/2010/main" val="1264464398"/>
+      </p:ext>
+    </p:extLst>
+  </p:cSld>
+  <p:clrMapOvr>
+    <a:masterClrMapping/>
+  </p:clrMapOvr>
+</p:sld>
+</file>
+
+<file path=ppt/slides/slide33.xml><?xml version="1.0" encoding="utf-8"?>
+<p:sld xmlns:a="http://schemas.openxmlformats.org/drawingml/2006/main" xmlns:r="http://schemas.openxmlformats.org/officeDocument/2006/relationships" xmlns:p="http://schemas.openxmlformats.org/presentationml/2006/main">
+  <p:cSld>
+    <p:spTree>
+      <p:nvGrpSpPr>
+        <p:cNvPr id="1" name=""/>
+        <p:cNvGrpSpPr/>
+        <p:nvPr/>
+      </p:nvGrpSpPr>
+      <p:grpSpPr>
+        <a:xfrm>
+          <a:off x="0" y="0"/>
+          <a:ext cx="0" cy="0"/>
+          <a:chOff x="0" y="0"/>
+          <a:chExt cx="0" cy="0"/>
+        </a:xfrm>
+      </p:grpSpPr>
+      <p:pic>
+        <p:nvPicPr>
+          <p:cNvPr id="14338" name="Picture 2">
+            <a:extLst>
+              <a:ext uri="{FF2B5EF4-FFF2-40B4-BE49-F238E27FC236}">
+                <a16:creationId xmlns:a16="http://schemas.microsoft.com/office/drawing/2014/main" id="{7F57F1D2-B1FD-AA4B-FC95-652F774EB7A2}"/>
+              </a:ext>
+            </a:extLst>
+          </p:cNvPr>
+          <p:cNvPicPr>
+            <a:picLocks noChangeAspect="1" noChangeArrowheads="1"/>
+          </p:cNvPicPr>
+          <p:nvPr/>
+        </p:nvPicPr>
+        <p:blipFill>
+          <a:blip r:embed="rId2">
+            <a:grayscl/>
+            <a:extLst>
+              <a:ext uri="{28A0092B-C50C-407E-A947-70E740481C1C}">
+                <a14:useLocalDpi xmlns:a14="http://schemas.microsoft.com/office/drawing/2010/main" val="0"/>
+              </a:ext>
+            </a:extLst>
+          </a:blip>
+          <a:srcRect/>
+          <a:stretch>
+            <a:fillRect/>
+          </a:stretch>
+        </p:blipFill>
+        <p:spPr bwMode="auto">
+          <a:xfrm>
+            <a:off x="2871787" y="1465175"/>
+            <a:ext cx="6448425" cy="4686300"/>
+          </a:xfrm>
+          <a:prstGeom prst="rect">
+            <a:avLst/>
+          </a:prstGeom>
+          <a:noFill/>
+          <a:extLst>
+            <a:ext uri="{909E8E84-426E-40DD-AFC4-6F175D3DCCD1}">
+              <a14:hiddenFill xmlns:a14="http://schemas.microsoft.com/office/drawing/2010/main">
+                <a:solidFill>
+                  <a:srgbClr val="FFFFFF"/>
+                </a:solidFill>
+              </a14:hiddenFill>
+            </a:ext>
+          </a:extLst>
+        </p:spPr>
+      </p:pic>
       <p:sp>
         <p:nvSpPr>
-          <p:cNvPr id="5" name="Rectangle 4">
-            <a:extLst>
-              <a:ext uri="{FF2B5EF4-FFF2-40B4-BE49-F238E27FC236}">
-                <a16:creationId xmlns:a16="http://schemas.microsoft.com/office/drawing/2014/main" id="{30998E6C-3260-5F38-A55F-E61A8BAA98EF}"/>
+          <p:cNvPr id="2" name="Title 1">
+            <a:extLst>
+              <a:ext uri="{FF2B5EF4-FFF2-40B4-BE49-F238E27FC236}">
+                <a16:creationId xmlns:a16="http://schemas.microsoft.com/office/drawing/2014/main" id="{8D5EB32F-FC2E-C9C0-05E1-8ADFA1BFCD03}"/>
+              </a:ext>
+            </a:extLst>
+          </p:cNvPr>
+          <p:cNvSpPr>
+            <a:spLocks noGrp="1"/>
+          </p:cNvSpPr>
+          <p:nvPr>
+            <p:ph type="title"/>
+          </p:nvPr>
+        </p:nvSpPr>
+        <p:spPr/>
+        <p:txBody>
+          <a:bodyPr/>
+          <a:lstStyle/>
+          <a:p>
+            <a:r>
+              <a:rPr lang="en-AT" dirty="0"/>
+              <a:t>PROTOTYPE IMPLEMENTATION: T2M - Sequence</a:t>
+            </a:r>
+            <a:endParaRPr lang="en-US" dirty="0"/>
+          </a:p>
+        </p:txBody>
+      </p:sp>
+      <p:sp>
+        <p:nvSpPr>
+          <p:cNvPr id="4" name="Rectangle 3">
+            <a:extLst>
+              <a:ext uri="{FF2B5EF4-FFF2-40B4-BE49-F238E27FC236}">
+                <a16:creationId xmlns:a16="http://schemas.microsoft.com/office/drawing/2014/main" id="{C4886746-0C79-C219-34E1-8EBA36FB500B}"/>
               </a:ext>
             </a:extLst>
           </p:cNvPr>
@@ -6122,8 +11075,535 @@
         </p:nvSpPr>
         <p:spPr>
           <a:xfrm>
-            <a:off x="6713622" y="2806491"/>
-            <a:ext cx="1215189" cy="517358"/>
+            <a:off x="2431520" y="1348268"/>
+            <a:ext cx="7501467" cy="4887069"/>
+          </a:xfrm>
+          <a:prstGeom prst="rect">
+            <a:avLst/>
+          </a:prstGeom>
+          <a:solidFill>
+            <a:srgbClr val="FFFFFF">
+              <a:alpha val="32157"/>
+            </a:srgbClr>
+          </a:solidFill>
+          <a:ln>
+            <a:noFill/>
+          </a:ln>
+        </p:spPr>
+        <p:style>
+          <a:lnRef idx="2">
+            <a:schemeClr val="accent1">
+              <a:shade val="15000"/>
+            </a:schemeClr>
+          </a:lnRef>
+          <a:fillRef idx="1">
+            <a:schemeClr val="accent1"/>
+          </a:fillRef>
+          <a:effectRef idx="0">
+            <a:schemeClr val="accent1"/>
+          </a:effectRef>
+          <a:fontRef idx="minor">
+            <a:schemeClr val="lt1"/>
+          </a:fontRef>
+        </p:style>
+        <p:txBody>
+          <a:bodyPr rtlCol="0" anchor="ctr"/>
+          <a:lstStyle/>
+          <a:p>
+            <a:pPr algn="ctr"/>
+            <a:endParaRPr lang="en-US"/>
+          </a:p>
+        </p:txBody>
+      </p:sp>
+      <p:pic>
+        <p:nvPicPr>
+          <p:cNvPr id="5" name="Picture 2">
+            <a:extLst>
+              <a:ext uri="{FF2B5EF4-FFF2-40B4-BE49-F238E27FC236}">
+                <a16:creationId xmlns:a16="http://schemas.microsoft.com/office/drawing/2014/main" id="{33B8F5AE-DED6-2D69-CDC0-20CB24DCD6F3}"/>
+              </a:ext>
+            </a:extLst>
+          </p:cNvPr>
+          <p:cNvPicPr>
+            <a:picLocks noChangeAspect="1" noChangeArrowheads="1"/>
+          </p:cNvPicPr>
+          <p:nvPr/>
+        </p:nvPicPr>
+        <p:blipFill rotWithShape="1">
+          <a:blip r:embed="rId2">
+            <a:extLst>
+              <a:ext uri="{28A0092B-C50C-407E-A947-70E740481C1C}">
+                <a14:useLocalDpi xmlns:a14="http://schemas.microsoft.com/office/drawing/2010/main" val="0"/>
+              </a:ext>
+            </a:extLst>
+          </a:blip>
+          <a:srcRect l="2602" t="50760" r="6146" b="20514"/>
+          <a:stretch/>
+        </p:blipFill>
+        <p:spPr bwMode="auto">
+          <a:xfrm>
+            <a:off x="3039533" y="3843868"/>
+            <a:ext cx="5884334" cy="1346200"/>
+          </a:xfrm>
+          <a:prstGeom prst="rect">
+            <a:avLst/>
+          </a:prstGeom>
+          <a:noFill/>
+          <a:extLst>
+            <a:ext uri="{909E8E84-426E-40DD-AFC4-6F175D3DCCD1}">
+              <a14:hiddenFill xmlns:a14="http://schemas.microsoft.com/office/drawing/2010/main">
+                <a:solidFill>
+                  <a:srgbClr val="FFFFFF"/>
+                </a:solidFill>
+              </a14:hiddenFill>
+            </a:ext>
+          </a:extLst>
+        </p:spPr>
+      </p:pic>
+      <p:grpSp>
+        <p:nvGrpSpPr>
+          <p:cNvPr id="10" name="Group 9">
+            <a:extLst>
+              <a:ext uri="{FF2B5EF4-FFF2-40B4-BE49-F238E27FC236}">
+                <a16:creationId xmlns:a16="http://schemas.microsoft.com/office/drawing/2014/main" id="{2FA2E756-D654-6743-BFFE-B8F5DA61697E}"/>
+              </a:ext>
+            </a:extLst>
+          </p:cNvPr>
+          <p:cNvGrpSpPr/>
+          <p:nvPr/>
+        </p:nvGrpSpPr>
+        <p:grpSpPr>
+          <a:xfrm>
+            <a:off x="3251322" y="3843867"/>
+            <a:ext cx="6984878" cy="1346201"/>
+            <a:chOff x="3251322" y="3843867"/>
+            <a:chExt cx="6984878" cy="1346201"/>
+          </a:xfrm>
+          <a:effectLst>
+            <a:outerShdw blurRad="50800" dist="38100" dir="2700000" algn="tl" rotWithShape="0">
+              <a:prstClr val="black">
+                <a:alpha val="40000"/>
+              </a:prstClr>
+            </a:outerShdw>
+          </a:effectLst>
+        </p:grpSpPr>
+        <p:sp>
+          <p:nvSpPr>
+            <p:cNvPr id="6" name="Rectangle 5">
+              <a:extLst>
+                <a:ext uri="{FF2B5EF4-FFF2-40B4-BE49-F238E27FC236}">
+                  <a16:creationId xmlns:a16="http://schemas.microsoft.com/office/drawing/2014/main" id="{DF7301A4-F35C-B179-F174-4665406B6790}"/>
+                </a:ext>
+              </a:extLst>
+            </p:cNvPr>
+            <p:cNvSpPr/>
+            <p:nvPr/>
+          </p:nvSpPr>
+          <p:spPr>
+            <a:xfrm>
+              <a:off x="3251322" y="3843869"/>
+              <a:ext cx="6984878" cy="1346199"/>
+            </a:xfrm>
+            <a:prstGeom prst="rect">
+              <a:avLst/>
+            </a:prstGeom>
+            <a:noFill/>
+            <a:ln w="38100">
+              <a:solidFill>
+                <a:schemeClr val="accent3"/>
+              </a:solidFill>
+            </a:ln>
+            <a:effectLst/>
+          </p:spPr>
+          <p:style>
+            <a:lnRef idx="2">
+              <a:schemeClr val="accent1">
+                <a:shade val="15000"/>
+              </a:schemeClr>
+            </a:lnRef>
+            <a:fillRef idx="1">
+              <a:schemeClr val="accent1"/>
+            </a:fillRef>
+            <a:effectRef idx="0">
+              <a:schemeClr val="accent1"/>
+            </a:effectRef>
+            <a:fontRef idx="minor">
+              <a:schemeClr val="lt1"/>
+            </a:fontRef>
+          </p:style>
+          <p:txBody>
+            <a:bodyPr rtlCol="0" anchor="ctr"/>
+            <a:lstStyle/>
+            <a:p>
+              <a:pPr algn="ctr"/>
+              <a:endParaRPr lang="en-US"/>
+            </a:p>
+          </p:txBody>
+        </p:sp>
+        <p:sp>
+          <p:nvSpPr>
+            <p:cNvPr id="7" name="Rectangle 6">
+              <a:extLst>
+                <a:ext uri="{FF2B5EF4-FFF2-40B4-BE49-F238E27FC236}">
+                  <a16:creationId xmlns:a16="http://schemas.microsoft.com/office/drawing/2014/main" id="{1FAF346F-E77C-0957-8588-8831400FDA5A}"/>
+                </a:ext>
+              </a:extLst>
+            </p:cNvPr>
+            <p:cNvSpPr/>
+            <p:nvPr/>
+          </p:nvSpPr>
+          <p:spPr>
+            <a:xfrm>
+              <a:off x="7425389" y="3843867"/>
+              <a:ext cx="2810811" cy="355600"/>
+            </a:xfrm>
+            <a:prstGeom prst="rect">
+              <a:avLst/>
+            </a:prstGeom>
+            <a:solidFill>
+              <a:schemeClr val="accent3"/>
+            </a:solidFill>
+            <a:ln>
+              <a:noFill/>
+            </a:ln>
+          </p:spPr>
+          <p:style>
+            <a:lnRef idx="2">
+              <a:schemeClr val="accent1">
+                <a:shade val="15000"/>
+              </a:schemeClr>
+            </a:lnRef>
+            <a:fillRef idx="1">
+              <a:schemeClr val="accent1"/>
+            </a:fillRef>
+            <a:effectRef idx="0">
+              <a:schemeClr val="accent1"/>
+            </a:effectRef>
+            <a:fontRef idx="minor">
+              <a:schemeClr val="lt1"/>
+            </a:fontRef>
+          </p:style>
+          <p:txBody>
+            <a:bodyPr rtlCol="0" anchor="ctr"/>
+            <a:lstStyle/>
+            <a:p>
+              <a:pPr algn="ctr"/>
+              <a:r>
+                <a:rPr lang="en-US" dirty="0"/>
+                <a:t>I</a:t>
+              </a:r>
+              <a:r>
+                <a:rPr lang="en-AT" dirty="0" err="1"/>
+                <a:t>ntermediate</a:t>
+              </a:r>
+              <a:r>
+                <a:rPr lang="en-AT" dirty="0"/>
+                <a:t> structure</a:t>
+              </a:r>
+              <a:endParaRPr lang="en-US" dirty="0"/>
+            </a:p>
+          </p:txBody>
+        </p:sp>
+      </p:grpSp>
+    </p:spTree>
+    <p:extLst>
+      <p:ext uri="{BB962C8B-B14F-4D97-AF65-F5344CB8AC3E}">
+        <p14:creationId xmlns:p14="http://schemas.microsoft.com/office/powerpoint/2010/main" val="2223730414"/>
+      </p:ext>
+    </p:extLst>
+  </p:cSld>
+  <p:clrMapOvr>
+    <a:masterClrMapping/>
+  </p:clrMapOvr>
+</p:sld>
+</file>
+
+<file path=ppt/slides/slide34.xml><?xml version="1.0" encoding="utf-8"?>
+<p:sld xmlns:a="http://schemas.openxmlformats.org/drawingml/2006/main" xmlns:r="http://schemas.openxmlformats.org/officeDocument/2006/relationships" xmlns:p="http://schemas.openxmlformats.org/presentationml/2006/main">
+  <p:cSld>
+    <p:spTree>
+      <p:nvGrpSpPr>
+        <p:cNvPr id="1" name=""/>
+        <p:cNvGrpSpPr/>
+        <p:nvPr/>
+      </p:nvGrpSpPr>
+      <p:grpSpPr>
+        <a:xfrm>
+          <a:off x="0" y="0"/>
+          <a:ext cx="0" cy="0"/>
+          <a:chOff x="0" y="0"/>
+          <a:chExt cx="0" cy="0"/>
+        </a:xfrm>
+      </p:grpSpPr>
+      <p:sp>
+        <p:nvSpPr>
+          <p:cNvPr id="2" name="Title 1">
+            <a:extLst>
+              <a:ext uri="{FF2B5EF4-FFF2-40B4-BE49-F238E27FC236}">
+                <a16:creationId xmlns:a16="http://schemas.microsoft.com/office/drawing/2014/main" id="{8D5EB32F-FC2E-C9C0-05E1-8ADFA1BFCD03}"/>
+              </a:ext>
+            </a:extLst>
+          </p:cNvPr>
+          <p:cNvSpPr>
+            <a:spLocks noGrp="1"/>
+          </p:cNvSpPr>
+          <p:nvPr>
+            <p:ph type="title"/>
+          </p:nvPr>
+        </p:nvSpPr>
+        <p:spPr/>
+        <p:txBody>
+          <a:bodyPr/>
+          <a:lstStyle/>
+          <a:p>
+            <a:r>
+              <a:rPr lang="en-AT" dirty="0"/>
+              <a:t>PROTOTYPE IMPLEMENTATION: T2M - Sequence</a:t>
+            </a:r>
+            <a:endParaRPr lang="en-US" dirty="0"/>
+          </a:p>
+        </p:txBody>
+      </p:sp>
+      <p:sp>
+        <p:nvSpPr>
+          <p:cNvPr id="3" name="Rectangle 2">
+            <a:extLst>
+              <a:ext uri="{FF2B5EF4-FFF2-40B4-BE49-F238E27FC236}">
+                <a16:creationId xmlns:a16="http://schemas.microsoft.com/office/drawing/2014/main" id="{56D72FD2-0705-07BD-6EBB-EA2A578F4FBE}"/>
+              </a:ext>
+            </a:extLst>
+          </p:cNvPr>
+          <p:cNvSpPr/>
+          <p:nvPr/>
+        </p:nvSpPr>
+        <p:spPr>
+          <a:xfrm>
+            <a:off x="5641891" y="2762773"/>
+            <a:ext cx="1453176" cy="355600"/>
+          </a:xfrm>
+          <a:prstGeom prst="rect">
+            <a:avLst/>
+          </a:prstGeom>
+          <a:solidFill>
+            <a:schemeClr val="tx2"/>
+          </a:solidFill>
+          <a:ln>
+            <a:noFill/>
+          </a:ln>
+        </p:spPr>
+        <p:style>
+          <a:lnRef idx="2">
+            <a:schemeClr val="accent1">
+              <a:shade val="15000"/>
+            </a:schemeClr>
+          </a:lnRef>
+          <a:fillRef idx="1">
+            <a:schemeClr val="accent1"/>
+          </a:fillRef>
+          <a:effectRef idx="0">
+            <a:schemeClr val="accent1"/>
+          </a:effectRef>
+          <a:fontRef idx="minor">
+            <a:schemeClr val="lt1"/>
+          </a:fontRef>
+        </p:style>
+        <p:txBody>
+          <a:bodyPr rtlCol="0" anchor="ctr"/>
+          <a:lstStyle/>
+          <a:p>
+            <a:pPr algn="ctr"/>
+            <a:r>
+              <a:rPr lang="en-AT" dirty="0"/>
+              <a:t>DB-to-UML</a:t>
+            </a:r>
+            <a:endParaRPr lang="en-US" dirty="0"/>
+          </a:p>
+        </p:txBody>
+      </p:sp>
+      <p:sp>
+        <p:nvSpPr>
+          <p:cNvPr id="8" name="Rectangle 7">
+            <a:extLst>
+              <a:ext uri="{FF2B5EF4-FFF2-40B4-BE49-F238E27FC236}">
+                <a16:creationId xmlns:a16="http://schemas.microsoft.com/office/drawing/2014/main" id="{4FAD2FCE-E30B-F568-4C45-F04E1F57017E}"/>
+              </a:ext>
+            </a:extLst>
+          </p:cNvPr>
+          <p:cNvSpPr/>
+          <p:nvPr/>
+        </p:nvSpPr>
+        <p:spPr>
+          <a:xfrm>
+            <a:off x="5641891" y="3445934"/>
+            <a:ext cx="1453176" cy="355600"/>
+          </a:xfrm>
+          <a:prstGeom prst="rect">
+            <a:avLst/>
+          </a:prstGeom>
+          <a:solidFill>
+            <a:schemeClr val="tx2"/>
+          </a:solidFill>
+          <a:ln>
+            <a:noFill/>
+          </a:ln>
+        </p:spPr>
+        <p:style>
+          <a:lnRef idx="2">
+            <a:schemeClr val="accent1">
+              <a:shade val="15000"/>
+            </a:schemeClr>
+          </a:lnRef>
+          <a:fillRef idx="1">
+            <a:schemeClr val="accent1"/>
+          </a:fillRef>
+          <a:effectRef idx="0">
+            <a:schemeClr val="accent1"/>
+          </a:effectRef>
+          <a:fontRef idx="minor">
+            <a:schemeClr val="lt1"/>
+          </a:fontRef>
+        </p:style>
+        <p:txBody>
+          <a:bodyPr rtlCol="0" anchor="ctr"/>
+          <a:lstStyle/>
+          <a:p>
+            <a:pPr algn="ctr"/>
+            <a:r>
+              <a:rPr lang="en-AT" dirty="0"/>
+              <a:t>DB-to-NL</a:t>
+            </a:r>
+            <a:endParaRPr lang="en-US" dirty="0"/>
+          </a:p>
+        </p:txBody>
+      </p:sp>
+      <p:sp>
+        <p:nvSpPr>
+          <p:cNvPr id="9" name="Rectangle 8">
+            <a:extLst>
+              <a:ext uri="{FF2B5EF4-FFF2-40B4-BE49-F238E27FC236}">
+                <a16:creationId xmlns:a16="http://schemas.microsoft.com/office/drawing/2014/main" id="{3D44B78D-1112-06C5-2D7F-7FE2249F7D79}"/>
+              </a:ext>
+            </a:extLst>
+          </p:cNvPr>
+          <p:cNvSpPr/>
+          <p:nvPr/>
+        </p:nvSpPr>
+        <p:spPr>
+          <a:xfrm>
+            <a:off x="3889290" y="2757220"/>
+            <a:ext cx="1453176" cy="355600"/>
+          </a:xfrm>
+          <a:prstGeom prst="rect">
+            <a:avLst/>
+          </a:prstGeom>
+          <a:solidFill>
+            <a:schemeClr val="tx2"/>
+          </a:solidFill>
+          <a:ln>
+            <a:noFill/>
+          </a:ln>
+        </p:spPr>
+        <p:style>
+          <a:lnRef idx="2">
+            <a:schemeClr val="accent1">
+              <a:shade val="15000"/>
+            </a:schemeClr>
+          </a:lnRef>
+          <a:fillRef idx="1">
+            <a:schemeClr val="accent1"/>
+          </a:fillRef>
+          <a:effectRef idx="0">
+            <a:schemeClr val="accent1"/>
+          </a:effectRef>
+          <a:fontRef idx="minor">
+            <a:schemeClr val="lt1"/>
+          </a:fontRef>
+        </p:style>
+        <p:txBody>
+          <a:bodyPr rtlCol="0" anchor="ctr"/>
+          <a:lstStyle/>
+          <a:p>
+            <a:pPr algn="ctr"/>
+            <a:r>
+              <a:rPr lang="en-AT" dirty="0"/>
+              <a:t>UML-to-DB</a:t>
+            </a:r>
+            <a:endParaRPr lang="en-US" dirty="0"/>
+          </a:p>
+        </p:txBody>
+      </p:sp>
+      <p:sp>
+        <p:nvSpPr>
+          <p:cNvPr id="11" name="Rectangle 10">
+            <a:extLst>
+              <a:ext uri="{FF2B5EF4-FFF2-40B4-BE49-F238E27FC236}">
+                <a16:creationId xmlns:a16="http://schemas.microsoft.com/office/drawing/2014/main" id="{E1EAA4F0-7BEA-3BA1-CD9F-DCA24D350CB6}"/>
+              </a:ext>
+            </a:extLst>
+          </p:cNvPr>
+          <p:cNvSpPr/>
+          <p:nvPr/>
+        </p:nvSpPr>
+        <p:spPr>
+          <a:xfrm>
+            <a:off x="3889290" y="3445934"/>
+            <a:ext cx="1453176" cy="355600"/>
+          </a:xfrm>
+          <a:prstGeom prst="rect">
+            <a:avLst/>
+          </a:prstGeom>
+          <a:solidFill>
+            <a:schemeClr val="tx2"/>
+          </a:solidFill>
+          <a:ln>
+            <a:noFill/>
+          </a:ln>
+        </p:spPr>
+        <p:style>
+          <a:lnRef idx="2">
+            <a:schemeClr val="accent1">
+              <a:shade val="15000"/>
+            </a:schemeClr>
+          </a:lnRef>
+          <a:fillRef idx="1">
+            <a:schemeClr val="accent1"/>
+          </a:fillRef>
+          <a:effectRef idx="0">
+            <a:schemeClr val="accent1"/>
+          </a:effectRef>
+          <a:fontRef idx="minor">
+            <a:schemeClr val="lt1"/>
+          </a:fontRef>
+        </p:style>
+        <p:txBody>
+          <a:bodyPr rtlCol="0" anchor="ctr"/>
+          <a:lstStyle/>
+          <a:p>
+            <a:pPr algn="ctr"/>
+            <a:r>
+              <a:rPr lang="en-AT" dirty="0"/>
+              <a:t>NL-to-DB</a:t>
+            </a:r>
+            <a:endParaRPr lang="en-US" dirty="0"/>
+          </a:p>
+        </p:txBody>
+      </p:sp>
+      <p:sp>
+        <p:nvSpPr>
+          <p:cNvPr id="12" name="Rectangle 11">
+            <a:extLst>
+              <a:ext uri="{FF2B5EF4-FFF2-40B4-BE49-F238E27FC236}">
+                <a16:creationId xmlns:a16="http://schemas.microsoft.com/office/drawing/2014/main" id="{376B0E4F-9F9A-50ED-9A89-3E61F526BA1B}"/>
+              </a:ext>
+            </a:extLst>
+          </p:cNvPr>
+          <p:cNvSpPr/>
+          <p:nvPr/>
+        </p:nvSpPr>
+        <p:spPr>
+          <a:xfrm>
+            <a:off x="321733" y="1002565"/>
+            <a:ext cx="5452533" cy="1867362"/>
           </a:xfrm>
           <a:prstGeom prst="rect">
             <a:avLst/>
@@ -6153,20 +11633,125 @@
           <a:lstStyle/>
           <a:p>
             <a:pPr algn="ctr"/>
-            <a:r>
-              <a:rPr lang="en-AT" dirty="0"/>
-              <a:t>X-to-DB</a:t>
-            </a:r>
             <a:endParaRPr lang="en-US" dirty="0"/>
+          </a:p>
+        </p:txBody>
+      </p:sp>
+    </p:spTree>
+    <p:extLst>
+      <p:ext uri="{BB962C8B-B14F-4D97-AF65-F5344CB8AC3E}">
+        <p14:creationId xmlns:p14="http://schemas.microsoft.com/office/powerpoint/2010/main" val="878772974"/>
+      </p:ext>
+    </p:extLst>
+  </p:cSld>
+  <p:clrMapOvr>
+    <a:masterClrMapping/>
+  </p:clrMapOvr>
+</p:sld>
+</file>
+
+<file path=ppt/slides/slide35.xml><?xml version="1.0" encoding="utf-8"?>
+<p:sld xmlns:a="http://schemas.openxmlformats.org/drawingml/2006/main" xmlns:r="http://schemas.openxmlformats.org/officeDocument/2006/relationships" xmlns:p="http://schemas.openxmlformats.org/presentationml/2006/main">
+  <p:cSld>
+    <p:spTree>
+      <p:nvGrpSpPr>
+        <p:cNvPr id="1" name=""/>
+        <p:cNvGrpSpPr/>
+        <p:nvPr/>
+      </p:nvGrpSpPr>
+      <p:grpSpPr>
+        <a:xfrm>
+          <a:off x="0" y="0"/>
+          <a:ext cx="0" cy="0"/>
+          <a:chOff x="0" y="0"/>
+          <a:chExt cx="0" cy="0"/>
+        </a:xfrm>
+      </p:grpSpPr>
+      <p:sp>
+        <p:nvSpPr>
+          <p:cNvPr id="2" name="Text Placeholder 1">
+            <a:extLst>
+              <a:ext uri="{FF2B5EF4-FFF2-40B4-BE49-F238E27FC236}">
+                <a16:creationId xmlns:a16="http://schemas.microsoft.com/office/drawing/2014/main" id="{5C1115A2-AC9F-5874-91BF-69365F12D650}"/>
+              </a:ext>
+            </a:extLst>
+          </p:cNvPr>
+          <p:cNvSpPr>
+            <a:spLocks noGrp="1"/>
+          </p:cNvSpPr>
+          <p:nvPr>
+            <p:ph type="body" sz="quarter" idx="11"/>
+          </p:nvPr>
+        </p:nvSpPr>
+        <p:spPr/>
+        <p:txBody>
+          <a:bodyPr/>
+          <a:lstStyle/>
+          <a:p>
+            <a:endParaRPr lang="en-US"/>
           </a:p>
         </p:txBody>
       </p:sp>
       <p:sp>
         <p:nvSpPr>
-          <p:cNvPr id="6" name="Rectangle 5">
-            <a:extLst>
-              <a:ext uri="{FF2B5EF4-FFF2-40B4-BE49-F238E27FC236}">
-                <a16:creationId xmlns:a16="http://schemas.microsoft.com/office/drawing/2014/main" id="{E4A748BA-7733-F0AF-751D-46B467FBC2A8}"/>
+          <p:cNvPr id="3" name="Title 2">
+            <a:extLst>
+              <a:ext uri="{FF2B5EF4-FFF2-40B4-BE49-F238E27FC236}">
+                <a16:creationId xmlns:a16="http://schemas.microsoft.com/office/drawing/2014/main" id="{FD04C23D-4D33-F3B7-7374-786D2E85C7F6}"/>
+              </a:ext>
+            </a:extLst>
+          </p:cNvPr>
+          <p:cNvSpPr>
+            <a:spLocks noGrp="1"/>
+          </p:cNvSpPr>
+          <p:nvPr>
+            <p:ph type="ctrTitle"/>
+          </p:nvPr>
+        </p:nvSpPr>
+        <p:spPr/>
+        <p:txBody>
+          <a:bodyPr/>
+          <a:lstStyle/>
+          <a:p>
+            <a:r>
+              <a:rPr lang="en-AT" dirty="0"/>
+              <a:t>Static DEMO</a:t>
+            </a:r>
+            <a:endParaRPr lang="en-US" dirty="0"/>
+          </a:p>
+        </p:txBody>
+      </p:sp>
+      <p:sp>
+        <p:nvSpPr>
+          <p:cNvPr id="4" name="Subtitle 3">
+            <a:extLst>
+              <a:ext uri="{FF2B5EF4-FFF2-40B4-BE49-F238E27FC236}">
+                <a16:creationId xmlns:a16="http://schemas.microsoft.com/office/drawing/2014/main" id="{7D88719E-5966-13FC-BCC0-1EB502045D78}"/>
+              </a:ext>
+            </a:extLst>
+          </p:cNvPr>
+          <p:cNvSpPr>
+            <a:spLocks noGrp="1"/>
+          </p:cNvSpPr>
+          <p:nvPr>
+            <p:ph type="subTitle" idx="1"/>
+          </p:nvPr>
+        </p:nvSpPr>
+        <p:spPr/>
+        <p:txBody>
+          <a:bodyPr/>
+          <a:lstStyle/>
+          <a:p>
+            <a:endParaRPr lang="en-US"/>
+          </a:p>
+        </p:txBody>
+      </p:sp>
+      <p:sp>
+        <p:nvSpPr>
+          <p:cNvPr id="5" name="Rectangle 4">
+            <a:extLst>
+              <a:ext uri="{FF2B5EF4-FFF2-40B4-BE49-F238E27FC236}">
+                <a16:creationId xmlns:a16="http://schemas.microsoft.com/office/drawing/2014/main" id="{6224328D-C94E-5824-90FF-B50DFF4D9D08}"/>
               </a:ext>
             </a:extLst>
           </p:cNvPr>
@@ -6175,8 +11760,8 @@
         </p:nvSpPr>
         <p:spPr>
           <a:xfrm>
-            <a:off x="7638048" y="4449053"/>
-            <a:ext cx="1215189" cy="517358"/>
+            <a:off x="2413000" y="3674621"/>
+            <a:ext cx="5452533" cy="1867362"/>
           </a:xfrm>
           <a:prstGeom prst="rect">
             <a:avLst/>
@@ -6208,112 +11793,175 @@
             <a:pPr algn="ctr"/>
             <a:r>
               <a:rPr lang="en-AT" dirty="0"/>
-              <a:t>DB-to-X</a:t>
+              <a:t>Screenshot-wise “DEMO”</a:t>
             </a:r>
             <a:endParaRPr lang="en-US" dirty="0"/>
+          </a:p>
+        </p:txBody>
+      </p:sp>
+    </p:spTree>
+    <p:extLst>
+      <p:ext uri="{BB962C8B-B14F-4D97-AF65-F5344CB8AC3E}">
+        <p14:creationId xmlns:p14="http://schemas.microsoft.com/office/powerpoint/2010/main" val="1988192087"/>
+      </p:ext>
+    </p:extLst>
+  </p:cSld>
+  <p:clrMapOvr>
+    <a:masterClrMapping/>
+  </p:clrMapOvr>
+</p:sld>
+</file>
+
+<file path=ppt/slides/slide36.xml><?xml version="1.0" encoding="utf-8"?>
+<p:sld xmlns:a="http://schemas.openxmlformats.org/drawingml/2006/main" xmlns:r="http://schemas.openxmlformats.org/officeDocument/2006/relationships" xmlns:p="http://schemas.openxmlformats.org/presentationml/2006/main">
+  <p:cSld>
+    <p:spTree>
+      <p:nvGrpSpPr>
+        <p:cNvPr id="1" name=""/>
+        <p:cNvGrpSpPr/>
+        <p:nvPr/>
+      </p:nvGrpSpPr>
+      <p:grpSpPr>
+        <a:xfrm>
+          <a:off x="0" y="0"/>
+          <a:ext cx="0" cy="0"/>
+          <a:chOff x="0" y="0"/>
+          <a:chExt cx="0" cy="0"/>
+        </a:xfrm>
+      </p:grpSpPr>
+      <p:sp>
+        <p:nvSpPr>
+          <p:cNvPr id="2" name="Text Placeholder 1">
+            <a:extLst>
+              <a:ext uri="{FF2B5EF4-FFF2-40B4-BE49-F238E27FC236}">
+                <a16:creationId xmlns:a16="http://schemas.microsoft.com/office/drawing/2014/main" id="{3D9ED0BB-D625-E22E-6073-3E17A33E2E19}"/>
+              </a:ext>
+            </a:extLst>
+          </p:cNvPr>
+          <p:cNvSpPr>
+            <a:spLocks noGrp="1"/>
+          </p:cNvSpPr>
+          <p:nvPr>
+            <p:ph type="body" sz="quarter" idx="11"/>
+          </p:nvPr>
+        </p:nvSpPr>
+        <p:spPr/>
+        <p:txBody>
+          <a:bodyPr/>
+          <a:lstStyle/>
+          <a:p>
+            <a:endParaRPr lang="en-US"/>
           </a:p>
         </p:txBody>
       </p:sp>
       <p:sp>
         <p:nvSpPr>
-          <p:cNvPr id="7" name="Rectangle 6">
-            <a:extLst>
-              <a:ext uri="{FF2B5EF4-FFF2-40B4-BE49-F238E27FC236}">
-                <a16:creationId xmlns:a16="http://schemas.microsoft.com/office/drawing/2014/main" id="{37A0AEB7-990D-250B-9C69-5B9EE91C1374}"/>
-              </a:ext>
-            </a:extLst>
-          </p:cNvPr>
-          <p:cNvSpPr/>
-          <p:nvPr/>
+          <p:cNvPr id="3" name="Title 2">
+            <a:extLst>
+              <a:ext uri="{FF2B5EF4-FFF2-40B4-BE49-F238E27FC236}">
+                <a16:creationId xmlns:a16="http://schemas.microsoft.com/office/drawing/2014/main" id="{2D7818BB-D0B4-93F9-AC72-D2D1797F35AF}"/>
+              </a:ext>
+            </a:extLst>
+          </p:cNvPr>
+          <p:cNvSpPr>
+            <a:spLocks noGrp="1"/>
+          </p:cNvSpPr>
+          <p:nvPr>
+            <p:ph type="ctrTitle"/>
+          </p:nvPr>
         </p:nvSpPr>
-        <p:spPr>
-          <a:xfrm>
-            <a:off x="1311442" y="3603458"/>
-            <a:ext cx="5896477" cy="1672390"/>
-          </a:xfrm>
-          <a:prstGeom prst="rect">
-            <a:avLst/>
-          </a:prstGeom>
-          <a:noFill/>
-          <a:ln w="57150">
-            <a:solidFill>
-              <a:srgbClr val="0070C0"/>
-            </a:solidFill>
-          </a:ln>
-        </p:spPr>
-        <p:style>
-          <a:lnRef idx="2">
-            <a:schemeClr val="accent1">
-              <a:shade val="15000"/>
-            </a:schemeClr>
-          </a:lnRef>
-          <a:fillRef idx="1">
-            <a:schemeClr val="accent1"/>
-          </a:fillRef>
-          <a:effectRef idx="0">
-            <a:schemeClr val="accent1"/>
-          </a:effectRef>
-          <a:fontRef idx="minor">
-            <a:schemeClr val="lt1"/>
-          </a:fontRef>
-        </p:style>
+        <p:spPr/>
         <p:txBody>
-          <a:bodyPr rtlCol="0" anchor="ctr"/>
+          <a:bodyPr/>
           <a:lstStyle/>
           <a:p>
-            <a:pPr algn="ctr"/>
-            <a:endParaRPr lang="en-US"/>
+            <a:r>
+              <a:rPr lang="en-AT" dirty="0"/>
+              <a:t>PROTOTYPE VALIDATION</a:t>
+            </a:r>
+            <a:endParaRPr lang="en-US" dirty="0"/>
           </a:p>
         </p:txBody>
       </p:sp>
       <p:sp>
         <p:nvSpPr>
-          <p:cNvPr id="8" name="Rectangle 7">
-            <a:extLst>
-              <a:ext uri="{FF2B5EF4-FFF2-40B4-BE49-F238E27FC236}">
-                <a16:creationId xmlns:a16="http://schemas.microsoft.com/office/drawing/2014/main" id="{0F1E2C85-95F4-6B40-559E-D7927A972010}"/>
-              </a:ext>
-            </a:extLst>
-          </p:cNvPr>
-          <p:cNvSpPr/>
-          <p:nvPr/>
+          <p:cNvPr id="4" name="Subtitle 3">
+            <a:extLst>
+              <a:ext uri="{FF2B5EF4-FFF2-40B4-BE49-F238E27FC236}">
+                <a16:creationId xmlns:a16="http://schemas.microsoft.com/office/drawing/2014/main" id="{E18093F2-26C3-8873-FB0B-4F43E3C105A1}"/>
+              </a:ext>
+            </a:extLst>
+          </p:cNvPr>
+          <p:cNvSpPr>
+            <a:spLocks noGrp="1"/>
+          </p:cNvSpPr>
+          <p:nvPr>
+            <p:ph type="subTitle" idx="1"/>
+          </p:nvPr>
         </p:nvSpPr>
-        <p:spPr>
-          <a:xfrm>
-            <a:off x="1311442" y="3647135"/>
-            <a:ext cx="2359192" cy="517358"/>
-          </a:xfrm>
-          <a:prstGeom prst="rect">
-            <a:avLst/>
-          </a:prstGeom>
-          <a:solidFill>
-            <a:srgbClr val="0070C0"/>
-          </a:solidFill>
-        </p:spPr>
-        <p:style>
-          <a:lnRef idx="2">
-            <a:schemeClr val="accent1">
-              <a:shade val="15000"/>
-            </a:schemeClr>
-          </a:lnRef>
-          <a:fillRef idx="1">
-            <a:schemeClr val="accent1"/>
-          </a:fillRef>
-          <a:effectRef idx="0">
-            <a:schemeClr val="accent1"/>
-          </a:effectRef>
-          <a:fontRef idx="minor">
-            <a:schemeClr val="lt1"/>
-          </a:fontRef>
-        </p:style>
+        <p:spPr/>
         <p:txBody>
-          <a:bodyPr rtlCol="0" anchor="ctr"/>
+          <a:bodyPr/>
           <a:lstStyle/>
           <a:p>
-            <a:pPr algn="ctr"/>
+            <a:endParaRPr lang="en-US"/>
+          </a:p>
+        </p:txBody>
+      </p:sp>
+    </p:spTree>
+    <p:extLst>
+      <p:ext uri="{BB962C8B-B14F-4D97-AF65-F5344CB8AC3E}">
+        <p14:creationId xmlns:p14="http://schemas.microsoft.com/office/powerpoint/2010/main" val="2593681844"/>
+      </p:ext>
+    </p:extLst>
+  </p:cSld>
+  <p:clrMapOvr>
+    <a:masterClrMapping/>
+  </p:clrMapOvr>
+</p:sld>
+</file>
+
+<file path=ppt/slides/slide37.xml><?xml version="1.0" encoding="utf-8"?>
+<p:sld xmlns:a="http://schemas.openxmlformats.org/drawingml/2006/main" xmlns:r="http://schemas.openxmlformats.org/officeDocument/2006/relationships" xmlns:p="http://schemas.openxmlformats.org/presentationml/2006/main">
+  <p:cSld>
+    <p:spTree>
+      <p:nvGrpSpPr>
+        <p:cNvPr id="1" name=""/>
+        <p:cNvGrpSpPr/>
+        <p:nvPr/>
+      </p:nvGrpSpPr>
+      <p:grpSpPr>
+        <a:xfrm>
+          <a:off x="0" y="0"/>
+          <a:ext cx="0" cy="0"/>
+          <a:chOff x="0" y="0"/>
+          <a:chExt cx="0" cy="0"/>
+        </a:xfrm>
+      </p:grpSpPr>
+      <p:sp>
+        <p:nvSpPr>
+          <p:cNvPr id="2" name="Title 1">
+            <a:extLst>
+              <a:ext uri="{FF2B5EF4-FFF2-40B4-BE49-F238E27FC236}">
+                <a16:creationId xmlns:a16="http://schemas.microsoft.com/office/drawing/2014/main" id="{62C88251-0FB0-27A3-CCBD-AC421E45DCF7}"/>
+              </a:ext>
+            </a:extLst>
+          </p:cNvPr>
+          <p:cNvSpPr>
+            <a:spLocks noGrp="1"/>
+          </p:cNvSpPr>
+          <p:nvPr>
+            <p:ph type="title"/>
+          </p:nvPr>
+        </p:nvSpPr>
+        <p:spPr/>
+        <p:txBody>
+          <a:bodyPr/>
+          <a:lstStyle/>
+          <a:p>
             <a:r>
               <a:rPr lang="en-AT" dirty="0"/>
-              <a:t>Intermediate Structure</a:t>
+              <a:t>PROTOTYPE VALIDATION: TEST SUITE AND GOALS</a:t>
             </a:r>
             <a:endParaRPr lang="en-US" dirty="0"/>
           </a:p>
@@ -6321,10 +11969,172 @@
       </p:sp>
       <p:sp>
         <p:nvSpPr>
-          <p:cNvPr id="11" name="Rectangle 10">
-            <a:extLst>
-              <a:ext uri="{FF2B5EF4-FFF2-40B4-BE49-F238E27FC236}">
-                <a16:creationId xmlns:a16="http://schemas.microsoft.com/office/drawing/2014/main" id="{685E4763-AB1F-2B39-B4F4-250E12157F08}"/>
+          <p:cNvPr id="3" name="Content Placeholder 2">
+            <a:extLst>
+              <a:ext uri="{FF2B5EF4-FFF2-40B4-BE49-F238E27FC236}">
+                <a16:creationId xmlns:a16="http://schemas.microsoft.com/office/drawing/2014/main" id="{5DF10179-9ED7-D9BF-9D47-AC52CC6057CC}"/>
+              </a:ext>
+            </a:extLst>
+          </p:cNvPr>
+          <p:cNvSpPr>
+            <a:spLocks noGrp="1"/>
+          </p:cNvSpPr>
+          <p:nvPr>
+            <p:ph idx="1"/>
+          </p:nvPr>
+        </p:nvSpPr>
+        <p:spPr/>
+        <p:txBody>
+          <a:bodyPr>
+            <a:normAutofit fontScale="70000" lnSpcReduction="20000"/>
+          </a:bodyPr>
+          <a:lstStyle/>
+          <a:p>
+            <a:r>
+              <a:rPr lang="en-GB" b="1" dirty="0"/>
+              <a:t>Bidirectional Transformation Tests (2 Tests)</a:t>
+            </a:r>
+          </a:p>
+          <a:p>
+            <a:pPr lvl="1"/>
+            <a:r>
+              <a:rPr lang="en-GB" dirty="0"/>
+              <a:t>Goal 1: Transform requirements in NL into a UML class model without losing information.</a:t>
+            </a:r>
+          </a:p>
+          <a:p>
+            <a:pPr lvl="1"/>
+            <a:r>
+              <a:rPr lang="en-GB" dirty="0"/>
+              <a:t>Goal 2: Transform requirements in a UML class model into NL without losing information.</a:t>
+            </a:r>
+            <a:endParaRPr lang="en-AT" dirty="0"/>
+          </a:p>
+          <a:p>
+            <a:pPr lvl="1"/>
+            <a:r>
+              <a:rPr lang="en-GB" dirty="0"/>
+              <a:t>Goal 3: Enable transformation of requirements from NL into a UML class model and back, without causing unintended alterations.</a:t>
+            </a:r>
+            <a:endParaRPr lang="en-AT" dirty="0"/>
+          </a:p>
+          <a:p>
+            <a:pPr lvl="1"/>
+            <a:r>
+              <a:rPr lang="en-GB" dirty="0"/>
+              <a:t>Goal 4: Enable transformation of requirements from a UML class model into NL and back, without causing unintended alterations.</a:t>
+            </a:r>
+            <a:br>
+              <a:rPr lang="en-AT" dirty="0"/>
+            </a:br>
+            <a:endParaRPr lang="en-GB" dirty="0"/>
+          </a:p>
+          <a:p>
+            <a:r>
+              <a:rPr lang="en-GB" b="1" dirty="0"/>
+              <a:t>Alterations in UML Tests (20 Tests)</a:t>
+            </a:r>
+            <a:endParaRPr lang="en-AT" b="1" dirty="0"/>
+          </a:p>
+          <a:p>
+            <a:pPr lvl="1"/>
+            <a:r>
+              <a:rPr lang="en-GB" dirty="0"/>
+              <a:t>Goal 3.1: Enable Goal 3, while editing an element in the UML class model before the transformation back to NL</a:t>
+            </a:r>
+            <a:r>
+              <a:rPr lang="en-AT" dirty="0"/>
+              <a:t>.</a:t>
+            </a:r>
+            <a:endParaRPr lang="en-GB" dirty="0"/>
+          </a:p>
+          <a:p>
+            <a:pPr lvl="1"/>
+            <a:r>
+              <a:rPr lang="en-GB" dirty="0"/>
+              <a:t>Goal 3.2: Enable Goal 3, while adding an element in the UML class model before the transformation back to NL</a:t>
+            </a:r>
+            <a:r>
+              <a:rPr lang="en-AT" dirty="0"/>
+              <a:t>.</a:t>
+            </a:r>
+            <a:endParaRPr lang="en-GB" dirty="0"/>
+          </a:p>
+          <a:p>
+            <a:pPr lvl="1"/>
+            <a:r>
+              <a:rPr lang="en-GB" dirty="0"/>
+              <a:t>Goal 3.3: Enable Goal 3, while deleting an element in the UML class model before the transformation back to NL</a:t>
+            </a:r>
+            <a:r>
+              <a:rPr lang="en-AT" dirty="0"/>
+              <a:t>.</a:t>
+            </a:r>
+            <a:br>
+              <a:rPr lang="en-AT" dirty="0"/>
+            </a:br>
+            <a:endParaRPr lang="en-GB" dirty="0"/>
+          </a:p>
+          <a:p>
+            <a:r>
+              <a:rPr lang="en-GB" b="1" dirty="0"/>
+              <a:t>Alterations in NL Tests (40 Tests)</a:t>
+            </a:r>
+            <a:endParaRPr lang="en-AT" b="1" dirty="0"/>
+          </a:p>
+          <a:p>
+            <a:pPr lvl="1"/>
+            <a:r>
+              <a:rPr lang="en-GB" dirty="0"/>
+              <a:t>Goal 4.1: Enable Goal 4, while editing a requirement in the NL representation before the transformation back into a UML class mode</a:t>
+            </a:r>
+            <a:r>
+              <a:rPr lang="en-AT" dirty="0"/>
+              <a:t>l.</a:t>
+            </a:r>
+            <a:endParaRPr lang="en-GB" dirty="0"/>
+          </a:p>
+          <a:p>
+            <a:pPr lvl="1"/>
+            <a:r>
+              <a:rPr lang="en-GB" dirty="0"/>
+              <a:t>Goal 4.2: Enable Goal 4, while adding a requirement in the NL representation before the transformation back into a UML class model</a:t>
+            </a:r>
+            <a:r>
+              <a:rPr lang="en-AT" dirty="0"/>
+              <a:t>.</a:t>
+            </a:r>
+            <a:endParaRPr lang="en-GB" dirty="0"/>
+          </a:p>
+          <a:p>
+            <a:pPr lvl="1"/>
+            <a:r>
+              <a:rPr lang="en-GB" dirty="0"/>
+              <a:t>Goal 4.3: Enable Goal 4, while deleting a requirement in the NL representation before the transformation back into a UML class mode</a:t>
+            </a:r>
+            <a:r>
+              <a:rPr lang="en-AT" dirty="0"/>
+              <a:t>l.</a:t>
+            </a:r>
+            <a:endParaRPr lang="en-GB" dirty="0"/>
+          </a:p>
+          <a:p>
+            <a:r>
+              <a:rPr lang="en-GB" b="1" dirty="0"/>
+              <a:t>Performance Tests (6 Tests)</a:t>
+            </a:r>
+          </a:p>
+          <a:p>
+            <a:endParaRPr lang="en-US" dirty="0"/>
+          </a:p>
+        </p:txBody>
+      </p:sp>
+      <p:sp>
+        <p:nvSpPr>
+          <p:cNvPr id="6" name="Rectangle 5">
+            <a:extLst>
+              <a:ext uri="{FF2B5EF4-FFF2-40B4-BE49-F238E27FC236}">
+                <a16:creationId xmlns:a16="http://schemas.microsoft.com/office/drawing/2014/main" id="{45C41340-A244-A87A-64F5-96FA768156CF}"/>
               </a:ext>
             </a:extLst>
           </p:cNvPr>
@@ -6371,7 +12181,7 @@
     </p:spTree>
     <p:extLst>
       <p:ext uri="{BB962C8B-B14F-4D97-AF65-F5344CB8AC3E}">
-        <p14:creationId xmlns:p14="http://schemas.microsoft.com/office/powerpoint/2010/main" val="756571682"/>
+        <p14:creationId xmlns:p14="http://schemas.microsoft.com/office/powerpoint/2010/main" val="417545795"/>
       </p:ext>
     </p:extLst>
   </p:cSld>
@@ -6381,7 +12191,7 @@
 </p:sld>
 </file>
 
-<file path=ppt/slides/slide2.xml><?xml version="1.0" encoding="utf-8"?>
+<file path=ppt/slides/slide38.xml><?xml version="1.0" encoding="utf-8"?>
 <p:sld xmlns:a="http://schemas.openxmlformats.org/drawingml/2006/main" xmlns:r="http://schemas.openxmlformats.org/officeDocument/2006/relationships" xmlns:p="http://schemas.openxmlformats.org/presentationml/2006/main">
   <p:cSld>
     <p:spTree>
@@ -6403,216 +12213,7 @@
           <p:cNvPr id="2" name="Title 1">
             <a:extLst>
               <a:ext uri="{FF2B5EF4-FFF2-40B4-BE49-F238E27FC236}">
-                <a16:creationId xmlns:a16="http://schemas.microsoft.com/office/drawing/2014/main" id="{0DB87F22-1361-496A-0424-9E7D5B5067B3}"/>
-              </a:ext>
-            </a:extLst>
-          </p:cNvPr>
-          <p:cNvSpPr>
-            <a:spLocks noGrp="1"/>
-          </p:cNvSpPr>
-          <p:nvPr>
-            <p:ph type="title"/>
-          </p:nvPr>
-        </p:nvSpPr>
-        <p:spPr>
-          <a:xfrm>
-            <a:off x="831322" y="1500717"/>
-            <a:ext cx="3932237" cy="4436533"/>
-          </a:xfrm>
-          <a:solidFill>
-            <a:srgbClr val="0096D3"/>
-          </a:solidFill>
-          <a:effectLst>
-            <a:outerShdw blurRad="50800" dist="38100" dir="2700000" algn="tl" rotWithShape="0">
-              <a:prstClr val="black">
-                <a:alpha val="40000"/>
-              </a:prstClr>
-            </a:outerShdw>
-          </a:effectLst>
-        </p:spPr>
-        <p:txBody>
-          <a:bodyPr anchor="ctr"/>
-          <a:lstStyle/>
-          <a:p>
-            <a:pPr algn="ctr"/>
-            <a:r>
-              <a:rPr lang="en-AT" dirty="0">
-                <a:solidFill>
-                  <a:schemeClr val="bg1"/>
-                </a:solidFill>
-              </a:rPr>
-              <a:t>CONTENT</a:t>
-            </a:r>
-            <a:endParaRPr lang="en-US" dirty="0">
-              <a:solidFill>
-                <a:schemeClr val="bg1"/>
-              </a:solidFill>
-            </a:endParaRPr>
-          </a:p>
-        </p:txBody>
-      </p:sp>
-      <p:sp>
-        <p:nvSpPr>
-          <p:cNvPr id="3" name="Content Placeholder 2">
-            <a:extLst>
-              <a:ext uri="{FF2B5EF4-FFF2-40B4-BE49-F238E27FC236}">
-                <a16:creationId xmlns:a16="http://schemas.microsoft.com/office/drawing/2014/main" id="{4FCC342D-9BA1-E43C-8E0D-CFB054558FD8}"/>
-              </a:ext>
-            </a:extLst>
-          </p:cNvPr>
-          <p:cNvSpPr>
-            <a:spLocks noGrp="1"/>
-          </p:cNvSpPr>
-          <p:nvPr>
-            <p:ph idx="1"/>
-          </p:nvPr>
-        </p:nvSpPr>
-        <p:spPr>
-          <a:xfrm>
-            <a:off x="5171546" y="1500717"/>
-            <a:ext cx="6172200" cy="4436533"/>
-          </a:xfrm>
-        </p:spPr>
-        <p:txBody>
-          <a:bodyPr anchor="ctr"/>
-          <a:lstStyle/>
-          <a:p>
-            <a:r>
-              <a:rPr lang="en-AT" dirty="0"/>
-              <a:t>Quick Overview</a:t>
-            </a:r>
-          </a:p>
-          <a:p>
-            <a:r>
-              <a:rPr lang="en-AT" dirty="0"/>
-              <a:t>SLR Retrospective</a:t>
-            </a:r>
-          </a:p>
-          <a:p>
-            <a:r>
-              <a:rPr lang="en-AT" dirty="0"/>
-              <a:t>Prototype</a:t>
-            </a:r>
-          </a:p>
-          <a:p>
-            <a:pPr lvl="1"/>
-            <a:r>
-              <a:rPr lang="en-AT" dirty="0"/>
-              <a:t>Goals</a:t>
-            </a:r>
-          </a:p>
-          <a:p>
-            <a:pPr lvl="1"/>
-            <a:r>
-              <a:rPr lang="en-AT" dirty="0"/>
-              <a:t>Design</a:t>
-            </a:r>
-          </a:p>
-          <a:p>
-            <a:pPr lvl="1"/>
-            <a:r>
-              <a:rPr lang="en-AT" dirty="0"/>
-              <a:t>Implementation</a:t>
-            </a:r>
-          </a:p>
-          <a:p>
-            <a:pPr lvl="1"/>
-            <a:r>
-              <a:rPr lang="en-AT" dirty="0"/>
-              <a:t>Validation</a:t>
-            </a:r>
-          </a:p>
-          <a:p>
-            <a:r>
-              <a:rPr lang="en-AT" dirty="0"/>
-              <a:t>Lessons Learnt</a:t>
-            </a:r>
-          </a:p>
-        </p:txBody>
-      </p:sp>
-    </p:spTree>
-    <p:extLst>
-      <p:ext uri="{BB962C8B-B14F-4D97-AF65-F5344CB8AC3E}">
-        <p14:creationId xmlns:p14="http://schemas.microsoft.com/office/powerpoint/2010/main" val="656098938"/>
-      </p:ext>
-    </p:extLst>
-  </p:cSld>
-  <p:clrMapOvr>
-    <a:masterClrMapping/>
-  </p:clrMapOvr>
-</p:sld>
-</file>
-
-<file path=ppt/slides/slide20.xml><?xml version="1.0" encoding="utf-8"?>
-<p:sld xmlns:a="http://schemas.openxmlformats.org/drawingml/2006/main" xmlns:r="http://schemas.openxmlformats.org/officeDocument/2006/relationships" xmlns:p="http://schemas.openxmlformats.org/presentationml/2006/main">
-  <p:cSld>
-    <p:spTree>
-      <p:nvGrpSpPr>
-        <p:cNvPr id="1" name=""/>
-        <p:cNvGrpSpPr/>
-        <p:nvPr/>
-      </p:nvGrpSpPr>
-      <p:grpSpPr>
-        <a:xfrm>
-          <a:off x="0" y="0"/>
-          <a:ext cx="0" cy="0"/>
-          <a:chOff x="0" y="0"/>
-          <a:chExt cx="0" cy="0"/>
-        </a:xfrm>
-      </p:grpSpPr>
-      <p:pic>
-        <p:nvPicPr>
-          <p:cNvPr id="14338" name="Picture 2">
-            <a:extLst>
-              <a:ext uri="{FF2B5EF4-FFF2-40B4-BE49-F238E27FC236}">
-                <a16:creationId xmlns:a16="http://schemas.microsoft.com/office/drawing/2014/main" id="{7F57F1D2-B1FD-AA4B-FC95-652F774EB7A2}"/>
-              </a:ext>
-            </a:extLst>
-          </p:cNvPr>
-          <p:cNvPicPr>
-            <a:picLocks noChangeAspect="1" noChangeArrowheads="1"/>
-          </p:cNvPicPr>
-          <p:nvPr/>
-        </p:nvPicPr>
-        <p:blipFill>
-          <a:blip r:embed="rId2">
-            <a:extLst>
-              <a:ext uri="{28A0092B-C50C-407E-A947-70E740481C1C}">
-                <a14:useLocalDpi xmlns:a14="http://schemas.microsoft.com/office/drawing/2010/main" val="0"/>
-              </a:ext>
-            </a:extLst>
-          </a:blip>
-          <a:srcRect/>
-          <a:stretch>
-            <a:fillRect/>
-          </a:stretch>
-        </p:blipFill>
-        <p:spPr bwMode="auto">
-          <a:xfrm>
-            <a:off x="2871787" y="1778442"/>
-            <a:ext cx="6448425" cy="4686300"/>
-          </a:xfrm>
-          <a:prstGeom prst="rect">
-            <a:avLst/>
-          </a:prstGeom>
-          <a:noFill/>
-          <a:extLst>
-            <a:ext uri="{909E8E84-426E-40DD-AFC4-6F175D3DCCD1}">
-              <a14:hiddenFill xmlns:a14="http://schemas.microsoft.com/office/drawing/2010/main">
-                <a:solidFill>
-                  <a:srgbClr val="FFFFFF"/>
-                </a:solidFill>
-              </a14:hiddenFill>
-            </a:ext>
-          </a:extLst>
-        </p:spPr>
-      </p:pic>
-      <p:sp>
-        <p:nvSpPr>
-          <p:cNvPr id="2" name="Title 1">
-            <a:extLst>
-              <a:ext uri="{FF2B5EF4-FFF2-40B4-BE49-F238E27FC236}">
-                <a16:creationId xmlns:a16="http://schemas.microsoft.com/office/drawing/2014/main" id="{8D5EB32F-FC2E-C9C0-05E1-8ADFA1BFCD03}"/>
+                <a16:creationId xmlns:a16="http://schemas.microsoft.com/office/drawing/2014/main" id="{E125103C-5EA8-0801-4ABA-9ED27680A970}"/>
               </a:ext>
             </a:extLst>
           </p:cNvPr>
@@ -6630,7 +12231,7 @@
           <a:p>
             <a:r>
               <a:rPr lang="en-AT" dirty="0"/>
-              <a:t>PROTOTYPE IMPLEMENTATION: T2M - Sequence</a:t>
+              <a:t>PROTOTYPE VALIDATION: PERFORMANCE TESTS</a:t>
             </a:r>
             <a:endParaRPr lang="en-US" dirty="0"/>
           </a:p>
@@ -6638,53 +12239,93 @@
       </p:sp>
       <p:sp>
         <p:nvSpPr>
-          <p:cNvPr id="3" name="Rectangle 2">
-            <a:extLst>
-              <a:ext uri="{FF2B5EF4-FFF2-40B4-BE49-F238E27FC236}">
-                <a16:creationId xmlns:a16="http://schemas.microsoft.com/office/drawing/2014/main" id="{D1971B53-24F5-30C7-2F68-3036F9087D81}"/>
-              </a:ext>
-            </a:extLst>
-          </p:cNvPr>
-          <p:cNvSpPr/>
-          <p:nvPr/>
+          <p:cNvPr id="3" name="Content Placeholder 2">
+            <a:extLst>
+              <a:ext uri="{FF2B5EF4-FFF2-40B4-BE49-F238E27FC236}">
+                <a16:creationId xmlns:a16="http://schemas.microsoft.com/office/drawing/2014/main" id="{886D3771-176A-5478-29A2-E50DF2C34754}"/>
+              </a:ext>
+            </a:extLst>
+          </p:cNvPr>
+          <p:cNvSpPr>
+            <a:spLocks noGrp="1"/>
+          </p:cNvSpPr>
+          <p:nvPr>
+            <p:ph idx="1"/>
+          </p:nvPr>
         </p:nvSpPr>
-        <p:spPr>
-          <a:xfrm>
-            <a:off x="2572549" y="2607760"/>
-            <a:ext cx="5450306" cy="2254526"/>
-          </a:xfrm>
-          <a:prstGeom prst="rect">
-            <a:avLst/>
-          </a:prstGeom>
-          <a:noFill/>
-          <a:ln w="57150">
-            <a:solidFill>
-              <a:srgbClr val="FF0000"/>
-            </a:solidFill>
-          </a:ln>
-        </p:spPr>
-        <p:style>
-          <a:lnRef idx="2">
-            <a:schemeClr val="accent1">
-              <a:shade val="15000"/>
-            </a:schemeClr>
-          </a:lnRef>
-          <a:fillRef idx="1">
-            <a:schemeClr val="accent1"/>
-          </a:fillRef>
-          <a:effectRef idx="0">
-            <a:schemeClr val="accent1"/>
-          </a:effectRef>
-          <a:fontRef idx="minor">
-            <a:schemeClr val="lt1"/>
-          </a:fontRef>
-        </p:style>
+        <p:spPr/>
         <p:txBody>
-          <a:bodyPr rtlCol="0" anchor="ctr"/>
+          <a:bodyPr>
+            <a:normAutofit/>
+          </a:bodyPr>
           <a:lstStyle/>
           <a:p>
-            <a:pPr algn="ctr"/>
-            <a:endParaRPr lang="en-US"/>
+            <a:r>
+              <a:rPr lang="en-GB" dirty="0"/>
+              <a:t>Tested Functionality:</a:t>
+            </a:r>
+          </a:p>
+          <a:p>
+            <a:pPr lvl="1"/>
+            <a:r>
+              <a:rPr lang="en-GB" dirty="0"/>
+              <a:t>Text-to-Model Transformation</a:t>
+            </a:r>
+          </a:p>
+          <a:p>
+            <a:pPr lvl="1"/>
+            <a:r>
+              <a:rPr lang="en-GB" dirty="0"/>
+              <a:t>Model-to-Text Transformation</a:t>
+            </a:r>
+          </a:p>
+          <a:p>
+            <a:endParaRPr lang="en-GB" dirty="0"/>
+          </a:p>
+          <a:p>
+            <a:endParaRPr lang="en-GB" dirty="0"/>
+          </a:p>
+          <a:p>
+            <a:r>
+              <a:rPr lang="en-GB" dirty="0"/>
+              <a:t>Measurements</a:t>
+            </a:r>
+          </a:p>
+          <a:p>
+            <a:pPr lvl="1"/>
+            <a:r>
+              <a:rPr lang="en-GB" dirty="0"/>
+              <a:t>Execution Time (seconds)</a:t>
+            </a:r>
+          </a:p>
+          <a:p>
+            <a:pPr lvl="1"/>
+            <a:r>
+              <a:rPr lang="en-GB" dirty="0"/>
+              <a:t>Memory Usage (Mebibytes)</a:t>
+            </a:r>
+          </a:p>
+          <a:p>
+            <a:endParaRPr lang="en-GB" dirty="0"/>
+          </a:p>
+          <a:p>
+            <a:endParaRPr lang="en-GB" dirty="0"/>
+          </a:p>
+          <a:p>
+            <a:r>
+              <a:rPr lang="en-GB" dirty="0"/>
+              <a:t>Variable:</a:t>
+            </a:r>
+          </a:p>
+          <a:p>
+            <a:pPr lvl="1"/>
+            <a:r>
+              <a:rPr lang="en-GB" dirty="0"/>
+              <a:t>Input size (original, original * 2, original * 3)</a:t>
+            </a:r>
+          </a:p>
+          <a:p>
+            <a:endParaRPr lang="en-US" dirty="0"/>
           </a:p>
         </p:txBody>
       </p:sp>
@@ -6693,270 +12334,7 @@
           <p:cNvPr id="4" name="Rectangle 3">
             <a:extLst>
               <a:ext uri="{FF2B5EF4-FFF2-40B4-BE49-F238E27FC236}">
-                <a16:creationId xmlns:a16="http://schemas.microsoft.com/office/drawing/2014/main" id="{06B40B3F-2725-5512-97EC-E580610D39C4}"/>
-              </a:ext>
-            </a:extLst>
-          </p:cNvPr>
-          <p:cNvSpPr/>
-          <p:nvPr/>
-        </p:nvSpPr>
-        <p:spPr>
-          <a:xfrm>
-            <a:off x="2578123" y="4846549"/>
-            <a:ext cx="6374732" cy="1322022"/>
-          </a:xfrm>
-          <a:prstGeom prst="rect">
-            <a:avLst/>
-          </a:prstGeom>
-          <a:noFill/>
-          <a:ln w="57150">
-            <a:solidFill>
-              <a:srgbClr val="FF0000"/>
-            </a:solidFill>
-          </a:ln>
-        </p:spPr>
-        <p:style>
-          <a:lnRef idx="2">
-            <a:schemeClr val="accent1">
-              <a:shade val="15000"/>
-            </a:schemeClr>
-          </a:lnRef>
-          <a:fillRef idx="1">
-            <a:schemeClr val="accent1"/>
-          </a:fillRef>
-          <a:effectRef idx="0">
-            <a:schemeClr val="accent1"/>
-          </a:effectRef>
-          <a:fontRef idx="minor">
-            <a:schemeClr val="lt1"/>
-          </a:fontRef>
-        </p:style>
-        <p:txBody>
-          <a:bodyPr rtlCol="0" anchor="ctr"/>
-          <a:lstStyle/>
-          <a:p>
-            <a:pPr algn="ctr"/>
-            <a:endParaRPr lang="en-US"/>
-          </a:p>
-        </p:txBody>
-      </p:sp>
-      <p:sp>
-        <p:nvSpPr>
-          <p:cNvPr id="5" name="Rectangle 4">
-            <a:extLst>
-              <a:ext uri="{FF2B5EF4-FFF2-40B4-BE49-F238E27FC236}">
-                <a16:creationId xmlns:a16="http://schemas.microsoft.com/office/drawing/2014/main" id="{30998E6C-3260-5F38-A55F-E61A8BAA98EF}"/>
-              </a:ext>
-            </a:extLst>
-          </p:cNvPr>
-          <p:cNvSpPr/>
-          <p:nvPr/>
-        </p:nvSpPr>
-        <p:spPr>
-          <a:xfrm>
-            <a:off x="6807666" y="2607760"/>
-            <a:ext cx="1215189" cy="517358"/>
-          </a:xfrm>
-          <a:prstGeom prst="rect">
-            <a:avLst/>
-          </a:prstGeom>
-          <a:solidFill>
-            <a:srgbClr val="FF0000"/>
-          </a:solidFill>
-        </p:spPr>
-        <p:style>
-          <a:lnRef idx="2">
-            <a:schemeClr val="accent1">
-              <a:shade val="15000"/>
-            </a:schemeClr>
-          </a:lnRef>
-          <a:fillRef idx="1">
-            <a:schemeClr val="accent1"/>
-          </a:fillRef>
-          <a:effectRef idx="0">
-            <a:schemeClr val="accent1"/>
-          </a:effectRef>
-          <a:fontRef idx="minor">
-            <a:schemeClr val="lt1"/>
-          </a:fontRef>
-        </p:style>
-        <p:txBody>
-          <a:bodyPr rtlCol="0" anchor="ctr"/>
-          <a:lstStyle/>
-          <a:p>
-            <a:pPr algn="ctr"/>
-            <a:r>
-              <a:rPr lang="en-AT" dirty="0"/>
-              <a:t>X-to-DB</a:t>
-            </a:r>
-            <a:endParaRPr lang="en-US" dirty="0"/>
-          </a:p>
-        </p:txBody>
-      </p:sp>
-      <p:sp>
-        <p:nvSpPr>
-          <p:cNvPr id="6" name="Rectangle 5">
-            <a:extLst>
-              <a:ext uri="{FF2B5EF4-FFF2-40B4-BE49-F238E27FC236}">
-                <a16:creationId xmlns:a16="http://schemas.microsoft.com/office/drawing/2014/main" id="{E4A748BA-7733-F0AF-751D-46B467FBC2A8}"/>
-              </a:ext>
-            </a:extLst>
-          </p:cNvPr>
-          <p:cNvSpPr/>
-          <p:nvPr/>
-        </p:nvSpPr>
-        <p:spPr>
-          <a:xfrm>
-            <a:off x="7708924" y="4825202"/>
-            <a:ext cx="1215189" cy="517358"/>
-          </a:xfrm>
-          <a:prstGeom prst="rect">
-            <a:avLst/>
-          </a:prstGeom>
-          <a:solidFill>
-            <a:srgbClr val="FF0000"/>
-          </a:solidFill>
-        </p:spPr>
-        <p:style>
-          <a:lnRef idx="2">
-            <a:schemeClr val="accent1">
-              <a:shade val="15000"/>
-            </a:schemeClr>
-          </a:lnRef>
-          <a:fillRef idx="1">
-            <a:schemeClr val="accent1"/>
-          </a:fillRef>
-          <a:effectRef idx="0">
-            <a:schemeClr val="accent1"/>
-          </a:effectRef>
-          <a:fontRef idx="minor">
-            <a:schemeClr val="lt1"/>
-          </a:fontRef>
-        </p:style>
-        <p:txBody>
-          <a:bodyPr rtlCol="0" anchor="ctr"/>
-          <a:lstStyle/>
-          <a:p>
-            <a:pPr algn="ctr"/>
-            <a:r>
-              <a:rPr lang="en-AT" dirty="0"/>
-              <a:t>DB-to-X</a:t>
-            </a:r>
-            <a:endParaRPr lang="en-US" dirty="0"/>
-          </a:p>
-        </p:txBody>
-      </p:sp>
-      <p:sp>
-        <p:nvSpPr>
-          <p:cNvPr id="7" name="Rectangle 6">
-            <a:extLst>
-              <a:ext uri="{FF2B5EF4-FFF2-40B4-BE49-F238E27FC236}">
-                <a16:creationId xmlns:a16="http://schemas.microsoft.com/office/drawing/2014/main" id="{37A0AEB7-990D-250B-9C69-5B9EE91C1374}"/>
-              </a:ext>
-            </a:extLst>
-          </p:cNvPr>
-          <p:cNvSpPr/>
-          <p:nvPr/>
-        </p:nvSpPr>
-        <p:spPr>
-          <a:xfrm>
-            <a:off x="1671291" y="4171396"/>
-            <a:ext cx="5896477" cy="1325564"/>
-          </a:xfrm>
-          <a:prstGeom prst="rect">
-            <a:avLst/>
-          </a:prstGeom>
-          <a:noFill/>
-          <a:ln w="57150">
-            <a:solidFill>
-              <a:srgbClr val="0070C0"/>
-            </a:solidFill>
-          </a:ln>
-        </p:spPr>
-        <p:style>
-          <a:lnRef idx="2">
-            <a:schemeClr val="accent1">
-              <a:shade val="15000"/>
-            </a:schemeClr>
-          </a:lnRef>
-          <a:fillRef idx="1">
-            <a:schemeClr val="accent1"/>
-          </a:fillRef>
-          <a:effectRef idx="0">
-            <a:schemeClr val="accent1"/>
-          </a:effectRef>
-          <a:fontRef idx="minor">
-            <a:schemeClr val="lt1"/>
-          </a:fontRef>
-        </p:style>
-        <p:txBody>
-          <a:bodyPr rtlCol="0" anchor="ctr"/>
-          <a:lstStyle/>
-          <a:p>
-            <a:pPr algn="ctr"/>
-            <a:endParaRPr lang="en-US"/>
-          </a:p>
-        </p:txBody>
-      </p:sp>
-      <p:sp>
-        <p:nvSpPr>
-          <p:cNvPr id="8" name="Rectangle 7">
-            <a:extLst>
-              <a:ext uri="{FF2B5EF4-FFF2-40B4-BE49-F238E27FC236}">
-                <a16:creationId xmlns:a16="http://schemas.microsoft.com/office/drawing/2014/main" id="{0F1E2C85-95F4-6B40-559E-D7927A972010}"/>
-              </a:ext>
-            </a:extLst>
-          </p:cNvPr>
-          <p:cNvSpPr/>
-          <p:nvPr/>
-        </p:nvSpPr>
-        <p:spPr>
-          <a:xfrm>
-            <a:off x="724866" y="4124905"/>
-            <a:ext cx="2359192" cy="517358"/>
-          </a:xfrm>
-          <a:prstGeom prst="rect">
-            <a:avLst/>
-          </a:prstGeom>
-          <a:solidFill>
-            <a:srgbClr val="0070C0"/>
-          </a:solidFill>
-        </p:spPr>
-        <p:style>
-          <a:lnRef idx="2">
-            <a:schemeClr val="accent1">
-              <a:shade val="15000"/>
-            </a:schemeClr>
-          </a:lnRef>
-          <a:fillRef idx="1">
-            <a:schemeClr val="accent1"/>
-          </a:fillRef>
-          <a:effectRef idx="0">
-            <a:schemeClr val="accent1"/>
-          </a:effectRef>
-          <a:fontRef idx="minor">
-            <a:schemeClr val="lt1"/>
-          </a:fontRef>
-        </p:style>
-        <p:txBody>
-          <a:bodyPr rtlCol="0" anchor="ctr"/>
-          <a:lstStyle/>
-          <a:p>
-            <a:pPr algn="ctr"/>
-            <a:r>
-              <a:rPr lang="en-AT" dirty="0"/>
-              <a:t>Intermediate Structure</a:t>
-            </a:r>
-            <a:endParaRPr lang="en-US" dirty="0"/>
-          </a:p>
-        </p:txBody>
-      </p:sp>
-      <p:sp>
-        <p:nvSpPr>
-          <p:cNvPr id="9" name="Rectangle 8">
-            <a:extLst>
-              <a:ext uri="{FF2B5EF4-FFF2-40B4-BE49-F238E27FC236}">
-                <a16:creationId xmlns:a16="http://schemas.microsoft.com/office/drawing/2014/main" id="{ADFE9D9D-4F4B-B32D-5E9C-93744A94264D}"/>
+                <a16:creationId xmlns:a16="http://schemas.microsoft.com/office/drawing/2014/main" id="{33303E5E-7E16-374E-69B0-5F361724060F}"/>
               </a:ext>
             </a:extLst>
           </p:cNvPr>
@@ -7003,588 +12381,6 @@
     </p:spTree>
     <p:extLst>
       <p:ext uri="{BB962C8B-B14F-4D97-AF65-F5344CB8AC3E}">
-        <p14:creationId xmlns:p14="http://schemas.microsoft.com/office/powerpoint/2010/main" val="4159658045"/>
-      </p:ext>
-    </p:extLst>
-  </p:cSld>
-  <p:clrMapOvr>
-    <a:masterClrMapping/>
-  </p:clrMapOvr>
-</p:sld>
-</file>
-
-<file path=ppt/slides/slide21.xml><?xml version="1.0" encoding="utf-8"?>
-<p:sld xmlns:a="http://schemas.openxmlformats.org/drawingml/2006/main" xmlns:r="http://schemas.openxmlformats.org/officeDocument/2006/relationships" xmlns:p="http://schemas.openxmlformats.org/presentationml/2006/main">
-  <p:cSld>
-    <p:spTree>
-      <p:nvGrpSpPr>
-        <p:cNvPr id="1" name=""/>
-        <p:cNvGrpSpPr/>
-        <p:nvPr/>
-      </p:nvGrpSpPr>
-      <p:grpSpPr>
-        <a:xfrm>
-          <a:off x="0" y="0"/>
-          <a:ext cx="0" cy="0"/>
-          <a:chOff x="0" y="0"/>
-          <a:chExt cx="0" cy="0"/>
-        </a:xfrm>
-      </p:grpSpPr>
-      <p:sp>
-        <p:nvSpPr>
-          <p:cNvPr id="2" name="Text Placeholder 1">
-            <a:extLst>
-              <a:ext uri="{FF2B5EF4-FFF2-40B4-BE49-F238E27FC236}">
-                <a16:creationId xmlns:a16="http://schemas.microsoft.com/office/drawing/2014/main" id="{3D9ED0BB-D625-E22E-6073-3E17A33E2E19}"/>
-              </a:ext>
-            </a:extLst>
-          </p:cNvPr>
-          <p:cNvSpPr>
-            <a:spLocks noGrp="1"/>
-          </p:cNvSpPr>
-          <p:nvPr>
-            <p:ph type="body" sz="quarter" idx="11"/>
-          </p:nvPr>
-        </p:nvSpPr>
-        <p:spPr/>
-        <p:txBody>
-          <a:bodyPr/>
-          <a:lstStyle/>
-          <a:p>
-            <a:endParaRPr lang="en-US"/>
-          </a:p>
-        </p:txBody>
-      </p:sp>
-      <p:sp>
-        <p:nvSpPr>
-          <p:cNvPr id="3" name="Title 2">
-            <a:extLst>
-              <a:ext uri="{FF2B5EF4-FFF2-40B4-BE49-F238E27FC236}">
-                <a16:creationId xmlns:a16="http://schemas.microsoft.com/office/drawing/2014/main" id="{2D7818BB-D0B4-93F9-AC72-D2D1797F35AF}"/>
-              </a:ext>
-            </a:extLst>
-          </p:cNvPr>
-          <p:cNvSpPr>
-            <a:spLocks noGrp="1"/>
-          </p:cNvSpPr>
-          <p:nvPr>
-            <p:ph type="ctrTitle"/>
-          </p:nvPr>
-        </p:nvSpPr>
-        <p:spPr/>
-        <p:txBody>
-          <a:bodyPr/>
-          <a:lstStyle/>
-          <a:p>
-            <a:r>
-              <a:rPr lang="en-AT" dirty="0"/>
-              <a:t>PROTOTYPE VALIDATION</a:t>
-            </a:r>
-            <a:endParaRPr lang="en-US" dirty="0"/>
-          </a:p>
-        </p:txBody>
-      </p:sp>
-      <p:sp>
-        <p:nvSpPr>
-          <p:cNvPr id="4" name="Subtitle 3">
-            <a:extLst>
-              <a:ext uri="{FF2B5EF4-FFF2-40B4-BE49-F238E27FC236}">
-                <a16:creationId xmlns:a16="http://schemas.microsoft.com/office/drawing/2014/main" id="{E18093F2-26C3-8873-FB0B-4F43E3C105A1}"/>
-              </a:ext>
-            </a:extLst>
-          </p:cNvPr>
-          <p:cNvSpPr>
-            <a:spLocks noGrp="1"/>
-          </p:cNvSpPr>
-          <p:nvPr>
-            <p:ph type="subTitle" idx="1"/>
-          </p:nvPr>
-        </p:nvSpPr>
-        <p:spPr/>
-        <p:txBody>
-          <a:bodyPr/>
-          <a:lstStyle/>
-          <a:p>
-            <a:endParaRPr lang="en-US"/>
-          </a:p>
-        </p:txBody>
-      </p:sp>
-    </p:spTree>
-    <p:extLst>
-      <p:ext uri="{BB962C8B-B14F-4D97-AF65-F5344CB8AC3E}">
-        <p14:creationId xmlns:p14="http://schemas.microsoft.com/office/powerpoint/2010/main" val="2593681844"/>
-      </p:ext>
-    </p:extLst>
-  </p:cSld>
-  <p:clrMapOvr>
-    <a:masterClrMapping/>
-  </p:clrMapOvr>
-  <p:transition>
-    <p:fade/>
-  </p:transition>
-</p:sld>
-</file>
-
-<file path=ppt/slides/slide22.xml><?xml version="1.0" encoding="utf-8"?>
-<p:sld xmlns:a="http://schemas.openxmlformats.org/drawingml/2006/main" xmlns:r="http://schemas.openxmlformats.org/officeDocument/2006/relationships" xmlns:p="http://schemas.openxmlformats.org/presentationml/2006/main">
-  <p:cSld>
-    <p:spTree>
-      <p:nvGrpSpPr>
-        <p:cNvPr id="1" name=""/>
-        <p:cNvGrpSpPr/>
-        <p:nvPr/>
-      </p:nvGrpSpPr>
-      <p:grpSpPr>
-        <a:xfrm>
-          <a:off x="0" y="0"/>
-          <a:ext cx="0" cy="0"/>
-          <a:chOff x="0" y="0"/>
-          <a:chExt cx="0" cy="0"/>
-        </a:xfrm>
-      </p:grpSpPr>
-      <p:sp>
-        <p:nvSpPr>
-          <p:cNvPr id="2" name="Title 1">
-            <a:extLst>
-              <a:ext uri="{FF2B5EF4-FFF2-40B4-BE49-F238E27FC236}">
-                <a16:creationId xmlns:a16="http://schemas.microsoft.com/office/drawing/2014/main" id="{62C88251-0FB0-27A3-CCBD-AC421E45DCF7}"/>
-              </a:ext>
-            </a:extLst>
-          </p:cNvPr>
-          <p:cNvSpPr>
-            <a:spLocks noGrp="1"/>
-          </p:cNvSpPr>
-          <p:nvPr>
-            <p:ph type="title"/>
-          </p:nvPr>
-        </p:nvSpPr>
-        <p:spPr/>
-        <p:txBody>
-          <a:bodyPr/>
-          <a:lstStyle/>
-          <a:p>
-            <a:r>
-              <a:rPr lang="en-AT" dirty="0"/>
-              <a:t>PROTOTYPE VALIDATION: TEST SUITE AND GOALS</a:t>
-            </a:r>
-            <a:endParaRPr lang="en-US" dirty="0"/>
-          </a:p>
-        </p:txBody>
-      </p:sp>
-      <p:sp>
-        <p:nvSpPr>
-          <p:cNvPr id="3" name="Content Placeholder 2">
-            <a:extLst>
-              <a:ext uri="{FF2B5EF4-FFF2-40B4-BE49-F238E27FC236}">
-                <a16:creationId xmlns:a16="http://schemas.microsoft.com/office/drawing/2014/main" id="{5DF10179-9ED7-D9BF-9D47-AC52CC6057CC}"/>
-              </a:ext>
-            </a:extLst>
-          </p:cNvPr>
-          <p:cNvSpPr>
-            <a:spLocks noGrp="1"/>
-          </p:cNvSpPr>
-          <p:nvPr>
-            <p:ph idx="1"/>
-          </p:nvPr>
-        </p:nvSpPr>
-        <p:spPr/>
-        <p:txBody>
-          <a:bodyPr>
-            <a:normAutofit fontScale="70000" lnSpcReduction="20000"/>
-          </a:bodyPr>
-          <a:lstStyle/>
-          <a:p>
-            <a:r>
-              <a:rPr lang="en-GB" b="1" dirty="0"/>
-              <a:t>Bidirectional Transformation Tests (2 Tests)</a:t>
-            </a:r>
-          </a:p>
-          <a:p>
-            <a:pPr lvl="1"/>
-            <a:r>
-              <a:rPr lang="en-GB" dirty="0"/>
-              <a:t>Goal 1: Transform requirements in NL into a UML class model without losing information.</a:t>
-            </a:r>
-          </a:p>
-          <a:p>
-            <a:pPr lvl="1"/>
-            <a:r>
-              <a:rPr lang="en-GB" dirty="0"/>
-              <a:t>Goal 2: Transform requirements in a UML class model into NL without losing information.</a:t>
-            </a:r>
-            <a:endParaRPr lang="en-AT" dirty="0"/>
-          </a:p>
-          <a:p>
-            <a:pPr lvl="1"/>
-            <a:r>
-              <a:rPr lang="en-GB" dirty="0"/>
-              <a:t>Goal 3: Enable transformation of requirements from NL into a UML class model and back, without causing unintended alterations.</a:t>
-            </a:r>
-            <a:endParaRPr lang="en-AT" dirty="0"/>
-          </a:p>
-          <a:p>
-            <a:pPr lvl="1"/>
-            <a:r>
-              <a:rPr lang="en-GB" dirty="0"/>
-              <a:t>Goal 4: Enable transformation of requirements from a UML class model into NL and back, without causing unintended alterations.</a:t>
-            </a:r>
-            <a:br>
-              <a:rPr lang="en-AT" dirty="0"/>
-            </a:br>
-            <a:endParaRPr lang="en-GB" dirty="0"/>
-          </a:p>
-          <a:p>
-            <a:r>
-              <a:rPr lang="en-GB" b="1" dirty="0"/>
-              <a:t>Alterations in UML Tests (20 Tests)</a:t>
-            </a:r>
-            <a:endParaRPr lang="en-AT" b="1" dirty="0"/>
-          </a:p>
-          <a:p>
-            <a:pPr lvl="1"/>
-            <a:r>
-              <a:rPr lang="en-GB" dirty="0"/>
-              <a:t>Goal 3.1: Enable Goal 3, while editing an element in the UML class model before the transformation back to NL</a:t>
-            </a:r>
-            <a:r>
-              <a:rPr lang="en-AT" dirty="0"/>
-              <a:t>.</a:t>
-            </a:r>
-            <a:endParaRPr lang="en-GB" dirty="0"/>
-          </a:p>
-          <a:p>
-            <a:pPr lvl="1"/>
-            <a:r>
-              <a:rPr lang="en-GB" dirty="0"/>
-              <a:t>Goal 3.2: Enable Goal 3, while adding an element in the UML class model before the transformation back to NL</a:t>
-            </a:r>
-            <a:r>
-              <a:rPr lang="en-AT" dirty="0"/>
-              <a:t>.</a:t>
-            </a:r>
-            <a:endParaRPr lang="en-GB" dirty="0"/>
-          </a:p>
-          <a:p>
-            <a:pPr lvl="1"/>
-            <a:r>
-              <a:rPr lang="en-GB" dirty="0"/>
-              <a:t>Goal 3.3: Enable Goal 3, while deleting an element in the UML class model before the transformation back to NL</a:t>
-            </a:r>
-            <a:r>
-              <a:rPr lang="en-AT" dirty="0"/>
-              <a:t>.</a:t>
-            </a:r>
-            <a:br>
-              <a:rPr lang="en-AT" dirty="0"/>
-            </a:br>
-            <a:endParaRPr lang="en-GB" dirty="0"/>
-          </a:p>
-          <a:p>
-            <a:r>
-              <a:rPr lang="en-GB" b="1" dirty="0"/>
-              <a:t>Alterations in NL Tests (40 Tests)</a:t>
-            </a:r>
-            <a:endParaRPr lang="en-AT" b="1" dirty="0"/>
-          </a:p>
-          <a:p>
-            <a:pPr lvl="1"/>
-            <a:r>
-              <a:rPr lang="en-GB" dirty="0"/>
-              <a:t>Goal 4.1: Enable Goal 4, while editing a requirement in the NL representation before the transformation back into a UML class mode</a:t>
-            </a:r>
-            <a:r>
-              <a:rPr lang="en-AT" dirty="0"/>
-              <a:t>l.</a:t>
-            </a:r>
-            <a:endParaRPr lang="en-GB" dirty="0"/>
-          </a:p>
-          <a:p>
-            <a:pPr lvl="1"/>
-            <a:r>
-              <a:rPr lang="en-GB" dirty="0"/>
-              <a:t>Goal 4.2: Enable Goal 4, while adding a requirement in the NL representation before the transformation back into a UML class model</a:t>
-            </a:r>
-            <a:r>
-              <a:rPr lang="en-AT" dirty="0"/>
-              <a:t>.</a:t>
-            </a:r>
-            <a:endParaRPr lang="en-GB" dirty="0"/>
-          </a:p>
-          <a:p>
-            <a:pPr lvl="1"/>
-            <a:r>
-              <a:rPr lang="en-GB" dirty="0"/>
-              <a:t>Goal 4.3: Enable Goal 4, while deleting a requirement in the NL representation before the transformation back into a UML class mode</a:t>
-            </a:r>
-            <a:r>
-              <a:rPr lang="en-AT" dirty="0"/>
-              <a:t>l.</a:t>
-            </a:r>
-            <a:endParaRPr lang="en-GB" dirty="0"/>
-          </a:p>
-          <a:p>
-            <a:r>
-              <a:rPr lang="en-GB" b="1" dirty="0"/>
-              <a:t>Performance Tests (6 Tests)</a:t>
-            </a:r>
-          </a:p>
-          <a:p>
-            <a:endParaRPr lang="en-US" dirty="0"/>
-          </a:p>
-        </p:txBody>
-      </p:sp>
-      <p:sp>
-        <p:nvSpPr>
-          <p:cNvPr id="6" name="Rectangle 5">
-            <a:extLst>
-              <a:ext uri="{FF2B5EF4-FFF2-40B4-BE49-F238E27FC236}">
-                <a16:creationId xmlns:a16="http://schemas.microsoft.com/office/drawing/2014/main" id="{45C41340-A244-A87A-64F5-96FA768156CF}"/>
-              </a:ext>
-            </a:extLst>
-          </p:cNvPr>
-          <p:cNvSpPr/>
-          <p:nvPr/>
-        </p:nvSpPr>
-        <p:spPr>
-          <a:xfrm>
-            <a:off x="-922866" y="313267"/>
-            <a:ext cx="9254066" cy="962080"/>
-          </a:xfrm>
-          <a:prstGeom prst="rect">
-            <a:avLst/>
-          </a:prstGeom>
-          <a:solidFill>
-            <a:srgbClr val="FF0000"/>
-          </a:solidFill>
-        </p:spPr>
-        <p:style>
-          <a:lnRef idx="2">
-            <a:schemeClr val="accent1">
-              <a:shade val="15000"/>
-            </a:schemeClr>
-          </a:lnRef>
-          <a:fillRef idx="1">
-            <a:schemeClr val="accent1"/>
-          </a:fillRef>
-          <a:effectRef idx="0">
-            <a:schemeClr val="accent1"/>
-          </a:effectRef>
-          <a:fontRef idx="minor">
-            <a:schemeClr val="lt1"/>
-          </a:fontRef>
-        </p:style>
-        <p:txBody>
-          <a:bodyPr rtlCol="0" anchor="ctr"/>
-          <a:lstStyle/>
-          <a:p>
-            <a:pPr algn="ctr"/>
-            <a:endParaRPr lang="en-US"/>
-          </a:p>
-        </p:txBody>
-      </p:sp>
-    </p:spTree>
-    <p:extLst>
-      <p:ext uri="{BB962C8B-B14F-4D97-AF65-F5344CB8AC3E}">
-        <p14:creationId xmlns:p14="http://schemas.microsoft.com/office/powerpoint/2010/main" val="417545795"/>
-      </p:ext>
-    </p:extLst>
-  </p:cSld>
-  <p:clrMapOvr>
-    <a:masterClrMapping/>
-  </p:clrMapOvr>
-</p:sld>
-</file>
-
-<file path=ppt/slides/slide23.xml><?xml version="1.0" encoding="utf-8"?>
-<p:sld xmlns:a="http://schemas.openxmlformats.org/drawingml/2006/main" xmlns:r="http://schemas.openxmlformats.org/officeDocument/2006/relationships" xmlns:p="http://schemas.openxmlformats.org/presentationml/2006/main">
-  <p:cSld>
-    <p:spTree>
-      <p:nvGrpSpPr>
-        <p:cNvPr id="1" name=""/>
-        <p:cNvGrpSpPr/>
-        <p:nvPr/>
-      </p:nvGrpSpPr>
-      <p:grpSpPr>
-        <a:xfrm>
-          <a:off x="0" y="0"/>
-          <a:ext cx="0" cy="0"/>
-          <a:chOff x="0" y="0"/>
-          <a:chExt cx="0" cy="0"/>
-        </a:xfrm>
-      </p:grpSpPr>
-      <p:sp>
-        <p:nvSpPr>
-          <p:cNvPr id="2" name="Title 1">
-            <a:extLst>
-              <a:ext uri="{FF2B5EF4-FFF2-40B4-BE49-F238E27FC236}">
-                <a16:creationId xmlns:a16="http://schemas.microsoft.com/office/drawing/2014/main" id="{E125103C-5EA8-0801-4ABA-9ED27680A970}"/>
-              </a:ext>
-            </a:extLst>
-          </p:cNvPr>
-          <p:cNvSpPr>
-            <a:spLocks noGrp="1"/>
-          </p:cNvSpPr>
-          <p:nvPr>
-            <p:ph type="title"/>
-          </p:nvPr>
-        </p:nvSpPr>
-        <p:spPr/>
-        <p:txBody>
-          <a:bodyPr/>
-          <a:lstStyle/>
-          <a:p>
-            <a:r>
-              <a:rPr lang="en-AT" dirty="0"/>
-              <a:t>PROTOTYPE VALIDATION: PERFORMANCE TESTS</a:t>
-            </a:r>
-            <a:endParaRPr lang="en-US" dirty="0"/>
-          </a:p>
-        </p:txBody>
-      </p:sp>
-      <p:sp>
-        <p:nvSpPr>
-          <p:cNvPr id="3" name="Content Placeholder 2">
-            <a:extLst>
-              <a:ext uri="{FF2B5EF4-FFF2-40B4-BE49-F238E27FC236}">
-                <a16:creationId xmlns:a16="http://schemas.microsoft.com/office/drawing/2014/main" id="{886D3771-176A-5478-29A2-E50DF2C34754}"/>
-              </a:ext>
-            </a:extLst>
-          </p:cNvPr>
-          <p:cNvSpPr>
-            <a:spLocks noGrp="1"/>
-          </p:cNvSpPr>
-          <p:nvPr>
-            <p:ph idx="1"/>
-          </p:nvPr>
-        </p:nvSpPr>
-        <p:spPr/>
-        <p:txBody>
-          <a:bodyPr>
-            <a:normAutofit/>
-          </a:bodyPr>
-          <a:lstStyle/>
-          <a:p>
-            <a:r>
-              <a:rPr lang="en-GB" dirty="0"/>
-              <a:t>Tested Functionality:</a:t>
-            </a:r>
-          </a:p>
-          <a:p>
-            <a:pPr lvl="1"/>
-            <a:r>
-              <a:rPr lang="en-GB" dirty="0"/>
-              <a:t>Text-to-Model Transformation</a:t>
-            </a:r>
-          </a:p>
-          <a:p>
-            <a:pPr lvl="1"/>
-            <a:r>
-              <a:rPr lang="en-GB" dirty="0"/>
-              <a:t>Model-to-Text Transformation</a:t>
-            </a:r>
-          </a:p>
-          <a:p>
-            <a:endParaRPr lang="en-GB" dirty="0"/>
-          </a:p>
-          <a:p>
-            <a:endParaRPr lang="en-GB" dirty="0"/>
-          </a:p>
-          <a:p>
-            <a:r>
-              <a:rPr lang="en-GB" dirty="0"/>
-              <a:t>Measurements</a:t>
-            </a:r>
-          </a:p>
-          <a:p>
-            <a:pPr lvl="1"/>
-            <a:r>
-              <a:rPr lang="en-GB" dirty="0"/>
-              <a:t>Execution Time (seconds)</a:t>
-            </a:r>
-          </a:p>
-          <a:p>
-            <a:pPr lvl="1"/>
-            <a:r>
-              <a:rPr lang="en-GB" dirty="0"/>
-              <a:t>Memory Usage (Mebibytes)</a:t>
-            </a:r>
-          </a:p>
-          <a:p>
-            <a:endParaRPr lang="en-GB" dirty="0"/>
-          </a:p>
-          <a:p>
-            <a:endParaRPr lang="en-GB" dirty="0"/>
-          </a:p>
-          <a:p>
-            <a:r>
-              <a:rPr lang="en-GB" dirty="0"/>
-              <a:t>Variable:</a:t>
-            </a:r>
-          </a:p>
-          <a:p>
-            <a:pPr lvl="1"/>
-            <a:r>
-              <a:rPr lang="en-GB" dirty="0"/>
-              <a:t>Input size (original, original * 2, original * 3)</a:t>
-            </a:r>
-          </a:p>
-          <a:p>
-            <a:endParaRPr lang="en-US" dirty="0"/>
-          </a:p>
-        </p:txBody>
-      </p:sp>
-      <p:sp>
-        <p:nvSpPr>
-          <p:cNvPr id="4" name="Rectangle 3">
-            <a:extLst>
-              <a:ext uri="{FF2B5EF4-FFF2-40B4-BE49-F238E27FC236}">
-                <a16:creationId xmlns:a16="http://schemas.microsoft.com/office/drawing/2014/main" id="{33303E5E-7E16-374E-69B0-5F361724060F}"/>
-              </a:ext>
-            </a:extLst>
-          </p:cNvPr>
-          <p:cNvSpPr/>
-          <p:nvPr/>
-        </p:nvSpPr>
-        <p:spPr>
-          <a:xfrm>
-            <a:off x="-922866" y="313267"/>
-            <a:ext cx="9254066" cy="962080"/>
-          </a:xfrm>
-          <a:prstGeom prst="rect">
-            <a:avLst/>
-          </a:prstGeom>
-          <a:solidFill>
-            <a:srgbClr val="FF0000"/>
-          </a:solidFill>
-        </p:spPr>
-        <p:style>
-          <a:lnRef idx="2">
-            <a:schemeClr val="accent1">
-              <a:shade val="15000"/>
-            </a:schemeClr>
-          </a:lnRef>
-          <a:fillRef idx="1">
-            <a:schemeClr val="accent1"/>
-          </a:fillRef>
-          <a:effectRef idx="0">
-            <a:schemeClr val="accent1"/>
-          </a:effectRef>
-          <a:fontRef idx="minor">
-            <a:schemeClr val="lt1"/>
-          </a:fontRef>
-        </p:style>
-        <p:txBody>
-          <a:bodyPr rtlCol="0" anchor="ctr"/>
-          <a:lstStyle/>
-          <a:p>
-            <a:pPr algn="ctr"/>
-            <a:endParaRPr lang="en-US"/>
-          </a:p>
-        </p:txBody>
-      </p:sp>
-    </p:spTree>
-    <p:extLst>
-      <p:ext uri="{BB962C8B-B14F-4D97-AF65-F5344CB8AC3E}">
         <p14:creationId xmlns:p14="http://schemas.microsoft.com/office/powerpoint/2010/main" val="1572357734"/>
       </p:ext>
     </p:extLst>
@@ -7595,7 +12391,7 @@
 </p:sld>
 </file>
 
-<file path=ppt/slides/slide24.xml><?xml version="1.0" encoding="utf-8"?>
+<file path=ppt/slides/slide39.xml><?xml version="1.0" encoding="utf-8"?>
 <p:sld xmlns:a="http://schemas.openxmlformats.org/drawingml/2006/main" xmlns:r="http://schemas.openxmlformats.org/officeDocument/2006/relationships" xmlns:p="http://schemas.openxmlformats.org/presentationml/2006/main">
   <p:cSld>
     <p:spTree>
@@ -7702,7 +12498,184 @@
 </p:sld>
 </file>
 
-<file path=ppt/slides/slide25.xml><?xml version="1.0" encoding="utf-8"?>
+<file path=ppt/slides/slide4.xml><?xml version="1.0" encoding="utf-8"?>
+<p:sld xmlns:a="http://schemas.openxmlformats.org/drawingml/2006/main" xmlns:r="http://schemas.openxmlformats.org/officeDocument/2006/relationships" xmlns:p="http://schemas.openxmlformats.org/presentationml/2006/main">
+  <p:cSld>
+    <p:spTree>
+      <p:nvGrpSpPr>
+        <p:cNvPr id="1" name=""/>
+        <p:cNvGrpSpPr/>
+        <p:nvPr/>
+      </p:nvGrpSpPr>
+      <p:grpSpPr>
+        <a:xfrm>
+          <a:off x="0" y="0"/>
+          <a:ext cx="0" cy="0"/>
+          <a:chOff x="0" y="0"/>
+          <a:chExt cx="0" cy="0"/>
+        </a:xfrm>
+      </p:grpSpPr>
+      <p:sp>
+        <p:nvSpPr>
+          <p:cNvPr id="2" name="Title 1">
+            <a:extLst>
+              <a:ext uri="{FF2B5EF4-FFF2-40B4-BE49-F238E27FC236}">
+                <a16:creationId xmlns:a16="http://schemas.microsoft.com/office/drawing/2014/main" id="{781A12DC-1506-DEA1-0C56-F322D3CB0DCC}"/>
+              </a:ext>
+            </a:extLst>
+          </p:cNvPr>
+          <p:cNvSpPr>
+            <a:spLocks noGrp="1"/>
+          </p:cNvSpPr>
+          <p:nvPr>
+            <p:ph type="title"/>
+          </p:nvPr>
+        </p:nvSpPr>
+        <p:spPr/>
+        <p:txBody>
+          <a:bodyPr/>
+          <a:lstStyle/>
+          <a:p>
+            <a:r>
+              <a:rPr lang="en-AT"/>
+              <a:t>QUICK OVERVIEW</a:t>
+            </a:r>
+            <a:endParaRPr lang="en-US" dirty="0"/>
+          </a:p>
+        </p:txBody>
+      </p:sp>
+      <p:sp>
+        <p:nvSpPr>
+          <p:cNvPr id="3" name="Content Placeholder 2">
+            <a:extLst>
+              <a:ext uri="{FF2B5EF4-FFF2-40B4-BE49-F238E27FC236}">
+                <a16:creationId xmlns:a16="http://schemas.microsoft.com/office/drawing/2014/main" id="{704A6F4C-9C4C-B0CB-8D03-0D4ADD9A9EFF}"/>
+              </a:ext>
+            </a:extLst>
+          </p:cNvPr>
+          <p:cNvSpPr>
+            <a:spLocks noGrp="1"/>
+          </p:cNvSpPr>
+          <p:nvPr>
+            <p:ph idx="1"/>
+          </p:nvPr>
+        </p:nvSpPr>
+        <p:spPr/>
+        <p:txBody>
+          <a:bodyPr/>
+          <a:lstStyle/>
+          <a:p>
+            <a:r>
+              <a:rPr lang="en-AT" b="1" dirty="0"/>
+              <a:t>Topic</a:t>
+            </a:r>
+          </a:p>
+          <a:p>
+            <a:pPr lvl="1"/>
+            <a:r>
+              <a:rPr lang="en-AT" b="1" dirty="0">
+                <a:solidFill>
+                  <a:schemeClr val="accent4"/>
+                </a:solidFill>
+              </a:rPr>
+              <a:t>Transforming Requirements </a:t>
+            </a:r>
+            <a:r>
+              <a:rPr lang="en-AT" dirty="0"/>
+              <a:t>to/from </a:t>
+            </a:r>
+            <a:r>
+              <a:rPr lang="en-AT" b="1" dirty="0">
+                <a:solidFill>
+                  <a:schemeClr val="accent4"/>
+                </a:solidFill>
+              </a:rPr>
+              <a:t>Natural Language </a:t>
+            </a:r>
+            <a:r>
+              <a:rPr lang="en-AT" dirty="0"/>
+              <a:t>(NL) to/from a </a:t>
+            </a:r>
+            <a:r>
+              <a:rPr lang="en-AT" b="1" dirty="0">
+                <a:solidFill>
+                  <a:schemeClr val="accent4"/>
+                </a:solidFill>
+              </a:rPr>
+              <a:t>UML class model</a:t>
+            </a:r>
+            <a:r>
+              <a:rPr lang="en-AT" dirty="0"/>
+              <a:t>.</a:t>
+            </a:r>
+            <a:br>
+              <a:rPr lang="en-AT" dirty="0"/>
+            </a:br>
+            <a:endParaRPr lang="en-AT" dirty="0"/>
+          </a:p>
+          <a:p>
+            <a:r>
+              <a:rPr lang="en-AT" b="1" dirty="0"/>
+              <a:t>Systematic Literature Review</a:t>
+            </a:r>
+          </a:p>
+          <a:p>
+            <a:pPr lvl="1"/>
+            <a:r>
+              <a:rPr lang="en-AT" b="1" dirty="0">
+                <a:solidFill>
+                  <a:schemeClr val="accent4"/>
+                </a:solidFill>
+              </a:rPr>
+              <a:t>Investigate a part of the field </a:t>
+            </a:r>
+            <a:r>
+              <a:rPr lang="en-AT" dirty="0"/>
+              <a:t>of “Text-to-Model (T2M)” and “Model-to-Text (M2T)” transformations.</a:t>
+            </a:r>
+            <a:br>
+              <a:rPr lang="en-AT" dirty="0"/>
+            </a:br>
+            <a:endParaRPr lang="en-AT" dirty="0"/>
+          </a:p>
+          <a:p>
+            <a:r>
+              <a:rPr lang="en-AT" b="1" dirty="0"/>
+              <a:t>Prototype Development</a:t>
+            </a:r>
+          </a:p>
+          <a:p>
+            <a:pPr lvl="1"/>
+            <a:r>
+              <a:rPr lang="en-AT" b="1" dirty="0">
+                <a:solidFill>
+                  <a:schemeClr val="accent4"/>
+                </a:solidFill>
+              </a:rPr>
+              <a:t>Develop a prototype</a:t>
+            </a:r>
+            <a:r>
+              <a:rPr lang="en-AT" dirty="0"/>
+              <a:t> based on the findings of the SLR</a:t>
+            </a:r>
+            <a:endParaRPr lang="en-US" dirty="0"/>
+          </a:p>
+        </p:txBody>
+      </p:sp>
+    </p:spTree>
+    <p:extLst>
+      <p:ext uri="{BB962C8B-B14F-4D97-AF65-F5344CB8AC3E}">
+        <p14:creationId xmlns:p14="http://schemas.microsoft.com/office/powerpoint/2010/main" val="3240979099"/>
+      </p:ext>
+    </p:extLst>
+  </p:cSld>
+  <p:clrMapOvr>
+    <a:masterClrMapping/>
+  </p:clrMapOvr>
+</p:sld>
+</file>
+
+<file path=ppt/slides/slide40.xml><?xml version="1.0" encoding="utf-8"?>
 <p:sld xmlns:a="http://schemas.openxmlformats.org/drawingml/2006/main" xmlns:r="http://schemas.openxmlformats.org/officeDocument/2006/relationships" xmlns:p="http://schemas.openxmlformats.org/presentationml/2006/main">
   <p:cSld>
     <p:spTree>
@@ -7809,7 +12782,7 @@
 </p:sld>
 </file>
 
-<file path=ppt/slides/slide26.xml><?xml version="1.0" encoding="utf-8"?>
+<file path=ppt/slides/slide41.xml><?xml version="1.0" encoding="utf-8"?>
 <p:sld xmlns:a="http://schemas.openxmlformats.org/drawingml/2006/main" xmlns:r="http://schemas.openxmlformats.org/officeDocument/2006/relationships" xmlns:p="http://schemas.openxmlformats.org/presentationml/2006/main">
   <p:cSld>
     <p:spTree>
@@ -8031,7 +13004,7 @@
 </p:sld>
 </file>
 
-<file path=ppt/slides/slide27.xml><?xml version="1.0" encoding="utf-8"?>
+<file path=ppt/slides/slide42.xml><?xml version="1.0" encoding="utf-8"?>
 <p:sld xmlns:a="http://schemas.openxmlformats.org/drawingml/2006/main" xmlns:r="http://schemas.openxmlformats.org/officeDocument/2006/relationships" xmlns:p="http://schemas.openxmlformats.org/presentationml/2006/main">
   <p:cSld>
     <p:spTree>
@@ -8137,13 +13110,10 @@
   <p:clrMapOvr>
     <a:masterClrMapping/>
   </p:clrMapOvr>
-  <p:transition>
-    <p:fade/>
-  </p:transition>
 </p:sld>
 </file>
 
-<file path=ppt/slides/slide28.xml><?xml version="1.0" encoding="utf-8"?>
+<file path=ppt/slides/slide43.xml><?xml version="1.0" encoding="utf-8"?>
 <p:sld xmlns:a="http://schemas.openxmlformats.org/drawingml/2006/main" xmlns:r="http://schemas.openxmlformats.org/officeDocument/2006/relationships" xmlns:p="http://schemas.openxmlformats.org/presentationml/2006/main">
   <p:cSld>
     <p:spTree>
@@ -8313,7 +13283,7 @@
 </p:sld>
 </file>
 
-<file path=ppt/slides/slide29.xml><?xml version="1.0" encoding="utf-8"?>
+<file path=ppt/slides/slide44.xml><?xml version="1.0" encoding="utf-8"?>
 <p:sld xmlns:a="http://schemas.openxmlformats.org/drawingml/2006/main" xmlns:r="http://schemas.openxmlformats.org/officeDocument/2006/relationships" xmlns:p="http://schemas.openxmlformats.org/presentationml/2006/main">
   <p:cSld>
     <p:spTree>
@@ -8500,69 +13470,7 @@
 </p:sld>
 </file>
 
-<file path=ppt/slides/slide3.xml><?xml version="1.0" encoding="utf-8"?>
-<p:sld xmlns:a="http://schemas.openxmlformats.org/drawingml/2006/main" xmlns:r="http://schemas.openxmlformats.org/officeDocument/2006/relationships" xmlns:p="http://schemas.openxmlformats.org/presentationml/2006/main">
-  <p:cSld>
-    <p:spTree>
-      <p:nvGrpSpPr>
-        <p:cNvPr id="1" name=""/>
-        <p:cNvGrpSpPr/>
-        <p:nvPr/>
-      </p:nvGrpSpPr>
-      <p:grpSpPr>
-        <a:xfrm>
-          <a:off x="0" y="0"/>
-          <a:ext cx="0" cy="0"/>
-          <a:chOff x="0" y="0"/>
-          <a:chExt cx="0" cy="0"/>
-        </a:xfrm>
-      </p:grpSpPr>
-      <p:sp>
-        <p:nvSpPr>
-          <p:cNvPr id="3" name="Title 2">
-            <a:extLst>
-              <a:ext uri="{FF2B5EF4-FFF2-40B4-BE49-F238E27FC236}">
-                <a16:creationId xmlns:a16="http://schemas.microsoft.com/office/drawing/2014/main" id="{ABCF1295-4A3C-0912-3611-07A8D0F443BE}"/>
-              </a:ext>
-            </a:extLst>
-          </p:cNvPr>
-          <p:cNvSpPr>
-            <a:spLocks noGrp="1"/>
-          </p:cNvSpPr>
-          <p:nvPr>
-            <p:ph type="ctrTitle"/>
-          </p:nvPr>
-        </p:nvSpPr>
-        <p:spPr/>
-        <p:txBody>
-          <a:bodyPr/>
-          <a:lstStyle/>
-          <a:p>
-            <a:r>
-              <a:rPr lang="en-AT" dirty="0"/>
-              <a:t>QUICK OVERVIEW</a:t>
-            </a:r>
-            <a:endParaRPr lang="en-US" dirty="0"/>
-          </a:p>
-        </p:txBody>
-      </p:sp>
-    </p:spTree>
-    <p:extLst>
-      <p:ext uri="{BB962C8B-B14F-4D97-AF65-F5344CB8AC3E}">
-        <p14:creationId xmlns:p14="http://schemas.microsoft.com/office/powerpoint/2010/main" val="2825074964"/>
-      </p:ext>
-    </p:extLst>
-  </p:cSld>
-  <p:clrMapOvr>
-    <a:masterClrMapping/>
-  </p:clrMapOvr>
-  <p:transition>
-    <p:fade/>
-  </p:transition>
-</p:sld>
-</file>
-
-<file path=ppt/slides/slide30.xml><?xml version="1.0" encoding="utf-8"?>
+<file path=ppt/slides/slide45.xml><?xml version="1.0" encoding="utf-8"?>
 <p:sld xmlns:a="http://schemas.openxmlformats.org/drawingml/2006/main" xmlns:r="http://schemas.openxmlformats.org/officeDocument/2006/relationships" xmlns:p="http://schemas.openxmlformats.org/presentationml/2006/main">
   <p:cSld>
     <p:spTree>
@@ -8643,13 +13551,10 @@
   <p:clrMapOvr>
     <a:masterClrMapping/>
   </p:clrMapOvr>
-  <p:transition>
-    <p:fade/>
-  </p:transition>
 </p:sld>
 </file>
 
-<file path=ppt/slides/slide31.xml><?xml version="1.0" encoding="utf-8"?>
+<file path=ppt/slides/slide46.xml><?xml version="1.0" encoding="utf-8"?>
 <p:sld xmlns:a="http://schemas.openxmlformats.org/drawingml/2006/main" xmlns:r="http://schemas.openxmlformats.org/officeDocument/2006/relationships" xmlns:p="http://schemas.openxmlformats.org/presentationml/2006/main">
   <p:cSld>
     <p:spTree>
@@ -8755,13 +13660,10 @@
   <p:clrMapOvr>
     <a:masterClrMapping/>
   </p:clrMapOvr>
-  <p:transition>
-    <p:fade/>
-  </p:transition>
 </p:sld>
 </file>
 
-<file path=ppt/slides/slide32.xml><?xml version="1.0" encoding="utf-8"?>
+<file path=ppt/slides/slide47.xml><?xml version="1.0" encoding="utf-8"?>
 <p:sld xmlns:a="http://schemas.openxmlformats.org/drawingml/2006/main" xmlns:r="http://schemas.openxmlformats.org/officeDocument/2006/relationships" xmlns:p="http://schemas.openxmlformats.org/presentationml/2006/main">
   <p:cSld>
     <p:spTree>
@@ -8881,7 +13783,7 @@
 </p:sld>
 </file>
 
-<file path=ppt/slides/slide33.xml><?xml version="1.0" encoding="utf-8"?>
+<file path=ppt/slides/slide48.xml><?xml version="1.0" encoding="utf-8"?>
 <p:sld xmlns:a="http://schemas.openxmlformats.org/drawingml/2006/main" xmlns:r="http://schemas.openxmlformats.org/officeDocument/2006/relationships" xmlns:p="http://schemas.openxmlformats.org/presentationml/2006/main">
   <p:cSld>
     <p:spTree>
@@ -9038,7 +13940,7 @@
 </p:sld>
 </file>
 
-<file path=ppt/slides/slide34.xml><?xml version="1.0" encoding="utf-8"?>
+<file path=ppt/slides/slide49.xml><?xml version="1.0" encoding="utf-8"?>
 <p:sld xmlns:a="http://schemas.openxmlformats.org/drawingml/2006/main" xmlns:r="http://schemas.openxmlformats.org/officeDocument/2006/relationships" xmlns:p="http://schemas.openxmlformats.org/presentationml/2006/main">
   <p:cSld>
     <p:spTree>
@@ -9193,7 +14095,116 @@
 </p:sld>
 </file>
 
-<file path=ppt/slides/slide35.xml><?xml version="1.0" encoding="utf-8"?>
+<file path=ppt/slides/slide5.xml><?xml version="1.0" encoding="utf-8"?>
+<p:sld xmlns:a="http://schemas.openxmlformats.org/drawingml/2006/main" xmlns:r="http://schemas.openxmlformats.org/officeDocument/2006/relationships" xmlns:p="http://schemas.openxmlformats.org/presentationml/2006/main">
+  <p:cSld>
+    <p:spTree>
+      <p:nvGrpSpPr>
+        <p:cNvPr id="1" name=""/>
+        <p:cNvGrpSpPr/>
+        <p:nvPr/>
+      </p:nvGrpSpPr>
+      <p:grpSpPr>
+        <a:xfrm>
+          <a:off x="0" y="0"/>
+          <a:ext cx="0" cy="0"/>
+          <a:chOff x="0" y="0"/>
+          <a:chExt cx="0" cy="0"/>
+        </a:xfrm>
+      </p:grpSpPr>
+      <p:sp>
+        <p:nvSpPr>
+          <p:cNvPr id="2" name="Text Placeholder 1">
+            <a:extLst>
+              <a:ext uri="{FF2B5EF4-FFF2-40B4-BE49-F238E27FC236}">
+                <a16:creationId xmlns:a16="http://schemas.microsoft.com/office/drawing/2014/main" id="{3C84C208-04F7-30EE-E1EB-B05D1B9C5352}"/>
+              </a:ext>
+            </a:extLst>
+          </p:cNvPr>
+          <p:cNvSpPr>
+            <a:spLocks noGrp="1"/>
+          </p:cNvSpPr>
+          <p:nvPr>
+            <p:ph type="body" sz="quarter" idx="11"/>
+          </p:nvPr>
+        </p:nvSpPr>
+        <p:spPr/>
+        <p:txBody>
+          <a:bodyPr/>
+          <a:lstStyle/>
+          <a:p>
+            <a:endParaRPr lang="en-US"/>
+          </a:p>
+        </p:txBody>
+      </p:sp>
+      <p:sp>
+        <p:nvSpPr>
+          <p:cNvPr id="3" name="Title 2">
+            <a:extLst>
+              <a:ext uri="{FF2B5EF4-FFF2-40B4-BE49-F238E27FC236}">
+                <a16:creationId xmlns:a16="http://schemas.microsoft.com/office/drawing/2014/main" id="{9B5F765F-4048-46CA-C4D0-E821CD8EBCED}"/>
+              </a:ext>
+            </a:extLst>
+          </p:cNvPr>
+          <p:cNvSpPr>
+            <a:spLocks noGrp="1"/>
+          </p:cNvSpPr>
+          <p:nvPr>
+            <p:ph type="ctrTitle"/>
+          </p:nvPr>
+        </p:nvSpPr>
+        <p:spPr/>
+        <p:txBody>
+          <a:bodyPr/>
+          <a:lstStyle/>
+          <a:p>
+            <a:r>
+              <a:rPr lang="en-AT" dirty="0"/>
+              <a:t>SLR RETROSPECTIVE</a:t>
+            </a:r>
+            <a:endParaRPr lang="en-US" dirty="0"/>
+          </a:p>
+        </p:txBody>
+      </p:sp>
+      <p:sp>
+        <p:nvSpPr>
+          <p:cNvPr id="4" name="Subtitle 3">
+            <a:extLst>
+              <a:ext uri="{FF2B5EF4-FFF2-40B4-BE49-F238E27FC236}">
+                <a16:creationId xmlns:a16="http://schemas.microsoft.com/office/drawing/2014/main" id="{AF3A35D0-763A-656B-5EC7-8809F75959B9}"/>
+              </a:ext>
+            </a:extLst>
+          </p:cNvPr>
+          <p:cNvSpPr>
+            <a:spLocks noGrp="1"/>
+          </p:cNvSpPr>
+          <p:nvPr>
+            <p:ph type="subTitle" idx="1"/>
+          </p:nvPr>
+        </p:nvSpPr>
+        <p:spPr/>
+        <p:txBody>
+          <a:bodyPr/>
+          <a:lstStyle/>
+          <a:p>
+            <a:endParaRPr lang="en-US"/>
+          </a:p>
+        </p:txBody>
+      </p:sp>
+    </p:spTree>
+    <p:extLst>
+      <p:ext uri="{BB962C8B-B14F-4D97-AF65-F5344CB8AC3E}">
+        <p14:creationId xmlns:p14="http://schemas.microsoft.com/office/powerpoint/2010/main" val="3130273938"/>
+      </p:ext>
+    </p:extLst>
+  </p:cSld>
+  <p:clrMapOvr>
+    <a:masterClrMapping/>
+  </p:clrMapOvr>
+</p:sld>
+</file>
+
+<file path=ppt/slides/slide50.xml><?xml version="1.0" encoding="utf-8"?>
 <p:sld xmlns:a="http://schemas.openxmlformats.org/drawingml/2006/main" xmlns:r="http://schemas.openxmlformats.org/officeDocument/2006/relationships" xmlns:p="http://schemas.openxmlformats.org/presentationml/2006/main">
   <p:cSld>
     <p:spTree>
@@ -9268,8 +14279,8 @@
         </p:blipFill>
         <p:spPr bwMode="auto">
           <a:xfrm>
-            <a:off x="3375847" y="1347537"/>
-            <a:ext cx="5440306" cy="5510463"/>
+            <a:off x="3375847" y="1347538"/>
+            <a:ext cx="4779955" cy="4841596"/>
           </a:xfrm>
           <a:prstGeom prst="rect">
             <a:avLst/>
@@ -9299,7 +14310,7 @@
 </p:sld>
 </file>
 
-<file path=ppt/slides/slide36.xml><?xml version="1.0" encoding="utf-8"?>
+<file path=ppt/slides/slide51.xml><?xml version="1.0" encoding="utf-8"?>
 <p:sld xmlns:a="http://schemas.openxmlformats.org/drawingml/2006/main" xmlns:r="http://schemas.openxmlformats.org/officeDocument/2006/relationships" xmlns:p="http://schemas.openxmlformats.org/presentationml/2006/main">
   <p:cSld>
     <p:spTree>
@@ -9405,7 +14416,7 @@
 </p:sld>
 </file>
 
-<file path=ppt/slides/slide37.xml><?xml version="1.0" encoding="utf-8"?>
+<file path=ppt/slides/slide52.xml><?xml version="1.0" encoding="utf-8"?>
 <p:sld xmlns:a="http://schemas.openxmlformats.org/drawingml/2006/main" xmlns:r="http://schemas.openxmlformats.org/officeDocument/2006/relationships" xmlns:p="http://schemas.openxmlformats.org/presentationml/2006/main">
   <p:cSld>
     <p:spTree>
@@ -9540,7 +14551,7 @@
 </p:sld>
 </file>
 
-<file path=ppt/slides/slide38.xml><?xml version="1.0" encoding="utf-8"?>
+<file path=ppt/slides/slide53.xml><?xml version="1.0" encoding="utf-8"?>
 <p:sld xmlns:a="http://schemas.openxmlformats.org/drawingml/2006/main" xmlns:r="http://schemas.openxmlformats.org/officeDocument/2006/relationships" xmlns:p="http://schemas.openxmlformats.org/presentationml/2006/main">
   <p:cSld>
     <p:spTree>
@@ -9695,7 +14706,7 @@
 </p:sld>
 </file>
 
-<file path=ppt/slides/slide39.xml><?xml version="1.0" encoding="utf-8"?>
+<file path=ppt/slides/slide54.xml><?xml version="1.0" encoding="utf-8"?>
 <p:sld xmlns:a="http://schemas.openxmlformats.org/drawingml/2006/main" xmlns:r="http://schemas.openxmlformats.org/officeDocument/2006/relationships" xmlns:p="http://schemas.openxmlformats.org/presentationml/2006/main">
   <p:cSld>
     <p:spTree>
@@ -9852,184 +14863,7 @@
 </p:sld>
 </file>
 
-<file path=ppt/slides/slide4.xml><?xml version="1.0" encoding="utf-8"?>
-<p:sld xmlns:a="http://schemas.openxmlformats.org/drawingml/2006/main" xmlns:r="http://schemas.openxmlformats.org/officeDocument/2006/relationships" xmlns:p="http://schemas.openxmlformats.org/presentationml/2006/main">
-  <p:cSld>
-    <p:spTree>
-      <p:nvGrpSpPr>
-        <p:cNvPr id="1" name=""/>
-        <p:cNvGrpSpPr/>
-        <p:nvPr/>
-      </p:nvGrpSpPr>
-      <p:grpSpPr>
-        <a:xfrm>
-          <a:off x="0" y="0"/>
-          <a:ext cx="0" cy="0"/>
-          <a:chOff x="0" y="0"/>
-          <a:chExt cx="0" cy="0"/>
-        </a:xfrm>
-      </p:grpSpPr>
-      <p:sp>
-        <p:nvSpPr>
-          <p:cNvPr id="2" name="Title 1">
-            <a:extLst>
-              <a:ext uri="{FF2B5EF4-FFF2-40B4-BE49-F238E27FC236}">
-                <a16:creationId xmlns:a16="http://schemas.microsoft.com/office/drawing/2014/main" id="{781A12DC-1506-DEA1-0C56-F322D3CB0DCC}"/>
-              </a:ext>
-            </a:extLst>
-          </p:cNvPr>
-          <p:cNvSpPr>
-            <a:spLocks noGrp="1"/>
-          </p:cNvSpPr>
-          <p:nvPr>
-            <p:ph type="title"/>
-          </p:nvPr>
-        </p:nvSpPr>
-        <p:spPr/>
-        <p:txBody>
-          <a:bodyPr/>
-          <a:lstStyle/>
-          <a:p>
-            <a:r>
-              <a:rPr lang="en-AT"/>
-              <a:t>QUICK OVERVIEW</a:t>
-            </a:r>
-            <a:endParaRPr lang="en-US" dirty="0"/>
-          </a:p>
-        </p:txBody>
-      </p:sp>
-      <p:sp>
-        <p:nvSpPr>
-          <p:cNvPr id="3" name="Content Placeholder 2">
-            <a:extLst>
-              <a:ext uri="{FF2B5EF4-FFF2-40B4-BE49-F238E27FC236}">
-                <a16:creationId xmlns:a16="http://schemas.microsoft.com/office/drawing/2014/main" id="{704A6F4C-9C4C-B0CB-8D03-0D4ADD9A9EFF}"/>
-              </a:ext>
-            </a:extLst>
-          </p:cNvPr>
-          <p:cNvSpPr>
-            <a:spLocks noGrp="1"/>
-          </p:cNvSpPr>
-          <p:nvPr>
-            <p:ph idx="1"/>
-          </p:nvPr>
-        </p:nvSpPr>
-        <p:spPr/>
-        <p:txBody>
-          <a:bodyPr/>
-          <a:lstStyle/>
-          <a:p>
-            <a:r>
-              <a:rPr lang="en-AT" b="1" dirty="0"/>
-              <a:t>Topic</a:t>
-            </a:r>
-          </a:p>
-          <a:p>
-            <a:pPr lvl="1"/>
-            <a:r>
-              <a:rPr lang="en-AT" b="1" dirty="0">
-                <a:solidFill>
-                  <a:schemeClr val="accent4"/>
-                </a:solidFill>
-              </a:rPr>
-              <a:t>Transforming Requirements </a:t>
-            </a:r>
-            <a:r>
-              <a:rPr lang="en-AT" dirty="0"/>
-              <a:t>to/from </a:t>
-            </a:r>
-            <a:r>
-              <a:rPr lang="en-AT" b="1" dirty="0">
-                <a:solidFill>
-                  <a:schemeClr val="accent4"/>
-                </a:solidFill>
-              </a:rPr>
-              <a:t>Natural Language </a:t>
-            </a:r>
-            <a:r>
-              <a:rPr lang="en-AT" dirty="0"/>
-              <a:t>(NL) to/from a </a:t>
-            </a:r>
-            <a:r>
-              <a:rPr lang="en-AT" b="1" dirty="0">
-                <a:solidFill>
-                  <a:schemeClr val="accent4"/>
-                </a:solidFill>
-              </a:rPr>
-              <a:t>UML class model</a:t>
-            </a:r>
-            <a:r>
-              <a:rPr lang="en-AT" dirty="0"/>
-              <a:t>.</a:t>
-            </a:r>
-            <a:br>
-              <a:rPr lang="en-AT" dirty="0"/>
-            </a:br>
-            <a:endParaRPr lang="en-AT" dirty="0"/>
-          </a:p>
-          <a:p>
-            <a:r>
-              <a:rPr lang="en-AT" b="1" dirty="0"/>
-              <a:t>Systematic Literature Review</a:t>
-            </a:r>
-          </a:p>
-          <a:p>
-            <a:pPr lvl="1"/>
-            <a:r>
-              <a:rPr lang="en-AT" b="1" dirty="0">
-                <a:solidFill>
-                  <a:schemeClr val="accent4"/>
-                </a:solidFill>
-              </a:rPr>
-              <a:t>Investigate a part of the field </a:t>
-            </a:r>
-            <a:r>
-              <a:rPr lang="en-AT" dirty="0"/>
-              <a:t>of “Text-to-Model (T2M)” and “Model-to-Text (M2T)” transformations.</a:t>
-            </a:r>
-            <a:br>
-              <a:rPr lang="en-AT" dirty="0"/>
-            </a:br>
-            <a:endParaRPr lang="en-AT" dirty="0"/>
-          </a:p>
-          <a:p>
-            <a:r>
-              <a:rPr lang="en-AT" b="1" dirty="0"/>
-              <a:t>Prototype Development</a:t>
-            </a:r>
-          </a:p>
-          <a:p>
-            <a:pPr lvl="1"/>
-            <a:r>
-              <a:rPr lang="en-AT" b="1" dirty="0">
-                <a:solidFill>
-                  <a:schemeClr val="accent4"/>
-                </a:solidFill>
-              </a:rPr>
-              <a:t>Develop a prototype</a:t>
-            </a:r>
-            <a:r>
-              <a:rPr lang="en-AT" dirty="0"/>
-              <a:t> based on the findings of the SLR</a:t>
-            </a:r>
-            <a:endParaRPr lang="en-US" dirty="0"/>
-          </a:p>
-        </p:txBody>
-      </p:sp>
-    </p:spTree>
-    <p:extLst>
-      <p:ext uri="{BB962C8B-B14F-4D97-AF65-F5344CB8AC3E}">
-        <p14:creationId xmlns:p14="http://schemas.microsoft.com/office/powerpoint/2010/main" val="3240979099"/>
-      </p:ext>
-    </p:extLst>
-  </p:cSld>
-  <p:clrMapOvr>
-    <a:masterClrMapping/>
-  </p:clrMapOvr>
-</p:sld>
-</file>
-
-<file path=ppt/slides/slide40.xml><?xml version="1.0" encoding="utf-8"?>
+<file path=ppt/slides/slide55.xml><?xml version="1.0" encoding="utf-8"?>
 <p:sld xmlns:a="http://schemas.openxmlformats.org/drawingml/2006/main" xmlns:r="http://schemas.openxmlformats.org/officeDocument/2006/relationships" xmlns:p="http://schemas.openxmlformats.org/presentationml/2006/main">
   <p:cSld>
     <p:spTree>
@@ -10196,7 +15030,7 @@
 </p:sld>
 </file>
 
-<file path=ppt/slides/slide41.xml><?xml version="1.0" encoding="utf-8"?>
+<file path=ppt/slides/slide56.xml><?xml version="1.0" encoding="utf-8"?>
 <p:sld xmlns:a="http://schemas.openxmlformats.org/drawingml/2006/main" xmlns:r="http://schemas.openxmlformats.org/officeDocument/2006/relationships" xmlns:p="http://schemas.openxmlformats.org/presentationml/2006/main">
   <p:cSld>
     <p:spTree>
@@ -10348,7 +15182,7 @@
 </p:sld>
 </file>
 
-<file path=ppt/slides/slide42.xml><?xml version="1.0" encoding="utf-8"?>
+<file path=ppt/slides/slide57.xml><?xml version="1.0" encoding="utf-8"?>
 <p:sld xmlns:a="http://schemas.openxmlformats.org/drawingml/2006/main" xmlns:r="http://schemas.openxmlformats.org/officeDocument/2006/relationships" xmlns:p="http://schemas.openxmlformats.org/presentationml/2006/main">
   <p:cSld>
     <p:spTree>
@@ -10494,7 +15328,7 @@
 </p:sld>
 </file>
 
-<file path=ppt/slides/slide43.xml><?xml version="1.0" encoding="utf-8"?>
+<file path=ppt/slides/slide58.xml><?xml version="1.0" encoding="utf-8"?>
 <p:sld xmlns:a="http://schemas.openxmlformats.org/drawingml/2006/main" xmlns:r="http://schemas.openxmlformats.org/officeDocument/2006/relationships" xmlns:p="http://schemas.openxmlformats.org/presentationml/2006/main">
   <p:cSld>
     <p:spTree>
@@ -10640,7 +15474,7 @@
 </p:sld>
 </file>
 
-<file path=ppt/slides/slide44.xml><?xml version="1.0" encoding="utf-8"?>
+<file path=ppt/slides/slide59.xml><?xml version="1.0" encoding="utf-8"?>
 <p:sld xmlns:a="http://schemas.openxmlformats.org/drawingml/2006/main" xmlns:r="http://schemas.openxmlformats.org/officeDocument/2006/relationships" xmlns:p="http://schemas.openxmlformats.org/presentationml/2006/main">
   <p:cSld>
     <p:spTree>
@@ -10793,7 +15627,215 @@
 </p:sld>
 </file>
 
-<file path=ppt/slides/slide45.xml><?xml version="1.0" encoding="utf-8"?>
+<file path=ppt/slides/slide6.xml><?xml version="1.0" encoding="utf-8"?>
+<p:sld xmlns:a="http://schemas.openxmlformats.org/drawingml/2006/main" xmlns:r="http://schemas.openxmlformats.org/officeDocument/2006/relationships" xmlns:p="http://schemas.openxmlformats.org/presentationml/2006/main">
+  <p:cSld>
+    <p:spTree>
+      <p:nvGrpSpPr>
+        <p:cNvPr id="1" name=""/>
+        <p:cNvGrpSpPr/>
+        <p:nvPr/>
+      </p:nvGrpSpPr>
+      <p:grpSpPr>
+        <a:xfrm>
+          <a:off x="0" y="0"/>
+          <a:ext cx="0" cy="0"/>
+          <a:chOff x="0" y="0"/>
+          <a:chExt cx="0" cy="0"/>
+        </a:xfrm>
+      </p:grpSpPr>
+      <p:sp>
+        <p:nvSpPr>
+          <p:cNvPr id="2" name="Title 1">
+            <a:extLst>
+              <a:ext uri="{FF2B5EF4-FFF2-40B4-BE49-F238E27FC236}">
+                <a16:creationId xmlns:a16="http://schemas.microsoft.com/office/drawing/2014/main" id="{295E9DA5-5ACC-C469-D6B7-FA62A4193273}"/>
+              </a:ext>
+            </a:extLst>
+          </p:cNvPr>
+          <p:cNvSpPr>
+            <a:spLocks noGrp="1"/>
+          </p:cNvSpPr>
+          <p:nvPr>
+            <p:ph type="title"/>
+          </p:nvPr>
+        </p:nvSpPr>
+        <p:spPr/>
+        <p:txBody>
+          <a:bodyPr/>
+          <a:lstStyle/>
+          <a:p>
+            <a:r>
+              <a:rPr lang="en-AT" dirty="0"/>
+              <a:t>SLR Findings</a:t>
+            </a:r>
+            <a:endParaRPr lang="en-US" dirty="0"/>
+          </a:p>
+        </p:txBody>
+      </p:sp>
+      <p:sp>
+        <p:nvSpPr>
+          <p:cNvPr id="3" name="Content Placeholder 2">
+            <a:extLst>
+              <a:ext uri="{FF2B5EF4-FFF2-40B4-BE49-F238E27FC236}">
+                <a16:creationId xmlns:a16="http://schemas.microsoft.com/office/drawing/2014/main" id="{5EA1F255-C8D0-F934-BCC6-1816E040A0D8}"/>
+              </a:ext>
+            </a:extLst>
+          </p:cNvPr>
+          <p:cNvSpPr>
+            <a:spLocks noGrp="1"/>
+          </p:cNvSpPr>
+          <p:nvPr>
+            <p:ph idx="1"/>
+          </p:nvPr>
+        </p:nvSpPr>
+        <p:spPr/>
+        <p:txBody>
+          <a:bodyPr/>
+          <a:lstStyle/>
+          <a:p>
+            <a:r>
+              <a:rPr lang="en-AT" b="1" dirty="0"/>
+              <a:t>Relevant Findings for Prototype-Design</a:t>
+            </a:r>
+            <a:br>
+              <a:rPr lang="en-AT" dirty="0"/>
+            </a:br>
+            <a:endParaRPr lang="en-AT" dirty="0"/>
+          </a:p>
+          <a:p>
+            <a:pPr lvl="1"/>
+            <a:r>
+              <a:rPr lang="en-AT" dirty="0"/>
+              <a:t>Transformation approach via an </a:t>
+            </a:r>
+            <a:r>
+              <a:rPr lang="en-AT" b="1" dirty="0">
+                <a:solidFill>
+                  <a:schemeClr val="accent4"/>
+                </a:solidFill>
+              </a:rPr>
+              <a:t>intermediate structure</a:t>
+            </a:r>
+            <a:br>
+              <a:rPr lang="en-AT" dirty="0"/>
+            </a:br>
+            <a:endParaRPr lang="en-AT" dirty="0"/>
+          </a:p>
+          <a:p>
+            <a:pPr lvl="1"/>
+            <a:r>
+              <a:rPr lang="en-AT" b="1" dirty="0">
+                <a:solidFill>
+                  <a:schemeClr val="accent4"/>
+                </a:solidFill>
+              </a:rPr>
+              <a:t>NL input </a:t>
+            </a:r>
+            <a:r>
+              <a:rPr lang="en-AT" dirty="0"/>
+              <a:t>mostly </a:t>
+            </a:r>
+            <a:r>
+              <a:rPr lang="en-AT" b="1" dirty="0">
+                <a:solidFill>
+                  <a:schemeClr val="accent4"/>
+                </a:solidFill>
+              </a:rPr>
+              <a:t>structured</a:t>
+            </a:r>
+            <a:br>
+              <a:rPr lang="en-AT" dirty="0"/>
+            </a:br>
+            <a:endParaRPr lang="en-AT" dirty="0"/>
+          </a:p>
+          <a:p>
+            <a:pPr lvl="1"/>
+            <a:r>
+              <a:rPr lang="en-AT" dirty="0"/>
+              <a:t>No included paper covered a </a:t>
+            </a:r>
+            <a:r>
+              <a:rPr lang="en-AT" b="1" dirty="0">
+                <a:solidFill>
+                  <a:schemeClr val="accent4"/>
+                </a:solidFill>
+              </a:rPr>
+              <a:t>bidirectional approach </a:t>
+            </a:r>
+            <a:br>
+              <a:rPr lang="en-AT" dirty="0"/>
+            </a:br>
+            <a:endParaRPr lang="en-AT" dirty="0"/>
+          </a:p>
+          <a:p>
+            <a:pPr lvl="1"/>
+            <a:r>
+              <a:rPr lang="en-AT" dirty="0"/>
+              <a:t>Many approaches use similar </a:t>
+            </a:r>
+            <a:r>
+              <a:rPr lang="en-AT" b="1" dirty="0">
+                <a:solidFill>
+                  <a:schemeClr val="accent4"/>
+                </a:solidFill>
+              </a:rPr>
+              <a:t>“keywords” to transform</a:t>
+            </a:r>
+            <a:r>
+              <a:rPr lang="en-AT" dirty="0"/>
+              <a:t> the same concepts</a:t>
+            </a:r>
+          </a:p>
+          <a:p>
+            <a:pPr lvl="2"/>
+            <a:r>
+              <a:rPr lang="en-US" dirty="0"/>
+              <a:t>E</a:t>
+            </a:r>
+            <a:r>
+              <a:rPr lang="en-AT" dirty="0"/>
+              <a:t>.g. “X </a:t>
+            </a:r>
+            <a:r>
+              <a:rPr lang="en-AT" b="1" dirty="0"/>
+              <a:t>is a </a:t>
+            </a:r>
+            <a:r>
+              <a:rPr lang="en-AT" dirty="0"/>
+              <a:t>Y” </a:t>
+            </a:r>
+            <a:r>
+              <a:rPr lang="en-AT" dirty="0">
+                <a:sym typeface="Wingdings" panose="05000000000000000000" pitchFamily="2" charset="2"/>
+              </a:rPr>
+              <a:t></a:t>
+            </a:r>
+            <a:r>
+              <a:rPr lang="en-AT" dirty="0"/>
+              <a:t> often used for Generalization</a:t>
+            </a:r>
+          </a:p>
+          <a:p>
+            <a:pPr lvl="1"/>
+            <a:endParaRPr lang="en-AT" dirty="0"/>
+          </a:p>
+        </p:txBody>
+      </p:sp>
+    </p:spTree>
+    <p:extLst>
+      <p:ext uri="{BB962C8B-B14F-4D97-AF65-F5344CB8AC3E}">
+        <p14:creationId xmlns:p14="http://schemas.microsoft.com/office/powerpoint/2010/main" val="1596812014"/>
+      </p:ext>
+    </p:extLst>
+  </p:cSld>
+  <p:clrMapOvr>
+    <a:masterClrMapping/>
+  </p:clrMapOvr>
+</p:sld>
+</file>
+
+<file path=ppt/slides/slide60.xml><?xml version="1.0" encoding="utf-8"?>
 <p:sld xmlns:a="http://schemas.openxmlformats.org/drawingml/2006/main" xmlns:r="http://schemas.openxmlformats.org/officeDocument/2006/relationships" xmlns:p="http://schemas.openxmlformats.org/presentationml/2006/main">
   <p:cSld>
     <p:spTree>
@@ -11285,7 +16327,7 @@
 </p:sld>
 </file>
 
-<file path=ppt/slides/slide46.xml><?xml version="1.0" encoding="utf-8"?>
+<file path=ppt/slides/slide61.xml><?xml version="1.0" encoding="utf-8"?>
 <p:sld xmlns:a="http://schemas.openxmlformats.org/drawingml/2006/main" xmlns:r="http://schemas.openxmlformats.org/officeDocument/2006/relationships" xmlns:p="http://schemas.openxmlformats.org/presentationml/2006/main">
   <p:cSld>
     <p:spTree>
@@ -11448,7 +16490,7 @@
 </p:sld>
 </file>
 
-<file path=ppt/slides/slide47.xml><?xml version="1.0" encoding="utf-8"?>
+<file path=ppt/slides/slide62.xml><?xml version="1.0" encoding="utf-8"?>
 <p:sld xmlns:a="http://schemas.openxmlformats.org/drawingml/2006/main" xmlns:r="http://schemas.openxmlformats.org/officeDocument/2006/relationships" xmlns:p="http://schemas.openxmlformats.org/presentationml/2006/main">
   <p:cSld>
     <p:spTree>
@@ -11611,7 +16653,7 @@
 </p:sld>
 </file>
 
-<file path=ppt/slides/slide48.xml><?xml version="1.0" encoding="utf-8"?>
+<file path=ppt/slides/slide63.xml><?xml version="1.0" encoding="utf-8"?>
 <p:sld xmlns:a="http://schemas.openxmlformats.org/drawingml/2006/main" xmlns:r="http://schemas.openxmlformats.org/officeDocument/2006/relationships" xmlns:p="http://schemas.openxmlformats.org/presentationml/2006/main">
   <p:cSld>
     <p:spTree>
@@ -11740,326 +16782,6 @@
     <p:extLst>
       <p:ext uri="{BB962C8B-B14F-4D97-AF65-F5344CB8AC3E}">
         <p14:creationId xmlns:p14="http://schemas.microsoft.com/office/powerpoint/2010/main" val="3896354421"/>
-      </p:ext>
-    </p:extLst>
-  </p:cSld>
-  <p:clrMapOvr>
-    <a:masterClrMapping/>
-  </p:clrMapOvr>
-</p:sld>
-</file>
-
-<file path=ppt/slides/slide5.xml><?xml version="1.0" encoding="utf-8"?>
-<p:sld xmlns:a="http://schemas.openxmlformats.org/drawingml/2006/main" xmlns:r="http://schemas.openxmlformats.org/officeDocument/2006/relationships" xmlns:p="http://schemas.openxmlformats.org/presentationml/2006/main">
-  <p:cSld>
-    <p:spTree>
-      <p:nvGrpSpPr>
-        <p:cNvPr id="1" name=""/>
-        <p:cNvGrpSpPr/>
-        <p:nvPr/>
-      </p:nvGrpSpPr>
-      <p:grpSpPr>
-        <a:xfrm>
-          <a:off x="0" y="0"/>
-          <a:ext cx="0" cy="0"/>
-          <a:chOff x="0" y="0"/>
-          <a:chExt cx="0" cy="0"/>
-        </a:xfrm>
-      </p:grpSpPr>
-      <p:sp>
-        <p:nvSpPr>
-          <p:cNvPr id="2" name="Text Placeholder 1">
-            <a:extLst>
-              <a:ext uri="{FF2B5EF4-FFF2-40B4-BE49-F238E27FC236}">
-                <a16:creationId xmlns:a16="http://schemas.microsoft.com/office/drawing/2014/main" id="{3C84C208-04F7-30EE-E1EB-B05D1B9C5352}"/>
-              </a:ext>
-            </a:extLst>
-          </p:cNvPr>
-          <p:cNvSpPr>
-            <a:spLocks noGrp="1"/>
-          </p:cNvSpPr>
-          <p:nvPr>
-            <p:ph type="body" sz="quarter" idx="11"/>
-          </p:nvPr>
-        </p:nvSpPr>
-        <p:spPr/>
-        <p:txBody>
-          <a:bodyPr/>
-          <a:lstStyle/>
-          <a:p>
-            <a:endParaRPr lang="en-US"/>
-          </a:p>
-        </p:txBody>
-      </p:sp>
-      <p:sp>
-        <p:nvSpPr>
-          <p:cNvPr id="3" name="Title 2">
-            <a:extLst>
-              <a:ext uri="{FF2B5EF4-FFF2-40B4-BE49-F238E27FC236}">
-                <a16:creationId xmlns:a16="http://schemas.microsoft.com/office/drawing/2014/main" id="{9B5F765F-4048-46CA-C4D0-E821CD8EBCED}"/>
-              </a:ext>
-            </a:extLst>
-          </p:cNvPr>
-          <p:cNvSpPr>
-            <a:spLocks noGrp="1"/>
-          </p:cNvSpPr>
-          <p:nvPr>
-            <p:ph type="ctrTitle"/>
-          </p:nvPr>
-        </p:nvSpPr>
-        <p:spPr/>
-        <p:txBody>
-          <a:bodyPr/>
-          <a:lstStyle/>
-          <a:p>
-            <a:r>
-              <a:rPr lang="en-AT" dirty="0"/>
-              <a:t>SLR RETROSPECTIVE</a:t>
-            </a:r>
-            <a:endParaRPr lang="en-US" dirty="0"/>
-          </a:p>
-        </p:txBody>
-      </p:sp>
-      <p:sp>
-        <p:nvSpPr>
-          <p:cNvPr id="4" name="Subtitle 3">
-            <a:extLst>
-              <a:ext uri="{FF2B5EF4-FFF2-40B4-BE49-F238E27FC236}">
-                <a16:creationId xmlns:a16="http://schemas.microsoft.com/office/drawing/2014/main" id="{AF3A35D0-763A-656B-5EC7-8809F75959B9}"/>
-              </a:ext>
-            </a:extLst>
-          </p:cNvPr>
-          <p:cNvSpPr>
-            <a:spLocks noGrp="1"/>
-          </p:cNvSpPr>
-          <p:nvPr>
-            <p:ph type="subTitle" idx="1"/>
-          </p:nvPr>
-        </p:nvSpPr>
-        <p:spPr/>
-        <p:txBody>
-          <a:bodyPr/>
-          <a:lstStyle/>
-          <a:p>
-            <a:endParaRPr lang="en-US"/>
-          </a:p>
-        </p:txBody>
-      </p:sp>
-    </p:spTree>
-    <p:extLst>
-      <p:ext uri="{BB962C8B-B14F-4D97-AF65-F5344CB8AC3E}">
-        <p14:creationId xmlns:p14="http://schemas.microsoft.com/office/powerpoint/2010/main" val="3130273938"/>
-      </p:ext>
-    </p:extLst>
-  </p:cSld>
-  <p:clrMapOvr>
-    <a:masterClrMapping/>
-  </p:clrMapOvr>
-  <p:transition>
-    <p:fade/>
-  </p:transition>
-</p:sld>
-</file>
-
-<file path=ppt/slides/slide6.xml><?xml version="1.0" encoding="utf-8"?>
-<p:sld xmlns:a="http://schemas.openxmlformats.org/drawingml/2006/main" xmlns:r="http://schemas.openxmlformats.org/officeDocument/2006/relationships" xmlns:p="http://schemas.openxmlformats.org/presentationml/2006/main">
-  <p:cSld>
-    <p:spTree>
-      <p:nvGrpSpPr>
-        <p:cNvPr id="1" name=""/>
-        <p:cNvGrpSpPr/>
-        <p:nvPr/>
-      </p:nvGrpSpPr>
-      <p:grpSpPr>
-        <a:xfrm>
-          <a:off x="0" y="0"/>
-          <a:ext cx="0" cy="0"/>
-          <a:chOff x="0" y="0"/>
-          <a:chExt cx="0" cy="0"/>
-        </a:xfrm>
-      </p:grpSpPr>
-      <p:sp>
-        <p:nvSpPr>
-          <p:cNvPr id="2" name="Title 1">
-            <a:extLst>
-              <a:ext uri="{FF2B5EF4-FFF2-40B4-BE49-F238E27FC236}">
-                <a16:creationId xmlns:a16="http://schemas.microsoft.com/office/drawing/2014/main" id="{295E9DA5-5ACC-C469-D6B7-FA62A4193273}"/>
-              </a:ext>
-            </a:extLst>
-          </p:cNvPr>
-          <p:cNvSpPr>
-            <a:spLocks noGrp="1"/>
-          </p:cNvSpPr>
-          <p:nvPr>
-            <p:ph type="title"/>
-          </p:nvPr>
-        </p:nvSpPr>
-        <p:spPr/>
-        <p:txBody>
-          <a:bodyPr/>
-          <a:lstStyle/>
-          <a:p>
-            <a:r>
-              <a:rPr lang="en-AT" dirty="0"/>
-              <a:t>SLR RETROSPECTIVE</a:t>
-            </a:r>
-            <a:endParaRPr lang="en-US" dirty="0"/>
-          </a:p>
-        </p:txBody>
-      </p:sp>
-      <p:sp>
-        <p:nvSpPr>
-          <p:cNvPr id="3" name="Content Placeholder 2">
-            <a:extLst>
-              <a:ext uri="{FF2B5EF4-FFF2-40B4-BE49-F238E27FC236}">
-                <a16:creationId xmlns:a16="http://schemas.microsoft.com/office/drawing/2014/main" id="{5EA1F255-C8D0-F934-BCC6-1816E040A0D8}"/>
-              </a:ext>
-            </a:extLst>
-          </p:cNvPr>
-          <p:cNvSpPr>
-            <a:spLocks noGrp="1"/>
-          </p:cNvSpPr>
-          <p:nvPr>
-            <p:ph idx="1"/>
-          </p:nvPr>
-        </p:nvSpPr>
-        <p:spPr/>
-        <p:txBody>
-          <a:bodyPr/>
-          <a:lstStyle/>
-          <a:p>
-            <a:r>
-              <a:rPr lang="en-AT" b="1" dirty="0"/>
-              <a:t>Relevant Findings for Prototype-Design</a:t>
-            </a:r>
-            <a:br>
-              <a:rPr lang="en-AT" dirty="0"/>
-            </a:br>
-            <a:endParaRPr lang="en-AT" dirty="0"/>
-          </a:p>
-          <a:p>
-            <a:pPr lvl="1"/>
-            <a:r>
-              <a:rPr lang="en-AT" dirty="0"/>
-              <a:t>Transformation approach via an </a:t>
-            </a:r>
-            <a:r>
-              <a:rPr lang="en-AT" b="1" dirty="0">
-                <a:solidFill>
-                  <a:schemeClr val="accent4"/>
-                </a:solidFill>
-              </a:rPr>
-              <a:t>intermediate structure</a:t>
-            </a:r>
-            <a:br>
-              <a:rPr lang="en-AT" dirty="0"/>
-            </a:br>
-            <a:endParaRPr lang="en-AT" dirty="0"/>
-          </a:p>
-          <a:p>
-            <a:pPr lvl="1"/>
-            <a:r>
-              <a:rPr lang="en-AT" b="1" dirty="0">
-                <a:solidFill>
-                  <a:schemeClr val="accent4"/>
-                </a:solidFill>
-              </a:rPr>
-              <a:t>NL input </a:t>
-            </a:r>
-            <a:r>
-              <a:rPr lang="en-AT" dirty="0"/>
-              <a:t>mostly </a:t>
-            </a:r>
-            <a:r>
-              <a:rPr lang="en-AT" b="1" dirty="0">
-                <a:solidFill>
-                  <a:schemeClr val="accent4"/>
-                </a:solidFill>
-              </a:rPr>
-              <a:t>structured</a:t>
-            </a:r>
-            <a:br>
-              <a:rPr lang="en-AT" dirty="0"/>
-            </a:br>
-            <a:endParaRPr lang="en-AT" dirty="0"/>
-          </a:p>
-          <a:p>
-            <a:pPr lvl="1"/>
-            <a:r>
-              <a:rPr lang="en-AT" dirty="0"/>
-              <a:t>No included paper covered a </a:t>
-            </a:r>
-            <a:r>
-              <a:rPr lang="en-AT" b="1" dirty="0">
-                <a:solidFill>
-                  <a:schemeClr val="accent4"/>
-                </a:solidFill>
-              </a:rPr>
-              <a:t>bidirectional approach </a:t>
-            </a:r>
-            <a:br>
-              <a:rPr lang="en-AT" dirty="0"/>
-            </a:br>
-            <a:endParaRPr lang="en-AT" dirty="0"/>
-          </a:p>
-          <a:p>
-            <a:pPr lvl="1"/>
-            <a:r>
-              <a:rPr lang="en-AT" dirty="0"/>
-              <a:t>Many approaches use similar </a:t>
-            </a:r>
-            <a:r>
-              <a:rPr lang="en-AT" b="1" dirty="0">
-                <a:solidFill>
-                  <a:schemeClr val="accent4"/>
-                </a:solidFill>
-              </a:rPr>
-              <a:t>“keywords” to transform</a:t>
-            </a:r>
-            <a:r>
-              <a:rPr lang="en-AT" dirty="0"/>
-              <a:t> the same concepts</a:t>
-            </a:r>
-          </a:p>
-          <a:p>
-            <a:pPr lvl="2"/>
-            <a:r>
-              <a:rPr lang="en-US" dirty="0"/>
-              <a:t>E</a:t>
-            </a:r>
-            <a:r>
-              <a:rPr lang="en-AT" dirty="0"/>
-              <a:t>.g. “X </a:t>
-            </a:r>
-            <a:r>
-              <a:rPr lang="en-AT" b="1" dirty="0"/>
-              <a:t>is a </a:t>
-            </a:r>
-            <a:r>
-              <a:rPr lang="en-AT" dirty="0"/>
-              <a:t>Y” </a:t>
-            </a:r>
-            <a:r>
-              <a:rPr lang="en-AT" dirty="0">
-                <a:sym typeface="Wingdings" panose="05000000000000000000" pitchFamily="2" charset="2"/>
-              </a:rPr>
-              <a:t></a:t>
-            </a:r>
-            <a:r>
-              <a:rPr lang="en-AT" dirty="0"/>
-              <a:t> often used for Generalization</a:t>
-            </a:r>
-          </a:p>
-          <a:p>
-            <a:pPr lvl="1"/>
-            <a:endParaRPr lang="en-AT" dirty="0"/>
-          </a:p>
-        </p:txBody>
-      </p:sp>
-    </p:spTree>
-    <p:extLst>
-      <p:ext uri="{BB962C8B-B14F-4D97-AF65-F5344CB8AC3E}">
-        <p14:creationId xmlns:p14="http://schemas.microsoft.com/office/powerpoint/2010/main" val="1596812014"/>
       </p:ext>
     </p:extLst>
   </p:cSld>
@@ -12175,9 +16897,6 @@
   <p:clrMapOvr>
     <a:masterClrMapping/>
   </p:clrMapOvr>
-  <p:transition>
-    <p:fade/>
-  </p:transition>
 </p:sld>
 </file>
 
@@ -12816,16 +17535,302 @@
 </a:theme>
 </file>
 
-<file path=customXml/item1.xml><?xml version="1.0" encoding="utf-8"?>
-<?mso-contentType ?>
-<FormTemplates xmlns="http://schemas.microsoft.com/sharepoint/v3/contenttype/forms">
-  <Display>DocumentLibraryForm</Display>
-  <Edit>DocumentLibraryForm</Edit>
-  <New>DocumentLibraryForm</New>
-</FormTemplates>
+<file path=ppt/theme/theme2.xml><?xml version="1.0" encoding="utf-8"?>
+<a:theme xmlns:a="http://schemas.openxmlformats.org/drawingml/2006/main" name="Office Theme">
+  <a:themeElements>
+    <a:clrScheme name="Office">
+      <a:dk1>
+        <a:sysClr val="windowText" lastClr="000000"/>
+      </a:dk1>
+      <a:lt1>
+        <a:sysClr val="window" lastClr="FFFFFF"/>
+      </a:lt1>
+      <a:dk2>
+        <a:srgbClr val="44546A"/>
+      </a:dk2>
+      <a:lt2>
+        <a:srgbClr val="E7E6E6"/>
+      </a:lt2>
+      <a:accent1>
+        <a:srgbClr val="4472C4"/>
+      </a:accent1>
+      <a:accent2>
+        <a:srgbClr val="ED7D31"/>
+      </a:accent2>
+      <a:accent3>
+        <a:srgbClr val="A5A5A5"/>
+      </a:accent3>
+      <a:accent4>
+        <a:srgbClr val="FFC000"/>
+      </a:accent4>
+      <a:accent5>
+        <a:srgbClr val="5B9BD5"/>
+      </a:accent5>
+      <a:accent6>
+        <a:srgbClr val="70AD47"/>
+      </a:accent6>
+      <a:hlink>
+        <a:srgbClr val="0563C1"/>
+      </a:hlink>
+      <a:folHlink>
+        <a:srgbClr val="954F72"/>
+      </a:folHlink>
+    </a:clrScheme>
+    <a:fontScheme name="Office">
+      <a:majorFont>
+        <a:latin typeface="Calibri Light" panose="020F0302020204030204"/>
+        <a:ea typeface=""/>
+        <a:cs typeface=""/>
+        <a:font script="Jpan" typeface="游ゴシック Light"/>
+        <a:font script="Hang" typeface="맑은 고딕"/>
+        <a:font script="Hans" typeface="等线 Light"/>
+        <a:font script="Hant" typeface="新細明體"/>
+        <a:font script="Arab" typeface="Times New Roman"/>
+        <a:font script="Hebr" typeface="Times New Roman"/>
+        <a:font script="Thai" typeface="Angsana New"/>
+        <a:font script="Ethi" typeface="Nyala"/>
+        <a:font script="Beng" typeface="Vrinda"/>
+        <a:font script="Gujr" typeface="Shruti"/>
+        <a:font script="Khmr" typeface="MoolBoran"/>
+        <a:font script="Knda" typeface="Tunga"/>
+        <a:font script="Guru" typeface="Raavi"/>
+        <a:font script="Cans" typeface="Euphemia"/>
+        <a:font script="Cher" typeface="Plantagenet Cherokee"/>
+        <a:font script="Yiii" typeface="Microsoft Yi Baiti"/>
+        <a:font script="Tibt" typeface="Microsoft Himalaya"/>
+        <a:font script="Thaa" typeface="MV Boli"/>
+        <a:font script="Deva" typeface="Mangal"/>
+        <a:font script="Telu" typeface="Gautami"/>
+        <a:font script="Taml" typeface="Latha"/>
+        <a:font script="Syrc" typeface="Estrangelo Edessa"/>
+        <a:font script="Orya" typeface="Kalinga"/>
+        <a:font script="Mlym" typeface="Kartika"/>
+        <a:font script="Laoo" typeface="DokChampa"/>
+        <a:font script="Sinh" typeface="Iskoola Pota"/>
+        <a:font script="Mong" typeface="Mongolian Baiti"/>
+        <a:font script="Viet" typeface="Times New Roman"/>
+        <a:font script="Uigh" typeface="Microsoft Uighur"/>
+        <a:font script="Geor" typeface="Sylfaen"/>
+        <a:font script="Armn" typeface="Arial"/>
+        <a:font script="Bugi" typeface="Leelawadee UI"/>
+        <a:font script="Bopo" typeface="Microsoft JhengHei"/>
+        <a:font script="Java" typeface="Javanese Text"/>
+        <a:font script="Lisu" typeface="Segoe UI"/>
+        <a:font script="Mymr" typeface="Myanmar Text"/>
+        <a:font script="Nkoo" typeface="Ebrima"/>
+        <a:font script="Olck" typeface="Nirmala UI"/>
+        <a:font script="Osma" typeface="Ebrima"/>
+        <a:font script="Phag" typeface="Phagspa"/>
+        <a:font script="Syrn" typeface="Estrangelo Edessa"/>
+        <a:font script="Syrj" typeface="Estrangelo Edessa"/>
+        <a:font script="Syre" typeface="Estrangelo Edessa"/>
+        <a:font script="Sora" typeface="Nirmala UI"/>
+        <a:font script="Tale" typeface="Microsoft Tai Le"/>
+        <a:font script="Talu" typeface="Microsoft New Tai Lue"/>
+        <a:font script="Tfng" typeface="Ebrima"/>
+      </a:majorFont>
+      <a:minorFont>
+        <a:latin typeface="Calibri" panose="020F0502020204030204"/>
+        <a:ea typeface=""/>
+        <a:cs typeface=""/>
+        <a:font script="Jpan" typeface="游ゴシック"/>
+        <a:font script="Hang" typeface="맑은 고딕"/>
+        <a:font script="Hans" typeface="等线"/>
+        <a:font script="Hant" typeface="新細明體"/>
+        <a:font script="Arab" typeface="Arial"/>
+        <a:font script="Hebr" typeface="Arial"/>
+        <a:font script="Thai" typeface="Cordia New"/>
+        <a:font script="Ethi" typeface="Nyala"/>
+        <a:font script="Beng" typeface="Vrinda"/>
+        <a:font script="Gujr" typeface="Shruti"/>
+        <a:font script="Khmr" typeface="DaunPenh"/>
+        <a:font script="Knda" typeface="Tunga"/>
+        <a:font script="Guru" typeface="Raavi"/>
+        <a:font script="Cans" typeface="Euphemia"/>
+        <a:font script="Cher" typeface="Plantagenet Cherokee"/>
+        <a:font script="Yiii" typeface="Microsoft Yi Baiti"/>
+        <a:font script="Tibt" typeface="Microsoft Himalaya"/>
+        <a:font script="Thaa" typeface="MV Boli"/>
+        <a:font script="Deva" typeface="Mangal"/>
+        <a:font script="Telu" typeface="Gautami"/>
+        <a:font script="Taml" typeface="Latha"/>
+        <a:font script="Syrc" typeface="Estrangelo Edessa"/>
+        <a:font script="Orya" typeface="Kalinga"/>
+        <a:font script="Mlym" typeface="Kartika"/>
+        <a:font script="Laoo" typeface="DokChampa"/>
+        <a:font script="Sinh" typeface="Iskoola Pota"/>
+        <a:font script="Mong" typeface="Mongolian Baiti"/>
+        <a:font script="Viet" typeface="Arial"/>
+        <a:font script="Uigh" typeface="Microsoft Uighur"/>
+        <a:font script="Geor" typeface="Sylfaen"/>
+        <a:font script="Armn" typeface="Arial"/>
+        <a:font script="Bugi" typeface="Leelawadee UI"/>
+        <a:font script="Bopo" typeface="Microsoft JhengHei"/>
+        <a:font script="Java" typeface="Javanese Text"/>
+        <a:font script="Lisu" typeface="Segoe UI"/>
+        <a:font script="Mymr" typeface="Myanmar Text"/>
+        <a:font script="Nkoo" typeface="Ebrima"/>
+        <a:font script="Olck" typeface="Nirmala UI"/>
+        <a:font script="Osma" typeface="Ebrima"/>
+        <a:font script="Phag" typeface="Phagspa"/>
+        <a:font script="Syrn" typeface="Estrangelo Edessa"/>
+        <a:font script="Syrj" typeface="Estrangelo Edessa"/>
+        <a:font script="Syre" typeface="Estrangelo Edessa"/>
+        <a:font script="Sora" typeface="Nirmala UI"/>
+        <a:font script="Tale" typeface="Microsoft Tai Le"/>
+        <a:font script="Talu" typeface="Microsoft New Tai Lue"/>
+        <a:font script="Tfng" typeface="Ebrima"/>
+      </a:minorFont>
+    </a:fontScheme>
+    <a:fmtScheme name="Office">
+      <a:fillStyleLst>
+        <a:solidFill>
+          <a:schemeClr val="phClr"/>
+        </a:solidFill>
+        <a:gradFill rotWithShape="1">
+          <a:gsLst>
+            <a:gs pos="0">
+              <a:schemeClr val="phClr">
+                <a:lumMod val="110000"/>
+                <a:satMod val="105000"/>
+                <a:tint val="67000"/>
+              </a:schemeClr>
+            </a:gs>
+            <a:gs pos="50000">
+              <a:schemeClr val="phClr">
+                <a:lumMod val="105000"/>
+                <a:satMod val="103000"/>
+                <a:tint val="73000"/>
+              </a:schemeClr>
+            </a:gs>
+            <a:gs pos="100000">
+              <a:schemeClr val="phClr">
+                <a:lumMod val="105000"/>
+                <a:satMod val="109000"/>
+                <a:tint val="81000"/>
+              </a:schemeClr>
+            </a:gs>
+          </a:gsLst>
+          <a:lin ang="5400000" scaled="0"/>
+        </a:gradFill>
+        <a:gradFill rotWithShape="1">
+          <a:gsLst>
+            <a:gs pos="0">
+              <a:schemeClr val="phClr">
+                <a:satMod val="103000"/>
+                <a:lumMod val="102000"/>
+                <a:tint val="94000"/>
+              </a:schemeClr>
+            </a:gs>
+            <a:gs pos="50000">
+              <a:schemeClr val="phClr">
+                <a:satMod val="110000"/>
+                <a:lumMod val="100000"/>
+                <a:shade val="100000"/>
+              </a:schemeClr>
+            </a:gs>
+            <a:gs pos="100000">
+              <a:schemeClr val="phClr">
+                <a:lumMod val="99000"/>
+                <a:satMod val="120000"/>
+                <a:shade val="78000"/>
+              </a:schemeClr>
+            </a:gs>
+          </a:gsLst>
+          <a:lin ang="5400000" scaled="0"/>
+        </a:gradFill>
+      </a:fillStyleLst>
+      <a:lnStyleLst>
+        <a:ln w="6350" cap="flat" cmpd="sng" algn="ctr">
+          <a:solidFill>
+            <a:schemeClr val="phClr"/>
+          </a:solidFill>
+          <a:prstDash val="solid"/>
+          <a:miter lim="800000"/>
+        </a:ln>
+        <a:ln w="12700" cap="flat" cmpd="sng" algn="ctr">
+          <a:solidFill>
+            <a:schemeClr val="phClr"/>
+          </a:solidFill>
+          <a:prstDash val="solid"/>
+          <a:miter lim="800000"/>
+        </a:ln>
+        <a:ln w="19050" cap="flat" cmpd="sng" algn="ctr">
+          <a:solidFill>
+            <a:schemeClr val="phClr"/>
+          </a:solidFill>
+          <a:prstDash val="solid"/>
+          <a:miter lim="800000"/>
+        </a:ln>
+      </a:lnStyleLst>
+      <a:effectStyleLst>
+        <a:effectStyle>
+          <a:effectLst/>
+        </a:effectStyle>
+        <a:effectStyle>
+          <a:effectLst/>
+        </a:effectStyle>
+        <a:effectStyle>
+          <a:effectLst>
+            <a:outerShdw blurRad="57150" dist="19050" dir="5400000" algn="ctr" rotWithShape="0">
+              <a:srgbClr val="000000">
+                <a:alpha val="63000"/>
+              </a:srgbClr>
+            </a:outerShdw>
+          </a:effectLst>
+        </a:effectStyle>
+      </a:effectStyleLst>
+      <a:bgFillStyleLst>
+        <a:solidFill>
+          <a:schemeClr val="phClr"/>
+        </a:solidFill>
+        <a:solidFill>
+          <a:schemeClr val="phClr">
+            <a:tint val="95000"/>
+            <a:satMod val="170000"/>
+          </a:schemeClr>
+        </a:solidFill>
+        <a:gradFill rotWithShape="1">
+          <a:gsLst>
+            <a:gs pos="0">
+              <a:schemeClr val="phClr">
+                <a:tint val="93000"/>
+                <a:satMod val="150000"/>
+                <a:shade val="98000"/>
+                <a:lumMod val="102000"/>
+              </a:schemeClr>
+            </a:gs>
+            <a:gs pos="50000">
+              <a:schemeClr val="phClr">
+                <a:tint val="98000"/>
+                <a:satMod val="130000"/>
+                <a:shade val="90000"/>
+                <a:lumMod val="103000"/>
+              </a:schemeClr>
+            </a:gs>
+            <a:gs pos="100000">
+              <a:schemeClr val="phClr">
+                <a:shade val="63000"/>
+                <a:satMod val="120000"/>
+              </a:schemeClr>
+            </a:gs>
+          </a:gsLst>
+          <a:lin ang="5400000" scaled="0"/>
+        </a:gradFill>
+      </a:bgFillStyleLst>
+    </a:fmtScheme>
+  </a:themeElements>
+  <a:objectDefaults/>
+  <a:extraClrSchemeLst/>
+  <a:extLst>
+    <a:ext uri="{05A4C25C-085E-4340-85A3-A5531E510DB2}">
+      <thm15:themeFamily xmlns:thm15="http://schemas.microsoft.com/office/thememl/2012/main" name="Office Theme" id="{62F939B6-93AF-4DB8-9C6B-D6C7DFDC589F}" vid="{4A3C46E8-61CC-4603-A589-7422A47A8E4A}"/>
+    </a:ext>
+  </a:extLst>
+</a:theme>
 </file>
 
-<file path=customXml/item2.xml><?xml version="1.0" encoding="utf-8"?>
+<file path=customXml/item1.xml><?xml version="1.0" encoding="utf-8"?>
 <ct:contentTypeSchema xmlns:ct="http://schemas.microsoft.com/office/2006/metadata/contentType" xmlns:ma="http://schemas.microsoft.com/office/2006/metadata/properties/metaAttributes" ct:_="" ma:_="" ma:contentTypeName="Document" ma:contentTypeID="0x0101003A5E0044283A984AA3183FE88FF25A0B" ma:contentTypeVersion="9" ma:contentTypeDescription="Create a new document." ma:contentTypeScope="" ma:versionID="ed9c539b4b08274a335eafb8b201f276">
   <xsd:schema xmlns:xsd="http://www.w3.org/2001/XMLSchema" xmlns:xs="http://www.w3.org/2001/XMLSchema" xmlns:p="http://schemas.microsoft.com/office/2006/metadata/properties" xmlns:ns2="b0641940-9653-45b2-89d8-3045b73e292f" xmlns:ns3="269ae7e7-5817-44a4-b0f1-a2146e3fa140" targetNamespace="http://schemas.microsoft.com/office/2006/metadata/properties" ma:root="true" ma:fieldsID="ebc72565b0ea93eef8c00cb7a1023876" ns2:_="" ns3:_="">
     <xsd:import namespace="b0641940-9653-45b2-89d8-3045b73e292f"/>
@@ -13008,7 +18013,7 @@
 </ct:contentTypeSchema>
 </file>
 
-<file path=customXml/item3.xml><?xml version="1.0" encoding="utf-8"?>
+<file path=customXml/item2.xml><?xml version="1.0" encoding="utf-8"?>
 <p:properties xmlns:p="http://schemas.microsoft.com/office/2006/metadata/properties" xmlns:xsi="http://www.w3.org/2001/XMLSchema-instance" xmlns:pc="http://schemas.microsoft.com/office/infopath/2007/PartnerControls">
   <documentManagement>
     <lcf76f155ced4ddcb4097134ff3c332f xmlns="b0641940-9653-45b2-89d8-3045b73e292f">
@@ -13019,15 +18024,16 @@
 </p:properties>
 </file>
 
-<file path=customXml/itemProps1.xml><?xml version="1.0" encoding="utf-8"?>
-<ds:datastoreItem xmlns:ds="http://schemas.openxmlformats.org/officeDocument/2006/customXml" ds:itemID="{EDC96BED-89A2-4AF3-A7DD-253537B6C8A3}">
-  <ds:schemaRefs>
-    <ds:schemaRef ds:uri="http://schemas.microsoft.com/sharepoint/v3/contenttype/forms"/>
-  </ds:schemaRefs>
-</ds:datastoreItem>
+<file path=customXml/item3.xml><?xml version="1.0" encoding="utf-8"?>
+<?mso-contentType ?>
+<FormTemplates xmlns="http://schemas.microsoft.com/sharepoint/v3/contenttype/forms">
+  <Display>DocumentLibraryForm</Display>
+  <Edit>DocumentLibraryForm</Edit>
+  <New>DocumentLibraryForm</New>
+</FormTemplates>
 </file>
 
-<file path=customXml/itemProps2.xml><?xml version="1.0" encoding="utf-8"?>
+<file path=customXml/itemProps1.xml><?xml version="1.0" encoding="utf-8"?>
 <ds:datastoreItem xmlns:ds="http://schemas.openxmlformats.org/officeDocument/2006/customXml" ds:itemID="{2A067BC8-A1DE-4BB9-993E-878541B27B54}">
   <ds:schemaRefs>
     <ds:schemaRef ds:uri="http://schemas.microsoft.com/office/2006/metadata/contentType"/>
@@ -13046,7 +18052,7 @@
 </ds:datastoreItem>
 </file>
 
-<file path=customXml/itemProps3.xml><?xml version="1.0" encoding="utf-8"?>
+<file path=customXml/itemProps2.xml><?xml version="1.0" encoding="utf-8"?>
 <ds:datastoreItem xmlns:ds="http://schemas.openxmlformats.org/officeDocument/2006/customXml" ds:itemID="{A6398018-3204-43D6-A353-7B6FCC26835E}">
   <ds:schemaRefs>
     <ds:schemaRef ds:uri="http://www.w3.org/XML/1998/namespace"/>
@@ -13061,4 +18067,12 @@
     <ds:schemaRef ds:uri="b0641940-9653-45b2-89d8-3045b73e292f"/>
   </ds:schemaRefs>
 </ds:datastoreItem>
+</file>
+
+<file path=customXml/itemProps3.xml><?xml version="1.0" encoding="utf-8"?>
+<ds:datastoreItem xmlns:ds="http://schemas.openxmlformats.org/officeDocument/2006/customXml" ds:itemID="{EDC96BED-89A2-4AF3-A7DD-253537B6C8A3}">
+  <ds:schemaRefs>
+    <ds:schemaRef ds:uri="http://schemas.microsoft.com/sharepoint/v3/contenttype/forms"/>
+  </ds:schemaRefs>
+</ds:datastoreItem>
 </file>
--- a/MasterThesis_Presentation2_MarkusBimassl.pptx
+++ b/MasterThesis_Presentation2_MarkusBimassl.pptx
@@ -260,7 +260,7 @@
           <a:p>
             <a:fld id="{89927670-F997-4F95-BDFF-78B623CDD924}" type="datetimeFigureOut">
               <a:rPr lang="en-US" smtClean="0"/>
-              <a:t>9/15/2023</a:t>
+              <a:t>9/17/2023</a:t>
             </a:fld>
             <a:endParaRPr lang="en-US"/>
           </a:p>
@@ -3085,7 +3085,7 @@
           <a:p>
             <a:fld id="{F3661922-06AB-4DA3-97CF-6994936CFC80}" type="datetimeFigureOut">
               <a:rPr lang="en-US" smtClean="0"/>
-              <a:t>9/15/2023</a:t>
+              <a:t>9/17/2023</a:t>
             </a:fld>
             <a:endParaRPr lang="en-US"/>
           </a:p>
@@ -3283,7 +3283,7 @@
           <a:p>
             <a:fld id="{F3661922-06AB-4DA3-97CF-6994936CFC80}" type="datetimeFigureOut">
               <a:rPr lang="en-US" smtClean="0"/>
-              <a:t>9/15/2023</a:t>
+              <a:t>9/17/2023</a:t>
             </a:fld>
             <a:endParaRPr lang="en-US"/>
           </a:p>
@@ -12988,7 +12988,7 @@
                             </p:stCondLst>
                             <p:childTnLst>
                               <p:par>
-                                <p:cTn id="13" presetID="1" presetClass="entr" presetSubtype="0" fill="hold" nodeType="clickEffect">
+                                <p:cTn id="13" presetID="1" presetClass="entr" presetSubtype="0" fill="hold" grpId="0" nodeType="clickEffect">
                                   <p:stCondLst>
                                     <p:cond delay="0"/>
                                   </p:stCondLst>
@@ -12996,6 +12996,51 @@
                                     <p:set>
                                       <p:cBhvr>
                                         <p:cTn id="14" dur="1" fill="hold">
+                                          <p:stCondLst>
+                                            <p:cond delay="0"/>
+                                          </p:stCondLst>
+                                        </p:cTn>
+                                        <p:tgtEl>
+                                          <p:spTgt spid="6"/>
+                                        </p:tgtEl>
+                                        <p:attrNameLst>
+                                          <p:attrName>style.visibility</p:attrName>
+                                        </p:attrNameLst>
+                                      </p:cBhvr>
+                                      <p:to>
+                                        <p:strVal val="visible"/>
+                                      </p:to>
+                                    </p:set>
+                                  </p:childTnLst>
+                                </p:cTn>
+                              </p:par>
+                            </p:childTnLst>
+                          </p:cTn>
+                        </p:par>
+                      </p:childTnLst>
+                    </p:cTn>
+                  </p:par>
+                  <p:par>
+                    <p:cTn id="15" fill="hold">
+                      <p:stCondLst>
+                        <p:cond delay="indefinite"/>
+                      </p:stCondLst>
+                      <p:childTnLst>
+                        <p:par>
+                          <p:cTn id="16" fill="hold">
+                            <p:stCondLst>
+                              <p:cond delay="0"/>
+                            </p:stCondLst>
+                            <p:childTnLst>
+                              <p:par>
+                                <p:cTn id="17" presetID="1" presetClass="entr" presetSubtype="0" fill="hold" nodeType="clickEffect">
+                                  <p:stCondLst>
+                                    <p:cond delay="0"/>
+                                  </p:stCondLst>
+                                  <p:childTnLst>
+                                    <p:set>
+                                      <p:cBhvr>
+                                        <p:cTn id="18" dur="1" fill="hold">
                                           <p:stCondLst>
                                             <p:cond delay="0"/>
                                           </p:stCondLst>
@@ -13019,14 +13064,14 @@
                                 </p:cTn>
                               </p:par>
                               <p:par>
-                                <p:cTn id="15" presetID="1" presetClass="entr" presetSubtype="0" fill="hold" nodeType="withEffect">
+                                <p:cTn id="19" presetID="1" presetClass="entr" presetSubtype="0" fill="hold" nodeType="withEffect">
                                   <p:stCondLst>
                                     <p:cond delay="0"/>
                                   </p:stCondLst>
                                   <p:childTnLst>
                                     <p:set>
                                       <p:cBhvr>
-                                        <p:cTn id="16" dur="1" fill="hold">
+                                        <p:cTn id="20" dur="1" fill="hold">
                                           <p:stCondLst>
                                             <p:cond delay="0"/>
                                           </p:stCondLst>
@@ -13050,14 +13095,14 @@
                                 </p:cTn>
                               </p:par>
                               <p:par>
-                                <p:cTn id="17" presetID="1" presetClass="entr" presetSubtype="0" fill="hold" nodeType="withEffect">
+                                <p:cTn id="21" presetID="1" presetClass="entr" presetSubtype="0" fill="hold" nodeType="withEffect">
                                   <p:stCondLst>
                                     <p:cond delay="0"/>
                                   </p:stCondLst>
                                   <p:childTnLst>
                                     <p:set>
                                       <p:cBhvr>
-                                        <p:cTn id="18" dur="1" fill="hold">
+                                        <p:cTn id="22" dur="1" fill="hold">
                                           <p:stCondLst>
                                             <p:cond delay="0"/>
                                           </p:stCondLst>
@@ -13087,81 +13132,19 @@
                     </p:cTn>
                   </p:par>
                   <p:par>
-                    <p:cTn id="19" fill="hold">
+                    <p:cTn id="23" fill="hold">
                       <p:stCondLst>
                         <p:cond delay="indefinite"/>
                       </p:stCondLst>
                       <p:childTnLst>
                         <p:par>
-                          <p:cTn id="20" fill="hold">
+                          <p:cTn id="24" fill="hold">
                             <p:stCondLst>
                               <p:cond delay="0"/>
                             </p:stCondLst>
                             <p:childTnLst>
                               <p:par>
-                                <p:cTn id="21" presetID="1" presetClass="entr" presetSubtype="0" fill="hold" nodeType="clickEffect">
-                                  <p:stCondLst>
-                                    <p:cond delay="0"/>
-                                  </p:stCondLst>
-                                  <p:childTnLst>
-                                    <p:set>
-                                      <p:cBhvr>
-                                        <p:cTn id="22" dur="1" fill="hold">
-                                          <p:stCondLst>
-                                            <p:cond delay="0"/>
-                                          </p:stCondLst>
-                                        </p:cTn>
-                                        <p:tgtEl>
-                                          <p:spTgt spid="3">
-                                            <p:txEl>
-                                              <p:pRg st="9" end="9"/>
-                                            </p:txEl>
-                                          </p:spTgt>
-                                        </p:tgtEl>
-                                        <p:attrNameLst>
-                                          <p:attrName>style.visibility</p:attrName>
-                                        </p:attrNameLst>
-                                      </p:cBhvr>
-                                      <p:to>
-                                        <p:strVal val="visible"/>
-                                      </p:to>
-                                    </p:set>
-                                  </p:childTnLst>
-                                </p:cTn>
-                              </p:par>
-                              <p:par>
-                                <p:cTn id="23" presetID="1" presetClass="entr" presetSubtype="0" fill="hold" nodeType="withEffect">
-                                  <p:stCondLst>
-                                    <p:cond delay="0"/>
-                                  </p:stCondLst>
-                                  <p:childTnLst>
-                                    <p:set>
-                                      <p:cBhvr>
-                                        <p:cTn id="24" dur="1" fill="hold">
-                                          <p:stCondLst>
-                                            <p:cond delay="0"/>
-                                          </p:stCondLst>
-                                        </p:cTn>
-                                        <p:tgtEl>
-                                          <p:spTgt spid="3">
-                                            <p:txEl>
-                                              <p:pRg st="10" end="10"/>
-                                            </p:txEl>
-                                          </p:spTgt>
-                                        </p:tgtEl>
-                                        <p:attrNameLst>
-                                          <p:attrName>style.visibility</p:attrName>
-                                        </p:attrNameLst>
-                                      </p:cBhvr>
-                                      <p:to>
-                                        <p:strVal val="visible"/>
-                                      </p:to>
-                                    </p:set>
-                                  </p:childTnLst>
-                                </p:cTn>
-                              </p:par>
-                              <p:par>
-                                <p:cTn id="25" presetID="1" presetClass="entr" presetSubtype="0" fill="hold" nodeType="withEffect">
+                                <p:cTn id="25" presetID="1" presetClass="entr" presetSubtype="0" fill="hold" nodeType="clickEffect">
                                   <p:stCondLst>
                                     <p:cond delay="0"/>
                                   </p:stCondLst>
@@ -13176,7 +13159,7 @@
                                         <p:tgtEl>
                                           <p:spTgt spid="3">
                                             <p:txEl>
-                                              <p:pRg st="11" end="11"/>
+                                              <p:pRg st="9" end="9"/>
                                             </p:txEl>
                                           </p:spTgt>
                                         </p:tgtEl>
@@ -13207,7 +13190,7 @@
                                         <p:tgtEl>
                                           <p:spTgt spid="3">
                                             <p:txEl>
-                                              <p:pRg st="12" end="12"/>
+                                              <p:pRg st="10" end="10"/>
                                             </p:txEl>
                                           </p:spTgt>
                                         </p:tgtEl>
@@ -13238,7 +13221,7 @@
                                         <p:tgtEl>
                                           <p:spTgt spid="3">
                                             <p:txEl>
-                                              <p:pRg st="13" end="13"/>
+                                              <p:pRg st="11" end="11"/>
                                             </p:txEl>
                                           </p:spTgt>
                                         </p:tgtEl>
@@ -13253,26 +13236,39 @@
                                   </p:childTnLst>
                                 </p:cTn>
                               </p:par>
-                            </p:childTnLst>
-                          </p:cTn>
-                        </p:par>
-                      </p:childTnLst>
-                    </p:cTn>
-                  </p:par>
-                  <p:par>
-                    <p:cTn id="31" fill="hold">
-                      <p:stCondLst>
-                        <p:cond delay="indefinite"/>
-                      </p:stCondLst>
-                      <p:childTnLst>
-                        <p:par>
-                          <p:cTn id="32" fill="hold">
-                            <p:stCondLst>
-                              <p:cond delay="0"/>
-                            </p:stCondLst>
-                            <p:childTnLst>
                               <p:par>
-                                <p:cTn id="33" presetID="1" presetClass="entr" presetSubtype="0" fill="hold" grpId="0" nodeType="clickEffect">
+                                <p:cTn id="31" presetID="1" presetClass="entr" presetSubtype="0" fill="hold" nodeType="withEffect">
+                                  <p:stCondLst>
+                                    <p:cond delay="0"/>
+                                  </p:stCondLst>
+                                  <p:childTnLst>
+                                    <p:set>
+                                      <p:cBhvr>
+                                        <p:cTn id="32" dur="1" fill="hold">
+                                          <p:stCondLst>
+                                            <p:cond delay="0"/>
+                                          </p:stCondLst>
+                                        </p:cTn>
+                                        <p:tgtEl>
+                                          <p:spTgt spid="3">
+                                            <p:txEl>
+                                              <p:pRg st="12" end="12"/>
+                                            </p:txEl>
+                                          </p:spTgt>
+                                        </p:tgtEl>
+                                        <p:attrNameLst>
+                                          <p:attrName>style.visibility</p:attrName>
+                                        </p:attrNameLst>
+                                      </p:cBhvr>
+                                      <p:to>
+                                        <p:strVal val="visible"/>
+                                      </p:to>
+                                    </p:set>
+                                  </p:childTnLst>
+                                </p:cTn>
+                              </p:par>
+                              <p:par>
+                                <p:cTn id="33" presetID="1" presetClass="entr" presetSubtype="0" fill="hold" nodeType="withEffect">
                                   <p:stCondLst>
                                     <p:cond delay="0"/>
                                   </p:stCondLst>
@@ -13285,7 +13281,11 @@
                                           </p:stCondLst>
                                         </p:cTn>
                                         <p:tgtEl>
-                                          <p:spTgt spid="6"/>
+                                          <p:spTgt spid="3">
+                                            <p:txEl>
+                                              <p:pRg st="13" end="13"/>
+                                            </p:txEl>
+                                          </p:spTgt>
                                         </p:tgtEl>
                                         <p:attrNameLst>
                                           <p:attrName>style.visibility</p:attrName>
@@ -24391,15 +24391,6 @@
 </file>
 
 <file path=customXml/item1.xml><?xml version="1.0" encoding="utf-8"?>
-<?mso-contentType ?>
-<FormTemplates xmlns="http://schemas.microsoft.com/sharepoint/v3/contenttype/forms">
-  <Display>DocumentLibraryForm</Display>
-  <Edit>DocumentLibraryForm</Edit>
-  <New>DocumentLibraryForm</New>
-</FormTemplates>
-</file>
-
-<file path=customXml/item2.xml><?xml version="1.0" encoding="utf-8"?>
 <ct:contentTypeSchema xmlns:ct="http://schemas.microsoft.com/office/2006/metadata/contentType" xmlns:ma="http://schemas.microsoft.com/office/2006/metadata/properties/metaAttributes" ct:_="" ma:_="" ma:contentTypeName="Document" ma:contentTypeID="0x0101003A5E0044283A984AA3183FE88FF25A0B" ma:contentTypeVersion="9" ma:contentTypeDescription="Create a new document." ma:contentTypeScope="" ma:versionID="ed9c539b4b08274a335eafb8b201f276">
   <xsd:schema xmlns:xsd="http://www.w3.org/2001/XMLSchema" xmlns:xs="http://www.w3.org/2001/XMLSchema" xmlns:p="http://schemas.microsoft.com/office/2006/metadata/properties" xmlns:ns2="b0641940-9653-45b2-89d8-3045b73e292f" xmlns:ns3="269ae7e7-5817-44a4-b0f1-a2146e3fa140" targetNamespace="http://schemas.microsoft.com/office/2006/metadata/properties" ma:root="true" ma:fieldsID="ebc72565b0ea93eef8c00cb7a1023876" ns2:_="" ns3:_="">
     <xsd:import namespace="b0641940-9653-45b2-89d8-3045b73e292f"/>
@@ -24582,7 +24573,7 @@
 </ct:contentTypeSchema>
 </file>
 
-<file path=customXml/item3.xml><?xml version="1.0" encoding="utf-8"?>
+<file path=customXml/item2.xml><?xml version="1.0" encoding="utf-8"?>
 <p:properties xmlns:p="http://schemas.microsoft.com/office/2006/metadata/properties" xmlns:xsi="http://www.w3.org/2001/XMLSchema-instance" xmlns:pc="http://schemas.microsoft.com/office/infopath/2007/PartnerControls">
   <documentManagement>
     <lcf76f155ced4ddcb4097134ff3c332f xmlns="b0641940-9653-45b2-89d8-3045b73e292f">
@@ -24593,15 +24584,16 @@
 </p:properties>
 </file>
 
-<file path=customXml/itemProps1.xml><?xml version="1.0" encoding="utf-8"?>
-<ds:datastoreItem xmlns:ds="http://schemas.openxmlformats.org/officeDocument/2006/customXml" ds:itemID="{EDC96BED-89A2-4AF3-A7DD-253537B6C8A3}">
-  <ds:schemaRefs>
-    <ds:schemaRef ds:uri="http://schemas.microsoft.com/sharepoint/v3/contenttype/forms"/>
-  </ds:schemaRefs>
-</ds:datastoreItem>
+<file path=customXml/item3.xml><?xml version="1.0" encoding="utf-8"?>
+<?mso-contentType ?>
+<FormTemplates xmlns="http://schemas.microsoft.com/sharepoint/v3/contenttype/forms">
+  <Display>DocumentLibraryForm</Display>
+  <Edit>DocumentLibraryForm</Edit>
+  <New>DocumentLibraryForm</New>
+</FormTemplates>
 </file>
 
-<file path=customXml/itemProps2.xml><?xml version="1.0" encoding="utf-8"?>
+<file path=customXml/itemProps1.xml><?xml version="1.0" encoding="utf-8"?>
 <ds:datastoreItem xmlns:ds="http://schemas.openxmlformats.org/officeDocument/2006/customXml" ds:itemID="{2A067BC8-A1DE-4BB9-993E-878541B27B54}">
   <ds:schemaRefs>
     <ds:schemaRef ds:uri="http://schemas.microsoft.com/office/2006/metadata/contentType"/>
@@ -24620,7 +24612,7 @@
 </ds:datastoreItem>
 </file>
 
-<file path=customXml/itemProps3.xml><?xml version="1.0" encoding="utf-8"?>
+<file path=customXml/itemProps2.xml><?xml version="1.0" encoding="utf-8"?>
 <ds:datastoreItem xmlns:ds="http://schemas.openxmlformats.org/officeDocument/2006/customXml" ds:itemID="{A6398018-3204-43D6-A353-7B6FCC26835E}">
   <ds:schemaRefs>
     <ds:schemaRef ds:uri="http://www.w3.org/XML/1998/namespace"/>
@@ -24635,4 +24627,12 @@
     <ds:schemaRef ds:uri="b0641940-9653-45b2-89d8-3045b73e292f"/>
   </ds:schemaRefs>
 </ds:datastoreItem>
+</file>
+
+<file path=customXml/itemProps3.xml><?xml version="1.0" encoding="utf-8"?>
+<ds:datastoreItem xmlns:ds="http://schemas.openxmlformats.org/officeDocument/2006/customXml" ds:itemID="{EDC96BED-89A2-4AF3-A7DD-253537B6C8A3}">
+  <ds:schemaRefs>
+    <ds:schemaRef ds:uri="http://schemas.microsoft.com/sharepoint/v3/contenttype/forms"/>
+  </ds:schemaRefs>
+</ds:datastoreItem>
 </file>